--- a/Präsentation/Colloquium.pptx
+++ b/Präsentation/Colloquium.pptx
@@ -7,7 +7,7 @@
     <p:sldMasterId id="2147483666" r:id="rId3"/>
   </p:sldMasterIdLst>
   <p:notesMasterIdLst>
-    <p:notesMasterId r:id="rId21"/>
+    <p:notesMasterId r:id="rId22"/>
   </p:notesMasterIdLst>
   <p:sldIdLst>
     <p:sldId id="256" r:id="rId4"/>
@@ -23,10 +23,11 @@
     <p:sldId id="264" r:id="rId14"/>
     <p:sldId id="267" r:id="rId15"/>
     <p:sldId id="270" r:id="rId16"/>
-    <p:sldId id="269" r:id="rId17"/>
-    <p:sldId id="275" r:id="rId18"/>
-    <p:sldId id="276" r:id="rId19"/>
-    <p:sldId id="277" r:id="rId20"/>
+    <p:sldId id="278" r:id="rId17"/>
+    <p:sldId id="269" r:id="rId18"/>
+    <p:sldId id="275" r:id="rId19"/>
+    <p:sldId id="276" r:id="rId20"/>
+    <p:sldId id="277" r:id="rId21"/>
   </p:sldIdLst>
   <p:sldSz cx="12192000" cy="6858000"/>
   <p:notesSz cx="6858000" cy="9144000"/>
@@ -425,186 +426,6 @@
     </pc:docChg>
   </pc:docChgLst>
   <pc:docChgLst>
-    <pc:chgData name="Guest User" providerId="Windows Live" clId="Web-{A776C6B5-78DB-4DD9-9190-44400319DE7D}"/>
-    <pc:docChg chg="addSld modSld">
-      <pc:chgData name="Guest User" userId="" providerId="Windows Live" clId="Web-{A776C6B5-78DB-4DD9-9190-44400319DE7D}" dt="2020-08-08T12:09:01.768" v="146" actId="1076"/>
-      <pc:docMkLst>
-        <pc:docMk/>
-      </pc:docMkLst>
-      <pc:sldChg chg="addSp delSp modSp">
-        <pc:chgData name="Guest User" userId="" providerId="Windows Live" clId="Web-{A776C6B5-78DB-4DD9-9190-44400319DE7D}" dt="2020-08-08T12:09:01.768" v="146" actId="1076"/>
-        <pc:sldMkLst>
-          <pc:docMk/>
-          <pc:sldMk cId="647826032" sldId="258"/>
-        </pc:sldMkLst>
-        <pc:spChg chg="mod">
-          <ac:chgData name="Guest User" userId="" providerId="Windows Live" clId="Web-{A776C6B5-78DB-4DD9-9190-44400319DE7D}" dt="2020-08-08T12:06:46.819" v="134" actId="20577"/>
-          <ac:spMkLst>
-            <pc:docMk/>
-            <pc:sldMk cId="647826032" sldId="258"/>
-            <ac:spMk id="2" creationId="{1FEB328D-4DAC-400F-A919-44AD5D3A9535}"/>
-          </ac:spMkLst>
-        </pc:spChg>
-        <pc:spChg chg="add del mod">
-          <ac:chgData name="Guest User" userId="" providerId="Windows Live" clId="Web-{A776C6B5-78DB-4DD9-9190-44400319DE7D}" dt="2020-08-08T12:04:41.246" v="98"/>
-          <ac:spMkLst>
-            <pc:docMk/>
-            <pc:sldMk cId="647826032" sldId="258"/>
-            <ac:spMk id="5" creationId="{564443E3-002E-4CA4-B927-C85AAD143B3F}"/>
-          </ac:spMkLst>
-        </pc:spChg>
-        <pc:spChg chg="del">
-          <ac:chgData name="Guest User" userId="" providerId="Windows Live" clId="Web-{A776C6B5-78DB-4DD9-9190-44400319DE7D}" dt="2020-08-08T11:48:21.411" v="0"/>
-          <ac:spMkLst>
-            <pc:docMk/>
-            <pc:sldMk cId="647826032" sldId="258"/>
-            <ac:spMk id="7" creationId="{3C3F964A-6227-4C80-9CC0-81918DA0A0F7}"/>
-          </ac:spMkLst>
-        </pc:spChg>
-        <pc:spChg chg="add del mod">
-          <ac:chgData name="Guest User" userId="" providerId="Windows Live" clId="Web-{A776C6B5-78DB-4DD9-9190-44400319DE7D}" dt="2020-08-08T12:05:21.812" v="103"/>
-          <ac:spMkLst>
-            <pc:docMk/>
-            <pc:sldMk cId="647826032" sldId="258"/>
-            <ac:spMk id="9" creationId="{18DB51B0-B050-480B-8BD8-AF63FAEBCED6}"/>
-          </ac:spMkLst>
-        </pc:spChg>
-        <pc:spChg chg="add del mod">
-          <ac:chgData name="Guest User" userId="" providerId="Windows Live" clId="Web-{A776C6B5-78DB-4DD9-9190-44400319DE7D}" dt="2020-08-08T12:07:41.512" v="138"/>
-          <ac:spMkLst>
-            <pc:docMk/>
-            <pc:sldMk cId="647826032" sldId="258"/>
-            <ac:spMk id="20" creationId="{AC5973D7-7982-43CD-B294-34F4A6CDDF1D}"/>
-          </ac:spMkLst>
-        </pc:spChg>
-        <pc:graphicFrameChg chg="add del mod ord modGraphic">
-          <ac:chgData name="Guest User" userId="" providerId="Windows Live" clId="Web-{A776C6B5-78DB-4DD9-9190-44400319DE7D}" dt="2020-08-08T12:05:19.531" v="102"/>
-          <ac:graphicFrameMkLst>
-            <pc:docMk/>
-            <pc:sldMk cId="647826032" sldId="258"/>
-            <ac:graphicFrameMk id="10" creationId="{8DB4E99D-6322-4F10-94E0-7851133F166E}"/>
-          </ac:graphicFrameMkLst>
-        </pc:graphicFrameChg>
-        <pc:picChg chg="add del mod ord">
-          <ac:chgData name="Guest User" userId="" providerId="Windows Live" clId="Web-{A776C6B5-78DB-4DD9-9190-44400319DE7D}" dt="2020-08-08T11:49:40.700" v="7"/>
-          <ac:picMkLst>
-            <pc:docMk/>
-            <pc:sldMk cId="647826032" sldId="258"/>
-            <ac:picMk id="3" creationId="{7765ED4B-A71C-48A5-809B-23E1CA79405D}"/>
-          </ac:picMkLst>
-        </pc:picChg>
-        <pc:picChg chg="add del mod ord">
-          <ac:chgData name="Guest User" userId="" providerId="Windows Live" clId="Web-{A776C6B5-78DB-4DD9-9190-44400319DE7D}" dt="2020-08-08T12:04:54.778" v="100"/>
-          <ac:picMkLst>
-            <pc:docMk/>
-            <pc:sldMk cId="647826032" sldId="258"/>
-            <ac:picMk id="6" creationId="{C3AE207B-B1F4-45D1-A4AF-E9D8C82C8659}"/>
-          </ac:picMkLst>
-        </pc:picChg>
-        <pc:picChg chg="add del mod ord">
-          <ac:chgData name="Guest User" userId="" providerId="Windows Live" clId="Web-{A776C6B5-78DB-4DD9-9190-44400319DE7D}" dt="2020-08-08T12:06:48.194" v="137"/>
-          <ac:picMkLst>
-            <pc:docMk/>
-            <pc:sldMk cId="647826032" sldId="258"/>
-            <ac:picMk id="17" creationId="{567FC87B-125B-42CF-B4E2-B399CCA016CA}"/>
-          </ac:picMkLst>
-        </pc:picChg>
-        <pc:picChg chg="add del mod">
-          <ac:chgData name="Guest User" userId="" providerId="Windows Live" clId="Web-{A776C6B5-78DB-4DD9-9190-44400319DE7D}" dt="2020-08-08T12:06:47.507" v="136"/>
-          <ac:picMkLst>
-            <pc:docMk/>
-            <pc:sldMk cId="647826032" sldId="258"/>
-            <ac:picMk id="18" creationId="{5CF93812-4326-43A3-9E90-0F99A57D820B}"/>
-          </ac:picMkLst>
-        </pc:picChg>
-        <pc:picChg chg="add mod ord">
-          <ac:chgData name="Guest User" userId="" providerId="Windows Live" clId="Web-{A776C6B5-78DB-4DD9-9190-44400319DE7D}" dt="2020-08-08T12:09:01.034" v="145" actId="1076"/>
-          <ac:picMkLst>
-            <pc:docMk/>
-            <pc:sldMk cId="647826032" sldId="258"/>
-            <ac:picMk id="21" creationId="{5DC6EE78-537D-4713-B3FB-7795970214C4}"/>
-          </ac:picMkLst>
-        </pc:picChg>
-        <pc:picChg chg="add mod">
-          <ac:chgData name="Guest User" userId="" providerId="Windows Live" clId="Web-{A776C6B5-78DB-4DD9-9190-44400319DE7D}" dt="2020-08-08T12:09:01.768" v="146" actId="1076"/>
-          <ac:picMkLst>
-            <pc:docMk/>
-            <pc:sldMk cId="647826032" sldId="258"/>
-            <ac:picMk id="22" creationId="{0B0E44D5-9515-436A-8022-C80A97CE21D9}"/>
-          </ac:picMkLst>
-        </pc:picChg>
-      </pc:sldChg>
-      <pc:sldChg chg="modSp">
-        <pc:chgData name="Guest User" userId="" providerId="Windows Live" clId="Web-{A776C6B5-78DB-4DD9-9190-44400319DE7D}" dt="2020-08-08T11:55:45.669" v="96" actId="20577"/>
-        <pc:sldMkLst>
-          <pc:docMk/>
-          <pc:sldMk cId="2584007438" sldId="262"/>
-        </pc:sldMkLst>
-        <pc:spChg chg="mod">
-          <ac:chgData name="Guest User" userId="" providerId="Windows Live" clId="Web-{A776C6B5-78DB-4DD9-9190-44400319DE7D}" dt="2020-08-08T11:55:45.669" v="96" actId="20577"/>
-          <ac:spMkLst>
-            <pc:docMk/>
-            <pc:sldMk cId="2584007438" sldId="262"/>
-            <ac:spMk id="2" creationId="{D20C7FAD-A7EB-4881-AB78-253BF54503C5}"/>
-          </ac:spMkLst>
-        </pc:spChg>
-      </pc:sldChg>
-      <pc:sldChg chg="modSp new">
-        <pc:chgData name="Guest User" userId="" providerId="Windows Live" clId="Web-{A776C6B5-78DB-4DD9-9190-44400319DE7D}" dt="2020-08-08T11:50:54.847" v="37" actId="20577"/>
-        <pc:sldMkLst>
-          <pc:docMk/>
-          <pc:sldMk cId="3067362949" sldId="268"/>
-        </pc:sldMkLst>
-        <pc:spChg chg="mod">
-          <ac:chgData name="Guest User" userId="" providerId="Windows Live" clId="Web-{A776C6B5-78DB-4DD9-9190-44400319DE7D}" dt="2020-08-08T11:50:54.847" v="37" actId="20577"/>
-          <ac:spMkLst>
-            <pc:docMk/>
-            <pc:sldMk cId="3067362949" sldId="268"/>
-            <ac:spMk id="2" creationId="{36FAA135-E80B-42FA-A167-A158E114541C}"/>
-          </ac:spMkLst>
-        </pc:spChg>
-      </pc:sldChg>
-      <pc:sldChg chg="new">
-        <pc:chgData name="Guest User" userId="" providerId="Windows Live" clId="Web-{A776C6B5-78DB-4DD9-9190-44400319DE7D}" dt="2020-08-08T11:51:45.242" v="40"/>
-        <pc:sldMkLst>
-          <pc:docMk/>
-          <pc:sldMk cId="3487851560" sldId="269"/>
-        </pc:sldMkLst>
-      </pc:sldChg>
-      <pc:sldChg chg="addSp delSp modSp new">
-        <pc:chgData name="Guest User" userId="" providerId="Windows Live" clId="Web-{A776C6B5-78DB-4DD9-9190-44400319DE7D}" dt="2020-08-08T11:54:43.851" v="87" actId="20577"/>
-        <pc:sldMkLst>
-          <pc:docMk/>
-          <pc:sldMk cId="2418151028" sldId="270"/>
-        </pc:sldMkLst>
-        <pc:spChg chg="mod">
-          <ac:chgData name="Guest User" userId="" providerId="Windows Live" clId="Web-{A776C6B5-78DB-4DD9-9190-44400319DE7D}" dt="2020-08-08T11:54:43.851" v="87" actId="20577"/>
-          <ac:spMkLst>
-            <pc:docMk/>
-            <pc:sldMk cId="2418151028" sldId="270"/>
-            <ac:spMk id="2" creationId="{E2B085F3-CE8B-4BB6-B611-7F0F1C74EEB1}"/>
-          </ac:spMkLst>
-        </pc:spChg>
-        <pc:spChg chg="del">
-          <ac:chgData name="Guest User" userId="" providerId="Windows Live" clId="Web-{A776C6B5-78DB-4DD9-9190-44400319DE7D}" dt="2020-08-08T11:53:59.441" v="59"/>
-          <ac:spMkLst>
-            <pc:docMk/>
-            <pc:sldMk cId="2418151028" sldId="270"/>
-            <ac:spMk id="3" creationId="{4DC0696C-E8A0-4320-8476-0F58330D2C0D}"/>
-          </ac:spMkLst>
-        </pc:spChg>
-        <pc:picChg chg="add mod ord">
-          <ac:chgData name="Guest User" userId="" providerId="Windows Live" clId="Web-{A776C6B5-78DB-4DD9-9190-44400319DE7D}" dt="2020-08-08T11:54:16.630" v="66" actId="14100"/>
-          <ac:picMkLst>
-            <pc:docMk/>
-            <pc:sldMk cId="2418151028" sldId="270"/>
-            <ac:picMk id="4" creationId="{2A712766-3EF5-44F0-A1C5-2205CE30A3F3}"/>
-          </ac:picMkLst>
-        </pc:picChg>
-      </pc:sldChg>
-    </pc:docChg>
-  </pc:docChgLst>
-  <pc:docChgLst>
     <pc:chgData name="benedikt lipinski" userId="b9f1d7673bf2cc52" providerId="LiveId" clId="{235968B0-BFCD-4667-B237-F8622C19F6BB}"/>
     <pc:docChg chg="custSel modSld">
       <pc:chgData name="benedikt lipinski" userId="b9f1d7673bf2cc52" providerId="LiveId" clId="{235968B0-BFCD-4667-B237-F8622C19F6BB}" dt="2020-08-08T20:18:46.158" v="129" actId="27636"/>
@@ -997,6 +818,186 @@
             <pc:docMk/>
             <pc:sldMk cId="1397337132" sldId="274"/>
             <ac:picMk id="7" creationId="{89ED290D-EEB0-4547-8A8B-8B278811BDC0}"/>
+          </ac:picMkLst>
+        </pc:picChg>
+      </pc:sldChg>
+    </pc:docChg>
+  </pc:docChgLst>
+  <pc:docChgLst>
+    <pc:chgData name="Guest User" providerId="Windows Live" clId="Web-{A776C6B5-78DB-4DD9-9190-44400319DE7D}"/>
+    <pc:docChg chg="addSld modSld">
+      <pc:chgData name="Guest User" userId="" providerId="Windows Live" clId="Web-{A776C6B5-78DB-4DD9-9190-44400319DE7D}" dt="2020-08-08T12:09:01.768" v="146" actId="1076"/>
+      <pc:docMkLst>
+        <pc:docMk/>
+      </pc:docMkLst>
+      <pc:sldChg chg="addSp delSp modSp">
+        <pc:chgData name="Guest User" userId="" providerId="Windows Live" clId="Web-{A776C6B5-78DB-4DD9-9190-44400319DE7D}" dt="2020-08-08T12:09:01.768" v="146" actId="1076"/>
+        <pc:sldMkLst>
+          <pc:docMk/>
+          <pc:sldMk cId="647826032" sldId="258"/>
+        </pc:sldMkLst>
+        <pc:spChg chg="mod">
+          <ac:chgData name="Guest User" userId="" providerId="Windows Live" clId="Web-{A776C6B5-78DB-4DD9-9190-44400319DE7D}" dt="2020-08-08T12:06:46.819" v="134" actId="20577"/>
+          <ac:spMkLst>
+            <pc:docMk/>
+            <pc:sldMk cId="647826032" sldId="258"/>
+            <ac:spMk id="2" creationId="{1FEB328D-4DAC-400F-A919-44AD5D3A9535}"/>
+          </ac:spMkLst>
+        </pc:spChg>
+        <pc:spChg chg="add del mod">
+          <ac:chgData name="Guest User" userId="" providerId="Windows Live" clId="Web-{A776C6B5-78DB-4DD9-9190-44400319DE7D}" dt="2020-08-08T12:04:41.246" v="98"/>
+          <ac:spMkLst>
+            <pc:docMk/>
+            <pc:sldMk cId="647826032" sldId="258"/>
+            <ac:spMk id="5" creationId="{564443E3-002E-4CA4-B927-C85AAD143B3F}"/>
+          </ac:spMkLst>
+        </pc:spChg>
+        <pc:spChg chg="del">
+          <ac:chgData name="Guest User" userId="" providerId="Windows Live" clId="Web-{A776C6B5-78DB-4DD9-9190-44400319DE7D}" dt="2020-08-08T11:48:21.411" v="0"/>
+          <ac:spMkLst>
+            <pc:docMk/>
+            <pc:sldMk cId="647826032" sldId="258"/>
+            <ac:spMk id="7" creationId="{3C3F964A-6227-4C80-9CC0-81918DA0A0F7}"/>
+          </ac:spMkLst>
+        </pc:spChg>
+        <pc:spChg chg="add del mod">
+          <ac:chgData name="Guest User" userId="" providerId="Windows Live" clId="Web-{A776C6B5-78DB-4DD9-9190-44400319DE7D}" dt="2020-08-08T12:05:21.812" v="103"/>
+          <ac:spMkLst>
+            <pc:docMk/>
+            <pc:sldMk cId="647826032" sldId="258"/>
+            <ac:spMk id="9" creationId="{18DB51B0-B050-480B-8BD8-AF63FAEBCED6}"/>
+          </ac:spMkLst>
+        </pc:spChg>
+        <pc:spChg chg="add del mod">
+          <ac:chgData name="Guest User" userId="" providerId="Windows Live" clId="Web-{A776C6B5-78DB-4DD9-9190-44400319DE7D}" dt="2020-08-08T12:07:41.512" v="138"/>
+          <ac:spMkLst>
+            <pc:docMk/>
+            <pc:sldMk cId="647826032" sldId="258"/>
+            <ac:spMk id="20" creationId="{AC5973D7-7982-43CD-B294-34F4A6CDDF1D}"/>
+          </ac:spMkLst>
+        </pc:spChg>
+        <pc:graphicFrameChg chg="add del mod ord modGraphic">
+          <ac:chgData name="Guest User" userId="" providerId="Windows Live" clId="Web-{A776C6B5-78DB-4DD9-9190-44400319DE7D}" dt="2020-08-08T12:05:19.531" v="102"/>
+          <ac:graphicFrameMkLst>
+            <pc:docMk/>
+            <pc:sldMk cId="647826032" sldId="258"/>
+            <ac:graphicFrameMk id="10" creationId="{8DB4E99D-6322-4F10-94E0-7851133F166E}"/>
+          </ac:graphicFrameMkLst>
+        </pc:graphicFrameChg>
+        <pc:picChg chg="add del mod ord">
+          <ac:chgData name="Guest User" userId="" providerId="Windows Live" clId="Web-{A776C6B5-78DB-4DD9-9190-44400319DE7D}" dt="2020-08-08T11:49:40.700" v="7"/>
+          <ac:picMkLst>
+            <pc:docMk/>
+            <pc:sldMk cId="647826032" sldId="258"/>
+            <ac:picMk id="3" creationId="{7765ED4B-A71C-48A5-809B-23E1CA79405D}"/>
+          </ac:picMkLst>
+        </pc:picChg>
+        <pc:picChg chg="add del mod ord">
+          <ac:chgData name="Guest User" userId="" providerId="Windows Live" clId="Web-{A776C6B5-78DB-4DD9-9190-44400319DE7D}" dt="2020-08-08T12:04:54.778" v="100"/>
+          <ac:picMkLst>
+            <pc:docMk/>
+            <pc:sldMk cId="647826032" sldId="258"/>
+            <ac:picMk id="6" creationId="{C3AE207B-B1F4-45D1-A4AF-E9D8C82C8659}"/>
+          </ac:picMkLst>
+        </pc:picChg>
+        <pc:picChg chg="add del mod ord">
+          <ac:chgData name="Guest User" userId="" providerId="Windows Live" clId="Web-{A776C6B5-78DB-4DD9-9190-44400319DE7D}" dt="2020-08-08T12:06:48.194" v="137"/>
+          <ac:picMkLst>
+            <pc:docMk/>
+            <pc:sldMk cId="647826032" sldId="258"/>
+            <ac:picMk id="17" creationId="{567FC87B-125B-42CF-B4E2-B399CCA016CA}"/>
+          </ac:picMkLst>
+        </pc:picChg>
+        <pc:picChg chg="add del mod">
+          <ac:chgData name="Guest User" userId="" providerId="Windows Live" clId="Web-{A776C6B5-78DB-4DD9-9190-44400319DE7D}" dt="2020-08-08T12:06:47.507" v="136"/>
+          <ac:picMkLst>
+            <pc:docMk/>
+            <pc:sldMk cId="647826032" sldId="258"/>
+            <ac:picMk id="18" creationId="{5CF93812-4326-43A3-9E90-0F99A57D820B}"/>
+          </ac:picMkLst>
+        </pc:picChg>
+        <pc:picChg chg="add mod ord">
+          <ac:chgData name="Guest User" userId="" providerId="Windows Live" clId="Web-{A776C6B5-78DB-4DD9-9190-44400319DE7D}" dt="2020-08-08T12:09:01.034" v="145" actId="1076"/>
+          <ac:picMkLst>
+            <pc:docMk/>
+            <pc:sldMk cId="647826032" sldId="258"/>
+            <ac:picMk id="21" creationId="{5DC6EE78-537D-4713-B3FB-7795970214C4}"/>
+          </ac:picMkLst>
+        </pc:picChg>
+        <pc:picChg chg="add mod">
+          <ac:chgData name="Guest User" userId="" providerId="Windows Live" clId="Web-{A776C6B5-78DB-4DD9-9190-44400319DE7D}" dt="2020-08-08T12:09:01.768" v="146" actId="1076"/>
+          <ac:picMkLst>
+            <pc:docMk/>
+            <pc:sldMk cId="647826032" sldId="258"/>
+            <ac:picMk id="22" creationId="{0B0E44D5-9515-436A-8022-C80A97CE21D9}"/>
+          </ac:picMkLst>
+        </pc:picChg>
+      </pc:sldChg>
+      <pc:sldChg chg="modSp">
+        <pc:chgData name="Guest User" userId="" providerId="Windows Live" clId="Web-{A776C6B5-78DB-4DD9-9190-44400319DE7D}" dt="2020-08-08T11:55:45.669" v="96" actId="20577"/>
+        <pc:sldMkLst>
+          <pc:docMk/>
+          <pc:sldMk cId="2584007438" sldId="262"/>
+        </pc:sldMkLst>
+        <pc:spChg chg="mod">
+          <ac:chgData name="Guest User" userId="" providerId="Windows Live" clId="Web-{A776C6B5-78DB-4DD9-9190-44400319DE7D}" dt="2020-08-08T11:55:45.669" v="96" actId="20577"/>
+          <ac:spMkLst>
+            <pc:docMk/>
+            <pc:sldMk cId="2584007438" sldId="262"/>
+            <ac:spMk id="2" creationId="{D20C7FAD-A7EB-4881-AB78-253BF54503C5}"/>
+          </ac:spMkLst>
+        </pc:spChg>
+      </pc:sldChg>
+      <pc:sldChg chg="modSp new">
+        <pc:chgData name="Guest User" userId="" providerId="Windows Live" clId="Web-{A776C6B5-78DB-4DD9-9190-44400319DE7D}" dt="2020-08-08T11:50:54.847" v="37" actId="20577"/>
+        <pc:sldMkLst>
+          <pc:docMk/>
+          <pc:sldMk cId="3067362949" sldId="268"/>
+        </pc:sldMkLst>
+        <pc:spChg chg="mod">
+          <ac:chgData name="Guest User" userId="" providerId="Windows Live" clId="Web-{A776C6B5-78DB-4DD9-9190-44400319DE7D}" dt="2020-08-08T11:50:54.847" v="37" actId="20577"/>
+          <ac:spMkLst>
+            <pc:docMk/>
+            <pc:sldMk cId="3067362949" sldId="268"/>
+            <ac:spMk id="2" creationId="{36FAA135-E80B-42FA-A167-A158E114541C}"/>
+          </ac:spMkLst>
+        </pc:spChg>
+      </pc:sldChg>
+      <pc:sldChg chg="new">
+        <pc:chgData name="Guest User" userId="" providerId="Windows Live" clId="Web-{A776C6B5-78DB-4DD9-9190-44400319DE7D}" dt="2020-08-08T11:51:45.242" v="40"/>
+        <pc:sldMkLst>
+          <pc:docMk/>
+          <pc:sldMk cId="3487851560" sldId="269"/>
+        </pc:sldMkLst>
+      </pc:sldChg>
+      <pc:sldChg chg="addSp delSp modSp new">
+        <pc:chgData name="Guest User" userId="" providerId="Windows Live" clId="Web-{A776C6B5-78DB-4DD9-9190-44400319DE7D}" dt="2020-08-08T11:54:43.851" v="87" actId="20577"/>
+        <pc:sldMkLst>
+          <pc:docMk/>
+          <pc:sldMk cId="2418151028" sldId="270"/>
+        </pc:sldMkLst>
+        <pc:spChg chg="mod">
+          <ac:chgData name="Guest User" userId="" providerId="Windows Live" clId="Web-{A776C6B5-78DB-4DD9-9190-44400319DE7D}" dt="2020-08-08T11:54:43.851" v="87" actId="20577"/>
+          <ac:spMkLst>
+            <pc:docMk/>
+            <pc:sldMk cId="2418151028" sldId="270"/>
+            <ac:spMk id="2" creationId="{E2B085F3-CE8B-4BB6-B611-7F0F1C74EEB1}"/>
+          </ac:spMkLst>
+        </pc:spChg>
+        <pc:spChg chg="del">
+          <ac:chgData name="Guest User" userId="" providerId="Windows Live" clId="Web-{A776C6B5-78DB-4DD9-9190-44400319DE7D}" dt="2020-08-08T11:53:59.441" v="59"/>
+          <ac:spMkLst>
+            <pc:docMk/>
+            <pc:sldMk cId="2418151028" sldId="270"/>
+            <ac:spMk id="3" creationId="{4DC0696C-E8A0-4320-8476-0F58330D2C0D}"/>
+          </ac:spMkLst>
+        </pc:spChg>
+        <pc:picChg chg="add mod ord">
+          <ac:chgData name="Guest User" userId="" providerId="Windows Live" clId="Web-{A776C6B5-78DB-4DD9-9190-44400319DE7D}" dt="2020-08-08T11:54:16.630" v="66" actId="14100"/>
+          <ac:picMkLst>
+            <pc:docMk/>
+            <pc:sldMk cId="2418151028" sldId="270"/>
+            <ac:picMk id="4" creationId="{2A712766-3EF5-44F0-A1C5-2205CE30A3F3}"/>
           </ac:picMkLst>
         </pc:picChg>
       </pc:sldChg>
@@ -2106,7 +2107,7 @@
           <a:p>
             <a:fld id="{1F86ECB9-96CB-4C7F-959A-4FF01C1DB8AD}" type="datetimeFigureOut">
               <a:rPr lang="de-DE" smtClean="0"/>
-              <a:t>11.08.2020</a:t>
+              <a:t>12.08.2020</a:t>
             </a:fld>
             <a:endParaRPr lang="de-DE"/>
           </a:p>
@@ -2870,7 +2871,7 @@
           <a:p>
             <a:fld id="{55F9A9B9-7935-4070-97F9-D3A3F2A955B2}" type="slidenum">
               <a:rPr lang="de-DE" smtClean="0"/>
-              <a:t>15</a:t>
+              <a:t>16</a:t>
             </a:fld>
             <a:endParaRPr lang="de-DE"/>
           </a:p>
@@ -3036,7 +3037,7 @@
           <a:p>
             <a:fld id="{73615DE2-D754-46B4-9FBC-41EF8F2017ED}" type="datetimeFigureOut">
               <a:rPr lang="de-DE" smtClean="0"/>
-              <a:t>11.08.2020</a:t>
+              <a:t>12.08.2020</a:t>
             </a:fld>
             <a:endParaRPr lang="de-DE"/>
           </a:p>
@@ -3234,7 +3235,7 @@
           <a:p>
             <a:fld id="{73615DE2-D754-46B4-9FBC-41EF8F2017ED}" type="datetimeFigureOut">
               <a:rPr lang="de-DE" smtClean="0"/>
-              <a:t>11.08.2020</a:t>
+              <a:t>12.08.2020</a:t>
             </a:fld>
             <a:endParaRPr lang="de-DE"/>
           </a:p>
@@ -3442,7 +3443,7 @@
           <a:p>
             <a:fld id="{73615DE2-D754-46B4-9FBC-41EF8F2017ED}" type="datetimeFigureOut">
               <a:rPr lang="de-DE" smtClean="0"/>
-              <a:t>11.08.2020</a:t>
+              <a:t>12.08.2020</a:t>
             </a:fld>
             <a:endParaRPr lang="de-DE"/>
           </a:p>
@@ -3812,7 +3813,7 @@
           <a:p>
             <a:fld id="{73615DE2-D754-46B4-9FBC-41EF8F2017ED}" type="datetimeFigureOut">
               <a:rPr lang="de-DE" smtClean="0"/>
-              <a:t>11.08.2020</a:t>
+              <a:t>12.08.2020</a:t>
             </a:fld>
             <a:endParaRPr lang="de-DE"/>
           </a:p>
@@ -4010,7 +4011,7 @@
           <a:p>
             <a:fld id="{73615DE2-D754-46B4-9FBC-41EF8F2017ED}" type="datetimeFigureOut">
               <a:rPr lang="de-DE" smtClean="0"/>
-              <a:t>11.08.2020</a:t>
+              <a:t>12.08.2020</a:t>
             </a:fld>
             <a:endParaRPr lang="de-DE"/>
           </a:p>
@@ -4289,7 +4290,7 @@
           <a:p>
             <a:fld id="{73615DE2-D754-46B4-9FBC-41EF8F2017ED}" type="datetimeFigureOut">
               <a:rPr lang="de-DE" smtClean="0"/>
-              <a:t>11.08.2020</a:t>
+              <a:t>12.08.2020</a:t>
             </a:fld>
             <a:endParaRPr lang="de-DE"/>
           </a:p>
@@ -4474,7 +4475,7 @@
           <a:p>
             <a:fld id="{73615DE2-D754-46B4-9FBC-41EF8F2017ED}" type="datetimeFigureOut">
               <a:rPr lang="de-DE" smtClean="0"/>
-              <a:t>11.08.2020</a:t>
+              <a:t>12.08.2020</a:t>
             </a:fld>
             <a:endParaRPr lang="de-DE"/>
           </a:p>
@@ -4718,7 +4719,7 @@
           <a:p>
             <a:fld id="{73615DE2-D754-46B4-9FBC-41EF8F2017ED}" type="datetimeFigureOut">
               <a:rPr lang="de-DE" smtClean="0"/>
-              <a:t>11.08.2020</a:t>
+              <a:t>12.08.2020</a:t>
             </a:fld>
             <a:endParaRPr lang="de-DE"/>
           </a:p>
@@ -4885,7 +4886,7 @@
           <a:p>
             <a:fld id="{73615DE2-D754-46B4-9FBC-41EF8F2017ED}" type="datetimeFigureOut">
               <a:rPr lang="de-DE" smtClean="0"/>
-              <a:t>11.08.2020</a:t>
+              <a:t>12.08.2020</a:t>
             </a:fld>
             <a:endParaRPr lang="de-DE"/>
           </a:p>
@@ -5182,7 +5183,7 @@
           <a:p>
             <a:fld id="{73615DE2-D754-46B4-9FBC-41EF8F2017ED}" type="datetimeFigureOut">
               <a:rPr lang="de-DE" smtClean="0"/>
-              <a:t>11.08.2020</a:t>
+              <a:t>12.08.2020</a:t>
             </a:fld>
             <a:endParaRPr lang="de-DE"/>
           </a:p>
@@ -5582,7 +5583,7 @@
           <a:p>
             <a:fld id="{73615DE2-D754-46B4-9FBC-41EF8F2017ED}" type="datetimeFigureOut">
               <a:rPr lang="de-DE" smtClean="0"/>
-              <a:t>11.08.2020</a:t>
+              <a:t>12.08.2020</a:t>
             </a:fld>
             <a:endParaRPr lang="de-DE"/>
           </a:p>
@@ -5680,7 +5681,7 @@
           <a:p>
             <a:fld id="{73615DE2-D754-46B4-9FBC-41EF8F2017ED}" type="datetimeFigureOut">
               <a:rPr lang="de-DE" smtClean="0"/>
-              <a:t>11.08.2020</a:t>
+              <a:t>12.08.2020</a:t>
             </a:fld>
             <a:endParaRPr lang="de-DE"/>
           </a:p>
@@ -5756,7 +5757,7 @@
           <a:p>
             <a:fld id="{73615DE2-D754-46B4-9FBC-41EF8F2017ED}" type="datetimeFigureOut">
               <a:rPr lang="de-DE" smtClean="0"/>
-              <a:t>11.08.2020</a:t>
+              <a:t>12.08.2020</a:t>
             </a:fld>
             <a:endParaRPr lang="de-DE"/>
           </a:p>
@@ -6012,7 +6013,7 @@
           <a:p>
             <a:fld id="{73615DE2-D754-46B4-9FBC-41EF8F2017ED}" type="datetimeFigureOut">
               <a:rPr lang="de-DE" smtClean="0"/>
-              <a:t>11.08.2020</a:t>
+              <a:t>12.08.2020</a:t>
             </a:fld>
             <a:endParaRPr lang="de-DE"/>
           </a:p>
@@ -6248,7 +6249,7 @@
           <a:p>
             <a:fld id="{73615DE2-D754-46B4-9FBC-41EF8F2017ED}" type="datetimeFigureOut">
               <a:rPr lang="de-DE" smtClean="0"/>
-              <a:t>11.08.2020</a:t>
+              <a:t>12.08.2020</a:t>
             </a:fld>
             <a:endParaRPr lang="de-DE"/>
           </a:p>
@@ -6397,7 +6398,7 @@
           <a:p>
             <a:fld id="{73615DE2-D754-46B4-9FBC-41EF8F2017ED}" type="datetimeFigureOut">
               <a:rPr lang="de-DE" smtClean="0"/>
-              <a:t>11.08.2020</a:t>
+              <a:t>12.08.2020</a:t>
             </a:fld>
             <a:endParaRPr lang="de-DE"/>
           </a:p>
@@ -6556,7 +6557,7 @@
           <a:p>
             <a:fld id="{73615DE2-D754-46B4-9FBC-41EF8F2017ED}" type="datetimeFigureOut">
               <a:rPr lang="de-DE" smtClean="0"/>
-              <a:t>11.08.2020</a:t>
+              <a:t>12.08.2020</a:t>
             </a:fld>
             <a:endParaRPr lang="de-DE"/>
           </a:p>
@@ -6800,7 +6801,7 @@
           <a:p>
             <a:fld id="{73615DE2-D754-46B4-9FBC-41EF8F2017ED}" type="datetimeFigureOut">
               <a:rPr lang="de-DE" smtClean="0"/>
-              <a:t>11.08.2020</a:t>
+              <a:t>12.08.2020</a:t>
             </a:fld>
             <a:endParaRPr lang="de-DE"/>
           </a:p>
@@ -7065,7 +7066,7 @@
           <a:p>
             <a:fld id="{73615DE2-D754-46B4-9FBC-41EF8F2017ED}" type="datetimeFigureOut">
               <a:rPr lang="de-DE" smtClean="0"/>
-              <a:t>11.08.2020</a:t>
+              <a:t>12.08.2020</a:t>
             </a:fld>
             <a:endParaRPr lang="de-DE"/>
           </a:p>
@@ -7477,7 +7478,7 @@
           <a:p>
             <a:fld id="{73615DE2-D754-46B4-9FBC-41EF8F2017ED}" type="datetimeFigureOut">
               <a:rPr lang="de-DE" smtClean="0"/>
-              <a:t>11.08.2020</a:t>
+              <a:t>12.08.2020</a:t>
             </a:fld>
             <a:endParaRPr lang="de-DE"/>
           </a:p>
@@ -7618,7 +7619,7 @@
           <a:p>
             <a:fld id="{73615DE2-D754-46B4-9FBC-41EF8F2017ED}" type="datetimeFigureOut">
               <a:rPr lang="de-DE" smtClean="0"/>
-              <a:t>11.08.2020</a:t>
+              <a:t>12.08.2020</a:t>
             </a:fld>
             <a:endParaRPr lang="de-DE"/>
           </a:p>
@@ -7731,7 +7732,7 @@
           <a:p>
             <a:fld id="{73615DE2-D754-46B4-9FBC-41EF8F2017ED}" type="datetimeFigureOut">
               <a:rPr lang="de-DE" smtClean="0"/>
-              <a:t>11.08.2020</a:t>
+              <a:t>12.08.2020</a:t>
             </a:fld>
             <a:endParaRPr lang="de-DE"/>
           </a:p>
@@ -8042,7 +8043,7 @@
           <a:p>
             <a:fld id="{73615DE2-D754-46B4-9FBC-41EF8F2017ED}" type="datetimeFigureOut">
               <a:rPr lang="de-DE" smtClean="0"/>
-              <a:t>11.08.2020</a:t>
+              <a:t>12.08.2020</a:t>
             </a:fld>
             <a:endParaRPr lang="de-DE"/>
           </a:p>
@@ -8330,7 +8331,7 @@
           <a:p>
             <a:fld id="{73615DE2-D754-46B4-9FBC-41EF8F2017ED}" type="datetimeFigureOut">
               <a:rPr lang="de-DE" smtClean="0"/>
-              <a:t>11.08.2020</a:t>
+              <a:t>12.08.2020</a:t>
             </a:fld>
             <a:endParaRPr lang="de-DE"/>
           </a:p>
@@ -8571,7 +8572,7 @@
           <a:p>
             <a:fld id="{73615DE2-D754-46B4-9FBC-41EF8F2017ED}" type="datetimeFigureOut">
               <a:rPr lang="de-DE" smtClean="0"/>
-              <a:t>11.08.2020</a:t>
+              <a:t>12.08.2020</a:t>
             </a:fld>
             <a:endParaRPr lang="de-DE"/>
           </a:p>
@@ -9486,7 +9487,7 @@
           <a:p>
             <a:fld id="{73615DE2-D754-46B4-9FBC-41EF8F2017ED}" type="datetimeFigureOut">
               <a:rPr lang="de-DE" smtClean="0"/>
-              <a:t>11.08.2020</a:t>
+              <a:t>12.08.2020</a:t>
             </a:fld>
             <a:endParaRPr lang="de-DE"/>
           </a:p>
@@ -10201,10 +10202,10 @@
       </p:sp>
       <p:pic>
         <p:nvPicPr>
-          <p:cNvPr id="7" name="Inhaltsplatzhalter 6" descr="Ein Bild, das Anzeige, mehrere, Computer, viele enthält.&#10;&#10;Automatisch generierte Beschreibung">
+          <p:cNvPr id="6" name="Inhaltsplatzhalter 5" descr="Ein Bild, das Screenshot, Anzeige, Schild, geparkt enthält.&#10;&#10;Automatisch generierte Beschreibung">
             <a:extLst>
               <a:ext uri="{FF2B5EF4-FFF2-40B4-BE49-F238E27FC236}">
-                <a16:creationId xmlns:a16="http://schemas.microsoft.com/office/drawing/2014/main" id="{65570AE3-67CB-4DC5-8D64-5F4042558E71}"/>
+                <a16:creationId xmlns:a16="http://schemas.microsoft.com/office/drawing/2014/main" id="{61D220FE-6BE6-4A3A-B605-685484D2AD99}"/>
               </a:ext>
             </a:extLst>
           </p:cNvPr>
@@ -10229,8 +10230,8 @@
         </p:blipFill>
         <p:spPr>
           <a:xfrm>
-            <a:off x="2460999" y="1142458"/>
-            <a:ext cx="7270001" cy="5485151"/>
+            <a:off x="2182194" y="724108"/>
+            <a:ext cx="7506555" cy="5476143"/>
           </a:xfrm>
         </p:spPr>
       </p:pic>
@@ -10297,10 +10298,10 @@
       </p:sp>
       <p:pic>
         <p:nvPicPr>
-          <p:cNvPr id="7" name="Inhaltsplatzhalter 6" descr="Ein Bild, das Elektronik, Telefon enthält.&#10;&#10;Automatisch generierte Beschreibung">
+          <p:cNvPr id="6" name="Inhaltsplatzhalter 5" descr="Ein Bild, das Elektronik enthält.&#10;&#10;Automatisch generierte Beschreibung">
             <a:extLst>
               <a:ext uri="{FF2B5EF4-FFF2-40B4-BE49-F238E27FC236}">
-                <a16:creationId xmlns:a16="http://schemas.microsoft.com/office/drawing/2014/main" id="{84CA6167-1922-4293-8922-DFD7D072AC00}"/>
+                <a16:creationId xmlns:a16="http://schemas.microsoft.com/office/drawing/2014/main" id="{E0C84DC8-DB0D-439D-8206-76C08663A791}"/>
               </a:ext>
             </a:extLst>
           </p:cNvPr>
@@ -10325,8 +10326,8 @@
         </p:blipFill>
         <p:spPr>
           <a:xfrm>
-            <a:off x="2379074" y="1888650"/>
-            <a:ext cx="7203759" cy="4105275"/>
+            <a:off x="2175502" y="1888650"/>
+            <a:ext cx="7610903" cy="4105275"/>
           </a:xfrm>
         </p:spPr>
       </p:pic>
@@ -10362,10 +10363,10 @@
       </p:grpSpPr>
       <p:sp>
         <p:nvSpPr>
-          <p:cNvPr id="2" name="Title 1">
+          <p:cNvPr id="2" name="Titel 1">
             <a:extLst>
               <a:ext uri="{FF2B5EF4-FFF2-40B4-BE49-F238E27FC236}">
-                <a16:creationId xmlns:a16="http://schemas.microsoft.com/office/drawing/2014/main" id="{04F00891-1D05-42E2-826B-E0264CF3F770}"/>
+                <a16:creationId xmlns:a16="http://schemas.microsoft.com/office/drawing/2014/main" id="{65657B43-CEE0-4EFA-B473-57BF3ECAD4F3}"/>
               </a:ext>
             </a:extLst>
           </p:cNvPr>
@@ -10378,27 +10379,22 @@
         </p:nvSpPr>
         <p:spPr/>
         <p:txBody>
-          <a:bodyPr>
-            <a:normAutofit/>
-          </a:bodyPr>
+          <a:bodyPr/>
           <a:lstStyle/>
           <a:p>
             <a:r>
-              <a:rPr lang="en-US" dirty="0">
-                <a:cs typeface="Calibri Light"/>
-              </a:rPr>
-              <a:t>State machine water</a:t>
-            </a:r>
-            <a:endParaRPr lang="en-US" dirty="0"/>
+              <a:rPr lang="de-DE" dirty="0"/>
+              <a:t>Audio Navigation - Code</a:t>
+            </a:r>
           </a:p>
         </p:txBody>
       </p:sp>
       <p:pic>
         <p:nvPicPr>
-          <p:cNvPr id="7" name="Inhaltsplatzhalter 6" descr="Ein Bild, das Anzeige enthält.&#10;&#10;Automatisch generierte Beschreibung">
+          <p:cNvPr id="5" name="Inhaltsplatzhalter 4" descr="Ein Bild, das Screenshot enthält.&#10;&#10;Automatisch generierte Beschreibung">
             <a:extLst>
               <a:ext uri="{FF2B5EF4-FFF2-40B4-BE49-F238E27FC236}">
-                <a16:creationId xmlns:a16="http://schemas.microsoft.com/office/drawing/2014/main" id="{F1B93ACC-7D50-4DE4-A8CE-DB38038D30CE}"/>
+                <a16:creationId xmlns:a16="http://schemas.microsoft.com/office/drawing/2014/main" id="{02C6FB1B-478A-4774-86F5-27ABF4B116DA}"/>
               </a:ext>
             </a:extLst>
           </p:cNvPr>
@@ -10423,15 +10419,74 @@
         </p:blipFill>
         <p:spPr>
           <a:xfrm>
-            <a:off x="2328862" y="2289124"/>
-            <a:ext cx="7534275" cy="3057525"/>
+            <a:off x="196055" y="1736850"/>
+            <a:ext cx="6939454" cy="4331726"/>
           </a:xfrm>
+          <a:prstGeom prst="rect">
+            <a:avLst/>
+          </a:prstGeom>
+          <a:ln>
+            <a:noFill/>
+          </a:ln>
+          <a:effectLst>
+            <a:outerShdw blurRad="292100" dist="139700" dir="2700000" algn="tl" rotWithShape="0">
+              <a:srgbClr val="333333">
+                <a:alpha val="65000"/>
+              </a:srgbClr>
+            </a:outerShdw>
+          </a:effectLst>
+        </p:spPr>
+      </p:pic>
+      <p:pic>
+        <p:nvPicPr>
+          <p:cNvPr id="6" name="Inhaltsplatzhalter 4" descr="Ein Bild, das Text, Screenshot enthält.&#10;&#10;Automatisch generierte Beschreibung">
+            <a:extLst>
+              <a:ext uri="{FF2B5EF4-FFF2-40B4-BE49-F238E27FC236}">
+                <a16:creationId xmlns:a16="http://schemas.microsoft.com/office/drawing/2014/main" id="{49114EAB-732C-458F-AE76-19696DCFBF87}"/>
+              </a:ext>
+            </a:extLst>
+          </p:cNvPr>
+          <p:cNvPicPr>
+            <a:picLocks noChangeAspect="1"/>
+          </p:cNvPicPr>
+          <p:nvPr/>
+        </p:nvPicPr>
+        <p:blipFill>
+          <a:blip r:embed="rId3">
+            <a:extLst>
+              <a:ext uri="{28A0092B-C50C-407E-A947-70E740481C1C}">
+                <a14:useLocalDpi xmlns:a14="http://schemas.microsoft.com/office/drawing/2010/main" val="0"/>
+              </a:ext>
+            </a:extLst>
+          </a:blip>
+          <a:stretch>
+            <a:fillRect/>
+          </a:stretch>
+        </p:blipFill>
+        <p:spPr>
+          <a:xfrm>
+            <a:off x="7324627" y="1972520"/>
+            <a:ext cx="3962400" cy="2682240"/>
+          </a:xfrm>
+          <a:prstGeom prst="rect">
+            <a:avLst/>
+          </a:prstGeom>
+          <a:ln>
+            <a:noFill/>
+          </a:ln>
+          <a:effectLst>
+            <a:outerShdw blurRad="292100" dist="139700" dir="2700000" algn="tl" rotWithShape="0">
+              <a:srgbClr val="333333">
+                <a:alpha val="65000"/>
+              </a:srgbClr>
+            </a:outerShdw>
+          </a:effectLst>
         </p:spPr>
       </p:pic>
     </p:spTree>
     <p:extLst>
       <p:ext uri="{BB962C8B-B14F-4D97-AF65-F5344CB8AC3E}">
-        <p14:creationId xmlns:p14="http://schemas.microsoft.com/office/powerpoint/2010/main" val="3487851560"/>
+        <p14:creationId xmlns:p14="http://schemas.microsoft.com/office/powerpoint/2010/main" val="1334019321"/>
       </p:ext>
     </p:extLst>
   </p:cSld>
@@ -10460,10 +10515,10 @@
       </p:grpSpPr>
       <p:sp>
         <p:nvSpPr>
-          <p:cNvPr id="2" name="Titel 1">
+          <p:cNvPr id="2" name="Title 1">
             <a:extLst>
               <a:ext uri="{FF2B5EF4-FFF2-40B4-BE49-F238E27FC236}">
-                <a16:creationId xmlns:a16="http://schemas.microsoft.com/office/drawing/2014/main" id="{CD3B67EB-92F0-4BCE-8D73-459E1494FE49}"/>
+                <a16:creationId xmlns:a16="http://schemas.microsoft.com/office/drawing/2014/main" id="{04F00891-1D05-42E2-826B-E0264CF3F770}"/>
               </a:ext>
             </a:extLst>
           </p:cNvPr>
@@ -10476,43 +10531,27 @@
         </p:nvSpPr>
         <p:spPr/>
         <p:txBody>
-          <a:bodyPr/>
+          <a:bodyPr>
+            <a:normAutofit/>
+          </a:bodyPr>
           <a:lstStyle/>
           <a:p>
             <a:r>
-              <a:rPr lang="de-DE" dirty="0"/>
-              <a:t>State </a:t>
-            </a:r>
-            <a:r>
-              <a:rPr lang="de-DE" dirty="0" err="1"/>
-              <a:t>machine</a:t>
-            </a:r>
-            <a:r>
-              <a:rPr lang="de-DE" dirty="0"/>
-              <a:t> </a:t>
-            </a:r>
-            <a:r>
-              <a:rPr lang="de-DE" dirty="0" err="1"/>
-              <a:t>object</a:t>
-            </a:r>
-            <a:r>
-              <a:rPr lang="de-DE" dirty="0"/>
-              <a:t> </a:t>
-            </a:r>
-            <a:r>
-              <a:rPr lang="de-DE" dirty="0" err="1"/>
-              <a:t>recognition</a:t>
-            </a:r>
-            <a:endParaRPr lang="de-DE" dirty="0"/>
+              <a:rPr lang="en-US" dirty="0">
+                <a:cs typeface="Calibri Light"/>
+              </a:rPr>
+              <a:t>State machine water</a:t>
+            </a:r>
+            <a:endParaRPr lang="en-US" dirty="0"/>
           </a:p>
         </p:txBody>
       </p:sp>
       <p:pic>
         <p:nvPicPr>
-          <p:cNvPr id="32" name="Inhaltsplatzhalter 31">
+          <p:cNvPr id="7" name="Inhaltsplatzhalter 6" descr="Ein Bild, das Anzeige enthält.&#10;&#10;Automatisch generierte Beschreibung">
             <a:extLst>
               <a:ext uri="{FF2B5EF4-FFF2-40B4-BE49-F238E27FC236}">
-                <a16:creationId xmlns:a16="http://schemas.microsoft.com/office/drawing/2014/main" id="{3607776C-1633-4497-9F21-AB6C260A2AE4}"/>
+                <a16:creationId xmlns:a16="http://schemas.microsoft.com/office/drawing/2014/main" id="{F1B93ACC-7D50-4DE4-A8CE-DB38038D30CE}"/>
               </a:ext>
             </a:extLst>
           </p:cNvPr>
@@ -10524,7 +10563,7 @@
           </p:nvPr>
         </p:nvPicPr>
         <p:blipFill>
-          <a:blip r:embed="rId3">
+          <a:blip r:embed="rId2">
             <a:extLst>
               <a:ext uri="{28A0092B-C50C-407E-A947-70E740481C1C}">
                 <a14:useLocalDpi xmlns:a14="http://schemas.microsoft.com/office/drawing/2010/main" val="0"/>
@@ -10537,15 +10576,15 @@
         </p:blipFill>
         <p:spPr>
           <a:xfrm>
-            <a:off x="1997712" y="1432350"/>
-            <a:ext cx="7966483" cy="4860000"/>
+            <a:off x="2328862" y="2289124"/>
+            <a:ext cx="7534275" cy="3057525"/>
           </a:xfrm>
         </p:spPr>
       </p:pic>
     </p:spTree>
     <p:extLst>
       <p:ext uri="{BB962C8B-B14F-4D97-AF65-F5344CB8AC3E}">
-        <p14:creationId xmlns:p14="http://schemas.microsoft.com/office/powerpoint/2010/main" val="3407603210"/>
+        <p14:creationId xmlns:p14="http://schemas.microsoft.com/office/powerpoint/2010/main" val="3487851560"/>
       </p:ext>
     </p:extLst>
   </p:cSld>
@@ -10577,6 +10616,120 @@
           <p:cNvPr id="2" name="Titel 1">
             <a:extLst>
               <a:ext uri="{FF2B5EF4-FFF2-40B4-BE49-F238E27FC236}">
+                <a16:creationId xmlns:a16="http://schemas.microsoft.com/office/drawing/2014/main" id="{CD3B67EB-92F0-4BCE-8D73-459E1494FE49}"/>
+              </a:ext>
+            </a:extLst>
+          </p:cNvPr>
+          <p:cNvSpPr>
+            <a:spLocks noGrp="1"/>
+          </p:cNvSpPr>
+          <p:nvPr>
+            <p:ph type="title"/>
+          </p:nvPr>
+        </p:nvSpPr>
+        <p:spPr/>
+        <p:txBody>
+          <a:bodyPr/>
+          <a:lstStyle/>
+          <a:p>
+            <a:r>
+              <a:rPr lang="de-DE" dirty="0"/>
+              <a:t>State </a:t>
+            </a:r>
+            <a:r>
+              <a:rPr lang="de-DE" dirty="0" err="1"/>
+              <a:t>machine</a:t>
+            </a:r>
+            <a:r>
+              <a:rPr lang="de-DE" dirty="0"/>
+              <a:t> </a:t>
+            </a:r>
+            <a:r>
+              <a:rPr lang="de-DE" dirty="0" err="1"/>
+              <a:t>object</a:t>
+            </a:r>
+            <a:r>
+              <a:rPr lang="de-DE" dirty="0"/>
+              <a:t> </a:t>
+            </a:r>
+            <a:r>
+              <a:rPr lang="de-DE" dirty="0" err="1"/>
+              <a:t>recognition</a:t>
+            </a:r>
+            <a:endParaRPr lang="de-DE" dirty="0"/>
+          </a:p>
+        </p:txBody>
+      </p:sp>
+      <p:pic>
+        <p:nvPicPr>
+          <p:cNvPr id="32" name="Inhaltsplatzhalter 31">
+            <a:extLst>
+              <a:ext uri="{FF2B5EF4-FFF2-40B4-BE49-F238E27FC236}">
+                <a16:creationId xmlns:a16="http://schemas.microsoft.com/office/drawing/2014/main" id="{3607776C-1633-4497-9F21-AB6C260A2AE4}"/>
+              </a:ext>
+            </a:extLst>
+          </p:cNvPr>
+          <p:cNvPicPr>
+            <a:picLocks noGrp="1" noChangeAspect="1"/>
+          </p:cNvPicPr>
+          <p:nvPr>
+            <p:ph idx="1"/>
+          </p:nvPr>
+        </p:nvPicPr>
+        <p:blipFill>
+          <a:blip r:embed="rId3">
+            <a:extLst>
+              <a:ext uri="{28A0092B-C50C-407E-A947-70E740481C1C}">
+                <a14:useLocalDpi xmlns:a14="http://schemas.microsoft.com/office/drawing/2010/main" val="0"/>
+              </a:ext>
+            </a:extLst>
+          </a:blip>
+          <a:stretch>
+            <a:fillRect/>
+          </a:stretch>
+        </p:blipFill>
+        <p:spPr>
+          <a:xfrm>
+            <a:off x="1997712" y="1432350"/>
+            <a:ext cx="7966483" cy="4860000"/>
+          </a:xfrm>
+        </p:spPr>
+      </p:pic>
+    </p:spTree>
+    <p:extLst>
+      <p:ext uri="{BB962C8B-B14F-4D97-AF65-F5344CB8AC3E}">
+        <p14:creationId xmlns:p14="http://schemas.microsoft.com/office/powerpoint/2010/main" val="3407603210"/>
+      </p:ext>
+    </p:extLst>
+  </p:cSld>
+  <p:clrMapOvr>
+    <a:masterClrMapping/>
+  </p:clrMapOvr>
+</p:sld>
+</file>
+
+<file path=ppt/slides/slide17.xml><?xml version="1.0" encoding="utf-8"?>
+<p:sld xmlns:a="http://schemas.openxmlformats.org/drawingml/2006/main" xmlns:r="http://schemas.openxmlformats.org/officeDocument/2006/relationships" xmlns:p="http://schemas.openxmlformats.org/presentationml/2006/main">
+  <p:cSld>
+    <p:spTree>
+      <p:nvGrpSpPr>
+        <p:cNvPr id="1" name=""/>
+        <p:cNvGrpSpPr/>
+        <p:nvPr/>
+      </p:nvGrpSpPr>
+      <p:grpSpPr>
+        <a:xfrm>
+          <a:off x="0" y="0"/>
+          <a:ext cx="0" cy="0"/>
+          <a:chOff x="0" y="0"/>
+          <a:chExt cx="0" cy="0"/>
+        </a:xfrm>
+      </p:grpSpPr>
+      <p:sp>
+        <p:nvSpPr>
+          <p:cNvPr id="2" name="Titel 1">
+            <a:extLst>
+              <a:ext uri="{FF2B5EF4-FFF2-40B4-BE49-F238E27FC236}">
                 <a16:creationId xmlns:a16="http://schemas.microsoft.com/office/drawing/2014/main" id="{3E7D0B69-5943-43F1-B43E-29895EFDF125}"/>
               </a:ext>
             </a:extLst>
@@ -10660,7 +10813,7 @@
 </p:sld>
 </file>
 
-<file path=ppt/slides/slide17.xml><?xml version="1.0" encoding="utf-8"?>
+<file path=ppt/slides/slide18.xml><?xml version="1.0" encoding="utf-8"?>
 <p:sld xmlns:a="http://schemas.openxmlformats.org/drawingml/2006/main" xmlns:r="http://schemas.openxmlformats.org/officeDocument/2006/relationships" xmlns:p="http://schemas.openxmlformats.org/presentationml/2006/main">
   <p:cSld>
     <p:spTree>

--- a/Präsentation/Colloquium.pptx
+++ b/Präsentation/Colloquium.pptx
@@ -7,27 +7,33 @@
     <p:sldMasterId id="2147483666" r:id="rId3"/>
   </p:sldMasterIdLst>
   <p:notesMasterIdLst>
-    <p:notesMasterId r:id="rId22"/>
+    <p:notesMasterId r:id="rId28"/>
   </p:notesMasterIdLst>
   <p:sldIdLst>
     <p:sldId id="256" r:id="rId4"/>
-    <p:sldId id="265" r:id="rId5"/>
-    <p:sldId id="257" r:id="rId6"/>
-    <p:sldId id="266" r:id="rId7"/>
-    <p:sldId id="274" r:id="rId8"/>
-    <p:sldId id="258" r:id="rId9"/>
-    <p:sldId id="259" r:id="rId10"/>
-    <p:sldId id="272" r:id="rId11"/>
+    <p:sldId id="281" r:id="rId5"/>
+    <p:sldId id="265" r:id="rId6"/>
+    <p:sldId id="260" r:id="rId7"/>
+    <p:sldId id="257" r:id="rId8"/>
+    <p:sldId id="266" r:id="rId9"/>
+    <p:sldId id="274" r:id="rId10"/>
+    <p:sldId id="258" r:id="rId11"/>
     <p:sldId id="261" r:id="rId12"/>
-    <p:sldId id="260" r:id="rId13"/>
-    <p:sldId id="264" r:id="rId14"/>
+    <p:sldId id="276" r:id="rId13"/>
+    <p:sldId id="277" r:id="rId14"/>
     <p:sldId id="267" r:id="rId15"/>
     <p:sldId id="270" r:id="rId16"/>
     <p:sldId id="278" r:id="rId17"/>
     <p:sldId id="269" r:id="rId18"/>
     <p:sldId id="275" r:id="rId19"/>
-    <p:sldId id="276" r:id="rId20"/>
-    <p:sldId id="277" r:id="rId21"/>
+    <p:sldId id="282" r:id="rId20"/>
+    <p:sldId id="279" r:id="rId21"/>
+    <p:sldId id="280" r:id="rId22"/>
+    <p:sldId id="285" r:id="rId23"/>
+    <p:sldId id="264" r:id="rId24"/>
+    <p:sldId id="283" r:id="rId25"/>
+    <p:sldId id="284" r:id="rId26"/>
+    <p:sldId id="286" r:id="rId27"/>
   </p:sldIdLst>
   <p:sldSz cx="12192000" cy="6858000"/>
   <p:notesSz cx="6858000" cy="9144000"/>
@@ -139,8 +145,10 @@
   <p1510:revLst>
     <p1510:client id="{0CA9CDC0-16FB-4ABC-8FF3-BA455EA3EAE1}" v="13" dt="2020-08-08T13:52:13.917"/>
     <p1510:client id="{0D2BFAF8-CA9E-4D7F-A148-3A2DCEFCEC7D}" v="11" dt="2020-08-08T14:38:30.911"/>
+    <p1510:client id="{181A1CFA-F57E-4D0B-8811-D6F8E33D01C4}" v="1868" dt="2020-08-12T08:24:28.424"/>
     <p1510:client id="{235968B0-BFCD-4667-B237-F8622C19F6BB}" v="41" dt="2020-08-08T20:18:37.151"/>
     <p1510:client id="{33143E90-B646-400D-A967-80DC97FA945D}" v="5" dt="2020-08-08T13:40:14.543"/>
+    <p1510:client id="{5BD615A0-201E-450A-8D38-C4842B7EA4D0}" v="684" dt="2020-08-12T08:25:09.433"/>
     <p1510:client id="{96E0BBF9-38F8-4895-92AE-59AD882D7159}" v="29" dt="2020-08-08T18:01:34.394"/>
     <p1510:client id="{A1432836-4816-4646-9DEC-CD06F4E63D84}" v="2" dt="2020-08-08T14:42:32.070"/>
     <p1510:client id="{A776C6B5-78DB-4DD9-9190-44400319DE7D}" v="158" dt="2020-08-08T12:09:01.768"/>
@@ -148,6 +156,7 @@
     <p1510:client id="{EBD96975-4527-4F28-B16C-50AA4690059C}" v="1" dt="2020-08-08T13:39:46.142"/>
     <p1510:client id="{EF4A27B9-EF94-464B-8B31-82EFEA65DF91}" v="115" dt="2020-08-08T13:50:46.460"/>
     <p1510:client id="{F4F1CEC5-E68B-4BC6-A039-88887071851B}" v="146" dt="2020-08-08T12:43:15.841"/>
+    <p1510:client id="{F63E3607-2E84-40B3-B541-D7F60C1C7B3C}" v="95" dt="2020-08-12T08:15:36.354"/>
   </p1510:revLst>
 </p1510:revInfo>
 </file>
@@ -155,271 +164,24 @@
 <file path=ppt/changesInfos/changesInfo1.xml><?xml version="1.0" encoding="utf-8"?>
 <pc:chgInfo xmlns:a="http://schemas.openxmlformats.org/drawingml/2006/main" xmlns:r="http://schemas.openxmlformats.org/officeDocument/2006/relationships" xmlns:ac="http://schemas.microsoft.com/office/drawing/2013/main/command" xmlns:pc="http://schemas.microsoft.com/office/powerpoint/2013/main/command">
   <pc:docChgLst>
-    <pc:chgData name="Guest User" providerId="Windows Live" clId="Web-{0D2BFAF8-CA9E-4D7F-A148-3A2DCEFCEC7D}"/>
-    <pc:docChg chg="addSld modSld">
-      <pc:chgData name="Guest User" userId="" providerId="Windows Live" clId="Web-{0D2BFAF8-CA9E-4D7F-A148-3A2DCEFCEC7D}" dt="2020-08-08T14:38:30.911" v="8" actId="14100"/>
-      <pc:docMkLst>
-        <pc:docMk/>
-      </pc:docMkLst>
-      <pc:sldChg chg="addSp delSp modSp">
-        <pc:chgData name="Guest User" userId="" providerId="Windows Live" clId="Web-{0D2BFAF8-CA9E-4D7F-A148-3A2DCEFCEC7D}" dt="2020-08-08T14:37:37.860" v="1" actId="1076"/>
-        <pc:sldMkLst>
-          <pc:docMk/>
-          <pc:sldMk cId="85131798" sldId="259"/>
-        </pc:sldMkLst>
-        <pc:spChg chg="del">
-          <ac:chgData name="Guest User" userId="" providerId="Windows Live" clId="Web-{0D2BFAF8-CA9E-4D7F-A148-3A2DCEFCEC7D}" dt="2020-08-08T14:37:34.548" v="0"/>
-          <ac:spMkLst>
-            <pc:docMk/>
-            <pc:sldMk cId="85131798" sldId="259"/>
-            <ac:spMk id="3" creationId="{5D21E8BB-546C-4779-A35C-C9E41F7BAA8A}"/>
-          </ac:spMkLst>
-        </pc:spChg>
-        <pc:picChg chg="add mod ord">
-          <ac:chgData name="Guest User" userId="" providerId="Windows Live" clId="Web-{0D2BFAF8-CA9E-4D7F-A148-3A2DCEFCEC7D}" dt="2020-08-08T14:37:37.860" v="1" actId="1076"/>
-          <ac:picMkLst>
-            <pc:docMk/>
-            <pc:sldMk cId="85131798" sldId="259"/>
-            <ac:picMk id="4" creationId="{A27F54DD-D2F7-4C0F-9224-84EFE0713A31}"/>
-          </ac:picMkLst>
-        </pc:picChg>
-      </pc:sldChg>
-      <pc:sldChg chg="addSp delSp modSp new">
-        <pc:chgData name="Guest User" userId="" providerId="Windows Live" clId="Web-{0D2BFAF8-CA9E-4D7F-A148-3A2DCEFCEC7D}" dt="2020-08-08T14:38:30.911" v="8" actId="14100"/>
-        <pc:sldMkLst>
-          <pc:docMk/>
-          <pc:sldMk cId="2810966278" sldId="272"/>
-        </pc:sldMkLst>
-        <pc:spChg chg="del">
-          <ac:chgData name="Guest User" userId="" providerId="Windows Live" clId="Web-{0D2BFAF8-CA9E-4D7F-A148-3A2DCEFCEC7D}" dt="2020-08-08T14:38:18.925" v="4"/>
-          <ac:spMkLst>
-            <pc:docMk/>
-            <pc:sldMk cId="2810966278" sldId="272"/>
-            <ac:spMk id="3" creationId="{48347D22-55EA-4F68-A9C3-7CAC2045CC09}"/>
-          </ac:spMkLst>
-        </pc:spChg>
-        <pc:picChg chg="add mod ord">
-          <ac:chgData name="Guest User" userId="" providerId="Windows Live" clId="Web-{0D2BFAF8-CA9E-4D7F-A148-3A2DCEFCEC7D}" dt="2020-08-08T14:38:30.911" v="8" actId="14100"/>
-          <ac:picMkLst>
-            <pc:docMk/>
-            <pc:sldMk cId="2810966278" sldId="272"/>
-            <ac:picMk id="4" creationId="{C2887F1E-143C-4E3C-BC41-9DCB51F81BC2}"/>
-          </ac:picMkLst>
-        </pc:picChg>
-      </pc:sldChg>
-      <pc:sldChg chg="new">
-        <pc:chgData name="Guest User" userId="" providerId="Windows Live" clId="Web-{0D2BFAF8-CA9E-4D7F-A148-3A2DCEFCEC7D}" dt="2020-08-08T14:37:43.845" v="3"/>
-        <pc:sldMkLst>
-          <pc:docMk/>
-          <pc:sldMk cId="3755473569" sldId="273"/>
-        </pc:sldMkLst>
-      </pc:sldChg>
-    </pc:docChg>
-  </pc:docChgLst>
-  <pc:docChgLst>
-    <pc:chgData name="Jonas Gerken" userId="0013991e4a45f156" providerId="Windows Live" clId="Web-{0CA9CDC0-16FB-4ABC-8FF3-BA455EA3EAE1}"/>
+    <pc:chgData name="benedikt lipinski" userId="b9f1d7673bf2cc52" providerId="Windows Live" clId="Web-{EBD96975-4527-4F28-B16C-50AA4690059C}"/>
     <pc:docChg chg="modSld">
-      <pc:chgData name="Jonas Gerken" userId="0013991e4a45f156" providerId="Windows Live" clId="Web-{0CA9CDC0-16FB-4ABC-8FF3-BA455EA3EAE1}" dt="2020-08-08T13:52:13.917" v="12" actId="1076"/>
+      <pc:chgData name="benedikt lipinski" userId="b9f1d7673bf2cc52" providerId="Windows Live" clId="Web-{EBD96975-4527-4F28-B16C-50AA4690059C}" dt="2020-08-08T13:39:46.142" v="0" actId="1076"/>
       <pc:docMkLst>
         <pc:docMk/>
       </pc:docMkLst>
       <pc:sldChg chg="modSp">
-        <pc:chgData name="Jonas Gerken" userId="0013991e4a45f156" providerId="Windows Live" clId="Web-{0CA9CDC0-16FB-4ABC-8FF3-BA455EA3EAE1}" dt="2020-08-08T13:48:33.603" v="5" actId="1076"/>
+        <pc:chgData name="benedikt lipinski" userId="b9f1d7673bf2cc52" providerId="Windows Live" clId="Web-{EBD96975-4527-4F28-B16C-50AA4690059C}" dt="2020-08-08T13:39:46.142" v="0" actId="1076"/>
         <pc:sldMkLst>
           <pc:docMk/>
           <pc:sldMk cId="3964914273" sldId="257"/>
         </pc:sldMkLst>
         <pc:picChg chg="mod">
-          <ac:chgData name="Jonas Gerken" userId="0013991e4a45f156" providerId="Windows Live" clId="Web-{0CA9CDC0-16FB-4ABC-8FF3-BA455EA3EAE1}" dt="2020-08-08T13:48:33.603" v="5" actId="1076"/>
+          <ac:chgData name="benedikt lipinski" userId="b9f1d7673bf2cc52" providerId="Windows Live" clId="Web-{EBD96975-4527-4F28-B16C-50AA4690059C}" dt="2020-08-08T13:39:46.142" v="0" actId="1076"/>
           <ac:picMkLst>
             <pc:docMk/>
             <pc:sldMk cId="3964914273" sldId="257"/>
             <ac:picMk id="9" creationId="{D400C94C-4CF7-4F9F-A40C-40711B1C6EA4}"/>
-          </ac:picMkLst>
-        </pc:picChg>
-      </pc:sldChg>
-      <pc:sldChg chg="modSp">
-        <pc:chgData name="Jonas Gerken" userId="0013991e4a45f156" providerId="Windows Live" clId="Web-{0CA9CDC0-16FB-4ABC-8FF3-BA455EA3EAE1}" dt="2020-08-08T13:48:46.463" v="8" actId="14100"/>
-        <pc:sldMkLst>
-          <pc:docMk/>
-          <pc:sldMk cId="2607626568" sldId="260"/>
-        </pc:sldMkLst>
-        <pc:picChg chg="mod">
-          <ac:chgData name="Jonas Gerken" userId="0013991e4a45f156" providerId="Windows Live" clId="Web-{0CA9CDC0-16FB-4ABC-8FF3-BA455EA3EAE1}" dt="2020-08-08T13:48:46.463" v="8" actId="14100"/>
-          <ac:picMkLst>
-            <pc:docMk/>
-            <pc:sldMk cId="2607626568" sldId="260"/>
-            <ac:picMk id="4" creationId="{1CABAA63-3006-4749-BDCE-918AD582382B}"/>
-          </ac:picMkLst>
-        </pc:picChg>
-      </pc:sldChg>
-      <pc:sldChg chg="modSp">
-        <pc:chgData name="Jonas Gerken" userId="0013991e4a45f156" providerId="Windows Live" clId="Web-{0CA9CDC0-16FB-4ABC-8FF3-BA455EA3EAE1}" dt="2020-08-08T13:52:13.917" v="12" actId="1076"/>
-        <pc:sldMkLst>
-          <pc:docMk/>
-          <pc:sldMk cId="1711792375" sldId="261"/>
-        </pc:sldMkLst>
-        <pc:picChg chg="mod">
-          <ac:chgData name="Jonas Gerken" userId="0013991e4a45f156" providerId="Windows Live" clId="Web-{0CA9CDC0-16FB-4ABC-8FF3-BA455EA3EAE1}" dt="2020-08-08T13:52:13.917" v="12" actId="1076"/>
-          <ac:picMkLst>
-            <pc:docMk/>
-            <pc:sldMk cId="1711792375" sldId="261"/>
-            <ac:picMk id="4" creationId="{F1E95BA7-6352-4376-9B02-CD1445839D0F}"/>
-          </ac:picMkLst>
-        </pc:picChg>
-      </pc:sldChg>
-      <pc:sldChg chg="modSp">
-        <pc:chgData name="Jonas Gerken" userId="0013991e4a45f156" providerId="Windows Live" clId="Web-{0CA9CDC0-16FB-4ABC-8FF3-BA455EA3EAE1}" dt="2020-08-08T13:50:15.807" v="9" actId="1076"/>
-        <pc:sldMkLst>
-          <pc:docMk/>
-          <pc:sldMk cId="3923845543" sldId="265"/>
-        </pc:sldMkLst>
-        <pc:picChg chg="mod">
-          <ac:chgData name="Jonas Gerken" userId="0013991e4a45f156" providerId="Windows Live" clId="Web-{0CA9CDC0-16FB-4ABC-8FF3-BA455EA3EAE1}" dt="2020-08-08T13:50:15.807" v="9" actId="1076"/>
-          <ac:picMkLst>
-            <pc:docMk/>
-            <pc:sldMk cId="3923845543" sldId="265"/>
-            <ac:picMk id="4" creationId="{21182C1F-FCE9-4676-B5FA-2A0082876F1C}"/>
-          </ac:picMkLst>
-        </pc:picChg>
-      </pc:sldChg>
-      <pc:sldChg chg="modSp">
-        <pc:chgData name="Jonas Gerken" userId="0013991e4a45f156" providerId="Windows Live" clId="Web-{0CA9CDC0-16FB-4ABC-8FF3-BA455EA3EAE1}" dt="2020-08-08T13:48:30.009" v="4" actId="1076"/>
-        <pc:sldMkLst>
-          <pc:docMk/>
-          <pc:sldMk cId="1041188411" sldId="266"/>
-        </pc:sldMkLst>
-        <pc:picChg chg="mod">
-          <ac:chgData name="Jonas Gerken" userId="0013991e4a45f156" providerId="Windows Live" clId="Web-{0CA9CDC0-16FB-4ABC-8FF3-BA455EA3EAE1}" dt="2020-08-08T13:48:30.009" v="4" actId="1076"/>
-          <ac:picMkLst>
-            <pc:docMk/>
-            <pc:sldMk cId="1041188411" sldId="266"/>
-            <ac:picMk id="4" creationId="{85346F6A-CC6A-4BEC-8CB4-B7FBAF6FD50A}"/>
-          </ac:picMkLst>
-        </pc:picChg>
-        <pc:picChg chg="mod">
-          <ac:chgData name="Jonas Gerken" userId="0013991e4a45f156" providerId="Windows Live" clId="Web-{0CA9CDC0-16FB-4ABC-8FF3-BA455EA3EAE1}" dt="2020-08-08T13:48:28.384" v="3" actId="14100"/>
-          <ac:picMkLst>
-            <pc:docMk/>
-            <pc:sldMk cId="1041188411" sldId="266"/>
-            <ac:picMk id="5" creationId="{EFC1E2F1-F0C5-4B7A-A057-982CF0E48104}"/>
-          </ac:picMkLst>
-        </pc:picChg>
-      </pc:sldChg>
-      <pc:sldChg chg="modSp">
-        <pc:chgData name="Jonas Gerken" userId="0013991e4a45f156" providerId="Windows Live" clId="Web-{0CA9CDC0-16FB-4ABC-8FF3-BA455EA3EAE1}" dt="2020-08-08T13:50:24.995" v="11" actId="1076"/>
-        <pc:sldMkLst>
-          <pc:docMk/>
-          <pc:sldMk cId="2122395508" sldId="271"/>
-        </pc:sldMkLst>
-        <pc:picChg chg="mod">
-          <ac:chgData name="Jonas Gerken" userId="0013991e4a45f156" providerId="Windows Live" clId="Web-{0CA9CDC0-16FB-4ABC-8FF3-BA455EA3EAE1}" dt="2020-08-08T13:50:24.995" v="11" actId="1076"/>
-          <ac:picMkLst>
-            <pc:docMk/>
-            <pc:sldMk cId="2122395508" sldId="271"/>
-            <ac:picMk id="4" creationId="{39F2F7DF-4843-4D54-889A-2B6985B61336}"/>
-          </ac:picMkLst>
-        </pc:picChg>
-      </pc:sldChg>
-    </pc:docChg>
-  </pc:docChgLst>
-  <pc:docChgLst>
-    <pc:chgData name="Jonas Gerken" userId="0013991e4a45f156" providerId="Windows Live" clId="Web-{33143E90-B646-400D-A967-80DC97FA945D}"/>
-    <pc:docChg chg="addSld delSld modSld">
-      <pc:chgData name="Jonas Gerken" userId="0013991e4a45f156" providerId="Windows Live" clId="Web-{33143E90-B646-400D-A967-80DC97FA945D}" dt="2020-08-08T13:40:14.543" v="3" actId="1076"/>
-      <pc:docMkLst>
-        <pc:docMk/>
-      </pc:docMkLst>
-      <pc:sldChg chg="add del">
-        <pc:chgData name="Jonas Gerken" userId="0013991e4a45f156" providerId="Windows Live" clId="Web-{33143E90-B646-400D-A967-80DC97FA945D}" dt="2020-08-08T13:40:08.121" v="2"/>
-        <pc:sldMkLst>
-          <pc:docMk/>
-          <pc:sldMk cId="2766090342" sldId="263"/>
-        </pc:sldMkLst>
-      </pc:sldChg>
-      <pc:sldChg chg="modSp">
-        <pc:chgData name="Jonas Gerken" userId="0013991e4a45f156" providerId="Windows Live" clId="Web-{33143E90-B646-400D-A967-80DC97FA945D}" dt="2020-08-08T13:40:14.543" v="3" actId="1076"/>
-        <pc:sldMkLst>
-          <pc:docMk/>
-          <pc:sldMk cId="1041188411" sldId="266"/>
-        </pc:sldMkLst>
-        <pc:picChg chg="mod">
-          <ac:chgData name="Jonas Gerken" userId="0013991e4a45f156" providerId="Windows Live" clId="Web-{33143E90-B646-400D-A967-80DC97FA945D}" dt="2020-08-08T13:40:14.543" v="3" actId="1076"/>
-          <ac:picMkLst>
-            <pc:docMk/>
-            <pc:sldMk cId="1041188411" sldId="266"/>
-            <ac:picMk id="4" creationId="{85346F6A-CC6A-4BEC-8CB4-B7FBAF6FD50A}"/>
-          </ac:picMkLst>
-        </pc:picChg>
-      </pc:sldChg>
-    </pc:docChg>
-  </pc:docChgLst>
-  <pc:docChgLst>
-    <pc:chgData name="benedikt lipinski" userId="b9f1d7673bf2cc52" providerId="Windows Live" clId="Web-{96E0BBF9-38F8-4895-92AE-59AD882D7159}"/>
-    <pc:docChg chg="addSld modSld">
-      <pc:chgData name="benedikt lipinski" userId="b9f1d7673bf2cc52" providerId="Windows Live" clId="Web-{96E0BBF9-38F8-4895-92AE-59AD882D7159}" dt="2020-08-08T18:01:34.394" v="26" actId="1076"/>
-      <pc:docMkLst>
-        <pc:docMk/>
-      </pc:docMkLst>
-      <pc:sldChg chg="addSp delSp modSp">
-        <pc:chgData name="benedikt lipinski" userId="b9f1d7673bf2cc52" providerId="Windows Live" clId="Web-{96E0BBF9-38F8-4895-92AE-59AD882D7159}" dt="2020-08-08T18:01:34.394" v="26" actId="1076"/>
-        <pc:sldMkLst>
-          <pc:docMk/>
-          <pc:sldMk cId="1041188411" sldId="266"/>
-        </pc:sldMkLst>
-        <pc:spChg chg="add del mod">
-          <ac:chgData name="benedikt lipinski" userId="b9f1d7673bf2cc52" providerId="Windows Live" clId="Web-{96E0BBF9-38F8-4895-92AE-59AD882D7159}" dt="2020-08-08T18:01:30.597" v="25"/>
-          <ac:spMkLst>
-            <pc:docMk/>
-            <pc:sldMk cId="1041188411" sldId="266"/>
-            <ac:spMk id="6" creationId="{6754A1DF-0066-4B3C-AEEE-98B53062506D}"/>
-          </ac:spMkLst>
-        </pc:spChg>
-        <pc:picChg chg="del mod">
-          <ac:chgData name="benedikt lipinski" userId="b9f1d7673bf2cc52" providerId="Windows Live" clId="Web-{96E0BBF9-38F8-4895-92AE-59AD882D7159}" dt="2020-08-08T18:01:17.721" v="21"/>
-          <ac:picMkLst>
-            <pc:docMk/>
-            <pc:sldMk cId="1041188411" sldId="266"/>
-            <ac:picMk id="4" creationId="{85346F6A-CC6A-4BEC-8CB4-B7FBAF6FD50A}"/>
-          </ac:picMkLst>
-        </pc:picChg>
-        <pc:picChg chg="mod">
-          <ac:chgData name="benedikt lipinski" userId="b9f1d7673bf2cc52" providerId="Windows Live" clId="Web-{96E0BBF9-38F8-4895-92AE-59AD882D7159}" dt="2020-08-08T18:01:34.394" v="26" actId="1076"/>
-          <ac:picMkLst>
-            <pc:docMk/>
-            <pc:sldMk cId="1041188411" sldId="266"/>
-            <ac:picMk id="5" creationId="{EFC1E2F1-F0C5-4B7A-A057-982CF0E48104}"/>
-          </ac:picMkLst>
-        </pc:picChg>
-      </pc:sldChg>
-      <pc:sldChg chg="addSp delSp modSp new">
-        <pc:chgData name="benedikt lipinski" userId="b9f1d7673bf2cc52" providerId="Windows Live" clId="Web-{96E0BBF9-38F8-4895-92AE-59AD882D7159}" dt="2020-08-08T18:01:22.237" v="23" actId="1076"/>
-        <pc:sldMkLst>
-          <pc:docMk/>
-          <pc:sldMk cId="1397337132" sldId="274"/>
-        </pc:sldMkLst>
-        <pc:spChg chg="mod">
-          <ac:chgData name="benedikt lipinski" userId="b9f1d7673bf2cc52" providerId="Windows Live" clId="Web-{96E0BBF9-38F8-4895-92AE-59AD882D7159}" dt="2020-08-08T18:01:10.424" v="15" actId="20577"/>
-          <ac:spMkLst>
-            <pc:docMk/>
-            <pc:sldMk cId="1397337132" sldId="274"/>
-            <ac:spMk id="2" creationId="{10B9BC11-31FE-4F92-8C19-87E755026858}"/>
-          </ac:spMkLst>
-        </pc:spChg>
-        <pc:spChg chg="del">
-          <ac:chgData name="benedikt lipinski" userId="b9f1d7673bf2cc52" providerId="Windows Live" clId="Web-{96E0BBF9-38F8-4895-92AE-59AD882D7159}" dt="2020-08-08T18:01:20.393" v="22"/>
-          <ac:spMkLst>
-            <pc:docMk/>
-            <pc:sldMk cId="1397337132" sldId="274"/>
-            <ac:spMk id="3" creationId="{ACFD5984-6F97-4F38-B568-B1BF46479D1F}"/>
-          </ac:spMkLst>
-        </pc:spChg>
-        <pc:picChg chg="add mod ord">
-          <ac:chgData name="benedikt lipinski" userId="b9f1d7673bf2cc52" providerId="Windows Live" clId="Web-{96E0BBF9-38F8-4895-92AE-59AD882D7159}" dt="2020-08-08T18:01:22.237" v="23" actId="1076"/>
-          <ac:picMkLst>
-            <pc:docMk/>
-            <pc:sldMk cId="1397337132" sldId="274"/>
-            <ac:picMk id="4" creationId="{6813F2DC-DDF4-4165-ACF2-975466E2BD47}"/>
           </ac:picMkLst>
         </pc:picChg>
       </pc:sldChg>
@@ -824,6 +586,407 @@
     </pc:docChg>
   </pc:docChgLst>
   <pc:docChgLst>
+    <pc:chgData name="benedikt lipinski" userId="b9f1d7673bf2cc52" providerId="Windows Live" clId="Web-{5BD615A0-201E-450A-8D38-C4842B7EA4D0}"/>
+    <pc:docChg chg="addSld delSld modSld sldOrd">
+      <pc:chgData name="benedikt lipinski" userId="b9f1d7673bf2cc52" providerId="Windows Live" clId="Web-{5BD615A0-201E-450A-8D38-C4842B7EA4D0}" dt="2020-08-12T08:25:09.136" v="664" actId="20577"/>
+      <pc:docMkLst>
+        <pc:docMk/>
+      </pc:docMkLst>
+      <pc:sldChg chg="del">
+        <pc:chgData name="benedikt lipinski" userId="b9f1d7673bf2cc52" providerId="Windows Live" clId="Web-{5BD615A0-201E-450A-8D38-C4842B7EA4D0}" dt="2020-08-12T07:35:29.518" v="81"/>
+        <pc:sldMkLst>
+          <pc:docMk/>
+          <pc:sldMk cId="85131798" sldId="259"/>
+        </pc:sldMkLst>
+      </pc:sldChg>
+      <pc:sldChg chg="ord">
+        <pc:chgData name="benedikt lipinski" userId="b9f1d7673bf2cc52" providerId="Windows Live" clId="Web-{5BD615A0-201E-450A-8D38-C4842B7EA4D0}" dt="2020-08-12T07:12:41.508" v="9"/>
+        <pc:sldMkLst>
+          <pc:docMk/>
+          <pc:sldMk cId="2607626568" sldId="260"/>
+        </pc:sldMkLst>
+      </pc:sldChg>
+      <pc:sldChg chg="modSp ord">
+        <pc:chgData name="benedikt lipinski" userId="b9f1d7673bf2cc52" providerId="Windows Live" clId="Web-{5BD615A0-201E-450A-8D38-C4842B7EA4D0}" dt="2020-08-12T07:59:45.374" v="413"/>
+        <pc:sldMkLst>
+          <pc:docMk/>
+          <pc:sldMk cId="4045734271" sldId="264"/>
+        </pc:sldMkLst>
+        <pc:picChg chg="mod">
+          <ac:chgData name="benedikt lipinski" userId="b9f1d7673bf2cc52" providerId="Windows Live" clId="Web-{5BD615A0-201E-450A-8D38-C4842B7EA4D0}" dt="2020-08-12T07:47:00.493" v="408" actId="1076"/>
+          <ac:picMkLst>
+            <pc:docMk/>
+            <pc:sldMk cId="4045734271" sldId="264"/>
+            <ac:picMk id="6" creationId="{E57271B8-BD63-4D59-9314-85DE10742E93}"/>
+          </ac:picMkLst>
+        </pc:picChg>
+      </pc:sldChg>
+      <pc:sldChg chg="delSp modSp">
+        <pc:chgData name="benedikt lipinski" userId="b9f1d7673bf2cc52" providerId="Windows Live" clId="Web-{5BD615A0-201E-450A-8D38-C4842B7EA4D0}" dt="2020-08-12T08:04:55.173" v="415"/>
+        <pc:sldMkLst>
+          <pc:docMk/>
+          <pc:sldMk cId="3923845543" sldId="265"/>
+        </pc:sldMkLst>
+        <pc:spChg chg="del">
+          <ac:chgData name="benedikt lipinski" userId="b9f1d7673bf2cc52" providerId="Windows Live" clId="Web-{5BD615A0-201E-450A-8D38-C4842B7EA4D0}" dt="2020-08-12T07:17:12.557" v="36"/>
+          <ac:spMkLst>
+            <pc:docMk/>
+            <pc:sldMk cId="3923845543" sldId="265"/>
+            <ac:spMk id="5" creationId="{A1087E48-F5BB-4844-881E-451B3E919D40}"/>
+          </ac:spMkLst>
+        </pc:spChg>
+        <pc:picChg chg="mod modCrop">
+          <ac:chgData name="benedikt lipinski" userId="b9f1d7673bf2cc52" providerId="Windows Live" clId="Web-{5BD615A0-201E-450A-8D38-C4842B7EA4D0}" dt="2020-08-12T08:04:55.173" v="415"/>
+          <ac:picMkLst>
+            <pc:docMk/>
+            <pc:sldMk cId="3923845543" sldId="265"/>
+            <ac:picMk id="6" creationId="{5F82D4CE-FA7E-44A7-BAA0-1509209A3C88}"/>
+          </ac:picMkLst>
+        </pc:picChg>
+      </pc:sldChg>
+      <pc:sldChg chg="addSp delSp modSp">
+        <pc:chgData name="benedikt lipinski" userId="b9f1d7673bf2cc52" providerId="Windows Live" clId="Web-{5BD615A0-201E-450A-8D38-C4842B7EA4D0}" dt="2020-08-12T08:13:48.771" v="419" actId="1076"/>
+        <pc:sldMkLst>
+          <pc:docMk/>
+          <pc:sldMk cId="2010650357" sldId="267"/>
+        </pc:sldMkLst>
+        <pc:spChg chg="add del mod">
+          <ac:chgData name="benedikt lipinski" userId="b9f1d7673bf2cc52" providerId="Windows Live" clId="Web-{5BD615A0-201E-450A-8D38-C4842B7EA4D0}" dt="2020-08-12T08:13:41.787" v="417"/>
+          <ac:spMkLst>
+            <pc:docMk/>
+            <pc:sldMk cId="2010650357" sldId="267"/>
+            <ac:spMk id="4" creationId="{8CBA0EF7-A2D5-49F6-95A1-AF97831BB3A8}"/>
+          </ac:spMkLst>
+        </pc:spChg>
+        <pc:picChg chg="add mod ord">
+          <ac:chgData name="benedikt lipinski" userId="b9f1d7673bf2cc52" providerId="Windows Live" clId="Web-{5BD615A0-201E-450A-8D38-C4842B7EA4D0}" dt="2020-08-12T08:13:48.771" v="419" actId="1076"/>
+          <ac:picMkLst>
+            <pc:docMk/>
+            <pc:sldMk cId="2010650357" sldId="267"/>
+            <ac:picMk id="5" creationId="{C13EF773-13B3-4185-8E71-C0B53F3255DE}"/>
+          </ac:picMkLst>
+        </pc:picChg>
+        <pc:picChg chg="del">
+          <ac:chgData name="benedikt lipinski" userId="b9f1d7673bf2cc52" providerId="Windows Live" clId="Web-{5BD615A0-201E-450A-8D38-C4842B7EA4D0}" dt="2020-08-12T08:13:37.521" v="416"/>
+          <ac:picMkLst>
+            <pc:docMk/>
+            <pc:sldMk cId="2010650357" sldId="267"/>
+            <ac:picMk id="6" creationId="{61D220FE-6BE6-4A3A-B605-685484D2AD99}"/>
+          </ac:picMkLst>
+        </pc:picChg>
+      </pc:sldChg>
+      <pc:sldChg chg="addSp delSp modSp">
+        <pc:chgData name="benedikt lipinski" userId="b9f1d7673bf2cc52" providerId="Windows Live" clId="Web-{5BD615A0-201E-450A-8D38-C4842B7EA4D0}" dt="2020-08-12T07:11:41.507" v="6" actId="1076"/>
+        <pc:sldMkLst>
+          <pc:docMk/>
+          <pc:sldMk cId="3487851560" sldId="269"/>
+        </pc:sldMkLst>
+        <pc:spChg chg="add del mod">
+          <ac:chgData name="benedikt lipinski" userId="b9f1d7673bf2cc52" providerId="Windows Live" clId="Web-{5BD615A0-201E-450A-8D38-C4842B7EA4D0}" dt="2020-08-12T07:11:16.789" v="2"/>
+          <ac:spMkLst>
+            <pc:docMk/>
+            <pc:sldMk cId="3487851560" sldId="269"/>
+            <ac:spMk id="5" creationId="{F00C7154-7434-482A-B64E-B8DB39BB1B43}"/>
+          </ac:spMkLst>
+        </pc:spChg>
+        <pc:picChg chg="add mod">
+          <ac:chgData name="benedikt lipinski" userId="b9f1d7673bf2cc52" providerId="Windows Live" clId="Web-{5BD615A0-201E-450A-8D38-C4842B7EA4D0}" dt="2020-08-12T07:11:41.507" v="6" actId="1076"/>
+          <ac:picMkLst>
+            <pc:docMk/>
+            <pc:sldMk cId="3487851560" sldId="269"/>
+            <ac:picMk id="3" creationId="{2EDF0120-F3A8-4BED-B765-6CF4BE6DEF9F}"/>
+          </ac:picMkLst>
+        </pc:picChg>
+        <pc:picChg chg="del">
+          <ac:chgData name="benedikt lipinski" userId="b9f1d7673bf2cc52" providerId="Windows Live" clId="Web-{5BD615A0-201E-450A-8D38-C4842B7EA4D0}" dt="2020-08-12T07:11:09.117" v="1"/>
+          <ac:picMkLst>
+            <pc:docMk/>
+            <pc:sldMk cId="3487851560" sldId="269"/>
+            <ac:picMk id="7" creationId="{F1B93ACC-7D50-4DE4-A8CE-DB38038D30CE}"/>
+          </ac:picMkLst>
+        </pc:picChg>
+      </pc:sldChg>
+      <pc:sldChg chg="del">
+        <pc:chgData name="benedikt lipinski" userId="b9f1d7673bf2cc52" providerId="Windows Live" clId="Web-{5BD615A0-201E-450A-8D38-C4842B7EA4D0}" dt="2020-08-12T07:21:27.246" v="46"/>
+        <pc:sldMkLst>
+          <pc:docMk/>
+          <pc:sldMk cId="2810966278" sldId="272"/>
+        </pc:sldMkLst>
+      </pc:sldChg>
+      <pc:sldChg chg="addSp delSp modSp">
+        <pc:chgData name="benedikt lipinski" userId="b9f1d7673bf2cc52" providerId="Windows Live" clId="Web-{5BD615A0-201E-450A-8D38-C4842B7EA4D0}" dt="2020-08-12T07:29:42.172" v="72"/>
+        <pc:sldMkLst>
+          <pc:docMk/>
+          <pc:sldMk cId="3407603210" sldId="275"/>
+        </pc:sldMkLst>
+        <pc:spChg chg="add del mod">
+          <ac:chgData name="benedikt lipinski" userId="b9f1d7673bf2cc52" providerId="Windows Live" clId="Web-{5BD615A0-201E-450A-8D38-C4842B7EA4D0}" dt="2020-08-12T07:29:40.860" v="71"/>
+          <ac:spMkLst>
+            <pc:docMk/>
+            <pc:sldMk cId="3407603210" sldId="275"/>
+            <ac:spMk id="5" creationId="{DE2BEE15-7953-4C9C-B3A5-73BEAB36819A}"/>
+          </ac:spMkLst>
+        </pc:spChg>
+        <pc:picChg chg="add del mod">
+          <ac:chgData name="benedikt lipinski" userId="b9f1d7673bf2cc52" providerId="Windows Live" clId="Web-{5BD615A0-201E-450A-8D38-C4842B7EA4D0}" dt="2020-08-12T07:29:42.172" v="72"/>
+          <ac:picMkLst>
+            <pc:docMk/>
+            <pc:sldMk cId="3407603210" sldId="275"/>
+            <ac:picMk id="3" creationId="{099481B8-F623-45EC-82A3-C1EC11C885CC}"/>
+          </ac:picMkLst>
+        </pc:picChg>
+        <pc:picChg chg="add del">
+          <ac:chgData name="benedikt lipinski" userId="b9f1d7673bf2cc52" providerId="Windows Live" clId="Web-{5BD615A0-201E-450A-8D38-C4842B7EA4D0}" dt="2020-08-12T07:29:40.860" v="71"/>
+          <ac:picMkLst>
+            <pc:docMk/>
+            <pc:sldMk cId="3407603210" sldId="275"/>
+            <ac:picMk id="32" creationId="{3607776C-1633-4497-9F21-AB6C260A2AE4}"/>
+          </ac:picMkLst>
+        </pc:picChg>
+      </pc:sldChg>
+      <pc:sldChg chg="ord">
+        <pc:chgData name="benedikt lipinski" userId="b9f1d7673bf2cc52" providerId="Windows Live" clId="Web-{5BD615A0-201E-450A-8D38-C4842B7EA4D0}" dt="2020-08-12T07:59:22.655" v="411"/>
+        <pc:sldMkLst>
+          <pc:docMk/>
+          <pc:sldMk cId="3358593149" sldId="276"/>
+        </pc:sldMkLst>
+      </pc:sldChg>
+      <pc:sldChg chg="ord">
+        <pc:chgData name="benedikt lipinski" userId="b9f1d7673bf2cc52" providerId="Windows Live" clId="Web-{5BD615A0-201E-450A-8D38-C4842B7EA4D0}" dt="2020-08-12T07:59:28.920" v="412"/>
+        <pc:sldMkLst>
+          <pc:docMk/>
+          <pc:sldMk cId="3548825610" sldId="277"/>
+        </pc:sldMkLst>
+      </pc:sldChg>
+      <pc:sldChg chg="delSp modSp new">
+        <pc:chgData name="benedikt lipinski" userId="b9f1d7673bf2cc52" providerId="Windows Live" clId="Web-{5BD615A0-201E-450A-8D38-C4842B7EA4D0}" dt="2020-08-12T07:13:03.399" v="32"/>
+        <pc:sldMkLst>
+          <pc:docMk/>
+          <pc:sldMk cId="1603636932" sldId="281"/>
+        </pc:sldMkLst>
+        <pc:spChg chg="mod">
+          <ac:chgData name="benedikt lipinski" userId="b9f1d7673bf2cc52" providerId="Windows Live" clId="Web-{5BD615A0-201E-450A-8D38-C4842B7EA4D0}" dt="2020-08-12T07:12:58.664" v="30" actId="20577"/>
+          <ac:spMkLst>
+            <pc:docMk/>
+            <pc:sldMk cId="1603636932" sldId="281"/>
+            <ac:spMk id="2" creationId="{D0CC520B-C51A-4464-90B6-B9CBCC24B51F}"/>
+          </ac:spMkLst>
+        </pc:spChg>
+        <pc:spChg chg="del">
+          <ac:chgData name="benedikt lipinski" userId="b9f1d7673bf2cc52" providerId="Windows Live" clId="Web-{5BD615A0-201E-450A-8D38-C4842B7EA4D0}" dt="2020-08-12T07:13:03.399" v="32"/>
+          <ac:spMkLst>
+            <pc:docMk/>
+            <pc:sldMk cId="1603636932" sldId="281"/>
+            <ac:spMk id="3" creationId="{D47AABD4-18FF-4E03-926E-79805AE9EF30}"/>
+          </ac:spMkLst>
+        </pc:spChg>
+      </pc:sldChg>
+      <pc:sldChg chg="addSp delSp modSp new">
+        <pc:chgData name="benedikt lipinski" userId="b9f1d7673bf2cc52" providerId="Windows Live" clId="Web-{5BD615A0-201E-450A-8D38-C4842B7EA4D0}" dt="2020-08-12T07:45:01.132" v="393" actId="20577"/>
+        <pc:sldMkLst>
+          <pc:docMk/>
+          <pc:sldMk cId="1577989471" sldId="283"/>
+        </pc:sldMkLst>
+        <pc:spChg chg="mod">
+          <ac:chgData name="benedikt lipinski" userId="b9f1d7673bf2cc52" providerId="Windows Live" clId="Web-{5BD615A0-201E-450A-8D38-C4842B7EA4D0}" dt="2020-08-12T07:45:01.132" v="393" actId="20577"/>
+          <ac:spMkLst>
+            <pc:docMk/>
+            <pc:sldMk cId="1577989471" sldId="283"/>
+            <ac:spMk id="2" creationId="{FCF49A9A-DEF3-48A5-A399-A505A46EE0BB}"/>
+          </ac:spMkLst>
+        </pc:spChg>
+        <pc:spChg chg="del">
+          <ac:chgData name="benedikt lipinski" userId="b9f1d7673bf2cc52" providerId="Windows Live" clId="Web-{5BD615A0-201E-450A-8D38-C4842B7EA4D0}" dt="2020-08-12T07:35:43.128" v="82"/>
+          <ac:spMkLst>
+            <pc:docMk/>
+            <pc:sldMk cId="1577989471" sldId="283"/>
+            <ac:spMk id="3" creationId="{357E4EE4-0190-40C1-A8B9-FD1D0B880CE1}"/>
+          </ac:spMkLst>
+        </pc:spChg>
+        <pc:picChg chg="add mod ord">
+          <ac:chgData name="benedikt lipinski" userId="b9f1d7673bf2cc52" providerId="Windows Live" clId="Web-{5BD615A0-201E-450A-8D38-C4842B7EA4D0}" dt="2020-08-12T07:35:56.128" v="86" actId="1076"/>
+          <ac:picMkLst>
+            <pc:docMk/>
+            <pc:sldMk cId="1577989471" sldId="283"/>
+            <ac:picMk id="4" creationId="{F2AFDEA0-F4A2-41D9-B400-E11E81D748E3}"/>
+          </ac:picMkLst>
+        </pc:picChg>
+      </pc:sldChg>
+      <pc:sldChg chg="addSp delSp modSp new">
+        <pc:chgData name="benedikt lipinski" userId="b9f1d7673bf2cc52" providerId="Windows Live" clId="Web-{5BD615A0-201E-450A-8D38-C4842B7EA4D0}" dt="2020-08-12T07:45:53.664" v="407"/>
+        <pc:sldMkLst>
+          <pc:docMk/>
+          <pc:sldMk cId="861279220" sldId="284"/>
+        </pc:sldMkLst>
+        <pc:spChg chg="mod">
+          <ac:chgData name="benedikt lipinski" userId="b9f1d7673bf2cc52" providerId="Windows Live" clId="Web-{5BD615A0-201E-450A-8D38-C4842B7EA4D0}" dt="2020-08-12T07:37:17.707" v="142" actId="20577"/>
+          <ac:spMkLst>
+            <pc:docMk/>
+            <pc:sldMk cId="861279220" sldId="284"/>
+            <ac:spMk id="2" creationId="{6BE37ED9-3146-4BBD-BFFF-5C6E19E24E6B}"/>
+          </ac:spMkLst>
+        </pc:spChg>
+        <pc:spChg chg="del mod">
+          <ac:chgData name="benedikt lipinski" userId="b9f1d7673bf2cc52" providerId="Windows Live" clId="Web-{5BD615A0-201E-450A-8D38-C4842B7EA4D0}" dt="2020-08-12T07:40:09.896" v="153"/>
+          <ac:spMkLst>
+            <pc:docMk/>
+            <pc:sldMk cId="861279220" sldId="284"/>
+            <ac:spMk id="3" creationId="{DF296EE0-86C6-427D-BAAA-852C21098BD7}"/>
+          </ac:spMkLst>
+        </pc:spChg>
+        <pc:spChg chg="add del mod">
+          <ac:chgData name="benedikt lipinski" userId="b9f1d7673bf2cc52" providerId="Windows Live" clId="Web-{5BD615A0-201E-450A-8D38-C4842B7EA4D0}" dt="2020-08-12T07:40:12.224" v="154"/>
+          <ac:spMkLst>
+            <pc:docMk/>
+            <pc:sldMk cId="861279220" sldId="284"/>
+            <ac:spMk id="5" creationId="{D01BB7BC-C589-4124-89F9-0983511C11AC}"/>
+          </ac:spMkLst>
+        </pc:spChg>
+        <pc:spChg chg="add mod">
+          <ac:chgData name="benedikt lipinski" userId="b9f1d7673bf2cc52" providerId="Windows Live" clId="Web-{5BD615A0-201E-450A-8D38-C4842B7EA4D0}" dt="2020-08-12T07:45:48.695" v="405" actId="20577"/>
+          <ac:spMkLst>
+            <pc:docMk/>
+            <pc:sldMk cId="861279220" sldId="284"/>
+            <ac:spMk id="8" creationId="{4D69605F-60E3-481A-855F-4B482C633416}"/>
+          </ac:spMkLst>
+        </pc:spChg>
+        <pc:picChg chg="add del mod">
+          <ac:chgData name="benedikt lipinski" userId="b9f1d7673bf2cc52" providerId="Windows Live" clId="Web-{5BD615A0-201E-450A-8D38-C4842B7EA4D0}" dt="2020-08-12T07:40:36.630" v="158"/>
+          <ac:picMkLst>
+            <pc:docMk/>
+            <pc:sldMk cId="861279220" sldId="284"/>
+            <ac:picMk id="6" creationId="{A0829BF3-04C6-4188-9513-EB4B39AB76DD}"/>
+          </ac:picMkLst>
+        </pc:picChg>
+        <pc:picChg chg="add mod">
+          <ac:chgData name="benedikt lipinski" userId="b9f1d7673bf2cc52" providerId="Windows Live" clId="Web-{5BD615A0-201E-450A-8D38-C4842B7EA4D0}" dt="2020-08-12T07:45:53.664" v="407"/>
+          <ac:picMkLst>
+            <pc:docMk/>
+            <pc:sldMk cId="861279220" sldId="284"/>
+            <ac:picMk id="7" creationId="{71AD7809-72B5-4418-B585-662AA5102224}"/>
+          </ac:picMkLst>
+        </pc:picChg>
+      </pc:sldChg>
+      <pc:sldChg chg="new del">
+        <pc:chgData name="benedikt lipinski" userId="b9f1d7673bf2cc52" providerId="Windows Live" clId="Web-{5BD615A0-201E-450A-8D38-C4842B7EA4D0}" dt="2020-08-12T07:57:08.185" v="410"/>
+        <pc:sldMkLst>
+          <pc:docMk/>
+          <pc:sldMk cId="503586563" sldId="286"/>
+        </pc:sldMkLst>
+      </pc:sldChg>
+      <pc:sldChg chg="modSp">
+        <pc:chgData name="benedikt lipinski" userId="b9f1d7673bf2cc52" providerId="Windows Live" clId="Web-{5BD615A0-201E-450A-8D38-C4842B7EA4D0}" dt="2020-08-12T08:25:09.136" v="663" actId="20577"/>
+        <pc:sldMkLst>
+          <pc:docMk/>
+          <pc:sldMk cId="1950593229" sldId="286"/>
+        </pc:sldMkLst>
+        <pc:spChg chg="mod">
+          <ac:chgData name="benedikt lipinski" userId="b9f1d7673bf2cc52" providerId="Windows Live" clId="Web-{5BD615A0-201E-450A-8D38-C4842B7EA4D0}" dt="2020-08-12T08:25:09.136" v="663" actId="20577"/>
+          <ac:spMkLst>
+            <pc:docMk/>
+            <pc:sldMk cId="1950593229" sldId="286"/>
+            <ac:spMk id="3" creationId="{681D986D-6ED4-43EC-9C56-84E845A9FE6E}"/>
+          </ac:spMkLst>
+        </pc:spChg>
+      </pc:sldChg>
+    </pc:docChg>
+  </pc:docChgLst>
+  <pc:docChgLst>
+    <pc:chgData name="benedikt lipinski" userId="b9f1d7673bf2cc52" providerId="Windows Live" clId="Web-{EF4A27B9-EF94-464B-8B31-82EFEA65DF91}"/>
+    <pc:docChg chg="modSld">
+      <pc:chgData name="benedikt lipinski" userId="b9f1d7673bf2cc52" providerId="Windows Live" clId="Web-{EF4A27B9-EF94-464B-8B31-82EFEA65DF91}" dt="2020-08-08T13:50:46.241" v="113" actId="20577"/>
+      <pc:docMkLst>
+        <pc:docMk/>
+      </pc:docMkLst>
+      <pc:sldChg chg="modSp">
+        <pc:chgData name="benedikt lipinski" userId="b9f1d7673bf2cc52" providerId="Windows Live" clId="Web-{EF4A27B9-EF94-464B-8B31-82EFEA65DF91}" dt="2020-08-08T13:50:44.538" v="111" actId="20577"/>
+        <pc:sldMkLst>
+          <pc:docMk/>
+          <pc:sldMk cId="3827737673" sldId="256"/>
+        </pc:sldMkLst>
+        <pc:spChg chg="mod">
+          <ac:chgData name="benedikt lipinski" userId="b9f1d7673bf2cc52" providerId="Windows Live" clId="Web-{EF4A27B9-EF94-464B-8B31-82EFEA65DF91}" dt="2020-08-08T13:50:44.538" v="111" actId="20577"/>
+          <ac:spMkLst>
+            <pc:docMk/>
+            <pc:sldMk cId="3827737673" sldId="256"/>
+            <ac:spMk id="3" creationId="{45D7760A-75A4-48FC-8B29-34F65DC94648}"/>
+          </ac:spMkLst>
+        </pc:spChg>
+      </pc:sldChg>
+    </pc:docChg>
+  </pc:docChgLst>
+  <pc:docChgLst>
+    <pc:chgData name="benedikt lipinski" userId="b9f1d7673bf2cc52" providerId="Windows Live" clId="Web-{96E0BBF9-38F8-4895-92AE-59AD882D7159}"/>
+    <pc:docChg chg="addSld modSld">
+      <pc:chgData name="benedikt lipinski" userId="b9f1d7673bf2cc52" providerId="Windows Live" clId="Web-{96E0BBF9-38F8-4895-92AE-59AD882D7159}" dt="2020-08-08T18:01:34.394" v="26" actId="1076"/>
+      <pc:docMkLst>
+        <pc:docMk/>
+      </pc:docMkLst>
+      <pc:sldChg chg="addSp delSp modSp">
+        <pc:chgData name="benedikt lipinski" userId="b9f1d7673bf2cc52" providerId="Windows Live" clId="Web-{96E0BBF9-38F8-4895-92AE-59AD882D7159}" dt="2020-08-08T18:01:34.394" v="26" actId="1076"/>
+        <pc:sldMkLst>
+          <pc:docMk/>
+          <pc:sldMk cId="1041188411" sldId="266"/>
+        </pc:sldMkLst>
+        <pc:spChg chg="add del mod">
+          <ac:chgData name="benedikt lipinski" userId="b9f1d7673bf2cc52" providerId="Windows Live" clId="Web-{96E0BBF9-38F8-4895-92AE-59AD882D7159}" dt="2020-08-08T18:01:30.597" v="25"/>
+          <ac:spMkLst>
+            <pc:docMk/>
+            <pc:sldMk cId="1041188411" sldId="266"/>
+            <ac:spMk id="6" creationId="{6754A1DF-0066-4B3C-AEEE-98B53062506D}"/>
+          </ac:spMkLst>
+        </pc:spChg>
+        <pc:picChg chg="del mod">
+          <ac:chgData name="benedikt lipinski" userId="b9f1d7673bf2cc52" providerId="Windows Live" clId="Web-{96E0BBF9-38F8-4895-92AE-59AD882D7159}" dt="2020-08-08T18:01:17.721" v="21"/>
+          <ac:picMkLst>
+            <pc:docMk/>
+            <pc:sldMk cId="1041188411" sldId="266"/>
+            <ac:picMk id="4" creationId="{85346F6A-CC6A-4BEC-8CB4-B7FBAF6FD50A}"/>
+          </ac:picMkLst>
+        </pc:picChg>
+        <pc:picChg chg="mod">
+          <ac:chgData name="benedikt lipinski" userId="b9f1d7673bf2cc52" providerId="Windows Live" clId="Web-{96E0BBF9-38F8-4895-92AE-59AD882D7159}" dt="2020-08-08T18:01:34.394" v="26" actId="1076"/>
+          <ac:picMkLst>
+            <pc:docMk/>
+            <pc:sldMk cId="1041188411" sldId="266"/>
+            <ac:picMk id="5" creationId="{EFC1E2F1-F0C5-4B7A-A057-982CF0E48104}"/>
+          </ac:picMkLst>
+        </pc:picChg>
+      </pc:sldChg>
+      <pc:sldChg chg="addSp delSp modSp new">
+        <pc:chgData name="benedikt lipinski" userId="b9f1d7673bf2cc52" providerId="Windows Live" clId="Web-{96E0BBF9-38F8-4895-92AE-59AD882D7159}" dt="2020-08-08T18:01:22.237" v="23" actId="1076"/>
+        <pc:sldMkLst>
+          <pc:docMk/>
+          <pc:sldMk cId="1397337132" sldId="274"/>
+        </pc:sldMkLst>
+        <pc:spChg chg="mod">
+          <ac:chgData name="benedikt lipinski" userId="b9f1d7673bf2cc52" providerId="Windows Live" clId="Web-{96E0BBF9-38F8-4895-92AE-59AD882D7159}" dt="2020-08-08T18:01:10.424" v="15" actId="20577"/>
+          <ac:spMkLst>
+            <pc:docMk/>
+            <pc:sldMk cId="1397337132" sldId="274"/>
+            <ac:spMk id="2" creationId="{10B9BC11-31FE-4F92-8C19-87E755026858}"/>
+          </ac:spMkLst>
+        </pc:spChg>
+        <pc:spChg chg="del">
+          <ac:chgData name="benedikt lipinski" userId="b9f1d7673bf2cc52" providerId="Windows Live" clId="Web-{96E0BBF9-38F8-4895-92AE-59AD882D7159}" dt="2020-08-08T18:01:20.393" v="22"/>
+          <ac:spMkLst>
+            <pc:docMk/>
+            <pc:sldMk cId="1397337132" sldId="274"/>
+            <ac:spMk id="3" creationId="{ACFD5984-6F97-4F38-B568-B1BF46479D1F}"/>
+          </ac:spMkLst>
+        </pc:spChg>
+        <pc:picChg chg="add mod ord">
+          <ac:chgData name="benedikt lipinski" userId="b9f1d7673bf2cc52" providerId="Windows Live" clId="Web-{96E0BBF9-38F8-4895-92AE-59AD882D7159}" dt="2020-08-08T18:01:22.237" v="23" actId="1076"/>
+          <ac:picMkLst>
+            <pc:docMk/>
+            <pc:sldMk cId="1397337132" sldId="274"/>
+            <ac:picMk id="4" creationId="{6813F2DC-DDF4-4165-ACF2-975466E2BD47}"/>
+          </ac:picMkLst>
+        </pc:picChg>
+      </pc:sldChg>
+    </pc:docChg>
+  </pc:docChgLst>
+  <pc:docChgLst>
     <pc:chgData name="Guest User" providerId="Windows Live" clId="Web-{A776C6B5-78DB-4DD9-9190-44400319DE7D}"/>
     <pc:docChg chg="addSld modSld">
       <pc:chgData name="Guest User" userId="" providerId="Windows Live" clId="Web-{A776C6B5-78DB-4DD9-9190-44400319DE7D}" dt="2020-08-08T12:09:01.768" v="146" actId="1076"/>
@@ -1004,103 +1167,494 @@
     </pc:docChg>
   </pc:docChgLst>
   <pc:docChgLst>
-    <pc:chgData name="benedikt lipinski" userId="b9f1d7673bf2cc52" providerId="Windows Live" clId="Web-{EF4A27B9-EF94-464B-8B31-82EFEA65DF91}"/>
-    <pc:docChg chg="modSld">
-      <pc:chgData name="benedikt lipinski" userId="b9f1d7673bf2cc52" providerId="Windows Live" clId="Web-{EF4A27B9-EF94-464B-8B31-82EFEA65DF91}" dt="2020-08-08T13:50:46.241" v="113" actId="20577"/>
+    <pc:chgData name="Gastbenutzer" providerId="Windows Live" clId="Web-{181A1CFA-F57E-4D0B-8811-D6F8E33D01C4}"/>
+    <pc:docChg chg="addSld modSld sldOrd">
+      <pc:chgData name="Gastbenutzer" userId="" providerId="Windows Live" clId="Web-{181A1CFA-F57E-4D0B-8811-D6F8E33D01C4}" dt="2020-08-12T08:24:28.424" v="1835" actId="20577"/>
       <pc:docMkLst>
         <pc:docMk/>
       </pc:docMkLst>
-      <pc:sldChg chg="modSp">
-        <pc:chgData name="benedikt lipinski" userId="b9f1d7673bf2cc52" providerId="Windows Live" clId="Web-{EF4A27B9-EF94-464B-8B31-82EFEA65DF91}" dt="2020-08-08T13:50:44.538" v="111" actId="20577"/>
+      <pc:sldChg chg="addSp delSp modSp new">
+        <pc:chgData name="Gastbenutzer" userId="" providerId="Windows Live" clId="Web-{181A1CFA-F57E-4D0B-8811-D6F8E33D01C4}" dt="2020-08-12T07:42:13.736" v="1043" actId="20577"/>
         <pc:sldMkLst>
           <pc:docMk/>
-          <pc:sldMk cId="3827737673" sldId="256"/>
+          <pc:sldMk cId="2010481731" sldId="279"/>
         </pc:sldMkLst>
         <pc:spChg chg="mod">
-          <ac:chgData name="benedikt lipinski" userId="b9f1d7673bf2cc52" providerId="Windows Live" clId="Web-{EF4A27B9-EF94-464B-8B31-82EFEA65DF91}" dt="2020-08-08T13:50:44.538" v="111" actId="20577"/>
+          <ac:chgData name="Gastbenutzer" userId="" providerId="Windows Live" clId="Web-{181A1CFA-F57E-4D0B-8811-D6F8E33D01C4}" dt="2020-08-12T07:07:59.579" v="27" actId="20577"/>
           <ac:spMkLst>
             <pc:docMk/>
-            <pc:sldMk cId="3827737673" sldId="256"/>
-            <ac:spMk id="3" creationId="{45D7760A-75A4-48FC-8B29-34F65DC94648}"/>
+            <pc:sldMk cId="2010481731" sldId="279"/>
+            <ac:spMk id="2" creationId="{E4B03105-3F24-4845-B52D-40A9F8EF4ABE}"/>
+          </ac:spMkLst>
+        </pc:spChg>
+        <pc:spChg chg="del">
+          <ac:chgData name="Gastbenutzer" userId="" providerId="Windows Live" clId="Web-{181A1CFA-F57E-4D0B-8811-D6F8E33D01C4}" dt="2020-08-12T07:08:32.173" v="30"/>
+          <ac:spMkLst>
+            <pc:docMk/>
+            <pc:sldMk cId="2010481731" sldId="279"/>
+            <ac:spMk id="3" creationId="{98A177C3-D95C-4FE1-9F5A-D6DB87E68369}"/>
+          </ac:spMkLst>
+        </pc:spChg>
+        <pc:spChg chg="add mod">
+          <ac:chgData name="Gastbenutzer" userId="" providerId="Windows Live" clId="Web-{181A1CFA-F57E-4D0B-8811-D6F8E33D01C4}" dt="2020-08-12T07:33:04.861" v="766" actId="1076"/>
+          <ac:spMkLst>
+            <pc:docMk/>
+            <pc:sldMk cId="2010481731" sldId="279"/>
+            <ac:spMk id="7" creationId="{A83E5ED5-C913-4304-8A7D-19BBBCF33A61}"/>
+          </ac:spMkLst>
+        </pc:spChg>
+        <pc:spChg chg="add mod">
+          <ac:chgData name="Gastbenutzer" userId="" providerId="Windows Live" clId="Web-{181A1CFA-F57E-4D0B-8811-D6F8E33D01C4}" dt="2020-08-12T07:34:00.704" v="804" actId="20577"/>
+          <ac:spMkLst>
+            <pc:docMk/>
+            <pc:sldMk cId="2010481731" sldId="279"/>
+            <ac:spMk id="9" creationId="{8D537554-4DCB-4B9A-929C-7CA265D9A3F3}"/>
+          </ac:spMkLst>
+        </pc:spChg>
+        <pc:spChg chg="add mod">
+          <ac:chgData name="Gastbenutzer" userId="" providerId="Windows Live" clId="Web-{181A1CFA-F57E-4D0B-8811-D6F8E33D01C4}" dt="2020-08-12T07:36:38.454" v="853" actId="1076"/>
+          <ac:spMkLst>
+            <pc:docMk/>
+            <pc:sldMk cId="2010481731" sldId="279"/>
+            <ac:spMk id="14" creationId="{26CCBE4B-4DAC-44B1-BEC9-FF9BD547902E}"/>
+          </ac:spMkLst>
+        </pc:spChg>
+        <pc:spChg chg="add mod">
+          <ac:chgData name="Gastbenutzer" userId="" providerId="Windows Live" clId="Web-{181A1CFA-F57E-4D0B-8811-D6F8E33D01C4}" dt="2020-08-12T07:37:07.048" v="896" actId="1076"/>
+          <ac:spMkLst>
+            <pc:docMk/>
+            <pc:sldMk cId="2010481731" sldId="279"/>
+            <ac:spMk id="15" creationId="{D7FAD874-5BCB-4944-B3C4-7E034F6BAF9D}"/>
+          </ac:spMkLst>
+        </pc:spChg>
+        <pc:spChg chg="add mod">
+          <ac:chgData name="Gastbenutzer" userId="" providerId="Windows Live" clId="Web-{181A1CFA-F57E-4D0B-8811-D6F8E33D01C4}" dt="2020-08-12T07:39:52.423" v="955" actId="14100"/>
+          <ac:spMkLst>
+            <pc:docMk/>
+            <pc:sldMk cId="2010481731" sldId="279"/>
+            <ac:spMk id="20" creationId="{D23073A9-E7CC-4B7F-ADA8-258347AB7DF3}"/>
+          </ac:spMkLst>
+        </pc:spChg>
+        <pc:spChg chg="add mod">
+          <ac:chgData name="Gastbenutzer" userId="" providerId="Windows Live" clId="Web-{181A1CFA-F57E-4D0B-8811-D6F8E33D01C4}" dt="2020-08-12T07:40:46.017" v="961" actId="20577"/>
+          <ac:spMkLst>
+            <pc:docMk/>
+            <pc:sldMk cId="2010481731" sldId="279"/>
+            <ac:spMk id="22" creationId="{13D7DF89-57F4-4B9A-BF9A-40B21BE2AFC7}"/>
+          </ac:spMkLst>
+        </pc:spChg>
+        <pc:spChg chg="add mod">
+          <ac:chgData name="Gastbenutzer" userId="" providerId="Windows Live" clId="Web-{181A1CFA-F57E-4D0B-8811-D6F8E33D01C4}" dt="2020-08-12T07:41:44.298" v="1020" actId="1076"/>
+          <ac:spMkLst>
+            <pc:docMk/>
+            <pc:sldMk cId="2010481731" sldId="279"/>
+            <ac:spMk id="24" creationId="{E8DBA7D8-65FB-4DDA-8ABC-8D262ECBF95E}"/>
+          </ac:spMkLst>
+        </pc:spChg>
+        <pc:spChg chg="add mod">
+          <ac:chgData name="Gastbenutzer" userId="" providerId="Windows Live" clId="Web-{181A1CFA-F57E-4D0B-8811-D6F8E33D01C4}" dt="2020-08-12T07:42:13.736" v="1043" actId="20577"/>
+          <ac:spMkLst>
+            <pc:docMk/>
+            <pc:sldMk cId="2010481731" sldId="279"/>
+            <ac:spMk id="26" creationId="{A631E490-72EA-40C7-A834-E2300B0F1EC9}"/>
+          </ac:spMkLst>
+        </pc:spChg>
+        <pc:picChg chg="add mod ord modCrop">
+          <ac:chgData name="Gastbenutzer" userId="" providerId="Windows Live" clId="Web-{181A1CFA-F57E-4D0B-8811-D6F8E33D01C4}" dt="2020-08-12T07:37:44.579" v="903" actId="1076"/>
+          <ac:picMkLst>
+            <pc:docMk/>
+            <pc:sldMk cId="2010481731" sldId="279"/>
+            <ac:picMk id="4" creationId="{168B0FB2-F699-4E26-B5CC-88F3BE76FE73}"/>
+          </ac:picMkLst>
+        </pc:picChg>
+        <pc:picChg chg="add mod modCrop">
+          <ac:chgData name="Gastbenutzer" userId="" providerId="Windows Live" clId="Web-{181A1CFA-F57E-4D0B-8811-D6F8E33D01C4}" dt="2020-08-12T07:28:29.626" v="746" actId="1076"/>
+          <ac:picMkLst>
+            <pc:docMk/>
+            <pc:sldMk cId="2010481731" sldId="279"/>
+            <ac:picMk id="5" creationId="{6B87FE09-4205-433A-811D-A3E35F7494A2}"/>
+          </ac:picMkLst>
+        </pc:picChg>
+        <pc:cxnChg chg="add mod">
+          <ac:chgData name="Gastbenutzer" userId="" providerId="Windows Live" clId="Web-{181A1CFA-F57E-4D0B-8811-D6F8E33D01C4}" dt="2020-08-12T07:32:07.392" v="749" actId="14100"/>
+          <ac:cxnSpMkLst>
+            <pc:docMk/>
+            <pc:sldMk cId="2010481731" sldId="279"/>
+            <ac:cxnSpMk id="6" creationId="{42D9878A-9ED7-480B-9D53-8BB11B07D642}"/>
+          </ac:cxnSpMkLst>
+        </pc:cxnChg>
+        <pc:cxnChg chg="add mod">
+          <ac:chgData name="Gastbenutzer" userId="" providerId="Windows Live" clId="Web-{181A1CFA-F57E-4D0B-8811-D6F8E33D01C4}" dt="2020-08-12T07:34:28.329" v="811" actId="14100"/>
+          <ac:cxnSpMkLst>
+            <pc:docMk/>
+            <pc:sldMk cId="2010481731" sldId="279"/>
+            <ac:cxnSpMk id="8" creationId="{E885363D-FFA1-4B15-9F0D-CFA1452D00E2}"/>
+          </ac:cxnSpMkLst>
+        </pc:cxnChg>
+        <pc:cxnChg chg="add mod">
+          <ac:chgData name="Gastbenutzer" userId="" providerId="Windows Live" clId="Web-{181A1CFA-F57E-4D0B-8811-D6F8E33D01C4}" dt="2020-08-12T07:34:25.048" v="810" actId="14100"/>
+          <ac:cxnSpMkLst>
+            <pc:docMk/>
+            <pc:sldMk cId="2010481731" sldId="279"/>
+            <ac:cxnSpMk id="10" creationId="{7D0A9339-CA56-40D2-B86E-58D5D691F161}"/>
+          </ac:cxnSpMkLst>
+        </pc:cxnChg>
+        <pc:cxnChg chg="add mod">
+          <ac:chgData name="Gastbenutzer" userId="" providerId="Windows Live" clId="Web-{181A1CFA-F57E-4D0B-8811-D6F8E33D01C4}" dt="2020-08-12T07:34:45.111" v="816" actId="14100"/>
+          <ac:cxnSpMkLst>
+            <pc:docMk/>
+            <pc:sldMk cId="2010481731" sldId="279"/>
+            <ac:cxnSpMk id="11" creationId="{8C3FC238-D77E-4CD4-9EA0-76266723AC05}"/>
+          </ac:cxnSpMkLst>
+        </pc:cxnChg>
+        <pc:cxnChg chg="add mod">
+          <ac:chgData name="Gastbenutzer" userId="" providerId="Windows Live" clId="Web-{181A1CFA-F57E-4D0B-8811-D6F8E33D01C4}" dt="2020-08-12T07:34:58.189" v="819" actId="14100"/>
+          <ac:cxnSpMkLst>
+            <pc:docMk/>
+            <pc:sldMk cId="2010481731" sldId="279"/>
+            <ac:cxnSpMk id="12" creationId="{89AFB134-3816-4DE3-803C-BE6029A4E012}"/>
+          </ac:cxnSpMkLst>
+        </pc:cxnChg>
+        <pc:cxnChg chg="add mod">
+          <ac:chgData name="Gastbenutzer" userId="" providerId="Windows Live" clId="Web-{181A1CFA-F57E-4D0B-8811-D6F8E33D01C4}" dt="2020-08-12T07:35:24.298" v="824" actId="14100"/>
+          <ac:cxnSpMkLst>
+            <pc:docMk/>
+            <pc:sldMk cId="2010481731" sldId="279"/>
+            <ac:cxnSpMk id="13" creationId="{CF13E65F-9866-40B0-A205-9F94C4DA68AC}"/>
+          </ac:cxnSpMkLst>
+        </pc:cxnChg>
+        <pc:cxnChg chg="add mod">
+          <ac:chgData name="Gastbenutzer" userId="" providerId="Windows Live" clId="Web-{181A1CFA-F57E-4D0B-8811-D6F8E33D01C4}" dt="2020-08-12T07:38:10.689" v="906" actId="14100"/>
+          <ac:cxnSpMkLst>
+            <pc:docMk/>
+            <pc:sldMk cId="2010481731" sldId="279"/>
+            <ac:cxnSpMk id="16" creationId="{7BCA82C4-29BA-46BC-ABC9-765799A741F3}"/>
+          </ac:cxnSpMkLst>
+        </pc:cxnChg>
+        <pc:cxnChg chg="add mod">
+          <ac:chgData name="Gastbenutzer" userId="" providerId="Windows Live" clId="Web-{181A1CFA-F57E-4D0B-8811-D6F8E33D01C4}" dt="2020-08-12T07:38:23.423" v="909" actId="14100"/>
+          <ac:cxnSpMkLst>
+            <pc:docMk/>
+            <pc:sldMk cId="2010481731" sldId="279"/>
+            <ac:cxnSpMk id="17" creationId="{593909F3-9BA0-4D2D-B5A5-BBCC8EFE35DD}"/>
+          </ac:cxnSpMkLst>
+        </pc:cxnChg>
+        <pc:cxnChg chg="add mod">
+          <ac:chgData name="Gastbenutzer" userId="" providerId="Windows Live" clId="Web-{181A1CFA-F57E-4D0B-8811-D6F8E33D01C4}" dt="2020-08-12T07:38:43.392" v="912" actId="14100"/>
+          <ac:cxnSpMkLst>
+            <pc:docMk/>
+            <pc:sldMk cId="2010481731" sldId="279"/>
+            <ac:cxnSpMk id="18" creationId="{55E8658B-79EB-4494-B904-46DB542F397A}"/>
+          </ac:cxnSpMkLst>
+        </pc:cxnChg>
+        <pc:cxnChg chg="add mod">
+          <ac:chgData name="Gastbenutzer" userId="" providerId="Windows Live" clId="Web-{181A1CFA-F57E-4D0B-8811-D6F8E33D01C4}" dt="2020-08-12T07:39:07.923" v="915" actId="14100"/>
+          <ac:cxnSpMkLst>
+            <pc:docMk/>
+            <pc:sldMk cId="2010481731" sldId="279"/>
+            <ac:cxnSpMk id="19" creationId="{408D493D-1E7E-497F-B8F9-79D6A1694269}"/>
+          </ac:cxnSpMkLst>
+        </pc:cxnChg>
+        <pc:cxnChg chg="add mod">
+          <ac:chgData name="Gastbenutzer" userId="" providerId="Windows Live" clId="Web-{181A1CFA-F57E-4D0B-8811-D6F8E33D01C4}" dt="2020-08-12T07:40:36.095" v="958" actId="14100"/>
+          <ac:cxnSpMkLst>
+            <pc:docMk/>
+            <pc:sldMk cId="2010481731" sldId="279"/>
+            <ac:cxnSpMk id="21" creationId="{B5BF3CE5-76DD-4208-A93D-04B7EEB1D670}"/>
+          </ac:cxnSpMkLst>
+        </pc:cxnChg>
+        <pc:cxnChg chg="add mod">
+          <ac:chgData name="Gastbenutzer" userId="" providerId="Windows Live" clId="Web-{181A1CFA-F57E-4D0B-8811-D6F8E33D01C4}" dt="2020-08-12T07:41:17.658" v="967" actId="1076"/>
+          <ac:cxnSpMkLst>
+            <pc:docMk/>
+            <pc:sldMk cId="2010481731" sldId="279"/>
+            <ac:cxnSpMk id="23" creationId="{4B7BE4FE-90E2-4262-B676-2A13E5FFDE5E}"/>
+          </ac:cxnSpMkLst>
+        </pc:cxnChg>
+        <pc:cxnChg chg="add mod">
+          <ac:chgData name="Gastbenutzer" userId="" providerId="Windows Live" clId="Web-{181A1CFA-F57E-4D0B-8811-D6F8E33D01C4}" dt="2020-08-12T07:41:58.736" v="1023" actId="14100"/>
+          <ac:cxnSpMkLst>
+            <pc:docMk/>
+            <pc:sldMk cId="2010481731" sldId="279"/>
+            <ac:cxnSpMk id="25" creationId="{5D47FFA8-3ACD-4F2F-9BB1-B8201C5546B2}"/>
+          </ac:cxnSpMkLst>
+        </pc:cxnChg>
+      </pc:sldChg>
+      <pc:sldChg chg="addSp delSp modSp new ord">
+        <pc:chgData name="Gastbenutzer" userId="" providerId="Windows Live" clId="Web-{181A1CFA-F57E-4D0B-8811-D6F8E33D01C4}" dt="2020-08-12T07:55:25.033" v="1486"/>
+        <pc:sldMkLst>
+          <pc:docMk/>
+          <pc:sldMk cId="1223118009" sldId="280"/>
+        </pc:sldMkLst>
+        <pc:spChg chg="mod">
+          <ac:chgData name="Gastbenutzer" userId="" providerId="Windows Live" clId="Web-{181A1CFA-F57E-4D0B-8811-D6F8E33D01C4}" dt="2020-08-12T07:09:43.438" v="66" actId="20577"/>
+          <ac:spMkLst>
+            <pc:docMk/>
+            <pc:sldMk cId="1223118009" sldId="280"/>
+            <ac:spMk id="2" creationId="{8E172805-D775-47BE-8747-2C710B88751B}"/>
+          </ac:spMkLst>
+        </pc:spChg>
+        <pc:spChg chg="add del mod">
+          <ac:chgData name="Gastbenutzer" userId="" providerId="Windows Live" clId="Web-{181A1CFA-F57E-4D0B-8811-D6F8E33D01C4}" dt="2020-08-12T07:12:42.485" v="162" actId="20577"/>
+          <ac:spMkLst>
+            <pc:docMk/>
+            <pc:sldMk cId="1223118009" sldId="280"/>
+            <ac:spMk id="3" creationId="{DD06D3BE-AD23-4C9C-B064-B76CB9B87000}"/>
+          </ac:spMkLst>
+        </pc:spChg>
+        <pc:picChg chg="add del mod ord">
+          <ac:chgData name="Gastbenutzer" userId="" providerId="Windows Live" clId="Web-{181A1CFA-F57E-4D0B-8811-D6F8E33D01C4}" dt="2020-08-12T07:10:05.454" v="71"/>
+          <ac:picMkLst>
+            <pc:docMk/>
+            <pc:sldMk cId="1223118009" sldId="280"/>
+            <ac:picMk id="4" creationId="{2ACB23AE-5ED0-4CAE-8EFC-047CCB97692B}"/>
+          </ac:picMkLst>
+        </pc:picChg>
+        <pc:picChg chg="add mod">
+          <ac:chgData name="Gastbenutzer" userId="" providerId="Windows Live" clId="Web-{181A1CFA-F57E-4D0B-8811-D6F8E33D01C4}" dt="2020-08-12T07:10:28.064" v="84" actId="1076"/>
+          <ac:picMkLst>
+            <pc:docMk/>
+            <pc:sldMk cId="1223118009" sldId="280"/>
+            <ac:picMk id="5" creationId="{0D4F0591-2869-4922-A5DE-1AE0078AA456}"/>
+          </ac:picMkLst>
+        </pc:picChg>
+      </pc:sldChg>
+      <pc:sldChg chg="addSp modSp">
+        <pc:chgData name="Gastbenutzer" userId="" providerId="Windows Live" clId="Web-{181A1CFA-F57E-4D0B-8811-D6F8E33D01C4}" dt="2020-08-12T07:43:49.673" v="1048" actId="20577"/>
+        <pc:sldMkLst>
+          <pc:docMk/>
+          <pc:sldMk cId="1603636932" sldId="281"/>
+        </pc:sldMkLst>
+        <pc:spChg chg="mod">
+          <ac:chgData name="Gastbenutzer" userId="" providerId="Windows Live" clId="Web-{181A1CFA-F57E-4D0B-8811-D6F8E33D01C4}" dt="2020-08-12T07:17:54.720" v="308" actId="20577"/>
+          <ac:spMkLst>
+            <pc:docMk/>
+            <pc:sldMk cId="1603636932" sldId="281"/>
+            <ac:spMk id="2" creationId="{D0CC520B-C51A-4464-90B6-B9CBCC24B51F}"/>
+          </ac:spMkLst>
+        </pc:spChg>
+        <pc:spChg chg="add mod">
+          <ac:chgData name="Gastbenutzer" userId="" providerId="Windows Live" clId="Web-{181A1CFA-F57E-4D0B-8811-D6F8E33D01C4}" dt="2020-08-12T07:18:22.236" v="314" actId="14100"/>
+          <ac:spMkLst>
+            <pc:docMk/>
+            <pc:sldMk cId="1603636932" sldId="281"/>
+            <ac:spMk id="7" creationId="{ABFC0E40-953A-4981-975E-FC9F35FAEC74}"/>
+          </ac:spMkLst>
+        </pc:spChg>
+        <pc:spChg chg="add mod">
+          <ac:chgData name="Gastbenutzer" userId="" providerId="Windows Live" clId="Web-{181A1CFA-F57E-4D0B-8811-D6F8E33D01C4}" dt="2020-08-12T07:43:49.673" v="1048" actId="20577"/>
+          <ac:spMkLst>
+            <pc:docMk/>
+            <pc:sldMk cId="1603636932" sldId="281"/>
+            <ac:spMk id="9" creationId="{07B58F01-54DE-412E-99F8-C80B77DEDD31}"/>
+          </ac:spMkLst>
+        </pc:spChg>
+        <pc:picChg chg="add mod">
+          <ac:chgData name="Gastbenutzer" userId="" providerId="Windows Live" clId="Web-{181A1CFA-F57E-4D0B-8811-D6F8E33D01C4}" dt="2020-08-12T07:15:38.673" v="181" actId="1076"/>
+          <ac:picMkLst>
+            <pc:docMk/>
+            <pc:sldMk cId="1603636932" sldId="281"/>
+            <ac:picMk id="4" creationId="{D400EBFD-B2C7-43B8-B39F-B4A982BC18C3}"/>
+          </ac:picMkLst>
+        </pc:picChg>
+        <pc:picChg chg="add mod">
+          <ac:chgData name="Gastbenutzer" userId="" providerId="Windows Live" clId="Web-{181A1CFA-F57E-4D0B-8811-D6F8E33D01C4}" dt="2020-08-12T07:15:42.829" v="182" actId="1076"/>
+          <ac:picMkLst>
+            <pc:docMk/>
+            <pc:sldMk cId="1603636932" sldId="281"/>
+            <ac:picMk id="5" creationId="{E2E88925-96A1-4599-B71B-776BE929E115}"/>
+          </ac:picMkLst>
+        </pc:picChg>
+      </pc:sldChg>
+      <pc:sldChg chg="addSp delSp modSp new">
+        <pc:chgData name="Gastbenutzer" userId="" providerId="Windows Live" clId="Web-{181A1CFA-F57E-4D0B-8811-D6F8E33D01C4}" dt="2020-08-12T07:27:28.517" v="739" actId="20577"/>
+        <pc:sldMkLst>
+          <pc:docMk/>
+          <pc:sldMk cId="2165090476" sldId="282"/>
+        </pc:sldMkLst>
+        <pc:spChg chg="mod">
+          <ac:chgData name="Gastbenutzer" userId="" providerId="Windows Live" clId="Web-{181A1CFA-F57E-4D0B-8811-D6F8E33D01C4}" dt="2020-08-12T07:24:35.157" v="525" actId="20577"/>
+          <ac:spMkLst>
+            <pc:docMk/>
+            <pc:sldMk cId="2165090476" sldId="282"/>
+            <ac:spMk id="2" creationId="{441AF742-F6EF-4EFB-B56C-69288B309786}"/>
+          </ac:spMkLst>
+        </pc:spChg>
+        <pc:spChg chg="del">
+          <ac:chgData name="Gastbenutzer" userId="" providerId="Windows Live" clId="Web-{181A1CFA-F57E-4D0B-8811-D6F8E33D01C4}" dt="2020-08-12T07:25:01.579" v="528"/>
+          <ac:spMkLst>
+            <pc:docMk/>
+            <pc:sldMk cId="2165090476" sldId="282"/>
+            <ac:spMk id="3" creationId="{C7227350-24E1-41DF-8886-7E74F0F1CE7F}"/>
+          </ac:spMkLst>
+        </pc:spChg>
+        <pc:spChg chg="add mod">
+          <ac:chgData name="Gastbenutzer" userId="" providerId="Windows Live" clId="Web-{181A1CFA-F57E-4D0B-8811-D6F8E33D01C4}" dt="2020-08-12T07:27:28.517" v="739" actId="20577"/>
+          <ac:spMkLst>
+            <pc:docMk/>
+            <pc:sldMk cId="2165090476" sldId="282"/>
+            <ac:spMk id="6" creationId="{9325716F-3137-4D61-90F4-7AB51F445329}"/>
+          </ac:spMkLst>
+        </pc:spChg>
+        <pc:picChg chg="add mod ord">
+          <ac:chgData name="Gastbenutzer" userId="" providerId="Windows Live" clId="Web-{181A1CFA-F57E-4D0B-8811-D6F8E33D01C4}" dt="2020-08-12T07:25:07.017" v="529" actId="1076"/>
+          <ac:picMkLst>
+            <pc:docMk/>
+            <pc:sldMk cId="2165090476" sldId="282"/>
+            <ac:picMk id="4" creationId="{EAFD8CA0-2B42-4359-9097-C59916CDD5CF}"/>
+          </ac:picMkLst>
+        </pc:picChg>
+      </pc:sldChg>
+      <pc:sldChg chg="modSp new">
+        <pc:chgData name="Gastbenutzer" userId="" providerId="Windows Live" clId="Web-{181A1CFA-F57E-4D0B-8811-D6F8E33D01C4}" dt="2020-08-12T07:57:53.752" v="1528" actId="14100"/>
+        <pc:sldMkLst>
+          <pc:docMk/>
+          <pc:sldMk cId="2575085337" sldId="285"/>
+        </pc:sldMkLst>
+        <pc:spChg chg="mod">
+          <ac:chgData name="Gastbenutzer" userId="" providerId="Windows Live" clId="Web-{181A1CFA-F57E-4D0B-8811-D6F8E33D01C4}" dt="2020-08-12T07:49:41.455" v="1072" actId="20577"/>
+          <ac:spMkLst>
+            <pc:docMk/>
+            <pc:sldMk cId="2575085337" sldId="285"/>
+            <ac:spMk id="2" creationId="{E1121411-1689-46AD-812F-BBC44E4C1E3E}"/>
+          </ac:spMkLst>
+        </pc:spChg>
+        <pc:spChg chg="mod">
+          <ac:chgData name="Gastbenutzer" userId="" providerId="Windows Live" clId="Web-{181A1CFA-F57E-4D0B-8811-D6F8E33D01C4}" dt="2020-08-12T07:57:53.752" v="1528" actId="14100"/>
+          <ac:spMkLst>
+            <pc:docMk/>
+            <pc:sldMk cId="2575085337" sldId="285"/>
+            <ac:spMk id="3" creationId="{80A91FD3-7E3B-4FCE-AA0A-5E2FBE0B9B7A}"/>
+          </ac:spMkLst>
+        </pc:spChg>
+      </pc:sldChg>
+      <pc:sldChg chg="modSp new">
+        <pc:chgData name="Gastbenutzer" userId="" providerId="Windows Live" clId="Web-{181A1CFA-F57E-4D0B-8811-D6F8E33D01C4}" dt="2020-08-12T08:24:18.862" v="1833" actId="20577"/>
+        <pc:sldMkLst>
+          <pc:docMk/>
+          <pc:sldMk cId="1950593229" sldId="286"/>
+        </pc:sldMkLst>
+        <pc:spChg chg="mod">
+          <ac:chgData name="Gastbenutzer" userId="" providerId="Windows Live" clId="Web-{181A1CFA-F57E-4D0B-8811-D6F8E33D01C4}" dt="2020-08-12T08:12:08.705" v="1574" actId="20577"/>
+          <ac:spMkLst>
+            <pc:docMk/>
+            <pc:sldMk cId="1950593229" sldId="286"/>
+            <ac:spMk id="2" creationId="{1B02C91B-8087-445B-BE5D-7D26C937F933}"/>
+          </ac:spMkLst>
+        </pc:spChg>
+        <pc:spChg chg="mod">
+          <ac:chgData name="Gastbenutzer" userId="" providerId="Windows Live" clId="Web-{181A1CFA-F57E-4D0B-8811-D6F8E33D01C4}" dt="2020-08-12T08:24:18.862" v="1833" actId="20577"/>
+          <ac:spMkLst>
+            <pc:docMk/>
+            <pc:sldMk cId="1950593229" sldId="286"/>
+            <ac:spMk id="3" creationId="{681D986D-6ED4-43EC-9C56-84E845A9FE6E}"/>
           </ac:spMkLst>
         </pc:spChg>
       </pc:sldChg>
     </pc:docChg>
   </pc:docChgLst>
   <pc:docChgLst>
-    <pc:chgData name="Guest User" providerId="Windows Live" clId="Web-{A1432836-4816-4646-9DEC-CD06F4E63D84}"/>
+    <pc:chgData name="Jonas Gerken" userId="0013991e4a45f156" providerId="Windows Live" clId="Web-{0CA9CDC0-16FB-4ABC-8FF3-BA455EA3EAE1}"/>
     <pc:docChg chg="modSld">
-      <pc:chgData name="Guest User" userId="" providerId="Windows Live" clId="Web-{A1432836-4816-4646-9DEC-CD06F4E63D84}" dt="2020-08-08T14:42:32.070" v="1"/>
-      <pc:docMkLst>
-        <pc:docMk/>
-      </pc:docMkLst>
-      <pc:sldChg chg="addSp delSp modSp">
-        <pc:chgData name="Guest User" userId="" providerId="Windows Live" clId="Web-{A1432836-4816-4646-9DEC-CD06F4E63D84}" dt="2020-08-08T14:42:30.070" v="0"/>
-        <pc:sldMkLst>
-          <pc:docMk/>
-          <pc:sldMk cId="85131798" sldId="259"/>
-        </pc:sldMkLst>
-        <pc:spChg chg="add mod">
-          <ac:chgData name="Guest User" userId="" providerId="Windows Live" clId="Web-{A1432836-4816-4646-9DEC-CD06F4E63D84}" dt="2020-08-08T14:42:30.070" v="0"/>
-          <ac:spMkLst>
-            <pc:docMk/>
-            <pc:sldMk cId="85131798" sldId="259"/>
-            <ac:spMk id="5" creationId="{5614D730-FC05-4924-BEF2-47D64EB9EFFE}"/>
-          </ac:spMkLst>
-        </pc:spChg>
-        <pc:picChg chg="del">
-          <ac:chgData name="Guest User" userId="" providerId="Windows Live" clId="Web-{A1432836-4816-4646-9DEC-CD06F4E63D84}" dt="2020-08-08T14:42:30.070" v="0"/>
-          <ac:picMkLst>
-            <pc:docMk/>
-            <pc:sldMk cId="85131798" sldId="259"/>
-            <ac:picMk id="4" creationId="{A27F54DD-D2F7-4C0F-9224-84EFE0713A31}"/>
-          </ac:picMkLst>
-        </pc:picChg>
-      </pc:sldChg>
-      <pc:sldChg chg="addSp delSp modSp">
-        <pc:chgData name="Guest User" userId="" providerId="Windows Live" clId="Web-{A1432836-4816-4646-9DEC-CD06F4E63D84}" dt="2020-08-08T14:42:32.070" v="1"/>
-        <pc:sldMkLst>
-          <pc:docMk/>
-          <pc:sldMk cId="2810966278" sldId="272"/>
-        </pc:sldMkLst>
-        <pc:spChg chg="add mod">
-          <ac:chgData name="Guest User" userId="" providerId="Windows Live" clId="Web-{A1432836-4816-4646-9DEC-CD06F4E63D84}" dt="2020-08-08T14:42:32.070" v="1"/>
-          <ac:spMkLst>
-            <pc:docMk/>
-            <pc:sldMk cId="2810966278" sldId="272"/>
-            <ac:spMk id="5" creationId="{C1EFAF2E-D9BB-4E8D-BAC6-5370041E2BA1}"/>
-          </ac:spMkLst>
-        </pc:spChg>
-        <pc:picChg chg="del">
-          <ac:chgData name="Guest User" userId="" providerId="Windows Live" clId="Web-{A1432836-4816-4646-9DEC-CD06F4E63D84}" dt="2020-08-08T14:42:32.070" v="1"/>
-          <ac:picMkLst>
-            <pc:docMk/>
-            <pc:sldMk cId="2810966278" sldId="272"/>
-            <ac:picMk id="4" creationId="{C2887F1E-143C-4E3C-BC41-9DCB51F81BC2}"/>
-          </ac:picMkLst>
-        </pc:picChg>
-      </pc:sldChg>
-    </pc:docChg>
-  </pc:docChgLst>
-  <pc:docChgLst>
-    <pc:chgData name="benedikt lipinski" userId="b9f1d7673bf2cc52" providerId="Windows Live" clId="Web-{EBD96975-4527-4F28-B16C-50AA4690059C}"/>
-    <pc:docChg chg="modSld">
-      <pc:chgData name="benedikt lipinski" userId="b9f1d7673bf2cc52" providerId="Windows Live" clId="Web-{EBD96975-4527-4F28-B16C-50AA4690059C}" dt="2020-08-08T13:39:46.142" v="0" actId="1076"/>
+      <pc:chgData name="Jonas Gerken" userId="0013991e4a45f156" providerId="Windows Live" clId="Web-{0CA9CDC0-16FB-4ABC-8FF3-BA455EA3EAE1}" dt="2020-08-08T13:52:13.917" v="12" actId="1076"/>
       <pc:docMkLst>
         <pc:docMk/>
       </pc:docMkLst>
       <pc:sldChg chg="modSp">
-        <pc:chgData name="benedikt lipinski" userId="b9f1d7673bf2cc52" providerId="Windows Live" clId="Web-{EBD96975-4527-4F28-B16C-50AA4690059C}" dt="2020-08-08T13:39:46.142" v="0" actId="1076"/>
+        <pc:chgData name="Jonas Gerken" userId="0013991e4a45f156" providerId="Windows Live" clId="Web-{0CA9CDC0-16FB-4ABC-8FF3-BA455EA3EAE1}" dt="2020-08-08T13:48:33.603" v="5" actId="1076"/>
         <pc:sldMkLst>
           <pc:docMk/>
           <pc:sldMk cId="3964914273" sldId="257"/>
         </pc:sldMkLst>
         <pc:picChg chg="mod">
-          <ac:chgData name="benedikt lipinski" userId="b9f1d7673bf2cc52" providerId="Windows Live" clId="Web-{EBD96975-4527-4F28-B16C-50AA4690059C}" dt="2020-08-08T13:39:46.142" v="0" actId="1076"/>
+          <ac:chgData name="Jonas Gerken" userId="0013991e4a45f156" providerId="Windows Live" clId="Web-{0CA9CDC0-16FB-4ABC-8FF3-BA455EA3EAE1}" dt="2020-08-08T13:48:33.603" v="5" actId="1076"/>
           <ac:picMkLst>
             <pc:docMk/>
             <pc:sldMk cId="3964914273" sldId="257"/>
             <ac:picMk id="9" creationId="{D400C94C-4CF7-4F9F-A40C-40711B1C6EA4}"/>
+          </ac:picMkLst>
+        </pc:picChg>
+      </pc:sldChg>
+      <pc:sldChg chg="modSp">
+        <pc:chgData name="Jonas Gerken" userId="0013991e4a45f156" providerId="Windows Live" clId="Web-{0CA9CDC0-16FB-4ABC-8FF3-BA455EA3EAE1}" dt="2020-08-08T13:48:46.463" v="8" actId="14100"/>
+        <pc:sldMkLst>
+          <pc:docMk/>
+          <pc:sldMk cId="2607626568" sldId="260"/>
+        </pc:sldMkLst>
+        <pc:picChg chg="mod">
+          <ac:chgData name="Jonas Gerken" userId="0013991e4a45f156" providerId="Windows Live" clId="Web-{0CA9CDC0-16FB-4ABC-8FF3-BA455EA3EAE1}" dt="2020-08-08T13:48:46.463" v="8" actId="14100"/>
+          <ac:picMkLst>
+            <pc:docMk/>
+            <pc:sldMk cId="2607626568" sldId="260"/>
+            <ac:picMk id="4" creationId="{1CABAA63-3006-4749-BDCE-918AD582382B}"/>
+          </ac:picMkLst>
+        </pc:picChg>
+      </pc:sldChg>
+      <pc:sldChg chg="modSp">
+        <pc:chgData name="Jonas Gerken" userId="0013991e4a45f156" providerId="Windows Live" clId="Web-{0CA9CDC0-16FB-4ABC-8FF3-BA455EA3EAE1}" dt="2020-08-08T13:52:13.917" v="12" actId="1076"/>
+        <pc:sldMkLst>
+          <pc:docMk/>
+          <pc:sldMk cId="1711792375" sldId="261"/>
+        </pc:sldMkLst>
+        <pc:picChg chg="mod">
+          <ac:chgData name="Jonas Gerken" userId="0013991e4a45f156" providerId="Windows Live" clId="Web-{0CA9CDC0-16FB-4ABC-8FF3-BA455EA3EAE1}" dt="2020-08-08T13:52:13.917" v="12" actId="1076"/>
+          <ac:picMkLst>
+            <pc:docMk/>
+            <pc:sldMk cId="1711792375" sldId="261"/>
+            <ac:picMk id="4" creationId="{F1E95BA7-6352-4376-9B02-CD1445839D0F}"/>
+          </ac:picMkLst>
+        </pc:picChg>
+      </pc:sldChg>
+      <pc:sldChg chg="modSp">
+        <pc:chgData name="Jonas Gerken" userId="0013991e4a45f156" providerId="Windows Live" clId="Web-{0CA9CDC0-16FB-4ABC-8FF3-BA455EA3EAE1}" dt="2020-08-08T13:50:15.807" v="9" actId="1076"/>
+        <pc:sldMkLst>
+          <pc:docMk/>
+          <pc:sldMk cId="3923845543" sldId="265"/>
+        </pc:sldMkLst>
+        <pc:picChg chg="mod">
+          <ac:chgData name="Jonas Gerken" userId="0013991e4a45f156" providerId="Windows Live" clId="Web-{0CA9CDC0-16FB-4ABC-8FF3-BA455EA3EAE1}" dt="2020-08-08T13:50:15.807" v="9" actId="1076"/>
+          <ac:picMkLst>
+            <pc:docMk/>
+            <pc:sldMk cId="3923845543" sldId="265"/>
+            <ac:picMk id="4" creationId="{21182C1F-FCE9-4676-B5FA-2A0082876F1C}"/>
+          </ac:picMkLst>
+        </pc:picChg>
+      </pc:sldChg>
+      <pc:sldChg chg="modSp">
+        <pc:chgData name="Jonas Gerken" userId="0013991e4a45f156" providerId="Windows Live" clId="Web-{0CA9CDC0-16FB-4ABC-8FF3-BA455EA3EAE1}" dt="2020-08-08T13:48:30.009" v="4" actId="1076"/>
+        <pc:sldMkLst>
+          <pc:docMk/>
+          <pc:sldMk cId="1041188411" sldId="266"/>
+        </pc:sldMkLst>
+        <pc:picChg chg="mod">
+          <ac:chgData name="Jonas Gerken" userId="0013991e4a45f156" providerId="Windows Live" clId="Web-{0CA9CDC0-16FB-4ABC-8FF3-BA455EA3EAE1}" dt="2020-08-08T13:48:30.009" v="4" actId="1076"/>
+          <ac:picMkLst>
+            <pc:docMk/>
+            <pc:sldMk cId="1041188411" sldId="266"/>
+            <ac:picMk id="4" creationId="{85346F6A-CC6A-4BEC-8CB4-B7FBAF6FD50A}"/>
+          </ac:picMkLst>
+        </pc:picChg>
+        <pc:picChg chg="mod">
+          <ac:chgData name="Jonas Gerken" userId="0013991e4a45f156" providerId="Windows Live" clId="Web-{0CA9CDC0-16FB-4ABC-8FF3-BA455EA3EAE1}" dt="2020-08-08T13:48:28.384" v="3" actId="14100"/>
+          <ac:picMkLst>
+            <pc:docMk/>
+            <pc:sldMk cId="1041188411" sldId="266"/>
+            <ac:picMk id="5" creationId="{EFC1E2F1-F0C5-4B7A-A057-982CF0E48104}"/>
+          </ac:picMkLst>
+        </pc:picChg>
+      </pc:sldChg>
+      <pc:sldChg chg="modSp">
+        <pc:chgData name="Jonas Gerken" userId="0013991e4a45f156" providerId="Windows Live" clId="Web-{0CA9CDC0-16FB-4ABC-8FF3-BA455EA3EAE1}" dt="2020-08-08T13:50:24.995" v="11" actId="1076"/>
+        <pc:sldMkLst>
+          <pc:docMk/>
+          <pc:sldMk cId="2122395508" sldId="271"/>
+        </pc:sldMkLst>
+        <pc:picChg chg="mod">
+          <ac:chgData name="Jonas Gerken" userId="0013991e4a45f156" providerId="Windows Live" clId="Web-{0CA9CDC0-16FB-4ABC-8FF3-BA455EA3EAE1}" dt="2020-08-08T13:50:24.995" v="11" actId="1076"/>
+          <ac:picMkLst>
+            <pc:docMk/>
+            <pc:sldMk cId="2122395508" sldId="271"/>
+            <ac:picMk id="4" creationId="{39F2F7DF-4843-4D54-889A-2B6985B61336}"/>
           </ac:picMkLst>
         </pc:picChg>
       </pc:sldChg>
@@ -1907,6 +2461,352 @@
     </pc:docChg>
   </pc:docChgLst>
   <pc:docChgLst>
+    <pc:chgData name="Guest User" providerId="Windows Live" clId="Web-{A1432836-4816-4646-9DEC-CD06F4E63D84}"/>
+    <pc:docChg chg="modSld">
+      <pc:chgData name="Guest User" userId="" providerId="Windows Live" clId="Web-{A1432836-4816-4646-9DEC-CD06F4E63D84}" dt="2020-08-08T14:42:32.070" v="1"/>
+      <pc:docMkLst>
+        <pc:docMk/>
+      </pc:docMkLst>
+      <pc:sldChg chg="addSp delSp modSp">
+        <pc:chgData name="Guest User" userId="" providerId="Windows Live" clId="Web-{A1432836-4816-4646-9DEC-CD06F4E63D84}" dt="2020-08-08T14:42:30.070" v="0"/>
+        <pc:sldMkLst>
+          <pc:docMk/>
+          <pc:sldMk cId="85131798" sldId="259"/>
+        </pc:sldMkLst>
+        <pc:spChg chg="add mod">
+          <ac:chgData name="Guest User" userId="" providerId="Windows Live" clId="Web-{A1432836-4816-4646-9DEC-CD06F4E63D84}" dt="2020-08-08T14:42:30.070" v="0"/>
+          <ac:spMkLst>
+            <pc:docMk/>
+            <pc:sldMk cId="85131798" sldId="259"/>
+            <ac:spMk id="5" creationId="{5614D730-FC05-4924-BEF2-47D64EB9EFFE}"/>
+          </ac:spMkLst>
+        </pc:spChg>
+        <pc:picChg chg="del">
+          <ac:chgData name="Guest User" userId="" providerId="Windows Live" clId="Web-{A1432836-4816-4646-9DEC-CD06F4E63D84}" dt="2020-08-08T14:42:30.070" v="0"/>
+          <ac:picMkLst>
+            <pc:docMk/>
+            <pc:sldMk cId="85131798" sldId="259"/>
+            <ac:picMk id="4" creationId="{A27F54DD-D2F7-4C0F-9224-84EFE0713A31}"/>
+          </ac:picMkLst>
+        </pc:picChg>
+      </pc:sldChg>
+      <pc:sldChg chg="addSp delSp modSp">
+        <pc:chgData name="Guest User" userId="" providerId="Windows Live" clId="Web-{A1432836-4816-4646-9DEC-CD06F4E63D84}" dt="2020-08-08T14:42:32.070" v="1"/>
+        <pc:sldMkLst>
+          <pc:docMk/>
+          <pc:sldMk cId="2810966278" sldId="272"/>
+        </pc:sldMkLst>
+        <pc:spChg chg="add mod">
+          <ac:chgData name="Guest User" userId="" providerId="Windows Live" clId="Web-{A1432836-4816-4646-9DEC-CD06F4E63D84}" dt="2020-08-08T14:42:32.070" v="1"/>
+          <ac:spMkLst>
+            <pc:docMk/>
+            <pc:sldMk cId="2810966278" sldId="272"/>
+            <ac:spMk id="5" creationId="{C1EFAF2E-D9BB-4E8D-BAC6-5370041E2BA1}"/>
+          </ac:spMkLst>
+        </pc:spChg>
+        <pc:picChg chg="del">
+          <ac:chgData name="Guest User" userId="" providerId="Windows Live" clId="Web-{A1432836-4816-4646-9DEC-CD06F4E63D84}" dt="2020-08-08T14:42:32.070" v="1"/>
+          <ac:picMkLst>
+            <pc:docMk/>
+            <pc:sldMk cId="2810966278" sldId="272"/>
+            <ac:picMk id="4" creationId="{C2887F1E-143C-4E3C-BC41-9DCB51F81BC2}"/>
+          </ac:picMkLst>
+        </pc:picChg>
+      </pc:sldChg>
+    </pc:docChg>
+  </pc:docChgLst>
+  <pc:docChgLst>
+    <pc:chgData name="Gastbenutzer" providerId="Windows Live" clId="Web-{F63E3607-2E84-40B3-B541-D7F60C1C7B3C}"/>
+    <pc:docChg chg="modSld">
+      <pc:chgData name="Gastbenutzer" userId="" providerId="Windows Live" clId="Web-{F63E3607-2E84-40B3-B541-D7F60C1C7B3C}" dt="2020-08-12T08:15:36.354" v="99" actId="1076"/>
+      <pc:docMkLst>
+        <pc:docMk/>
+      </pc:docMkLst>
+      <pc:sldChg chg="modNotes">
+        <pc:chgData name="Gastbenutzer" userId="" providerId="Windows Live" clId="Web-{F63E3607-2E84-40B3-B541-D7F60C1C7B3C}" dt="2020-08-12T08:10:31.958" v="58"/>
+        <pc:sldMkLst>
+          <pc:docMk/>
+          <pc:sldMk cId="3827737673" sldId="256"/>
+        </pc:sldMkLst>
+      </pc:sldChg>
+      <pc:sldChg chg="modSp">
+        <pc:chgData name="Gastbenutzer" userId="" providerId="Windows Live" clId="Web-{F63E3607-2E84-40B3-B541-D7F60C1C7B3C}" dt="2020-08-12T07:36:57.082" v="24" actId="20577"/>
+        <pc:sldMkLst>
+          <pc:docMk/>
+          <pc:sldMk cId="647826032" sldId="258"/>
+        </pc:sldMkLst>
+        <pc:spChg chg="mod">
+          <ac:chgData name="Gastbenutzer" userId="" providerId="Windows Live" clId="Web-{F63E3607-2E84-40B3-B541-D7F60C1C7B3C}" dt="2020-08-12T07:36:57.082" v="24" actId="20577"/>
+          <ac:spMkLst>
+            <pc:docMk/>
+            <pc:sldMk cId="647826032" sldId="258"/>
+            <ac:spMk id="2" creationId="{1FEB328D-4DAC-400F-A919-44AD5D3A9535}"/>
+          </ac:spMkLst>
+        </pc:spChg>
+      </pc:sldChg>
+      <pc:sldChg chg="addSp delSp modSp modNotes">
+        <pc:chgData name="Gastbenutzer" userId="" providerId="Windows Live" clId="Web-{F63E3607-2E84-40B3-B541-D7F60C1C7B3C}" dt="2020-08-12T08:15:36.354" v="99" actId="1076"/>
+        <pc:sldMkLst>
+          <pc:docMk/>
+          <pc:sldMk cId="2607626568" sldId="260"/>
+        </pc:sldMkLst>
+        <pc:spChg chg="add del mod">
+          <ac:chgData name="Gastbenutzer" userId="" providerId="Windows Live" clId="Web-{F63E3607-2E84-40B3-B541-D7F60C1C7B3C}" dt="2020-08-12T07:26:24.885" v="8"/>
+          <ac:spMkLst>
+            <pc:docMk/>
+            <pc:sldMk cId="2607626568" sldId="260"/>
+            <ac:spMk id="6" creationId="{71AE12AB-C480-4FE5-9D9A-599CEB0CD970}"/>
+          </ac:spMkLst>
+        </pc:spChg>
+        <pc:picChg chg="add del mod">
+          <ac:chgData name="Gastbenutzer" userId="" providerId="Windows Live" clId="Web-{F63E3607-2E84-40B3-B541-D7F60C1C7B3C}" dt="2020-08-12T07:25:21.868" v="3"/>
+          <ac:picMkLst>
+            <pc:docMk/>
+            <pc:sldMk cId="2607626568" sldId="260"/>
+            <ac:picMk id="3" creationId="{E710AF61-04D1-415F-86BF-B44686241AD0}"/>
+          </ac:picMkLst>
+        </pc:picChg>
+        <pc:picChg chg="add del mod">
+          <ac:chgData name="Gastbenutzer" userId="" providerId="Windows Live" clId="Web-{F63E3607-2E84-40B3-B541-D7F60C1C7B3C}" dt="2020-08-12T07:26:54.526" v="10"/>
+          <ac:picMkLst>
+            <pc:docMk/>
+            <pc:sldMk cId="2607626568" sldId="260"/>
+            <ac:picMk id="4" creationId="{97250F54-4C72-4E54-9AB6-74FF832AE0EF}"/>
+          </ac:picMkLst>
+        </pc:picChg>
+        <pc:picChg chg="del">
+          <ac:chgData name="Gastbenutzer" userId="" providerId="Windows Live" clId="Web-{F63E3607-2E84-40B3-B541-D7F60C1C7B3C}" dt="2020-08-12T07:26:19.947" v="5"/>
+          <ac:picMkLst>
+            <pc:docMk/>
+            <pc:sldMk cId="2607626568" sldId="260"/>
+            <ac:picMk id="7" creationId="{C4E84CD4-F665-4511-9EEA-6721BB595203}"/>
+          </ac:picMkLst>
+        </pc:picChg>
+        <pc:picChg chg="add del mod">
+          <ac:chgData name="Gastbenutzer" userId="" providerId="Windows Live" clId="Web-{F63E3607-2E84-40B3-B541-D7F60C1C7B3C}" dt="2020-08-12T08:15:18.979" v="92"/>
+          <ac:picMkLst>
+            <pc:docMk/>
+            <pc:sldMk cId="2607626568" sldId="260"/>
+            <ac:picMk id="8" creationId="{BD74B010-3C82-4884-AFF3-3467E89E7E08}"/>
+          </ac:picMkLst>
+        </pc:picChg>
+        <pc:picChg chg="add mod">
+          <ac:chgData name="Gastbenutzer" userId="" providerId="Windows Live" clId="Web-{F63E3607-2E84-40B3-B541-D7F60C1C7B3C}" dt="2020-08-12T08:15:36.354" v="99" actId="1076"/>
+          <ac:picMkLst>
+            <pc:docMk/>
+            <pc:sldMk cId="2607626568" sldId="260"/>
+            <ac:picMk id="9" creationId="{63B0F58E-CFE7-4CCE-BA71-E0772254C26A}"/>
+          </ac:picMkLst>
+        </pc:picChg>
+      </pc:sldChg>
+      <pc:sldChg chg="addSp delSp modSp modNotes">
+        <pc:chgData name="Gastbenutzer" userId="" providerId="Windows Live" clId="Web-{F63E3607-2E84-40B3-B541-D7F60C1C7B3C}" dt="2020-08-12T08:10:50.584" v="68"/>
+        <pc:sldMkLst>
+          <pc:docMk/>
+          <pc:sldMk cId="1711792375" sldId="261"/>
+        </pc:sldMkLst>
+        <pc:spChg chg="mod">
+          <ac:chgData name="Gastbenutzer" userId="" providerId="Windows Live" clId="Web-{F63E3607-2E84-40B3-B541-D7F60C1C7B3C}" dt="2020-08-12T07:37:23.176" v="27" actId="20577"/>
+          <ac:spMkLst>
+            <pc:docMk/>
+            <pc:sldMk cId="1711792375" sldId="261"/>
+            <ac:spMk id="2" creationId="{A7D291EB-1BA9-4EA6-BCA1-EA1AE3B3191F}"/>
+          </ac:spMkLst>
+        </pc:spChg>
+        <pc:spChg chg="add del mod">
+          <ac:chgData name="Gastbenutzer" userId="" providerId="Windows Live" clId="Web-{F63E3607-2E84-40B3-B541-D7F60C1C7B3C}" dt="2020-08-12T07:39:23.475" v="34"/>
+          <ac:spMkLst>
+            <pc:docMk/>
+            <pc:sldMk cId="1711792375" sldId="261"/>
+            <ac:spMk id="4" creationId="{01DACF29-B138-4447-87D7-36E55426B4C7}"/>
+          </ac:spMkLst>
+        </pc:spChg>
+        <pc:picChg chg="add mod ord">
+          <ac:chgData name="Gastbenutzer" userId="" providerId="Windows Live" clId="Web-{F63E3607-2E84-40B3-B541-D7F60C1C7B3C}" dt="2020-08-12T07:40:30.445" v="51" actId="14100"/>
+          <ac:picMkLst>
+            <pc:docMk/>
+            <pc:sldMk cId="1711792375" sldId="261"/>
+            <ac:picMk id="5" creationId="{0FFAED69-C637-4475-AB6B-7AFEBB719EBF}"/>
+          </ac:picMkLst>
+        </pc:picChg>
+        <pc:picChg chg="del mod">
+          <ac:chgData name="Gastbenutzer" userId="" providerId="Windows Live" clId="Web-{F63E3607-2E84-40B3-B541-D7F60C1C7B3C}" dt="2020-08-12T07:39:22.850" v="33"/>
+          <ac:picMkLst>
+            <pc:docMk/>
+            <pc:sldMk cId="1711792375" sldId="261"/>
+            <ac:picMk id="6" creationId="{088FE220-57FF-4D6D-A0AF-E870BC4BCEA9}"/>
+          </ac:picMkLst>
+        </pc:picChg>
+        <pc:picChg chg="add mod">
+          <ac:chgData name="Gastbenutzer" userId="" providerId="Windows Live" clId="Web-{F63E3607-2E84-40B3-B541-D7F60C1C7B3C}" dt="2020-08-12T07:40:36.023" v="53" actId="1076"/>
+          <ac:picMkLst>
+            <pc:docMk/>
+            <pc:sldMk cId="1711792375" sldId="261"/>
+            <ac:picMk id="7" creationId="{EF27A133-3696-4B59-AA48-EE52A3E3CB95}"/>
+          </ac:picMkLst>
+        </pc:picChg>
+      </pc:sldChg>
+      <pc:sldChg chg="modNotes">
+        <pc:chgData name="Gastbenutzer" userId="" providerId="Windows Live" clId="Web-{F63E3607-2E84-40B3-B541-D7F60C1C7B3C}" dt="2020-08-12T08:11:23.834" v="89"/>
+        <pc:sldMkLst>
+          <pc:docMk/>
+          <pc:sldMk cId="4045734271" sldId="264"/>
+        </pc:sldMkLst>
+      </pc:sldChg>
+      <pc:sldChg chg="modNotes">
+        <pc:chgData name="Gastbenutzer" userId="" providerId="Windows Live" clId="Web-{F63E3607-2E84-40B3-B541-D7F60C1C7B3C}" dt="2020-08-12T08:10:35.146" v="60"/>
+        <pc:sldMkLst>
+          <pc:docMk/>
+          <pc:sldMk cId="3923845543" sldId="265"/>
+        </pc:sldMkLst>
+      </pc:sldChg>
+      <pc:sldChg chg="modNotes">
+        <pc:chgData name="Gastbenutzer" userId="" providerId="Windows Live" clId="Web-{F63E3607-2E84-40B3-B541-D7F60C1C7B3C}" dt="2020-08-12T08:10:43.834" v="64"/>
+        <pc:sldMkLst>
+          <pc:docMk/>
+          <pc:sldMk cId="1041188411" sldId="266"/>
+        </pc:sldMkLst>
+      </pc:sldChg>
+      <pc:sldChg chg="modNotes">
+        <pc:chgData name="Gastbenutzer" userId="" providerId="Windows Live" clId="Web-{F63E3607-2E84-40B3-B541-D7F60C1C7B3C}" dt="2020-08-12T08:11:00.256" v="78"/>
+        <pc:sldMkLst>
+          <pc:docMk/>
+          <pc:sldMk cId="2010650357" sldId="267"/>
+        </pc:sldMkLst>
+      </pc:sldChg>
+      <pc:sldChg chg="modNotes">
+        <pc:chgData name="Gastbenutzer" userId="" providerId="Windows Live" clId="Web-{F63E3607-2E84-40B3-B541-D7F60C1C7B3C}" dt="2020-08-12T08:11:11.678" v="83"/>
+        <pc:sldMkLst>
+          <pc:docMk/>
+          <pc:sldMk cId="3487851560" sldId="269"/>
+        </pc:sldMkLst>
+      </pc:sldChg>
+      <pc:sldChg chg="modNotes">
+        <pc:chgData name="Gastbenutzer" userId="" providerId="Windows Live" clId="Web-{F63E3607-2E84-40B3-B541-D7F60C1C7B3C}" dt="2020-08-12T08:11:04.162" v="79"/>
+        <pc:sldMkLst>
+          <pc:docMk/>
+          <pc:sldMk cId="2418151028" sldId="270"/>
+        </pc:sldMkLst>
+      </pc:sldChg>
+      <pc:sldChg chg="modNotes">
+        <pc:chgData name="Gastbenutzer" userId="" providerId="Windows Live" clId="Web-{F63E3607-2E84-40B3-B541-D7F60C1C7B3C}" dt="2020-08-12T08:10:46.224" v="65"/>
+        <pc:sldMkLst>
+          <pc:docMk/>
+          <pc:sldMk cId="1397337132" sldId="274"/>
+        </pc:sldMkLst>
+      </pc:sldChg>
+      <pc:sldChg chg="modNotes">
+        <pc:chgData name="Gastbenutzer" userId="" providerId="Windows Live" clId="Web-{F63E3607-2E84-40B3-B541-D7F60C1C7B3C}" dt="2020-08-12T08:10:55.224" v="74"/>
+        <pc:sldMkLst>
+          <pc:docMk/>
+          <pc:sldMk cId="3358593149" sldId="276"/>
+        </pc:sldMkLst>
+      </pc:sldChg>
+      <pc:sldChg chg="modNotes">
+        <pc:chgData name="Gastbenutzer" userId="" providerId="Windows Live" clId="Web-{F63E3607-2E84-40B3-B541-D7F60C1C7B3C}" dt="2020-08-12T08:10:57.881" v="77"/>
+        <pc:sldMkLst>
+          <pc:docMk/>
+          <pc:sldMk cId="3548825610" sldId="277"/>
+        </pc:sldMkLst>
+      </pc:sldChg>
+      <pc:sldChg chg="modNotes">
+        <pc:chgData name="Gastbenutzer" userId="" providerId="Windows Live" clId="Web-{F63E3607-2E84-40B3-B541-D7F60C1C7B3C}" dt="2020-08-12T08:11:05.693" v="80"/>
+        <pc:sldMkLst>
+          <pc:docMk/>
+          <pc:sldMk cId="1334019321" sldId="278"/>
+        </pc:sldMkLst>
+      </pc:sldChg>
+      <pc:sldChg chg="modSp modNotes">
+        <pc:chgData name="Gastbenutzer" userId="" providerId="Windows Live" clId="Web-{F63E3607-2E84-40B3-B541-D7F60C1C7B3C}" dt="2020-08-12T08:11:18.725" v="85"/>
+        <pc:sldMkLst>
+          <pc:docMk/>
+          <pc:sldMk cId="2010481731" sldId="279"/>
+        </pc:sldMkLst>
+        <pc:spChg chg="mod">
+          <ac:chgData name="Gastbenutzer" userId="" providerId="Windows Live" clId="Web-{F63E3607-2E84-40B3-B541-D7F60C1C7B3C}" dt="2020-08-12T07:46:08.982" v="56" actId="20577"/>
+          <ac:spMkLst>
+            <pc:docMk/>
+            <pc:sldMk cId="2010481731" sldId="279"/>
+            <ac:spMk id="20" creationId="{D23073A9-E7CC-4B7F-ADA8-258347AB7DF3}"/>
+          </ac:spMkLst>
+        </pc:spChg>
+      </pc:sldChg>
+      <pc:sldChg chg="modNotes">
+        <pc:chgData name="Gastbenutzer" userId="" providerId="Windows Live" clId="Web-{F63E3607-2E84-40B3-B541-D7F60C1C7B3C}" dt="2020-08-12T08:11:19.928" v="86"/>
+        <pc:sldMkLst>
+          <pc:docMk/>
+          <pc:sldMk cId="1223118009" sldId="280"/>
+        </pc:sldMkLst>
+      </pc:sldChg>
+      <pc:sldChg chg="modNotes">
+        <pc:chgData name="Gastbenutzer" userId="" providerId="Windows Live" clId="Web-{F63E3607-2E84-40B3-B541-D7F60C1C7B3C}" dt="2020-08-12T08:10:33.630" v="59"/>
+        <pc:sldMkLst>
+          <pc:docMk/>
+          <pc:sldMk cId="1603636932" sldId="281"/>
+        </pc:sldMkLst>
+      </pc:sldChg>
+      <pc:sldChg chg="modNotes">
+        <pc:chgData name="Gastbenutzer" userId="" providerId="Windows Live" clId="Web-{F63E3607-2E84-40B3-B541-D7F60C1C7B3C}" dt="2020-08-12T08:11:17.490" v="84"/>
+        <pc:sldMkLst>
+          <pc:docMk/>
+          <pc:sldMk cId="2165090476" sldId="282"/>
+        </pc:sldMkLst>
+      </pc:sldChg>
+      <pc:sldChg chg="modNotes">
+        <pc:chgData name="Gastbenutzer" userId="" providerId="Windows Live" clId="Web-{F63E3607-2E84-40B3-B541-D7F60C1C7B3C}" dt="2020-08-12T08:11:25.241" v="90"/>
+        <pc:sldMkLst>
+          <pc:docMk/>
+          <pc:sldMk cId="1577989471" sldId="283"/>
+        </pc:sldMkLst>
+      </pc:sldChg>
+      <pc:sldChg chg="modNotes">
+        <pc:chgData name="Gastbenutzer" userId="" providerId="Windows Live" clId="Web-{F63E3607-2E84-40B3-B541-D7F60C1C7B3C}" dt="2020-08-12T08:11:26.475" v="91"/>
+        <pc:sldMkLst>
+          <pc:docMk/>
+          <pc:sldMk cId="861279220" sldId="284"/>
+        </pc:sldMkLst>
+      </pc:sldChg>
+      <pc:sldChg chg="modNotes">
+        <pc:chgData name="Gastbenutzer" userId="" providerId="Windows Live" clId="Web-{F63E3607-2E84-40B3-B541-D7F60C1C7B3C}" dt="2020-08-12T08:11:20.990" v="87"/>
+        <pc:sldMkLst>
+          <pc:docMk/>
+          <pc:sldMk cId="2575085337" sldId="285"/>
+        </pc:sldMkLst>
+      </pc:sldChg>
+    </pc:docChg>
+  </pc:docChgLst>
+  <pc:docChgLst>
+    <pc:chgData name="Jonas Gerken" userId="0013991e4a45f156" providerId="Windows Live" clId="Web-{33143E90-B646-400D-A967-80DC97FA945D}"/>
+    <pc:docChg chg="addSld delSld modSld">
+      <pc:chgData name="Jonas Gerken" userId="0013991e4a45f156" providerId="Windows Live" clId="Web-{33143E90-B646-400D-A967-80DC97FA945D}" dt="2020-08-08T13:40:14.543" v="3" actId="1076"/>
+      <pc:docMkLst>
+        <pc:docMk/>
+      </pc:docMkLst>
+      <pc:sldChg chg="add del">
+        <pc:chgData name="Jonas Gerken" userId="0013991e4a45f156" providerId="Windows Live" clId="Web-{33143E90-B646-400D-A967-80DC97FA945D}" dt="2020-08-08T13:40:08.121" v="2"/>
+        <pc:sldMkLst>
+          <pc:docMk/>
+          <pc:sldMk cId="2766090342" sldId="263"/>
+        </pc:sldMkLst>
+      </pc:sldChg>
+      <pc:sldChg chg="modSp">
+        <pc:chgData name="Jonas Gerken" userId="0013991e4a45f156" providerId="Windows Live" clId="Web-{33143E90-B646-400D-A967-80DC97FA945D}" dt="2020-08-08T13:40:14.543" v="3" actId="1076"/>
+        <pc:sldMkLst>
+          <pc:docMk/>
+          <pc:sldMk cId="1041188411" sldId="266"/>
+        </pc:sldMkLst>
+        <pc:picChg chg="mod">
+          <ac:chgData name="Jonas Gerken" userId="0013991e4a45f156" providerId="Windows Live" clId="Web-{33143E90-B646-400D-A967-80DC97FA945D}" dt="2020-08-08T13:40:14.543" v="3" actId="1076"/>
+          <ac:picMkLst>
+            <pc:docMk/>
+            <pc:sldMk cId="1041188411" sldId="266"/>
+            <ac:picMk id="4" creationId="{85346F6A-CC6A-4BEC-8CB4-B7FBAF6FD50A}"/>
+          </ac:picMkLst>
+        </pc:picChg>
+      </pc:sldChg>
+    </pc:docChg>
+  </pc:docChgLst>
+  <pc:docChgLst>
     <pc:chgData name="Guest User" providerId="Windows Live" clId="Web-{F4F1CEC5-E68B-4BC6-A039-88887071851B}"/>
     <pc:docChg chg="addSld delSld modSld">
       <pc:chgData name="Guest User" userId="" providerId="Windows Live" clId="Web-{F4F1CEC5-E68B-4BC6-A039-88887071851B}" dt="2020-08-08T12:43:15.606" v="140" actId="20577"/>
@@ -2019,6 +2919,68 @@
             <ac:picMk id="4" creationId="{39F2F7DF-4843-4D54-889A-2B6985B61336}"/>
           </ac:picMkLst>
         </pc:picChg>
+      </pc:sldChg>
+    </pc:docChg>
+  </pc:docChgLst>
+  <pc:docChgLst>
+    <pc:chgData name="Guest User" providerId="Windows Live" clId="Web-{0D2BFAF8-CA9E-4D7F-A148-3A2DCEFCEC7D}"/>
+    <pc:docChg chg="addSld modSld">
+      <pc:chgData name="Guest User" userId="" providerId="Windows Live" clId="Web-{0D2BFAF8-CA9E-4D7F-A148-3A2DCEFCEC7D}" dt="2020-08-08T14:38:30.911" v="8" actId="14100"/>
+      <pc:docMkLst>
+        <pc:docMk/>
+      </pc:docMkLst>
+      <pc:sldChg chg="addSp delSp modSp">
+        <pc:chgData name="Guest User" userId="" providerId="Windows Live" clId="Web-{0D2BFAF8-CA9E-4D7F-A148-3A2DCEFCEC7D}" dt="2020-08-08T14:37:37.860" v="1" actId="1076"/>
+        <pc:sldMkLst>
+          <pc:docMk/>
+          <pc:sldMk cId="85131798" sldId="259"/>
+        </pc:sldMkLst>
+        <pc:spChg chg="del">
+          <ac:chgData name="Guest User" userId="" providerId="Windows Live" clId="Web-{0D2BFAF8-CA9E-4D7F-A148-3A2DCEFCEC7D}" dt="2020-08-08T14:37:34.548" v="0"/>
+          <ac:spMkLst>
+            <pc:docMk/>
+            <pc:sldMk cId="85131798" sldId="259"/>
+            <ac:spMk id="3" creationId="{5D21E8BB-546C-4779-A35C-C9E41F7BAA8A}"/>
+          </ac:spMkLst>
+        </pc:spChg>
+        <pc:picChg chg="add mod ord">
+          <ac:chgData name="Guest User" userId="" providerId="Windows Live" clId="Web-{0D2BFAF8-CA9E-4D7F-A148-3A2DCEFCEC7D}" dt="2020-08-08T14:37:37.860" v="1" actId="1076"/>
+          <ac:picMkLst>
+            <pc:docMk/>
+            <pc:sldMk cId="85131798" sldId="259"/>
+            <ac:picMk id="4" creationId="{A27F54DD-D2F7-4C0F-9224-84EFE0713A31}"/>
+          </ac:picMkLst>
+        </pc:picChg>
+      </pc:sldChg>
+      <pc:sldChg chg="addSp delSp modSp new">
+        <pc:chgData name="Guest User" userId="" providerId="Windows Live" clId="Web-{0D2BFAF8-CA9E-4D7F-A148-3A2DCEFCEC7D}" dt="2020-08-08T14:38:30.911" v="8" actId="14100"/>
+        <pc:sldMkLst>
+          <pc:docMk/>
+          <pc:sldMk cId="2810966278" sldId="272"/>
+        </pc:sldMkLst>
+        <pc:spChg chg="del">
+          <ac:chgData name="Guest User" userId="" providerId="Windows Live" clId="Web-{0D2BFAF8-CA9E-4D7F-A148-3A2DCEFCEC7D}" dt="2020-08-08T14:38:18.925" v="4"/>
+          <ac:spMkLst>
+            <pc:docMk/>
+            <pc:sldMk cId="2810966278" sldId="272"/>
+            <ac:spMk id="3" creationId="{48347D22-55EA-4F68-A9C3-7CAC2045CC09}"/>
+          </ac:spMkLst>
+        </pc:spChg>
+        <pc:picChg chg="add mod ord">
+          <ac:chgData name="Guest User" userId="" providerId="Windows Live" clId="Web-{0D2BFAF8-CA9E-4D7F-A148-3A2DCEFCEC7D}" dt="2020-08-08T14:38:30.911" v="8" actId="14100"/>
+          <ac:picMkLst>
+            <pc:docMk/>
+            <pc:sldMk cId="2810966278" sldId="272"/>
+            <ac:picMk id="4" creationId="{C2887F1E-143C-4E3C-BC41-9DCB51F81BC2}"/>
+          </ac:picMkLst>
+        </pc:picChg>
+      </pc:sldChg>
+      <pc:sldChg chg="new">
+        <pc:chgData name="Guest User" userId="" providerId="Windows Live" clId="Web-{0D2BFAF8-CA9E-4D7F-A148-3A2DCEFCEC7D}" dt="2020-08-08T14:37:43.845" v="3"/>
+        <pc:sldMkLst>
+          <pc:docMk/>
+          <pc:sldMk cId="3755473569" sldId="273"/>
+        </pc:sldMkLst>
       </pc:sldChg>
     </pc:docChg>
   </pc:docChgLst>
@@ -2265,7 +3227,7 @@
           <a:p>
             <a:fld id="{55F9A9B9-7935-4070-97F9-D3A3F2A955B2}" type="slidenum">
               <a:rPr lang="de-DE" smtClean="0"/>
-              <a:t>‹Nr.›</a:t>
+              <a:t>‹#›</a:t>
             </a:fld>
             <a:endParaRPr lang="de-DE"/>
           </a:p>
@@ -2419,9 +3381,10 @@
           <a:lstStyle/>
           <a:p>
             <a:r>
-              <a:rPr lang="de-DE" dirty="0"/>
-              <a:t>Jonas</a:t>
-            </a:r>
+              <a:rPr lang="en-US"/>
+              <a:t>Benedikt</a:t>
+            </a:r>
+            <a:endParaRPr lang="de-DE"/>
           </a:p>
         </p:txBody>
       </p:sp>
@@ -2442,7 +3405,7 @@
           <a:p>
             <a:fld id="{55F9A9B9-7935-4070-97F9-D3A3F2A955B2}" type="slidenum">
               <a:rPr lang="de-DE" smtClean="0"/>
-              <a:t>3</a:t>
+              <a:t>1</a:t>
             </a:fld>
             <a:endParaRPr lang="de-DE"/>
           </a:p>
@@ -2451,7 +3414,889 @@
     </p:spTree>
     <p:extLst>
       <p:ext uri="{BB962C8B-B14F-4D97-AF65-F5344CB8AC3E}">
-        <p14:creationId xmlns:p14="http://schemas.microsoft.com/office/powerpoint/2010/main" val="2526135779"/>
+        <p14:creationId xmlns:p14="http://schemas.microsoft.com/office/powerpoint/2010/main" val="2799030962"/>
+      </p:ext>
+    </p:extLst>
+  </p:cSld>
+  <p:clrMapOvr>
+    <a:masterClrMapping/>
+  </p:clrMapOvr>
+</p:notes>
+</file>
+
+<file path=ppt/notesSlides/notesSlide10.xml><?xml version="1.0" encoding="utf-8"?>
+<p:notes xmlns:a="http://schemas.openxmlformats.org/drawingml/2006/main" xmlns:r="http://schemas.openxmlformats.org/officeDocument/2006/relationships" xmlns:p="http://schemas.openxmlformats.org/presentationml/2006/main">
+  <p:cSld>
+    <p:spTree>
+      <p:nvGrpSpPr>
+        <p:cNvPr id="1" name=""/>
+        <p:cNvGrpSpPr/>
+        <p:nvPr/>
+      </p:nvGrpSpPr>
+      <p:grpSpPr>
+        <a:xfrm>
+          <a:off x="0" y="0"/>
+          <a:ext cx="0" cy="0"/>
+          <a:chOff x="0" y="0"/>
+          <a:chExt cx="0" cy="0"/>
+        </a:xfrm>
+      </p:grpSpPr>
+      <p:sp>
+        <p:nvSpPr>
+          <p:cNvPr id="2" name="Folienbildplatzhalter 1"/>
+          <p:cNvSpPr>
+            <a:spLocks noGrp="1" noRot="1" noChangeAspect="1"/>
+          </p:cNvSpPr>
+          <p:nvPr>
+            <p:ph type="sldImg"/>
+          </p:nvPr>
+        </p:nvSpPr>
+        <p:spPr/>
+      </p:sp>
+      <p:sp>
+        <p:nvSpPr>
+          <p:cNvPr id="3" name="Notizenplatzhalter 2"/>
+          <p:cNvSpPr>
+            <a:spLocks noGrp="1"/>
+          </p:cNvSpPr>
+          <p:nvPr>
+            <p:ph type="body" idx="1"/>
+          </p:nvPr>
+        </p:nvSpPr>
+        <p:spPr/>
+        <p:txBody>
+          <a:bodyPr/>
+          <a:lstStyle/>
+          <a:p>
+            <a:r>
+              <a:rPr lang="en-US">
+                <a:cs typeface="Calibri"/>
+              </a:rPr>
+              <a:t>Niklas</a:t>
+            </a:r>
+          </a:p>
+        </p:txBody>
+      </p:sp>
+      <p:sp>
+        <p:nvSpPr>
+          <p:cNvPr id="4" name="Foliennummernplatzhalter 3"/>
+          <p:cNvSpPr>
+            <a:spLocks noGrp="1"/>
+          </p:cNvSpPr>
+          <p:nvPr>
+            <p:ph type="sldNum" sz="quarter" idx="5"/>
+          </p:nvPr>
+        </p:nvSpPr>
+        <p:spPr/>
+        <p:txBody>
+          <a:bodyPr/>
+          <a:lstStyle/>
+          <a:p>
+            <a:fld id="{55F9A9B9-7935-4070-97F9-D3A3F2A955B2}" type="slidenum">
+              <a:rPr lang="de-DE" smtClean="0"/>
+              <a:t>10</a:t>
+            </a:fld>
+            <a:endParaRPr lang="de-DE"/>
+          </a:p>
+        </p:txBody>
+      </p:sp>
+    </p:spTree>
+    <p:extLst>
+      <p:ext uri="{BB962C8B-B14F-4D97-AF65-F5344CB8AC3E}">
+        <p14:creationId xmlns:p14="http://schemas.microsoft.com/office/powerpoint/2010/main" val="2193569044"/>
+      </p:ext>
+    </p:extLst>
+  </p:cSld>
+  <p:clrMapOvr>
+    <a:masterClrMapping/>
+  </p:clrMapOvr>
+</p:notes>
+</file>
+
+<file path=ppt/notesSlides/notesSlide11.xml><?xml version="1.0" encoding="utf-8"?>
+<p:notes xmlns:a="http://schemas.openxmlformats.org/drawingml/2006/main" xmlns:r="http://schemas.openxmlformats.org/officeDocument/2006/relationships" xmlns:p="http://schemas.openxmlformats.org/presentationml/2006/main">
+  <p:cSld>
+    <p:spTree>
+      <p:nvGrpSpPr>
+        <p:cNvPr id="1" name=""/>
+        <p:cNvGrpSpPr/>
+        <p:nvPr/>
+      </p:nvGrpSpPr>
+      <p:grpSpPr>
+        <a:xfrm>
+          <a:off x="0" y="0"/>
+          <a:ext cx="0" cy="0"/>
+          <a:chOff x="0" y="0"/>
+          <a:chExt cx="0" cy="0"/>
+        </a:xfrm>
+      </p:grpSpPr>
+      <p:sp>
+        <p:nvSpPr>
+          <p:cNvPr id="2" name="Folienbildplatzhalter 1"/>
+          <p:cNvSpPr>
+            <a:spLocks noGrp="1" noRot="1" noChangeAspect="1"/>
+          </p:cNvSpPr>
+          <p:nvPr>
+            <p:ph type="sldImg"/>
+          </p:nvPr>
+        </p:nvSpPr>
+        <p:spPr/>
+      </p:sp>
+      <p:sp>
+        <p:nvSpPr>
+          <p:cNvPr id="3" name="Notizenplatzhalter 2"/>
+          <p:cNvSpPr>
+            <a:spLocks noGrp="1"/>
+          </p:cNvSpPr>
+          <p:nvPr>
+            <p:ph type="body" idx="1"/>
+          </p:nvPr>
+        </p:nvSpPr>
+        <p:spPr/>
+        <p:txBody>
+          <a:bodyPr/>
+          <a:lstStyle/>
+          <a:p>
+            <a:r>
+              <a:rPr lang="en-US">
+                <a:cs typeface="Calibri"/>
+              </a:rPr>
+              <a:t>Niklas</a:t>
+            </a:r>
+          </a:p>
+        </p:txBody>
+      </p:sp>
+      <p:sp>
+        <p:nvSpPr>
+          <p:cNvPr id="4" name="Foliennummernplatzhalter 3"/>
+          <p:cNvSpPr>
+            <a:spLocks noGrp="1"/>
+          </p:cNvSpPr>
+          <p:nvPr>
+            <p:ph type="sldNum" sz="quarter" idx="5"/>
+          </p:nvPr>
+        </p:nvSpPr>
+        <p:spPr/>
+        <p:txBody>
+          <a:bodyPr/>
+          <a:lstStyle/>
+          <a:p>
+            <a:fld id="{55F9A9B9-7935-4070-97F9-D3A3F2A955B2}" type="slidenum">
+              <a:rPr lang="de-DE" smtClean="0"/>
+              <a:t>11</a:t>
+            </a:fld>
+            <a:endParaRPr lang="de-DE"/>
+          </a:p>
+        </p:txBody>
+      </p:sp>
+    </p:spTree>
+    <p:extLst>
+      <p:ext uri="{BB962C8B-B14F-4D97-AF65-F5344CB8AC3E}">
+        <p14:creationId xmlns:p14="http://schemas.microsoft.com/office/powerpoint/2010/main" val="1181662496"/>
+      </p:ext>
+    </p:extLst>
+  </p:cSld>
+  <p:clrMapOvr>
+    <a:masterClrMapping/>
+  </p:clrMapOvr>
+</p:notes>
+</file>
+
+<file path=ppt/notesSlides/notesSlide12.xml><?xml version="1.0" encoding="utf-8"?>
+<p:notes xmlns:a="http://schemas.openxmlformats.org/drawingml/2006/main" xmlns:r="http://schemas.openxmlformats.org/officeDocument/2006/relationships" xmlns:p="http://schemas.openxmlformats.org/presentationml/2006/main">
+  <p:cSld>
+    <p:spTree>
+      <p:nvGrpSpPr>
+        <p:cNvPr id="1" name=""/>
+        <p:cNvGrpSpPr/>
+        <p:nvPr/>
+      </p:nvGrpSpPr>
+      <p:grpSpPr>
+        <a:xfrm>
+          <a:off x="0" y="0"/>
+          <a:ext cx="0" cy="0"/>
+          <a:chOff x="0" y="0"/>
+          <a:chExt cx="0" cy="0"/>
+        </a:xfrm>
+      </p:grpSpPr>
+      <p:sp>
+        <p:nvSpPr>
+          <p:cNvPr id="2" name="Folienbildplatzhalter 1"/>
+          <p:cNvSpPr>
+            <a:spLocks noGrp="1" noRot="1" noChangeAspect="1"/>
+          </p:cNvSpPr>
+          <p:nvPr>
+            <p:ph type="sldImg"/>
+          </p:nvPr>
+        </p:nvSpPr>
+        <p:spPr/>
+      </p:sp>
+      <p:sp>
+        <p:nvSpPr>
+          <p:cNvPr id="3" name="Notizenplatzhalter 2"/>
+          <p:cNvSpPr>
+            <a:spLocks noGrp="1"/>
+          </p:cNvSpPr>
+          <p:nvPr>
+            <p:ph type="body" idx="1"/>
+          </p:nvPr>
+        </p:nvSpPr>
+        <p:spPr/>
+        <p:txBody>
+          <a:bodyPr/>
+          <a:lstStyle/>
+          <a:p>
+            <a:r>
+              <a:rPr lang="en-US"/>
+              <a:t>Benedikt</a:t>
+            </a:r>
+            <a:endParaRPr lang="de-DE"/>
+          </a:p>
+        </p:txBody>
+      </p:sp>
+      <p:sp>
+        <p:nvSpPr>
+          <p:cNvPr id="4" name="Foliennummernplatzhalter 3"/>
+          <p:cNvSpPr>
+            <a:spLocks noGrp="1"/>
+          </p:cNvSpPr>
+          <p:nvPr>
+            <p:ph type="sldNum" sz="quarter" idx="5"/>
+          </p:nvPr>
+        </p:nvSpPr>
+        <p:spPr/>
+        <p:txBody>
+          <a:bodyPr/>
+          <a:lstStyle/>
+          <a:p>
+            <a:fld id="{55F9A9B9-7935-4070-97F9-D3A3F2A955B2}" type="slidenum">
+              <a:rPr lang="de-DE" smtClean="0"/>
+              <a:t>12</a:t>
+            </a:fld>
+            <a:endParaRPr lang="de-DE"/>
+          </a:p>
+        </p:txBody>
+      </p:sp>
+    </p:spTree>
+    <p:extLst>
+      <p:ext uri="{BB962C8B-B14F-4D97-AF65-F5344CB8AC3E}">
+        <p14:creationId xmlns:p14="http://schemas.microsoft.com/office/powerpoint/2010/main" val="896604807"/>
+      </p:ext>
+    </p:extLst>
+  </p:cSld>
+  <p:clrMapOvr>
+    <a:masterClrMapping/>
+  </p:clrMapOvr>
+</p:notes>
+</file>
+
+<file path=ppt/notesSlides/notesSlide13.xml><?xml version="1.0" encoding="utf-8"?>
+<p:notes xmlns:a="http://schemas.openxmlformats.org/drawingml/2006/main" xmlns:r="http://schemas.openxmlformats.org/officeDocument/2006/relationships" xmlns:p="http://schemas.openxmlformats.org/presentationml/2006/main">
+  <p:cSld>
+    <p:spTree>
+      <p:nvGrpSpPr>
+        <p:cNvPr id="1" name=""/>
+        <p:cNvGrpSpPr/>
+        <p:nvPr/>
+      </p:nvGrpSpPr>
+      <p:grpSpPr>
+        <a:xfrm>
+          <a:off x="0" y="0"/>
+          <a:ext cx="0" cy="0"/>
+          <a:chOff x="0" y="0"/>
+          <a:chExt cx="0" cy="0"/>
+        </a:xfrm>
+      </p:grpSpPr>
+      <p:sp>
+        <p:nvSpPr>
+          <p:cNvPr id="2" name="Folienbildplatzhalter 1"/>
+          <p:cNvSpPr>
+            <a:spLocks noGrp="1" noRot="1" noChangeAspect="1"/>
+          </p:cNvSpPr>
+          <p:nvPr>
+            <p:ph type="sldImg"/>
+          </p:nvPr>
+        </p:nvSpPr>
+        <p:spPr/>
+      </p:sp>
+      <p:sp>
+        <p:nvSpPr>
+          <p:cNvPr id="3" name="Notizenplatzhalter 2"/>
+          <p:cNvSpPr>
+            <a:spLocks noGrp="1"/>
+          </p:cNvSpPr>
+          <p:nvPr>
+            <p:ph type="body" idx="1"/>
+          </p:nvPr>
+        </p:nvSpPr>
+        <p:spPr/>
+        <p:txBody>
+          <a:bodyPr/>
+          <a:lstStyle/>
+          <a:p>
+            <a:r>
+              <a:rPr lang="en-US"/>
+              <a:t>Benedikt</a:t>
+            </a:r>
+            <a:endParaRPr lang="de-DE"/>
+          </a:p>
+        </p:txBody>
+      </p:sp>
+      <p:sp>
+        <p:nvSpPr>
+          <p:cNvPr id="4" name="Foliennummernplatzhalter 3"/>
+          <p:cNvSpPr>
+            <a:spLocks noGrp="1"/>
+          </p:cNvSpPr>
+          <p:nvPr>
+            <p:ph type="sldNum" sz="quarter" idx="5"/>
+          </p:nvPr>
+        </p:nvSpPr>
+        <p:spPr/>
+        <p:txBody>
+          <a:bodyPr/>
+          <a:lstStyle/>
+          <a:p>
+            <a:fld id="{55F9A9B9-7935-4070-97F9-D3A3F2A955B2}" type="slidenum">
+              <a:rPr lang="de-DE" smtClean="0"/>
+              <a:t>13</a:t>
+            </a:fld>
+            <a:endParaRPr lang="de-DE"/>
+          </a:p>
+        </p:txBody>
+      </p:sp>
+    </p:spTree>
+    <p:extLst>
+      <p:ext uri="{BB962C8B-B14F-4D97-AF65-F5344CB8AC3E}">
+        <p14:creationId xmlns:p14="http://schemas.microsoft.com/office/powerpoint/2010/main" val="3585647832"/>
+      </p:ext>
+    </p:extLst>
+  </p:cSld>
+  <p:clrMapOvr>
+    <a:masterClrMapping/>
+  </p:clrMapOvr>
+</p:notes>
+</file>
+
+<file path=ppt/notesSlides/notesSlide14.xml><?xml version="1.0" encoding="utf-8"?>
+<p:notes xmlns:a="http://schemas.openxmlformats.org/drawingml/2006/main" xmlns:r="http://schemas.openxmlformats.org/officeDocument/2006/relationships" xmlns:p="http://schemas.openxmlformats.org/presentationml/2006/main">
+  <p:cSld>
+    <p:spTree>
+      <p:nvGrpSpPr>
+        <p:cNvPr id="1" name=""/>
+        <p:cNvGrpSpPr/>
+        <p:nvPr/>
+      </p:nvGrpSpPr>
+      <p:grpSpPr>
+        <a:xfrm>
+          <a:off x="0" y="0"/>
+          <a:ext cx="0" cy="0"/>
+          <a:chOff x="0" y="0"/>
+          <a:chExt cx="0" cy="0"/>
+        </a:xfrm>
+      </p:grpSpPr>
+      <p:sp>
+        <p:nvSpPr>
+          <p:cNvPr id="2" name="Folienbildplatzhalter 1"/>
+          <p:cNvSpPr>
+            <a:spLocks noGrp="1" noRot="1" noChangeAspect="1"/>
+          </p:cNvSpPr>
+          <p:nvPr>
+            <p:ph type="sldImg"/>
+          </p:nvPr>
+        </p:nvSpPr>
+        <p:spPr/>
+      </p:sp>
+      <p:sp>
+        <p:nvSpPr>
+          <p:cNvPr id="3" name="Notizenplatzhalter 2"/>
+          <p:cNvSpPr>
+            <a:spLocks noGrp="1"/>
+          </p:cNvSpPr>
+          <p:nvPr>
+            <p:ph type="body" idx="1"/>
+          </p:nvPr>
+        </p:nvSpPr>
+        <p:spPr/>
+        <p:txBody>
+          <a:bodyPr/>
+          <a:lstStyle/>
+          <a:p>
+            <a:r>
+              <a:rPr lang="en-US"/>
+              <a:t>Benedikt</a:t>
+            </a:r>
+            <a:endParaRPr lang="de-DE"/>
+          </a:p>
+        </p:txBody>
+      </p:sp>
+      <p:sp>
+        <p:nvSpPr>
+          <p:cNvPr id="4" name="Foliennummernplatzhalter 3"/>
+          <p:cNvSpPr>
+            <a:spLocks noGrp="1"/>
+          </p:cNvSpPr>
+          <p:nvPr>
+            <p:ph type="sldNum" sz="quarter" idx="5"/>
+          </p:nvPr>
+        </p:nvSpPr>
+        <p:spPr/>
+        <p:txBody>
+          <a:bodyPr/>
+          <a:lstStyle/>
+          <a:p>
+            <a:fld id="{55F9A9B9-7935-4070-97F9-D3A3F2A955B2}" type="slidenum">
+              <a:rPr lang="de-DE" smtClean="0"/>
+              <a:t>14</a:t>
+            </a:fld>
+            <a:endParaRPr lang="de-DE"/>
+          </a:p>
+        </p:txBody>
+      </p:sp>
+    </p:spTree>
+    <p:extLst>
+      <p:ext uri="{BB962C8B-B14F-4D97-AF65-F5344CB8AC3E}">
+        <p14:creationId xmlns:p14="http://schemas.microsoft.com/office/powerpoint/2010/main" val="3133907106"/>
+      </p:ext>
+    </p:extLst>
+  </p:cSld>
+  <p:clrMapOvr>
+    <a:masterClrMapping/>
+  </p:clrMapOvr>
+</p:notes>
+</file>
+
+<file path=ppt/notesSlides/notesSlide15.xml><?xml version="1.0" encoding="utf-8"?>
+<p:notes xmlns:a="http://schemas.openxmlformats.org/drawingml/2006/main" xmlns:r="http://schemas.openxmlformats.org/officeDocument/2006/relationships" xmlns:p="http://schemas.openxmlformats.org/presentationml/2006/main">
+  <p:cSld>
+    <p:spTree>
+      <p:nvGrpSpPr>
+        <p:cNvPr id="1" name=""/>
+        <p:cNvGrpSpPr/>
+        <p:nvPr/>
+      </p:nvGrpSpPr>
+      <p:grpSpPr>
+        <a:xfrm>
+          <a:off x="0" y="0"/>
+          <a:ext cx="0" cy="0"/>
+          <a:chOff x="0" y="0"/>
+          <a:chExt cx="0" cy="0"/>
+        </a:xfrm>
+      </p:grpSpPr>
+      <p:sp>
+        <p:nvSpPr>
+          <p:cNvPr id="2" name="Folienbildplatzhalter 1"/>
+          <p:cNvSpPr>
+            <a:spLocks noGrp="1" noRot="1" noChangeAspect="1"/>
+          </p:cNvSpPr>
+          <p:nvPr>
+            <p:ph type="sldImg"/>
+          </p:nvPr>
+        </p:nvSpPr>
+        <p:spPr/>
+      </p:sp>
+      <p:sp>
+        <p:nvSpPr>
+          <p:cNvPr id="3" name="Notizenplatzhalter 2"/>
+          <p:cNvSpPr>
+            <a:spLocks noGrp="1"/>
+          </p:cNvSpPr>
+          <p:nvPr>
+            <p:ph type="body" idx="1"/>
+          </p:nvPr>
+        </p:nvSpPr>
+        <p:spPr/>
+        <p:txBody>
+          <a:bodyPr/>
+          <a:lstStyle/>
+          <a:p>
+            <a:r>
+              <a:rPr lang="en-US">
+                <a:cs typeface="Calibri"/>
+              </a:rPr>
+              <a:t>Niklas</a:t>
+            </a:r>
+          </a:p>
+        </p:txBody>
+      </p:sp>
+      <p:sp>
+        <p:nvSpPr>
+          <p:cNvPr id="4" name="Foliennummernplatzhalter 3"/>
+          <p:cNvSpPr>
+            <a:spLocks noGrp="1"/>
+          </p:cNvSpPr>
+          <p:nvPr>
+            <p:ph type="sldNum" sz="quarter" idx="5"/>
+          </p:nvPr>
+        </p:nvSpPr>
+        <p:spPr/>
+        <p:txBody>
+          <a:bodyPr/>
+          <a:lstStyle/>
+          <a:p>
+            <a:fld id="{55F9A9B9-7935-4070-97F9-D3A3F2A955B2}" type="slidenum">
+              <a:rPr lang="de-DE" smtClean="0"/>
+              <a:t>15</a:t>
+            </a:fld>
+            <a:endParaRPr lang="de-DE"/>
+          </a:p>
+        </p:txBody>
+      </p:sp>
+    </p:spTree>
+    <p:extLst>
+      <p:ext uri="{BB962C8B-B14F-4D97-AF65-F5344CB8AC3E}">
+        <p14:creationId xmlns:p14="http://schemas.microsoft.com/office/powerpoint/2010/main" val="1129522812"/>
+      </p:ext>
+    </p:extLst>
+  </p:cSld>
+  <p:clrMapOvr>
+    <a:masterClrMapping/>
+  </p:clrMapOvr>
+</p:notes>
+</file>
+
+<file path=ppt/notesSlides/notesSlide16.xml><?xml version="1.0" encoding="utf-8"?>
+<p:notes xmlns:a="http://schemas.openxmlformats.org/drawingml/2006/main" xmlns:r="http://schemas.openxmlformats.org/officeDocument/2006/relationships" xmlns:p="http://schemas.openxmlformats.org/presentationml/2006/main">
+  <p:cSld>
+    <p:spTree>
+      <p:nvGrpSpPr>
+        <p:cNvPr id="1" name=""/>
+        <p:cNvGrpSpPr/>
+        <p:nvPr/>
+      </p:nvGrpSpPr>
+      <p:grpSpPr>
+        <a:xfrm>
+          <a:off x="0" y="0"/>
+          <a:ext cx="0" cy="0"/>
+          <a:chOff x="0" y="0"/>
+          <a:chExt cx="0" cy="0"/>
+        </a:xfrm>
+      </p:grpSpPr>
+      <p:sp>
+        <p:nvSpPr>
+          <p:cNvPr id="2" name="Folienbildplatzhalter 1"/>
+          <p:cNvSpPr>
+            <a:spLocks noGrp="1" noRot="1" noChangeAspect="1"/>
+          </p:cNvSpPr>
+          <p:nvPr>
+            <p:ph type="sldImg"/>
+          </p:nvPr>
+        </p:nvSpPr>
+        <p:spPr/>
+      </p:sp>
+      <p:sp>
+        <p:nvSpPr>
+          <p:cNvPr id="3" name="Notizenplatzhalter 2"/>
+          <p:cNvSpPr>
+            <a:spLocks noGrp="1"/>
+          </p:cNvSpPr>
+          <p:nvPr>
+            <p:ph type="body" idx="1"/>
+          </p:nvPr>
+        </p:nvSpPr>
+        <p:spPr/>
+        <p:txBody>
+          <a:bodyPr/>
+          <a:lstStyle/>
+          <a:p>
+            <a:r>
+              <a:rPr lang="de-DE"/>
+              <a:t>Jonas</a:t>
+            </a:r>
+          </a:p>
+        </p:txBody>
+      </p:sp>
+      <p:sp>
+        <p:nvSpPr>
+          <p:cNvPr id="4" name="Foliennummernplatzhalter 3"/>
+          <p:cNvSpPr>
+            <a:spLocks noGrp="1"/>
+          </p:cNvSpPr>
+          <p:nvPr>
+            <p:ph type="sldNum" sz="quarter" idx="5"/>
+          </p:nvPr>
+        </p:nvSpPr>
+        <p:spPr/>
+        <p:txBody>
+          <a:bodyPr/>
+          <a:lstStyle/>
+          <a:p>
+            <a:fld id="{55F9A9B9-7935-4070-97F9-D3A3F2A955B2}" type="slidenum">
+              <a:rPr lang="de-DE" smtClean="0"/>
+              <a:t>16</a:t>
+            </a:fld>
+            <a:endParaRPr lang="de-DE"/>
+          </a:p>
+        </p:txBody>
+      </p:sp>
+    </p:spTree>
+    <p:extLst>
+      <p:ext uri="{BB962C8B-B14F-4D97-AF65-F5344CB8AC3E}">
+        <p14:creationId xmlns:p14="http://schemas.microsoft.com/office/powerpoint/2010/main" val="3897314787"/>
+      </p:ext>
+    </p:extLst>
+  </p:cSld>
+  <p:clrMapOvr>
+    <a:masterClrMapping/>
+  </p:clrMapOvr>
+</p:notes>
+</file>
+
+<file path=ppt/notesSlides/notesSlide17.xml><?xml version="1.0" encoding="utf-8"?>
+<p:notes xmlns:a="http://schemas.openxmlformats.org/drawingml/2006/main" xmlns:r="http://schemas.openxmlformats.org/officeDocument/2006/relationships" xmlns:p="http://schemas.openxmlformats.org/presentationml/2006/main">
+  <p:cSld>
+    <p:spTree>
+      <p:nvGrpSpPr>
+        <p:cNvPr id="1" name=""/>
+        <p:cNvGrpSpPr/>
+        <p:nvPr/>
+      </p:nvGrpSpPr>
+      <p:grpSpPr>
+        <a:xfrm>
+          <a:off x="0" y="0"/>
+          <a:ext cx="0" cy="0"/>
+          <a:chOff x="0" y="0"/>
+          <a:chExt cx="0" cy="0"/>
+        </a:xfrm>
+      </p:grpSpPr>
+      <p:sp>
+        <p:nvSpPr>
+          <p:cNvPr id="2" name="Folienbildplatzhalter 1"/>
+          <p:cNvSpPr>
+            <a:spLocks noGrp="1" noRot="1" noChangeAspect="1"/>
+          </p:cNvSpPr>
+          <p:nvPr>
+            <p:ph type="sldImg"/>
+          </p:nvPr>
+        </p:nvSpPr>
+        <p:spPr/>
+      </p:sp>
+      <p:sp>
+        <p:nvSpPr>
+          <p:cNvPr id="3" name="Notizenplatzhalter 2"/>
+          <p:cNvSpPr>
+            <a:spLocks noGrp="1"/>
+          </p:cNvSpPr>
+          <p:nvPr>
+            <p:ph type="body" idx="1"/>
+          </p:nvPr>
+        </p:nvSpPr>
+        <p:spPr/>
+        <p:txBody>
+          <a:bodyPr/>
+          <a:lstStyle/>
+          <a:p>
+            <a:r>
+              <a:rPr lang="en-US"/>
+              <a:t>Michael</a:t>
+            </a:r>
+            <a:endParaRPr lang="de-DE"/>
+          </a:p>
+        </p:txBody>
+      </p:sp>
+      <p:sp>
+        <p:nvSpPr>
+          <p:cNvPr id="4" name="Foliennummernplatzhalter 3"/>
+          <p:cNvSpPr>
+            <a:spLocks noGrp="1"/>
+          </p:cNvSpPr>
+          <p:nvPr>
+            <p:ph type="sldNum" sz="quarter" idx="5"/>
+          </p:nvPr>
+        </p:nvSpPr>
+        <p:spPr/>
+        <p:txBody>
+          <a:bodyPr/>
+          <a:lstStyle/>
+          <a:p>
+            <a:fld id="{55F9A9B9-7935-4070-97F9-D3A3F2A955B2}" type="slidenum">
+              <a:rPr lang="de-DE" smtClean="0"/>
+              <a:t>17</a:t>
+            </a:fld>
+            <a:endParaRPr lang="de-DE"/>
+          </a:p>
+        </p:txBody>
+      </p:sp>
+    </p:spTree>
+    <p:extLst>
+      <p:ext uri="{BB962C8B-B14F-4D97-AF65-F5344CB8AC3E}">
+        <p14:creationId xmlns:p14="http://schemas.microsoft.com/office/powerpoint/2010/main" val="2395978253"/>
+      </p:ext>
+    </p:extLst>
+  </p:cSld>
+  <p:clrMapOvr>
+    <a:masterClrMapping/>
+  </p:clrMapOvr>
+</p:notes>
+</file>
+
+<file path=ppt/notesSlides/notesSlide18.xml><?xml version="1.0" encoding="utf-8"?>
+<p:notes xmlns:a="http://schemas.openxmlformats.org/drawingml/2006/main" xmlns:r="http://schemas.openxmlformats.org/officeDocument/2006/relationships" xmlns:p="http://schemas.openxmlformats.org/presentationml/2006/main">
+  <p:cSld>
+    <p:spTree>
+      <p:nvGrpSpPr>
+        <p:cNvPr id="1" name=""/>
+        <p:cNvGrpSpPr/>
+        <p:nvPr/>
+      </p:nvGrpSpPr>
+      <p:grpSpPr>
+        <a:xfrm>
+          <a:off x="0" y="0"/>
+          <a:ext cx="0" cy="0"/>
+          <a:chOff x="0" y="0"/>
+          <a:chExt cx="0" cy="0"/>
+        </a:xfrm>
+      </p:grpSpPr>
+      <p:sp>
+        <p:nvSpPr>
+          <p:cNvPr id="2" name="Folienbildplatzhalter 1"/>
+          <p:cNvSpPr>
+            <a:spLocks noGrp="1" noRot="1" noChangeAspect="1"/>
+          </p:cNvSpPr>
+          <p:nvPr>
+            <p:ph type="sldImg"/>
+          </p:nvPr>
+        </p:nvSpPr>
+        <p:spPr/>
+      </p:sp>
+      <p:sp>
+        <p:nvSpPr>
+          <p:cNvPr id="3" name="Notizenplatzhalter 2"/>
+          <p:cNvSpPr>
+            <a:spLocks noGrp="1"/>
+          </p:cNvSpPr>
+          <p:nvPr>
+            <p:ph type="body" idx="1"/>
+          </p:nvPr>
+        </p:nvSpPr>
+        <p:spPr/>
+        <p:txBody>
+          <a:bodyPr/>
+          <a:lstStyle/>
+          <a:p>
+            <a:r>
+              <a:rPr lang="en-US"/>
+              <a:t>Michael</a:t>
+            </a:r>
+            <a:endParaRPr lang="de-DE"/>
+          </a:p>
+        </p:txBody>
+      </p:sp>
+      <p:sp>
+        <p:nvSpPr>
+          <p:cNvPr id="4" name="Foliennummernplatzhalter 3"/>
+          <p:cNvSpPr>
+            <a:spLocks noGrp="1"/>
+          </p:cNvSpPr>
+          <p:nvPr>
+            <p:ph type="sldNum" sz="quarter" idx="5"/>
+          </p:nvPr>
+        </p:nvSpPr>
+        <p:spPr/>
+        <p:txBody>
+          <a:bodyPr/>
+          <a:lstStyle/>
+          <a:p>
+            <a:fld id="{55F9A9B9-7935-4070-97F9-D3A3F2A955B2}" type="slidenum">
+              <a:rPr lang="de-DE" smtClean="0"/>
+              <a:t>18</a:t>
+            </a:fld>
+            <a:endParaRPr lang="de-DE"/>
+          </a:p>
+        </p:txBody>
+      </p:sp>
+    </p:spTree>
+    <p:extLst>
+      <p:ext uri="{BB962C8B-B14F-4D97-AF65-F5344CB8AC3E}">
+        <p14:creationId xmlns:p14="http://schemas.microsoft.com/office/powerpoint/2010/main" val="2087272625"/>
+      </p:ext>
+    </p:extLst>
+  </p:cSld>
+  <p:clrMapOvr>
+    <a:masterClrMapping/>
+  </p:clrMapOvr>
+</p:notes>
+</file>
+
+<file path=ppt/notesSlides/notesSlide19.xml><?xml version="1.0" encoding="utf-8"?>
+<p:notes xmlns:a="http://schemas.openxmlformats.org/drawingml/2006/main" xmlns:r="http://schemas.openxmlformats.org/officeDocument/2006/relationships" xmlns:p="http://schemas.openxmlformats.org/presentationml/2006/main">
+  <p:cSld>
+    <p:spTree>
+      <p:nvGrpSpPr>
+        <p:cNvPr id="1" name=""/>
+        <p:cNvGrpSpPr/>
+        <p:nvPr/>
+      </p:nvGrpSpPr>
+      <p:grpSpPr>
+        <a:xfrm>
+          <a:off x="0" y="0"/>
+          <a:ext cx="0" cy="0"/>
+          <a:chOff x="0" y="0"/>
+          <a:chExt cx="0" cy="0"/>
+        </a:xfrm>
+      </p:grpSpPr>
+      <p:sp>
+        <p:nvSpPr>
+          <p:cNvPr id="2" name="Folienbildplatzhalter 1"/>
+          <p:cNvSpPr>
+            <a:spLocks noGrp="1" noRot="1" noChangeAspect="1"/>
+          </p:cNvSpPr>
+          <p:nvPr>
+            <p:ph type="sldImg"/>
+          </p:nvPr>
+        </p:nvSpPr>
+        <p:spPr/>
+      </p:sp>
+      <p:sp>
+        <p:nvSpPr>
+          <p:cNvPr id="3" name="Notizenplatzhalter 2"/>
+          <p:cNvSpPr>
+            <a:spLocks noGrp="1"/>
+          </p:cNvSpPr>
+          <p:nvPr>
+            <p:ph type="body" idx="1"/>
+          </p:nvPr>
+        </p:nvSpPr>
+        <p:spPr/>
+        <p:txBody>
+          <a:bodyPr/>
+          <a:lstStyle/>
+          <a:p>
+            <a:r>
+              <a:rPr lang="en-US"/>
+              <a:t>Michael</a:t>
+            </a:r>
+            <a:endParaRPr lang="de-DE"/>
+          </a:p>
+        </p:txBody>
+      </p:sp>
+      <p:sp>
+        <p:nvSpPr>
+          <p:cNvPr id="4" name="Foliennummernplatzhalter 3"/>
+          <p:cNvSpPr>
+            <a:spLocks noGrp="1"/>
+          </p:cNvSpPr>
+          <p:nvPr>
+            <p:ph type="sldNum" sz="quarter" idx="5"/>
+          </p:nvPr>
+        </p:nvSpPr>
+        <p:spPr/>
+        <p:txBody>
+          <a:bodyPr/>
+          <a:lstStyle/>
+          <a:p>
+            <a:fld id="{55F9A9B9-7935-4070-97F9-D3A3F2A955B2}" type="slidenum">
+              <a:rPr lang="de-DE" smtClean="0"/>
+              <a:t>19</a:t>
+            </a:fld>
+            <a:endParaRPr lang="de-DE"/>
+          </a:p>
+        </p:txBody>
+      </p:sp>
+    </p:spTree>
+    <p:extLst>
+      <p:ext uri="{BB962C8B-B14F-4D97-AF65-F5344CB8AC3E}">
+        <p14:creationId xmlns:p14="http://schemas.microsoft.com/office/powerpoint/2010/main" val="678960504"/>
       </p:ext>
     </p:extLst>
   </p:cSld>
@@ -2506,9 +4351,10 @@
           <a:lstStyle/>
           <a:p>
             <a:r>
-              <a:rPr lang="de-DE" dirty="0"/>
-              <a:t>Jonas</a:t>
-            </a:r>
+              <a:rPr lang="en-US"/>
+              <a:t>Benedikt</a:t>
+            </a:r>
+            <a:endParaRPr lang="de-DE"/>
           </a:p>
         </p:txBody>
       </p:sp>
@@ -2529,7 +4375,7 @@
           <a:p>
             <a:fld id="{55F9A9B9-7935-4070-97F9-D3A3F2A955B2}" type="slidenum">
               <a:rPr lang="de-DE" smtClean="0"/>
-              <a:t>6</a:t>
+              <a:t>2</a:t>
             </a:fld>
             <a:endParaRPr lang="de-DE"/>
           </a:p>
@@ -2538,7 +4384,358 @@
     </p:spTree>
     <p:extLst>
       <p:ext uri="{BB962C8B-B14F-4D97-AF65-F5344CB8AC3E}">
-        <p14:creationId xmlns:p14="http://schemas.microsoft.com/office/powerpoint/2010/main" val="1328658955"/>
+        <p14:creationId xmlns:p14="http://schemas.microsoft.com/office/powerpoint/2010/main" val="3673225992"/>
+      </p:ext>
+    </p:extLst>
+  </p:cSld>
+  <p:clrMapOvr>
+    <a:masterClrMapping/>
+  </p:clrMapOvr>
+</p:notes>
+</file>
+
+<file path=ppt/notesSlides/notesSlide20.xml><?xml version="1.0" encoding="utf-8"?>
+<p:notes xmlns:a="http://schemas.openxmlformats.org/drawingml/2006/main" xmlns:r="http://schemas.openxmlformats.org/officeDocument/2006/relationships" xmlns:p="http://schemas.openxmlformats.org/presentationml/2006/main">
+  <p:cSld>
+    <p:spTree>
+      <p:nvGrpSpPr>
+        <p:cNvPr id="1" name=""/>
+        <p:cNvGrpSpPr/>
+        <p:nvPr/>
+      </p:nvGrpSpPr>
+      <p:grpSpPr>
+        <a:xfrm>
+          <a:off x="0" y="0"/>
+          <a:ext cx="0" cy="0"/>
+          <a:chOff x="0" y="0"/>
+          <a:chExt cx="0" cy="0"/>
+        </a:xfrm>
+      </p:grpSpPr>
+      <p:sp>
+        <p:nvSpPr>
+          <p:cNvPr id="2" name="Folienbildplatzhalter 1"/>
+          <p:cNvSpPr>
+            <a:spLocks noGrp="1" noRot="1" noChangeAspect="1"/>
+          </p:cNvSpPr>
+          <p:nvPr>
+            <p:ph type="sldImg"/>
+          </p:nvPr>
+        </p:nvSpPr>
+        <p:spPr/>
+      </p:sp>
+      <p:sp>
+        <p:nvSpPr>
+          <p:cNvPr id="3" name="Notizenplatzhalter 2"/>
+          <p:cNvSpPr>
+            <a:spLocks noGrp="1"/>
+          </p:cNvSpPr>
+          <p:nvPr>
+            <p:ph type="body" idx="1"/>
+          </p:nvPr>
+        </p:nvSpPr>
+        <p:spPr/>
+        <p:txBody>
+          <a:bodyPr/>
+          <a:lstStyle/>
+          <a:p>
+            <a:r>
+              <a:rPr lang="en-US"/>
+              <a:t>Michael</a:t>
+            </a:r>
+            <a:endParaRPr lang="de-DE"/>
+          </a:p>
+        </p:txBody>
+      </p:sp>
+      <p:sp>
+        <p:nvSpPr>
+          <p:cNvPr id="4" name="Foliennummernplatzhalter 3"/>
+          <p:cNvSpPr>
+            <a:spLocks noGrp="1"/>
+          </p:cNvSpPr>
+          <p:nvPr>
+            <p:ph type="sldNum" sz="quarter" idx="5"/>
+          </p:nvPr>
+        </p:nvSpPr>
+        <p:spPr/>
+        <p:txBody>
+          <a:bodyPr/>
+          <a:lstStyle/>
+          <a:p>
+            <a:fld id="{55F9A9B9-7935-4070-97F9-D3A3F2A955B2}" type="slidenum">
+              <a:rPr lang="de-DE" smtClean="0"/>
+              <a:t>20</a:t>
+            </a:fld>
+            <a:endParaRPr lang="de-DE"/>
+          </a:p>
+        </p:txBody>
+      </p:sp>
+    </p:spTree>
+    <p:extLst>
+      <p:ext uri="{BB962C8B-B14F-4D97-AF65-F5344CB8AC3E}">
+        <p14:creationId xmlns:p14="http://schemas.microsoft.com/office/powerpoint/2010/main" val="4189138549"/>
+      </p:ext>
+    </p:extLst>
+  </p:cSld>
+  <p:clrMapOvr>
+    <a:masterClrMapping/>
+  </p:clrMapOvr>
+</p:notes>
+</file>
+
+<file path=ppt/notesSlides/notesSlide21.xml><?xml version="1.0" encoding="utf-8"?>
+<p:notes xmlns:a="http://schemas.openxmlformats.org/drawingml/2006/main" xmlns:r="http://schemas.openxmlformats.org/officeDocument/2006/relationships" xmlns:p="http://schemas.openxmlformats.org/presentationml/2006/main">
+  <p:cSld>
+    <p:spTree>
+      <p:nvGrpSpPr>
+        <p:cNvPr id="1" name=""/>
+        <p:cNvGrpSpPr/>
+        <p:nvPr/>
+      </p:nvGrpSpPr>
+      <p:grpSpPr>
+        <a:xfrm>
+          <a:off x="0" y="0"/>
+          <a:ext cx="0" cy="0"/>
+          <a:chOff x="0" y="0"/>
+          <a:chExt cx="0" cy="0"/>
+        </a:xfrm>
+      </p:grpSpPr>
+      <p:sp>
+        <p:nvSpPr>
+          <p:cNvPr id="2" name="Folienbildplatzhalter 1"/>
+          <p:cNvSpPr>
+            <a:spLocks noGrp="1" noRot="1" noChangeAspect="1"/>
+          </p:cNvSpPr>
+          <p:nvPr>
+            <p:ph type="sldImg"/>
+          </p:nvPr>
+        </p:nvSpPr>
+        <p:spPr/>
+      </p:sp>
+      <p:sp>
+        <p:nvSpPr>
+          <p:cNvPr id="3" name="Notizenplatzhalter 2"/>
+          <p:cNvSpPr>
+            <a:spLocks noGrp="1"/>
+          </p:cNvSpPr>
+          <p:nvPr>
+            <p:ph type="body" idx="1"/>
+          </p:nvPr>
+        </p:nvSpPr>
+        <p:spPr/>
+        <p:txBody>
+          <a:bodyPr/>
+          <a:lstStyle/>
+          <a:p>
+            <a:r>
+              <a:rPr lang="de-DE"/>
+              <a:t>Michael</a:t>
+            </a:r>
+          </a:p>
+        </p:txBody>
+      </p:sp>
+      <p:sp>
+        <p:nvSpPr>
+          <p:cNvPr id="4" name="Foliennummernplatzhalter 3"/>
+          <p:cNvSpPr>
+            <a:spLocks noGrp="1"/>
+          </p:cNvSpPr>
+          <p:nvPr>
+            <p:ph type="sldNum" sz="quarter" idx="5"/>
+          </p:nvPr>
+        </p:nvSpPr>
+        <p:spPr/>
+        <p:txBody>
+          <a:bodyPr/>
+          <a:lstStyle/>
+          <a:p>
+            <a:fld id="{55F9A9B9-7935-4070-97F9-D3A3F2A955B2}" type="slidenum">
+              <a:rPr lang="de-DE" smtClean="0"/>
+              <a:t>21</a:t>
+            </a:fld>
+            <a:endParaRPr lang="de-DE"/>
+          </a:p>
+        </p:txBody>
+      </p:sp>
+    </p:spTree>
+    <p:extLst>
+      <p:ext uri="{BB962C8B-B14F-4D97-AF65-F5344CB8AC3E}">
+        <p14:creationId xmlns:p14="http://schemas.microsoft.com/office/powerpoint/2010/main" val="2557880259"/>
+      </p:ext>
+    </p:extLst>
+  </p:cSld>
+  <p:clrMapOvr>
+    <a:masterClrMapping/>
+  </p:clrMapOvr>
+</p:notes>
+</file>
+
+<file path=ppt/notesSlides/notesSlide22.xml><?xml version="1.0" encoding="utf-8"?>
+<p:notes xmlns:a="http://schemas.openxmlformats.org/drawingml/2006/main" xmlns:r="http://schemas.openxmlformats.org/officeDocument/2006/relationships" xmlns:p="http://schemas.openxmlformats.org/presentationml/2006/main">
+  <p:cSld>
+    <p:spTree>
+      <p:nvGrpSpPr>
+        <p:cNvPr id="1" name=""/>
+        <p:cNvGrpSpPr/>
+        <p:nvPr/>
+      </p:nvGrpSpPr>
+      <p:grpSpPr>
+        <a:xfrm>
+          <a:off x="0" y="0"/>
+          <a:ext cx="0" cy="0"/>
+          <a:chOff x="0" y="0"/>
+          <a:chExt cx="0" cy="0"/>
+        </a:xfrm>
+      </p:grpSpPr>
+      <p:sp>
+        <p:nvSpPr>
+          <p:cNvPr id="2" name="Folienbildplatzhalter 1"/>
+          <p:cNvSpPr>
+            <a:spLocks noGrp="1" noRot="1" noChangeAspect="1"/>
+          </p:cNvSpPr>
+          <p:nvPr>
+            <p:ph type="sldImg"/>
+          </p:nvPr>
+        </p:nvSpPr>
+        <p:spPr/>
+      </p:sp>
+      <p:sp>
+        <p:nvSpPr>
+          <p:cNvPr id="3" name="Notizenplatzhalter 2"/>
+          <p:cNvSpPr>
+            <a:spLocks noGrp="1"/>
+          </p:cNvSpPr>
+          <p:nvPr>
+            <p:ph type="body" idx="1"/>
+          </p:nvPr>
+        </p:nvSpPr>
+        <p:spPr/>
+        <p:txBody>
+          <a:bodyPr/>
+          <a:lstStyle/>
+          <a:p>
+            <a:r>
+              <a:rPr lang="en-US"/>
+              <a:t>Michael</a:t>
+            </a:r>
+            <a:endParaRPr lang="de-DE"/>
+          </a:p>
+        </p:txBody>
+      </p:sp>
+      <p:sp>
+        <p:nvSpPr>
+          <p:cNvPr id="4" name="Foliennummernplatzhalter 3"/>
+          <p:cNvSpPr>
+            <a:spLocks noGrp="1"/>
+          </p:cNvSpPr>
+          <p:nvPr>
+            <p:ph type="sldNum" sz="quarter" idx="5"/>
+          </p:nvPr>
+        </p:nvSpPr>
+        <p:spPr/>
+        <p:txBody>
+          <a:bodyPr/>
+          <a:lstStyle/>
+          <a:p>
+            <a:fld id="{55F9A9B9-7935-4070-97F9-D3A3F2A955B2}" type="slidenum">
+              <a:rPr lang="de-DE" smtClean="0"/>
+              <a:t>22</a:t>
+            </a:fld>
+            <a:endParaRPr lang="de-DE"/>
+          </a:p>
+        </p:txBody>
+      </p:sp>
+    </p:spTree>
+    <p:extLst>
+      <p:ext uri="{BB962C8B-B14F-4D97-AF65-F5344CB8AC3E}">
+        <p14:creationId xmlns:p14="http://schemas.microsoft.com/office/powerpoint/2010/main" val="1113904707"/>
+      </p:ext>
+    </p:extLst>
+  </p:cSld>
+  <p:clrMapOvr>
+    <a:masterClrMapping/>
+  </p:clrMapOvr>
+</p:notes>
+</file>
+
+<file path=ppt/notesSlides/notesSlide23.xml><?xml version="1.0" encoding="utf-8"?>
+<p:notes xmlns:a="http://schemas.openxmlformats.org/drawingml/2006/main" xmlns:r="http://schemas.openxmlformats.org/officeDocument/2006/relationships" xmlns:p="http://schemas.openxmlformats.org/presentationml/2006/main">
+  <p:cSld>
+    <p:spTree>
+      <p:nvGrpSpPr>
+        <p:cNvPr id="1" name=""/>
+        <p:cNvGrpSpPr/>
+        <p:nvPr/>
+      </p:nvGrpSpPr>
+      <p:grpSpPr>
+        <a:xfrm>
+          <a:off x="0" y="0"/>
+          <a:ext cx="0" cy="0"/>
+          <a:chOff x="0" y="0"/>
+          <a:chExt cx="0" cy="0"/>
+        </a:xfrm>
+      </p:grpSpPr>
+      <p:sp>
+        <p:nvSpPr>
+          <p:cNvPr id="2" name="Folienbildplatzhalter 1"/>
+          <p:cNvSpPr>
+            <a:spLocks noGrp="1" noRot="1" noChangeAspect="1"/>
+          </p:cNvSpPr>
+          <p:nvPr>
+            <p:ph type="sldImg"/>
+          </p:nvPr>
+        </p:nvSpPr>
+        <p:spPr/>
+      </p:sp>
+      <p:sp>
+        <p:nvSpPr>
+          <p:cNvPr id="3" name="Notizenplatzhalter 2"/>
+          <p:cNvSpPr>
+            <a:spLocks noGrp="1"/>
+          </p:cNvSpPr>
+          <p:nvPr>
+            <p:ph type="body" idx="1"/>
+          </p:nvPr>
+        </p:nvSpPr>
+        <p:spPr/>
+        <p:txBody>
+          <a:bodyPr/>
+          <a:lstStyle/>
+          <a:p>
+            <a:r>
+              <a:rPr lang="en-US"/>
+              <a:t>Michael</a:t>
+            </a:r>
+            <a:endParaRPr lang="de-DE"/>
+          </a:p>
+        </p:txBody>
+      </p:sp>
+      <p:sp>
+        <p:nvSpPr>
+          <p:cNvPr id="4" name="Foliennummernplatzhalter 3"/>
+          <p:cNvSpPr>
+            <a:spLocks noGrp="1"/>
+          </p:cNvSpPr>
+          <p:nvPr>
+            <p:ph type="sldNum" sz="quarter" idx="5"/>
+          </p:nvPr>
+        </p:nvSpPr>
+        <p:spPr/>
+        <p:txBody>
+          <a:bodyPr/>
+          <a:lstStyle/>
+          <a:p>
+            <a:fld id="{55F9A9B9-7935-4070-97F9-D3A3F2A955B2}" type="slidenum">
+              <a:rPr lang="de-DE" smtClean="0"/>
+              <a:t>23</a:t>
+            </a:fld>
+            <a:endParaRPr lang="de-DE"/>
+          </a:p>
+        </p:txBody>
+      </p:sp>
+    </p:spTree>
+    <p:extLst>
+      <p:ext uri="{BB962C8B-B14F-4D97-AF65-F5344CB8AC3E}">
+        <p14:creationId xmlns:p14="http://schemas.microsoft.com/office/powerpoint/2010/main" val="2578759480"/>
       </p:ext>
     </p:extLst>
   </p:cSld>
@@ -2592,7 +4789,11 @@
           <a:bodyPr/>
           <a:lstStyle/>
           <a:p>
-            <a:endParaRPr lang="de-DE" dirty="0"/>
+            <a:r>
+              <a:rPr lang="en-US"/>
+              <a:t>Benedikt</a:t>
+            </a:r>
+            <a:endParaRPr lang="de-DE"/>
           </a:p>
         </p:txBody>
       </p:sp>
@@ -2613,7 +4814,7 @@
           <a:p>
             <a:fld id="{55F9A9B9-7935-4070-97F9-D3A3F2A955B2}" type="slidenum">
               <a:rPr lang="de-DE" smtClean="0"/>
-              <a:t>7</a:t>
+              <a:t>3</a:t>
             </a:fld>
             <a:endParaRPr lang="de-DE"/>
           </a:p>
@@ -2622,7 +4823,7 @@
     </p:spTree>
     <p:extLst>
       <p:ext uri="{BB962C8B-B14F-4D97-AF65-F5344CB8AC3E}">
-        <p14:creationId xmlns:p14="http://schemas.microsoft.com/office/powerpoint/2010/main" val="2594966609"/>
+        <p14:creationId xmlns:p14="http://schemas.microsoft.com/office/powerpoint/2010/main" val="1869987050"/>
       </p:ext>
     </p:extLst>
   </p:cSld>
@@ -2676,7 +4877,12 @@
           <a:bodyPr/>
           <a:lstStyle/>
           <a:p>
-            <a:endParaRPr lang="de-DE" dirty="0"/>
+            <a:r>
+              <a:rPr lang="en-US">
+                <a:cs typeface="Calibri"/>
+              </a:rPr>
+              <a:t>Niklas</a:t>
+            </a:r>
           </a:p>
         </p:txBody>
       </p:sp>
@@ -2697,7 +4903,7 @@
           <a:p>
             <a:fld id="{55F9A9B9-7935-4070-97F9-D3A3F2A955B2}" type="slidenum">
               <a:rPr lang="de-DE" smtClean="0"/>
-              <a:t>8</a:t>
+              <a:t>4</a:t>
             </a:fld>
             <a:endParaRPr lang="de-DE"/>
           </a:p>
@@ -2706,7 +4912,7 @@
     </p:spTree>
     <p:extLst>
       <p:ext uri="{BB962C8B-B14F-4D97-AF65-F5344CB8AC3E}">
-        <p14:creationId xmlns:p14="http://schemas.microsoft.com/office/powerpoint/2010/main" val="2130113931"/>
+        <p14:creationId xmlns:p14="http://schemas.microsoft.com/office/powerpoint/2010/main" val="1637136676"/>
       </p:ext>
     </p:extLst>
   </p:cSld>
@@ -2761,7 +4967,7 @@
           <a:lstStyle/>
           <a:p>
             <a:r>
-              <a:rPr lang="de-DE" dirty="0"/>
+              <a:rPr lang="de-DE"/>
               <a:t>Jonas</a:t>
             </a:r>
           </a:p>
@@ -2784,7 +4990,7 @@
           <a:p>
             <a:fld id="{55F9A9B9-7935-4070-97F9-D3A3F2A955B2}" type="slidenum">
               <a:rPr lang="de-DE" smtClean="0"/>
-              <a:t>11</a:t>
+              <a:t>5</a:t>
             </a:fld>
             <a:endParaRPr lang="de-DE"/>
           </a:p>
@@ -2793,7 +4999,7 @@
     </p:spTree>
     <p:extLst>
       <p:ext uri="{BB962C8B-B14F-4D97-AF65-F5344CB8AC3E}">
-        <p14:creationId xmlns:p14="http://schemas.microsoft.com/office/powerpoint/2010/main" val="2557880259"/>
+        <p14:creationId xmlns:p14="http://schemas.microsoft.com/office/powerpoint/2010/main" val="2526135779"/>
       </p:ext>
     </p:extLst>
   </p:cSld>
@@ -2848,9 +5054,10 @@
           <a:lstStyle/>
           <a:p>
             <a:r>
-              <a:rPr lang="de-DE" dirty="0"/>
-              <a:t>Jonas</a:t>
-            </a:r>
+              <a:rPr lang="en-US"/>
+              <a:t>Benedikt</a:t>
+            </a:r>
+            <a:endParaRPr lang="de-DE"/>
           </a:p>
         </p:txBody>
       </p:sp>
@@ -2871,7 +5078,7 @@
           <a:p>
             <a:fld id="{55F9A9B9-7935-4070-97F9-D3A3F2A955B2}" type="slidenum">
               <a:rPr lang="de-DE" smtClean="0"/>
-              <a:t>16</a:t>
+              <a:t>6</a:t>
             </a:fld>
             <a:endParaRPr lang="de-DE"/>
           </a:p>
@@ -2880,7 +5087,271 @@
     </p:spTree>
     <p:extLst>
       <p:ext uri="{BB962C8B-B14F-4D97-AF65-F5344CB8AC3E}">
-        <p14:creationId xmlns:p14="http://schemas.microsoft.com/office/powerpoint/2010/main" val="3897314787"/>
+        <p14:creationId xmlns:p14="http://schemas.microsoft.com/office/powerpoint/2010/main" val="3551221052"/>
+      </p:ext>
+    </p:extLst>
+  </p:cSld>
+  <p:clrMapOvr>
+    <a:masterClrMapping/>
+  </p:clrMapOvr>
+</p:notes>
+</file>
+
+<file path=ppt/notesSlides/notesSlide7.xml><?xml version="1.0" encoding="utf-8"?>
+<p:notes xmlns:a="http://schemas.openxmlformats.org/drawingml/2006/main" xmlns:r="http://schemas.openxmlformats.org/officeDocument/2006/relationships" xmlns:p="http://schemas.openxmlformats.org/presentationml/2006/main">
+  <p:cSld>
+    <p:spTree>
+      <p:nvGrpSpPr>
+        <p:cNvPr id="1" name=""/>
+        <p:cNvGrpSpPr/>
+        <p:nvPr/>
+      </p:nvGrpSpPr>
+      <p:grpSpPr>
+        <a:xfrm>
+          <a:off x="0" y="0"/>
+          <a:ext cx="0" cy="0"/>
+          <a:chOff x="0" y="0"/>
+          <a:chExt cx="0" cy="0"/>
+        </a:xfrm>
+      </p:grpSpPr>
+      <p:sp>
+        <p:nvSpPr>
+          <p:cNvPr id="2" name="Folienbildplatzhalter 1"/>
+          <p:cNvSpPr>
+            <a:spLocks noGrp="1" noRot="1" noChangeAspect="1"/>
+          </p:cNvSpPr>
+          <p:nvPr>
+            <p:ph type="sldImg"/>
+          </p:nvPr>
+        </p:nvSpPr>
+        <p:spPr/>
+      </p:sp>
+      <p:sp>
+        <p:nvSpPr>
+          <p:cNvPr id="3" name="Notizenplatzhalter 2"/>
+          <p:cNvSpPr>
+            <a:spLocks noGrp="1"/>
+          </p:cNvSpPr>
+          <p:nvPr>
+            <p:ph type="body" idx="1"/>
+          </p:nvPr>
+        </p:nvSpPr>
+        <p:spPr/>
+        <p:txBody>
+          <a:bodyPr/>
+          <a:lstStyle/>
+          <a:p>
+            <a:r>
+              <a:rPr lang="en-US"/>
+              <a:t>Benedikt</a:t>
+            </a:r>
+            <a:endParaRPr lang="de-DE"/>
+          </a:p>
+        </p:txBody>
+      </p:sp>
+      <p:sp>
+        <p:nvSpPr>
+          <p:cNvPr id="4" name="Foliennummernplatzhalter 3"/>
+          <p:cNvSpPr>
+            <a:spLocks noGrp="1"/>
+          </p:cNvSpPr>
+          <p:nvPr>
+            <p:ph type="sldNum" sz="quarter" idx="5"/>
+          </p:nvPr>
+        </p:nvSpPr>
+        <p:spPr/>
+        <p:txBody>
+          <a:bodyPr/>
+          <a:lstStyle/>
+          <a:p>
+            <a:fld id="{55F9A9B9-7935-4070-97F9-D3A3F2A955B2}" type="slidenum">
+              <a:rPr lang="de-DE" smtClean="0"/>
+              <a:t>7</a:t>
+            </a:fld>
+            <a:endParaRPr lang="de-DE"/>
+          </a:p>
+        </p:txBody>
+      </p:sp>
+    </p:spTree>
+    <p:extLst>
+      <p:ext uri="{BB962C8B-B14F-4D97-AF65-F5344CB8AC3E}">
+        <p14:creationId xmlns:p14="http://schemas.microsoft.com/office/powerpoint/2010/main" val="861751978"/>
+      </p:ext>
+    </p:extLst>
+  </p:cSld>
+  <p:clrMapOvr>
+    <a:masterClrMapping/>
+  </p:clrMapOvr>
+</p:notes>
+</file>
+
+<file path=ppt/notesSlides/notesSlide8.xml><?xml version="1.0" encoding="utf-8"?>
+<p:notes xmlns:a="http://schemas.openxmlformats.org/drawingml/2006/main" xmlns:r="http://schemas.openxmlformats.org/officeDocument/2006/relationships" xmlns:p="http://schemas.openxmlformats.org/presentationml/2006/main">
+  <p:cSld>
+    <p:spTree>
+      <p:nvGrpSpPr>
+        <p:cNvPr id="1" name=""/>
+        <p:cNvGrpSpPr/>
+        <p:nvPr/>
+      </p:nvGrpSpPr>
+      <p:grpSpPr>
+        <a:xfrm>
+          <a:off x="0" y="0"/>
+          <a:ext cx="0" cy="0"/>
+          <a:chOff x="0" y="0"/>
+          <a:chExt cx="0" cy="0"/>
+        </a:xfrm>
+      </p:grpSpPr>
+      <p:sp>
+        <p:nvSpPr>
+          <p:cNvPr id="2" name="Folienbildplatzhalter 1"/>
+          <p:cNvSpPr>
+            <a:spLocks noGrp="1" noRot="1" noChangeAspect="1"/>
+          </p:cNvSpPr>
+          <p:nvPr>
+            <p:ph type="sldImg"/>
+          </p:nvPr>
+        </p:nvSpPr>
+        <p:spPr/>
+      </p:sp>
+      <p:sp>
+        <p:nvSpPr>
+          <p:cNvPr id="3" name="Notizenplatzhalter 2"/>
+          <p:cNvSpPr>
+            <a:spLocks noGrp="1"/>
+          </p:cNvSpPr>
+          <p:nvPr>
+            <p:ph type="body" idx="1"/>
+          </p:nvPr>
+        </p:nvSpPr>
+        <p:spPr/>
+        <p:txBody>
+          <a:bodyPr/>
+          <a:lstStyle/>
+          <a:p>
+            <a:r>
+              <a:rPr lang="de-DE"/>
+              <a:t>Jonas</a:t>
+            </a:r>
+          </a:p>
+        </p:txBody>
+      </p:sp>
+      <p:sp>
+        <p:nvSpPr>
+          <p:cNvPr id="4" name="Foliennummernplatzhalter 3"/>
+          <p:cNvSpPr>
+            <a:spLocks noGrp="1"/>
+          </p:cNvSpPr>
+          <p:nvPr>
+            <p:ph type="sldNum" sz="quarter" idx="5"/>
+          </p:nvPr>
+        </p:nvSpPr>
+        <p:spPr/>
+        <p:txBody>
+          <a:bodyPr/>
+          <a:lstStyle/>
+          <a:p>
+            <a:fld id="{55F9A9B9-7935-4070-97F9-D3A3F2A955B2}" type="slidenum">
+              <a:rPr lang="de-DE" smtClean="0"/>
+              <a:t>8</a:t>
+            </a:fld>
+            <a:endParaRPr lang="de-DE"/>
+          </a:p>
+        </p:txBody>
+      </p:sp>
+    </p:spTree>
+    <p:extLst>
+      <p:ext uri="{BB962C8B-B14F-4D97-AF65-F5344CB8AC3E}">
+        <p14:creationId xmlns:p14="http://schemas.microsoft.com/office/powerpoint/2010/main" val="1328658955"/>
+      </p:ext>
+    </p:extLst>
+  </p:cSld>
+  <p:clrMapOvr>
+    <a:masterClrMapping/>
+  </p:clrMapOvr>
+</p:notes>
+</file>
+
+<file path=ppt/notesSlides/notesSlide9.xml><?xml version="1.0" encoding="utf-8"?>
+<p:notes xmlns:a="http://schemas.openxmlformats.org/drawingml/2006/main" xmlns:r="http://schemas.openxmlformats.org/officeDocument/2006/relationships" xmlns:p="http://schemas.openxmlformats.org/presentationml/2006/main">
+  <p:cSld>
+    <p:spTree>
+      <p:nvGrpSpPr>
+        <p:cNvPr id="1" name=""/>
+        <p:cNvGrpSpPr/>
+        <p:nvPr/>
+      </p:nvGrpSpPr>
+      <p:grpSpPr>
+        <a:xfrm>
+          <a:off x="0" y="0"/>
+          <a:ext cx="0" cy="0"/>
+          <a:chOff x="0" y="0"/>
+          <a:chExt cx="0" cy="0"/>
+        </a:xfrm>
+      </p:grpSpPr>
+      <p:sp>
+        <p:nvSpPr>
+          <p:cNvPr id="2" name="Folienbildplatzhalter 1"/>
+          <p:cNvSpPr>
+            <a:spLocks noGrp="1" noRot="1" noChangeAspect="1"/>
+          </p:cNvSpPr>
+          <p:nvPr>
+            <p:ph type="sldImg"/>
+          </p:nvPr>
+        </p:nvSpPr>
+        <p:spPr/>
+      </p:sp>
+      <p:sp>
+        <p:nvSpPr>
+          <p:cNvPr id="3" name="Notizenplatzhalter 2"/>
+          <p:cNvSpPr>
+            <a:spLocks noGrp="1"/>
+          </p:cNvSpPr>
+          <p:nvPr>
+            <p:ph type="body" idx="1"/>
+          </p:nvPr>
+        </p:nvSpPr>
+        <p:spPr/>
+        <p:txBody>
+          <a:bodyPr/>
+          <a:lstStyle/>
+          <a:p>
+            <a:r>
+              <a:rPr lang="en-US">
+                <a:cs typeface="Calibri"/>
+              </a:rPr>
+              <a:t>Niklas</a:t>
+            </a:r>
+          </a:p>
+        </p:txBody>
+      </p:sp>
+      <p:sp>
+        <p:nvSpPr>
+          <p:cNvPr id="4" name="Foliennummernplatzhalter 3"/>
+          <p:cNvSpPr>
+            <a:spLocks noGrp="1"/>
+          </p:cNvSpPr>
+          <p:nvPr>
+            <p:ph type="sldNum" sz="quarter" idx="5"/>
+          </p:nvPr>
+        </p:nvSpPr>
+        <p:spPr/>
+        <p:txBody>
+          <a:bodyPr/>
+          <a:lstStyle/>
+          <a:p>
+            <a:fld id="{55F9A9B9-7935-4070-97F9-D3A3F2A955B2}" type="slidenum">
+              <a:rPr lang="de-DE" smtClean="0"/>
+              <a:t>9</a:t>
+            </a:fld>
+            <a:endParaRPr lang="de-DE"/>
+          </a:p>
+        </p:txBody>
+      </p:sp>
+    </p:spTree>
+    <p:extLst>
+      <p:ext uri="{BB962C8B-B14F-4D97-AF65-F5344CB8AC3E}">
+        <p14:creationId xmlns:p14="http://schemas.microsoft.com/office/powerpoint/2010/main" val="2621818700"/>
       </p:ext>
     </p:extLst>
   </p:cSld>
@@ -3091,7 +5562,7 @@
           <a:p>
             <a:fld id="{B946DE96-B91D-493C-A95E-A84EF104EDB0}" type="slidenum">
               <a:rPr lang="de-DE" smtClean="0"/>
-              <a:t>‹Nr.›</a:t>
+              <a:t>‹#›</a:t>
             </a:fld>
             <a:endParaRPr lang="de-DE"/>
           </a:p>
@@ -3289,7 +5760,7 @@
           <a:p>
             <a:fld id="{B946DE96-B91D-493C-A95E-A84EF104EDB0}" type="slidenum">
               <a:rPr lang="de-DE" smtClean="0"/>
-              <a:t>‹Nr.›</a:t>
+              <a:t>‹#›</a:t>
             </a:fld>
             <a:endParaRPr lang="de-DE"/>
           </a:p>
@@ -3497,7 +5968,7 @@
           <a:p>
             <a:fld id="{B946DE96-B91D-493C-A95E-A84EF104EDB0}" type="slidenum">
               <a:rPr lang="de-DE" smtClean="0"/>
-              <a:t>‹Nr.›</a:t>
+              <a:t>‹#›</a:t>
             </a:fld>
             <a:endParaRPr lang="de-DE"/>
           </a:p>
@@ -3867,7 +6338,7 @@
           <a:p>
             <a:fld id="{B946DE96-B91D-493C-A95E-A84EF104EDB0}" type="slidenum">
               <a:rPr lang="de-DE" smtClean="0"/>
-              <a:t>‹Nr.›</a:t>
+              <a:t>‹#›</a:t>
             </a:fld>
             <a:endParaRPr lang="de-DE"/>
           </a:p>
@@ -4065,7 +6536,7 @@
           <a:p>
             <a:fld id="{B946DE96-B91D-493C-A95E-A84EF104EDB0}" type="slidenum">
               <a:rPr lang="de-DE" smtClean="0"/>
-              <a:t>‹Nr.›</a:t>
+              <a:t>‹#›</a:t>
             </a:fld>
             <a:endParaRPr lang="de-DE"/>
           </a:p>
@@ -4331,7 +6802,7 @@
           <a:p>
             <a:fld id="{B946DE96-B91D-493C-A95E-A84EF104EDB0}" type="slidenum">
               <a:rPr lang="de-DE" smtClean="0"/>
-              <a:t>‹Nr.›</a:t>
+              <a:t>‹#›</a:t>
             </a:fld>
             <a:endParaRPr lang="de-DE"/>
           </a:p>
@@ -4516,7 +6987,7 @@
           <a:p>
             <a:fld id="{B946DE96-B91D-493C-A95E-A84EF104EDB0}" type="slidenum">
               <a:rPr lang="de-DE" smtClean="0"/>
-              <a:t>‹Nr.›</a:t>
+              <a:t>‹#›</a:t>
             </a:fld>
             <a:endParaRPr lang="de-DE"/>
           </a:p>
@@ -4742,7 +7213,7 @@
           <a:p>
             <a:fld id="{B946DE96-B91D-493C-A95E-A84EF104EDB0}" type="slidenum">
               <a:rPr lang="de-DE" smtClean="0"/>
-              <a:t>‹Nr.›</a:t>
+              <a:t>‹#›</a:t>
             </a:fld>
             <a:endParaRPr lang="de-DE"/>
           </a:p>
@@ -4940,7 +7411,7 @@
           <a:p>
             <a:fld id="{B946DE96-B91D-493C-A95E-A84EF104EDB0}" type="slidenum">
               <a:rPr lang="de-DE" smtClean="0"/>
-              <a:t>‹Nr.›</a:t>
+              <a:t>‹#›</a:t>
             </a:fld>
             <a:endParaRPr lang="de-DE"/>
           </a:p>
@@ -5206,7 +7677,7 @@
           <a:p>
             <a:fld id="{B946DE96-B91D-493C-A95E-A84EF104EDB0}" type="slidenum">
               <a:rPr lang="de-DE" smtClean="0"/>
-              <a:t>‹Nr.›</a:t>
+              <a:t>‹#›</a:t>
             </a:fld>
             <a:endParaRPr lang="de-DE"/>
           </a:p>
@@ -5606,7 +8077,7 @@
           <a:p>
             <a:fld id="{B946DE96-B91D-493C-A95E-A84EF104EDB0}" type="slidenum">
               <a:rPr lang="de-DE" smtClean="0"/>
-              <a:t>‹Nr.›</a:t>
+              <a:t>‹#›</a:t>
             </a:fld>
             <a:endParaRPr lang="de-DE"/>
           </a:p>
@@ -5704,7 +8175,7 @@
           <a:p>
             <a:fld id="{B946DE96-B91D-493C-A95E-A84EF104EDB0}" type="slidenum">
               <a:rPr lang="de-DE" smtClean="0"/>
-              <a:t>‹Nr.›</a:t>
+              <a:t>‹#›</a:t>
             </a:fld>
             <a:endParaRPr lang="de-DE"/>
           </a:p>
@@ -5780,7 +8251,7 @@
           <a:p>
             <a:fld id="{B946DE96-B91D-493C-A95E-A84EF104EDB0}" type="slidenum">
               <a:rPr lang="de-DE" smtClean="0"/>
-              <a:t>‹Nr.›</a:t>
+              <a:t>‹#›</a:t>
             </a:fld>
             <a:endParaRPr lang="de-DE"/>
           </a:p>
@@ -6036,7 +8507,7 @@
           <a:p>
             <a:fld id="{B946DE96-B91D-493C-A95E-A84EF104EDB0}" type="slidenum">
               <a:rPr lang="de-DE" smtClean="0"/>
-              <a:t>‹Nr.›</a:t>
+              <a:t>‹#›</a:t>
             </a:fld>
             <a:endParaRPr lang="de-DE"/>
           </a:p>
@@ -6272,7 +8743,7 @@
           <a:p>
             <a:fld id="{B946DE96-B91D-493C-A95E-A84EF104EDB0}" type="slidenum">
               <a:rPr lang="de-DE" smtClean="0"/>
-              <a:t>‹Nr.›</a:t>
+              <a:t>‹#›</a:t>
             </a:fld>
             <a:endParaRPr lang="de-DE"/>
           </a:p>
@@ -6421,7 +8892,7 @@
           <a:p>
             <a:fld id="{B946DE96-B91D-493C-A95E-A84EF104EDB0}" type="slidenum">
               <a:rPr lang="de-DE" smtClean="0"/>
-              <a:t>‹Nr.›</a:t>
+              <a:t>‹#›</a:t>
             </a:fld>
             <a:endParaRPr lang="de-DE"/>
           </a:p>
@@ -6580,7 +9051,7 @@
           <a:p>
             <a:fld id="{B946DE96-B91D-493C-A95E-A84EF104EDB0}" type="slidenum">
               <a:rPr lang="de-DE" smtClean="0"/>
-              <a:t>‹Nr.›</a:t>
+              <a:t>‹#›</a:t>
             </a:fld>
             <a:endParaRPr lang="de-DE"/>
           </a:p>
@@ -6855,7 +9326,7 @@
           <a:p>
             <a:fld id="{B946DE96-B91D-493C-A95E-A84EF104EDB0}" type="slidenum">
               <a:rPr lang="de-DE" smtClean="0"/>
-              <a:t>‹Nr.›</a:t>
+              <a:t>‹#›</a:t>
             </a:fld>
             <a:endParaRPr lang="de-DE"/>
           </a:p>
@@ -7120,7 +9591,7 @@
           <a:p>
             <a:fld id="{B946DE96-B91D-493C-A95E-A84EF104EDB0}" type="slidenum">
               <a:rPr lang="de-DE" smtClean="0"/>
-              <a:t>‹Nr.›</a:t>
+              <a:t>‹#›</a:t>
             </a:fld>
             <a:endParaRPr lang="de-DE"/>
           </a:p>
@@ -7532,7 +10003,7 @@
           <a:p>
             <a:fld id="{B946DE96-B91D-493C-A95E-A84EF104EDB0}" type="slidenum">
               <a:rPr lang="de-DE" smtClean="0"/>
-              <a:t>‹Nr.›</a:t>
+              <a:t>‹#›</a:t>
             </a:fld>
             <a:endParaRPr lang="de-DE"/>
           </a:p>
@@ -7673,7 +10144,7 @@
           <a:p>
             <a:fld id="{B946DE96-B91D-493C-A95E-A84EF104EDB0}" type="slidenum">
               <a:rPr lang="de-DE" smtClean="0"/>
-              <a:t>‹Nr.›</a:t>
+              <a:t>‹#›</a:t>
             </a:fld>
             <a:endParaRPr lang="de-DE"/>
           </a:p>
@@ -7786,7 +10257,7 @@
           <a:p>
             <a:fld id="{B946DE96-B91D-493C-A95E-A84EF104EDB0}" type="slidenum">
               <a:rPr lang="de-DE" smtClean="0"/>
-              <a:t>‹Nr.›</a:t>
+              <a:t>‹#›</a:t>
             </a:fld>
             <a:endParaRPr lang="de-DE"/>
           </a:p>
@@ -8097,7 +10568,7 @@
           <a:p>
             <a:fld id="{B946DE96-B91D-493C-A95E-A84EF104EDB0}" type="slidenum">
               <a:rPr lang="de-DE" smtClean="0"/>
-              <a:t>‹Nr.›</a:t>
+              <a:t>‹#›</a:t>
             </a:fld>
             <a:endParaRPr lang="de-DE"/>
           </a:p>
@@ -8385,7 +10856,7 @@
           <a:p>
             <a:fld id="{B946DE96-B91D-493C-A95E-A84EF104EDB0}" type="slidenum">
               <a:rPr lang="de-DE" smtClean="0"/>
-              <a:t>‹Nr.›</a:t>
+              <a:t>‹#›</a:t>
             </a:fld>
             <a:endParaRPr lang="de-DE"/>
           </a:p>
@@ -8662,7 +11133,7 @@
           <a:p>
             <a:fld id="{B946DE96-B91D-493C-A95E-A84EF104EDB0}" type="slidenum">
               <a:rPr lang="de-DE" smtClean="0"/>
-              <a:t>‹Nr.›</a:t>
+              <a:t>‹#›</a:t>
             </a:fld>
             <a:endParaRPr lang="de-DE"/>
           </a:p>
@@ -9528,7 +11999,7 @@
           <a:p>
             <a:fld id="{B946DE96-B91D-493C-A95E-A84EF104EDB0}" type="slidenum">
               <a:rPr lang="de-DE" smtClean="0"/>
-              <a:t>‹Nr.›</a:t>
+              <a:t>‹#›</a:t>
             </a:fld>
             <a:endParaRPr lang="de-DE"/>
           </a:p>
@@ -9977,7 +12448,7 @@
           <p:cNvPr id="2" name="Titel 1">
             <a:extLst>
               <a:ext uri="{FF2B5EF4-FFF2-40B4-BE49-F238E27FC236}">
-                <a16:creationId xmlns:a16="http://schemas.microsoft.com/office/drawing/2014/main" id="{B22B0CF3-B615-4DA2-A8E0-C936B9A27A50}"/>
+                <a16:creationId xmlns:a16="http://schemas.microsoft.com/office/drawing/2014/main" id="{3E7D0B69-5943-43F1-B43E-29895EFDF125}"/>
               </a:ext>
             </a:extLst>
           </p:cNvPr>
@@ -9995,7 +12466,7 @@
           <a:p>
             <a:r>
               <a:rPr lang="de-DE" err="1"/>
-              <a:t>Context</a:t>
+              <a:t>Schematic</a:t>
             </a:r>
             <a:r>
               <a:rPr lang="de-DE"/>
@@ -10003,18 +12474,21 @@
             </a:r>
             <a:r>
               <a:rPr lang="de-DE" err="1"/>
-              <a:t>modell</a:t>
-            </a:r>
-            <a:endParaRPr lang="de-DE"/>
+              <a:t>rescue</a:t>
+            </a:r>
+            <a:r>
+              <a:rPr lang="de-DE"/>
+              <a:t> bot</a:t>
+            </a:r>
           </a:p>
         </p:txBody>
       </p:sp>
       <p:pic>
         <p:nvPicPr>
-          <p:cNvPr id="7" name="Inhaltsplatzhalter 6" descr="Ein Bild, das Screenshot enthält.&#10;&#10;Automatisch generierte Beschreibung">
+          <p:cNvPr id="9" name="Inhaltsplatzhalter 8" descr="Ein Bild, das Text, Karte enthält.&#10;&#10;Automatisch generierte Beschreibung">
             <a:extLst>
               <a:ext uri="{FF2B5EF4-FFF2-40B4-BE49-F238E27FC236}">
-                <a16:creationId xmlns:a16="http://schemas.microsoft.com/office/drawing/2014/main" id="{C4E84CD4-F665-4511-9EEA-6721BB595203}"/>
+                <a16:creationId xmlns:a16="http://schemas.microsoft.com/office/drawing/2014/main" id="{353A8565-2556-43E4-B8E6-8CD62151C6BC}"/>
               </a:ext>
             </a:extLst>
           </p:cNvPr>
@@ -10026,7 +12500,7 @@
           </p:nvPr>
         </p:nvPicPr>
         <p:blipFill>
-          <a:blip r:embed="rId2">
+          <a:blip r:embed="rId3">
             <a:extLst>
               <a:ext uri="{28A0092B-C50C-407E-A947-70E740481C1C}">
                 <a14:useLocalDpi xmlns:a14="http://schemas.microsoft.com/office/drawing/2010/main" val="0"/>
@@ -10039,15 +12513,15 @@
         </p:blipFill>
         <p:spPr>
           <a:xfrm>
-            <a:off x="2745325" y="1382368"/>
-            <a:ext cx="6701349" cy="4729982"/>
+            <a:off x="2732466" y="1574611"/>
+            <a:ext cx="6496976" cy="4680000"/>
           </a:xfrm>
         </p:spPr>
       </p:pic>
     </p:spTree>
     <p:extLst>
       <p:ext uri="{BB962C8B-B14F-4D97-AF65-F5344CB8AC3E}">
-        <p14:creationId xmlns:p14="http://schemas.microsoft.com/office/powerpoint/2010/main" val="2607626568"/>
+        <p14:creationId xmlns:p14="http://schemas.microsoft.com/office/powerpoint/2010/main" val="3358593149"/>
       </p:ext>
     </p:extLst>
   </p:cSld>
@@ -10079,7 +12553,7 @@
           <p:cNvPr id="2" name="Titel 1">
             <a:extLst>
               <a:ext uri="{FF2B5EF4-FFF2-40B4-BE49-F238E27FC236}">
-                <a16:creationId xmlns:a16="http://schemas.microsoft.com/office/drawing/2014/main" id="{05348005-959E-40FC-AD58-02391540E98A}"/>
+                <a16:creationId xmlns:a16="http://schemas.microsoft.com/office/drawing/2014/main" id="{130CE3C9-42CB-4AEA-8F5D-676F5C5D3923}"/>
               </a:ext>
             </a:extLst>
           </p:cNvPr>
@@ -10096,18 +12570,22 @@
           <a:lstStyle/>
           <a:p>
             <a:r>
+              <a:rPr lang="de-DE" err="1"/>
+              <a:t>Schematic</a:t>
+            </a:r>
+            <a:r>
               <a:rPr lang="de-DE"/>
-              <a:t>Umgebungsdiagramm</a:t>
+              <a:t> Remote Control</a:t>
             </a:r>
           </a:p>
         </p:txBody>
       </p:sp>
       <p:pic>
         <p:nvPicPr>
-          <p:cNvPr id="6" name="Inhaltsplatzhalter 5" descr="Ein Bild, das Bildschirm, Raum enthält.&#10;&#10;Automatisch generierte Beschreibung">
+          <p:cNvPr id="8" name="Inhaltsplatzhalter 7" descr="Ein Bild, das Text, Karte enthält.&#10;&#10;Automatisch generierte Beschreibung">
             <a:extLst>
               <a:ext uri="{FF2B5EF4-FFF2-40B4-BE49-F238E27FC236}">
-                <a16:creationId xmlns:a16="http://schemas.microsoft.com/office/drawing/2014/main" id="{E57271B8-BD63-4D59-9314-85DE10742E93}"/>
+                <a16:creationId xmlns:a16="http://schemas.microsoft.com/office/drawing/2014/main" id="{95492A98-F791-4C0B-A1E5-597624A8A907}"/>
               </a:ext>
             </a:extLst>
           </p:cNvPr>
@@ -10132,15 +12610,15 @@
         </p:blipFill>
         <p:spPr>
           <a:xfrm>
-            <a:off x="120163" y="1888650"/>
-            <a:ext cx="10428491" cy="3734312"/>
+            <a:off x="3758598" y="1558043"/>
+            <a:ext cx="4674804" cy="4680000"/>
           </a:xfrm>
         </p:spPr>
       </p:pic>
     </p:spTree>
     <p:extLst>
       <p:ext uri="{BB962C8B-B14F-4D97-AF65-F5344CB8AC3E}">
-        <p14:creationId xmlns:p14="http://schemas.microsoft.com/office/powerpoint/2010/main" val="4045734271"/>
+        <p14:creationId xmlns:p14="http://schemas.microsoft.com/office/powerpoint/2010/main" val="3548825610"/>
       </p:ext>
     </p:extLst>
   </p:cSld>
@@ -10202,10 +12680,10 @@
       </p:sp>
       <p:pic>
         <p:nvPicPr>
-          <p:cNvPr id="6" name="Inhaltsplatzhalter 5" descr="Ein Bild, das Screenshot, Anzeige, Schild, geparkt enthält.&#10;&#10;Automatisch generierte Beschreibung">
+          <p:cNvPr id="5" name="Grafik 6" descr="Ein Bild, das Screenshot, Anzeige, Schild enthält.&#10;&#10;Beschreibung automatisch generiert.">
             <a:extLst>
               <a:ext uri="{FF2B5EF4-FFF2-40B4-BE49-F238E27FC236}">
-                <a16:creationId xmlns:a16="http://schemas.microsoft.com/office/drawing/2014/main" id="{61D220FE-6BE6-4A3A-B605-685484D2AD99}"/>
+                <a16:creationId xmlns:a16="http://schemas.microsoft.com/office/drawing/2014/main" id="{C13EF773-13B3-4185-8E71-C0B53F3255DE}"/>
               </a:ext>
             </a:extLst>
           </p:cNvPr>
@@ -10217,21 +12695,15 @@
           </p:nvPr>
         </p:nvPicPr>
         <p:blipFill>
-          <a:blip r:embed="rId2">
-            <a:extLst>
-              <a:ext uri="{28A0092B-C50C-407E-A947-70E740481C1C}">
-                <a14:useLocalDpi xmlns:a14="http://schemas.microsoft.com/office/drawing/2010/main" val="0"/>
-              </a:ext>
-            </a:extLst>
-          </a:blip>
+          <a:blip r:embed="rId3"/>
           <a:stretch>
             <a:fillRect/>
           </a:stretch>
         </p:blipFill>
         <p:spPr>
           <a:xfrm>
-            <a:off x="2182194" y="724108"/>
-            <a:ext cx="7506555" cy="5476143"/>
+            <a:off x="1760530" y="519927"/>
+            <a:ext cx="6950968" cy="5810953"/>
           </a:xfrm>
         </p:spPr>
       </p:pic>
@@ -10313,7 +12785,7 @@
           </p:nvPr>
         </p:nvPicPr>
         <p:blipFill>
-          <a:blip r:embed="rId2">
+          <a:blip r:embed="rId3">
             <a:extLst>
               <a:ext uri="{28A0092B-C50C-407E-A947-70E740481C1C}">
                 <a14:useLocalDpi xmlns:a14="http://schemas.microsoft.com/office/drawing/2010/main" val="0"/>
@@ -10383,7 +12855,7 @@
           <a:lstStyle/>
           <a:p>
             <a:r>
-              <a:rPr lang="de-DE" dirty="0"/>
+              <a:rPr lang="de-DE"/>
               <a:t>Audio Navigation - Code</a:t>
             </a:r>
           </a:p>
@@ -10406,7 +12878,7 @@
           </p:nvPr>
         </p:nvPicPr>
         <p:blipFill>
-          <a:blip r:embed="rId2">
+          <a:blip r:embed="rId3">
             <a:extLst>
               <a:ext uri="{28A0092B-C50C-407E-A947-70E740481C1C}">
                 <a14:useLocalDpi xmlns:a14="http://schemas.microsoft.com/office/drawing/2010/main" val="0"/>
@@ -10452,7 +12924,7 @@
           <p:nvPr/>
         </p:nvPicPr>
         <p:blipFill>
-          <a:blip r:embed="rId3">
+          <a:blip r:embed="rId4">
             <a:extLst>
               <a:ext uri="{28A0092B-C50C-407E-A947-70E740481C1C}">
                 <a14:useLocalDpi xmlns:a14="http://schemas.microsoft.com/office/drawing/2010/main" val="0"/>
@@ -10537,48 +13009,43 @@
           <a:lstStyle/>
           <a:p>
             <a:r>
-              <a:rPr lang="en-US" dirty="0">
+              <a:rPr lang="en-US">
                 <a:cs typeface="Calibri Light"/>
               </a:rPr>
               <a:t>State machine water</a:t>
             </a:r>
-            <a:endParaRPr lang="en-US" dirty="0"/>
+            <a:endParaRPr lang="en-US"/>
           </a:p>
         </p:txBody>
       </p:sp>
       <p:pic>
         <p:nvPicPr>
-          <p:cNvPr id="7" name="Inhaltsplatzhalter 6" descr="Ein Bild, das Anzeige enthält.&#10;&#10;Automatisch generierte Beschreibung">
+          <p:cNvPr id="3" name="Grafik 3" descr="Ein Bild, das Computer enthält.&#10;&#10;Beschreibung automatisch generiert.">
             <a:extLst>
               <a:ext uri="{FF2B5EF4-FFF2-40B4-BE49-F238E27FC236}">
-                <a16:creationId xmlns:a16="http://schemas.microsoft.com/office/drawing/2014/main" id="{F1B93ACC-7D50-4DE4-A8CE-DB38038D30CE}"/>
+                <a16:creationId xmlns:a16="http://schemas.microsoft.com/office/drawing/2014/main" id="{2EDF0120-F3A8-4BED-B765-6CF4BE6DEF9F}"/>
               </a:ext>
             </a:extLst>
           </p:cNvPr>
           <p:cNvPicPr>
-            <a:picLocks noGrp="1" noChangeAspect="1"/>
+            <a:picLocks noChangeAspect="1"/>
           </p:cNvPicPr>
-          <p:nvPr>
-            <p:ph idx="1"/>
-          </p:nvPr>
+          <p:nvPr/>
         </p:nvPicPr>
         <p:blipFill>
-          <a:blip r:embed="rId2">
-            <a:extLst>
-              <a:ext uri="{28A0092B-C50C-407E-A947-70E740481C1C}">
-                <a14:useLocalDpi xmlns:a14="http://schemas.microsoft.com/office/drawing/2010/main" val="0"/>
-              </a:ext>
-            </a:extLst>
-          </a:blip>
+          <a:blip r:embed="rId3"/>
           <a:stretch>
             <a:fillRect/>
           </a:stretch>
         </p:blipFill>
         <p:spPr>
           <a:xfrm>
-            <a:off x="2328862" y="2289124"/>
-            <a:ext cx="7534275" cy="3057525"/>
+            <a:off x="1447801" y="1888423"/>
+            <a:ext cx="9067799" cy="3897581"/>
           </a:xfrm>
+          <a:prstGeom prst="rect">
+            <a:avLst/>
+          </a:prstGeom>
         </p:spPr>
       </p:pic>
     </p:spTree>
@@ -10633,30 +13100,30 @@
           <a:lstStyle/>
           <a:p>
             <a:r>
-              <a:rPr lang="de-DE" dirty="0"/>
+              <a:rPr lang="de-DE"/>
               <a:t>State </a:t>
             </a:r>
             <a:r>
-              <a:rPr lang="de-DE" dirty="0" err="1"/>
+              <a:rPr lang="de-DE" err="1"/>
               <a:t>machine</a:t>
             </a:r>
             <a:r>
-              <a:rPr lang="de-DE" dirty="0"/>
+              <a:rPr lang="de-DE"/>
               <a:t> </a:t>
             </a:r>
             <a:r>
-              <a:rPr lang="de-DE" dirty="0" err="1"/>
+              <a:rPr lang="de-DE" err="1"/>
               <a:t>object</a:t>
             </a:r>
             <a:r>
-              <a:rPr lang="de-DE" dirty="0"/>
+              <a:rPr lang="de-DE"/>
               <a:t> </a:t>
             </a:r>
             <a:r>
-              <a:rPr lang="de-DE" dirty="0" err="1"/>
+              <a:rPr lang="de-DE" err="1"/>
               <a:t>recognition</a:t>
             </a:r>
-            <a:endParaRPr lang="de-DE" dirty="0"/>
+            <a:endParaRPr lang="de-DE"/>
           </a:p>
         </p:txBody>
       </p:sp>
@@ -10730,7 +13197,7 @@
           <p:cNvPr id="2" name="Titel 1">
             <a:extLst>
               <a:ext uri="{FF2B5EF4-FFF2-40B4-BE49-F238E27FC236}">
-                <a16:creationId xmlns:a16="http://schemas.microsoft.com/office/drawing/2014/main" id="{3E7D0B69-5943-43F1-B43E-29895EFDF125}"/>
+                <a16:creationId xmlns:a16="http://schemas.microsoft.com/office/drawing/2014/main" id="{441AF742-F6EF-4EFB-B56C-69288B309786}"/>
               </a:ext>
             </a:extLst>
           </p:cNvPr>
@@ -10747,30 +13214,21 @@
           <a:lstStyle/>
           <a:p>
             <a:r>
-              <a:rPr lang="de-DE" dirty="0" err="1"/>
-              <a:t>Schematic</a:t>
-            </a:r>
-            <a:r>
-              <a:rPr lang="de-DE" dirty="0"/>
-              <a:t> </a:t>
-            </a:r>
-            <a:r>
-              <a:rPr lang="de-DE" dirty="0" err="1"/>
-              <a:t>rescue</a:t>
-            </a:r>
-            <a:r>
-              <a:rPr lang="de-DE" dirty="0"/>
-              <a:t> bot</a:t>
-            </a:r>
+              <a:rPr lang="de-DE">
+                <a:ea typeface="Source Sans Pro"/>
+              </a:rPr>
+              <a:t>Paper Prototype</a:t>
+            </a:r>
+            <a:endParaRPr lang="de-DE"/>
           </a:p>
         </p:txBody>
       </p:sp>
       <p:pic>
         <p:nvPicPr>
-          <p:cNvPr id="9" name="Inhaltsplatzhalter 8" descr="Ein Bild, das Text, Karte enthält.&#10;&#10;Automatisch generierte Beschreibung">
+          <p:cNvPr id="4" name="Grafik 4" descr="Ein Bild, das Spielzeug, sitzend, Licht, LKW enthält.&#10;&#10;Beschreibung automatisch generiert.">
             <a:extLst>
               <a:ext uri="{FF2B5EF4-FFF2-40B4-BE49-F238E27FC236}">
-                <a16:creationId xmlns:a16="http://schemas.microsoft.com/office/drawing/2014/main" id="{353A8565-2556-43E4-B8E6-8CD62151C6BC}"/>
+                <a16:creationId xmlns:a16="http://schemas.microsoft.com/office/drawing/2014/main" id="{EAFD8CA0-2B42-4359-9097-C59916CDD5CF}"/>
               </a:ext>
             </a:extLst>
           </p:cNvPr>
@@ -10782,28 +13240,243 @@
           </p:nvPr>
         </p:nvPicPr>
         <p:blipFill>
-          <a:blip r:embed="rId2">
-            <a:extLst>
-              <a:ext uri="{28A0092B-C50C-407E-A947-70E740481C1C}">
-                <a14:useLocalDpi xmlns:a14="http://schemas.microsoft.com/office/drawing/2010/main" val="0"/>
-              </a:ext>
-            </a:extLst>
-          </a:blip>
+          <a:blip r:embed="rId3"/>
           <a:stretch>
             <a:fillRect/>
           </a:stretch>
         </p:blipFill>
         <p:spPr>
           <a:xfrm>
-            <a:off x="2732466" y="1574611"/>
-            <a:ext cx="6496976" cy="4680000"/>
+            <a:off x="4165070" y="1929741"/>
+            <a:ext cx="6887033" cy="4104983"/>
           </a:xfrm>
         </p:spPr>
       </p:pic>
+      <p:sp>
+        <p:nvSpPr>
+          <p:cNvPr id="6" name="Inhaltsplatzhalter 2">
+            <a:extLst>
+              <a:ext uri="{FF2B5EF4-FFF2-40B4-BE49-F238E27FC236}">
+                <a16:creationId xmlns:a16="http://schemas.microsoft.com/office/drawing/2014/main" id="{9325716F-3137-4D61-90F4-7AB51F445329}"/>
+              </a:ext>
+            </a:extLst>
+          </p:cNvPr>
+          <p:cNvSpPr txBox="1">
+            <a:spLocks/>
+          </p:cNvSpPr>
+          <p:nvPr/>
+        </p:nvSpPr>
+        <p:spPr>
+          <a:xfrm>
+            <a:off x="498240" y="1948029"/>
+            <a:ext cx="3235701" cy="4031831"/>
+          </a:xfrm>
+          <a:prstGeom prst="rect">
+            <a:avLst/>
+          </a:prstGeom>
+        </p:spPr>
+        <p:txBody>
+          <a:bodyPr vert="horz" lIns="91440" tIns="45720" rIns="91440" bIns="45720" rtlCol="0" anchor="t">
+            <a:normAutofit/>
+          </a:bodyPr>
+          <a:lstStyle>
+            <a:lvl1pPr marL="342900" indent="-342900" algn="l" defTabSz="457200" rtl="0" eaLnBrk="1" latinLnBrk="0" hangingPunct="1">
+              <a:spcBef>
+                <a:spcPct val="20000"/>
+              </a:spcBef>
+              <a:buFont typeface="Arial"/>
+              <a:buChar char="•"/>
+              <a:defRPr sz="3200" b="0" i="0" kern="1200">
+                <a:solidFill>
+                  <a:schemeClr val="tx1"/>
+                </a:solidFill>
+                <a:latin typeface="Source Sans Pro"/>
+                <a:ea typeface="+mn-ea"/>
+                <a:cs typeface="Source Sans Pro"/>
+              </a:defRPr>
+            </a:lvl1pPr>
+            <a:lvl2pPr marL="742950" indent="-285750" algn="l" defTabSz="457200" rtl="0" eaLnBrk="1" latinLnBrk="0" hangingPunct="1">
+              <a:spcBef>
+                <a:spcPct val="20000"/>
+              </a:spcBef>
+              <a:buFont typeface="Arial"/>
+              <a:buChar char="–"/>
+              <a:defRPr sz="2800" b="0" i="0" kern="1200">
+                <a:solidFill>
+                  <a:schemeClr val="tx1"/>
+                </a:solidFill>
+                <a:latin typeface="Source Sans Pro"/>
+                <a:ea typeface="+mn-ea"/>
+                <a:cs typeface="Source Sans Pro"/>
+              </a:defRPr>
+            </a:lvl2pPr>
+            <a:lvl3pPr marL="1143000" indent="-228600" algn="l" defTabSz="457200" rtl="0" eaLnBrk="1" latinLnBrk="0" hangingPunct="1">
+              <a:spcBef>
+                <a:spcPct val="20000"/>
+              </a:spcBef>
+              <a:buFont typeface="Arial"/>
+              <a:buChar char="•"/>
+              <a:defRPr sz="2400" b="0" i="0" kern="1200">
+                <a:solidFill>
+                  <a:schemeClr val="tx1"/>
+                </a:solidFill>
+                <a:latin typeface="Source Sans Pro"/>
+                <a:ea typeface="+mn-ea"/>
+                <a:cs typeface="Source Sans Pro"/>
+              </a:defRPr>
+            </a:lvl3pPr>
+            <a:lvl4pPr marL="1600200" indent="-228600" algn="l" defTabSz="457200" rtl="0" eaLnBrk="1" latinLnBrk="0" hangingPunct="1">
+              <a:spcBef>
+                <a:spcPct val="20000"/>
+              </a:spcBef>
+              <a:buFont typeface="Arial"/>
+              <a:buChar char="–"/>
+              <a:defRPr sz="2000" b="0" i="0" kern="1200">
+                <a:solidFill>
+                  <a:schemeClr val="tx1"/>
+                </a:solidFill>
+                <a:latin typeface="Source Sans Pro"/>
+                <a:ea typeface="+mn-ea"/>
+                <a:cs typeface="Source Sans Pro"/>
+              </a:defRPr>
+            </a:lvl4pPr>
+            <a:lvl5pPr marL="2057400" indent="-228600" algn="l" defTabSz="457200" rtl="0" eaLnBrk="1" latinLnBrk="0" hangingPunct="1">
+              <a:spcBef>
+                <a:spcPct val="20000"/>
+              </a:spcBef>
+              <a:buFont typeface="Arial"/>
+              <a:buChar char="»"/>
+              <a:defRPr sz="2000" b="0" i="0" kern="1200">
+                <a:solidFill>
+                  <a:schemeClr val="tx1"/>
+                </a:solidFill>
+                <a:latin typeface="Source Sans Pro"/>
+                <a:ea typeface="+mn-ea"/>
+                <a:cs typeface="Source Sans Pro"/>
+              </a:defRPr>
+            </a:lvl5pPr>
+            <a:lvl6pPr marL="2514600" indent="-228600" algn="l" defTabSz="457200" rtl="0" eaLnBrk="1" latinLnBrk="0" hangingPunct="1">
+              <a:spcBef>
+                <a:spcPct val="20000"/>
+              </a:spcBef>
+              <a:buFont typeface="Arial"/>
+              <a:buChar char="•"/>
+              <a:defRPr sz="2000" kern="1200">
+                <a:solidFill>
+                  <a:schemeClr val="tx1"/>
+                </a:solidFill>
+                <a:latin typeface="+mn-lt"/>
+                <a:ea typeface="+mn-ea"/>
+                <a:cs typeface="+mn-cs"/>
+              </a:defRPr>
+            </a:lvl6pPr>
+            <a:lvl7pPr marL="2971800" indent="-228600" algn="l" defTabSz="457200" rtl="0" eaLnBrk="1" latinLnBrk="0" hangingPunct="1">
+              <a:spcBef>
+                <a:spcPct val="20000"/>
+              </a:spcBef>
+              <a:buFont typeface="Arial"/>
+              <a:buChar char="•"/>
+              <a:defRPr sz="2000" kern="1200">
+                <a:solidFill>
+                  <a:schemeClr val="tx1"/>
+                </a:solidFill>
+                <a:latin typeface="+mn-lt"/>
+                <a:ea typeface="+mn-ea"/>
+                <a:cs typeface="+mn-cs"/>
+              </a:defRPr>
+            </a:lvl7pPr>
+            <a:lvl8pPr marL="3429000" indent="-228600" algn="l" defTabSz="457200" rtl="0" eaLnBrk="1" latinLnBrk="0" hangingPunct="1">
+              <a:spcBef>
+                <a:spcPct val="20000"/>
+              </a:spcBef>
+              <a:buFont typeface="Arial"/>
+              <a:buChar char="•"/>
+              <a:defRPr sz="2000" kern="1200">
+                <a:solidFill>
+                  <a:schemeClr val="tx1"/>
+                </a:solidFill>
+                <a:latin typeface="+mn-lt"/>
+                <a:ea typeface="+mn-ea"/>
+                <a:cs typeface="+mn-cs"/>
+              </a:defRPr>
+            </a:lvl8pPr>
+            <a:lvl9pPr marL="3886200" indent="-228600" algn="l" defTabSz="457200" rtl="0" eaLnBrk="1" latinLnBrk="0" hangingPunct="1">
+              <a:spcBef>
+                <a:spcPct val="20000"/>
+              </a:spcBef>
+              <a:buFont typeface="Arial"/>
+              <a:buChar char="•"/>
+              <a:defRPr sz="2000" kern="1200">
+                <a:solidFill>
+                  <a:schemeClr val="tx1"/>
+                </a:solidFill>
+                <a:latin typeface="+mn-lt"/>
+                <a:ea typeface="+mn-ea"/>
+                <a:cs typeface="+mn-cs"/>
+              </a:defRPr>
+            </a:lvl9pPr>
+          </a:lstStyle>
+          <a:p>
+            <a:r>
+              <a:rPr lang="de-DE" sz="2400">
+                <a:ea typeface="Source Sans Pro"/>
+              </a:rPr>
+              <a:t>Erste Designidee</a:t>
+            </a:r>
+            <a:endParaRPr lang="de-DE">
+              <a:ea typeface="Source Sans Pro"/>
+            </a:endParaRPr>
+          </a:p>
+          <a:p>
+            <a:pPr>
+              <a:buFont typeface="Arial"/>
+              <a:buChar char="•"/>
+            </a:pPr>
+            <a:r>
+              <a:rPr lang="de-DE" sz="2400">
+                <a:ea typeface="Source Sans Pro"/>
+              </a:rPr>
+              <a:t>Kettenantrieb</a:t>
+            </a:r>
+          </a:p>
+          <a:p>
+            <a:r>
+              <a:rPr lang="de-DE" sz="2400">
+                <a:ea typeface="Source Sans Pro"/>
+              </a:rPr>
+              <a:t>4 Schallsensoren</a:t>
+            </a:r>
+          </a:p>
+          <a:p>
+            <a:r>
+              <a:rPr lang="de-DE" sz="2400">
+                <a:ea typeface="Source Sans Pro"/>
+              </a:rPr>
+              <a:t>Kamera</a:t>
+            </a:r>
+          </a:p>
+          <a:p>
+            <a:r>
+              <a:rPr lang="de-DE" sz="2400">
+                <a:ea typeface="Source Sans Pro"/>
+              </a:rPr>
+              <a:t>Ablage für Erste-Hilfe-Set</a:t>
+            </a:r>
+          </a:p>
+          <a:p>
+            <a:pPr marL="0" indent="0">
+              <a:buNone/>
+            </a:pPr>
+            <a:endParaRPr lang="de-DE">
+              <a:ea typeface="Source Sans Pro"/>
+            </a:endParaRPr>
+          </a:p>
+        </p:txBody>
+      </p:sp>
     </p:spTree>
     <p:extLst>
       <p:ext uri="{BB962C8B-B14F-4D97-AF65-F5344CB8AC3E}">
-        <p14:creationId xmlns:p14="http://schemas.microsoft.com/office/powerpoint/2010/main" val="3358593149"/>
+        <p14:creationId xmlns:p14="http://schemas.microsoft.com/office/powerpoint/2010/main" val="2165090476"/>
       </p:ext>
     </p:extLst>
   </p:cSld>
@@ -10835,7 +13508,7 @@
           <p:cNvPr id="2" name="Titel 1">
             <a:extLst>
               <a:ext uri="{FF2B5EF4-FFF2-40B4-BE49-F238E27FC236}">
-                <a16:creationId xmlns:a16="http://schemas.microsoft.com/office/drawing/2014/main" id="{130CE3C9-42CB-4AEA-8F5D-676F5C5D3923}"/>
+                <a16:creationId xmlns:a16="http://schemas.microsoft.com/office/drawing/2014/main" id="{E4B03105-3F24-4845-B52D-40A9F8EF4ABE}"/>
               </a:ext>
             </a:extLst>
           </p:cNvPr>
@@ -10852,22 +13525,20 @@
           <a:lstStyle/>
           <a:p>
             <a:r>
-              <a:rPr lang="de-DE" dirty="0" err="1"/>
-              <a:t>Schematic</a:t>
-            </a:r>
-            <a:r>
-              <a:rPr lang="de-DE" dirty="0"/>
-              <a:t> Remote Control</a:t>
+              <a:rPr lang="de-DE">
+                <a:ea typeface="Source Sans Pro"/>
+              </a:rPr>
+              <a:t>3D-Modell</a:t>
             </a:r>
           </a:p>
         </p:txBody>
       </p:sp>
       <p:pic>
         <p:nvPicPr>
-          <p:cNvPr id="8" name="Inhaltsplatzhalter 7" descr="Ein Bild, das Text, Karte enthält.&#10;&#10;Automatisch generierte Beschreibung">
+          <p:cNvPr id="4" name="Grafik 4" descr="Ein Bild, das Kuchen, Spielzeug, Tisch, sitzend enthält.&#10;&#10;Beschreibung automatisch generiert.">
             <a:extLst>
               <a:ext uri="{FF2B5EF4-FFF2-40B4-BE49-F238E27FC236}">
-                <a16:creationId xmlns:a16="http://schemas.microsoft.com/office/drawing/2014/main" id="{95492A98-F791-4C0B-A1E5-597624A8A907}"/>
+                <a16:creationId xmlns:a16="http://schemas.microsoft.com/office/drawing/2014/main" id="{168B0FB2-F699-4E26-B5CC-88F3BE76FE73}"/>
               </a:ext>
             </a:extLst>
           </p:cNvPr>
@@ -10878,29 +13549,1051 @@
             <p:ph idx="1"/>
           </p:nvPr>
         </p:nvPicPr>
-        <p:blipFill>
-          <a:blip r:embed="rId2">
+        <p:blipFill rotWithShape="1">
+          <a:blip r:embed="rId3"/>
+          <a:srcRect r="9772" b="-45"/>
+          <a:stretch/>
+        </p:blipFill>
+        <p:spPr>
+          <a:xfrm>
+            <a:off x="5408732" y="881229"/>
+            <a:ext cx="5801356" cy="5143616"/>
+          </a:xfrm>
+        </p:spPr>
+      </p:pic>
+      <p:pic>
+        <p:nvPicPr>
+          <p:cNvPr id="5" name="Grafik 5" descr="Ein Bild, das Spielzeug enthält.&#10;&#10;Beschreibung automatisch generiert.">
             <a:extLst>
-              <a:ext uri="{28A0092B-C50C-407E-A947-70E740481C1C}">
-                <a14:useLocalDpi xmlns:a14="http://schemas.microsoft.com/office/drawing/2010/main" val="0"/>
+              <a:ext uri="{FF2B5EF4-FFF2-40B4-BE49-F238E27FC236}">
+                <a16:creationId xmlns:a16="http://schemas.microsoft.com/office/drawing/2014/main" id="{6B87FE09-4205-433A-811D-A3E35F7494A2}"/>
               </a:ext>
             </a:extLst>
-          </a:blip>
+          </p:cNvPr>
+          <p:cNvPicPr>
+            <a:picLocks noChangeAspect="1"/>
+          </p:cNvPicPr>
+          <p:nvPr/>
+        </p:nvPicPr>
+        <p:blipFill rotWithShape="1">
+          <a:blip r:embed="rId4"/>
+          <a:srcRect l="26644" t="-386" r="11324" b="645"/>
+          <a:stretch/>
+        </p:blipFill>
+        <p:spPr>
+          <a:xfrm>
+            <a:off x="890016" y="1901571"/>
+            <a:ext cx="4541532" cy="4123143"/>
+          </a:xfrm>
+          <a:prstGeom prst="rect">
+            <a:avLst/>
+          </a:prstGeom>
+        </p:spPr>
+      </p:pic>
+      <p:cxnSp>
+        <p:nvCxnSpPr>
+          <p:cNvPr id="6" name="Gerade Verbindung mit Pfeil 5">
+            <a:extLst>
+              <a:ext uri="{FF2B5EF4-FFF2-40B4-BE49-F238E27FC236}">
+                <a16:creationId xmlns:a16="http://schemas.microsoft.com/office/drawing/2014/main" id="{42D9878A-9ED7-480B-9D53-8BB11B07D642}"/>
+              </a:ext>
+            </a:extLst>
+          </p:cNvPr>
+          <p:cNvCxnSpPr/>
+          <p:nvPr/>
+        </p:nvCxnSpPr>
+        <p:spPr>
+          <a:xfrm>
+            <a:off x="7363968" y="2941320"/>
+            <a:ext cx="1024128" cy="548640"/>
+          </a:xfrm>
+          <a:prstGeom prst="straightConnector1">
+            <a:avLst/>
+          </a:prstGeom>
+          <a:ln>
+            <a:tailEnd type="triangle"/>
+          </a:ln>
+        </p:spPr>
+        <p:style>
+          <a:lnRef idx="2">
+            <a:schemeClr val="accent1"/>
+          </a:lnRef>
+          <a:fillRef idx="0">
+            <a:schemeClr val="accent1"/>
+          </a:fillRef>
+          <a:effectRef idx="1">
+            <a:schemeClr val="accent1"/>
+          </a:effectRef>
+          <a:fontRef idx="minor">
+            <a:schemeClr val="tx1"/>
+          </a:fontRef>
+        </p:style>
+      </p:cxnSp>
+      <p:sp>
+        <p:nvSpPr>
+          <p:cNvPr id="7" name="Textfeld 6">
+            <a:extLst>
+              <a:ext uri="{FF2B5EF4-FFF2-40B4-BE49-F238E27FC236}">
+                <a16:creationId xmlns:a16="http://schemas.microsoft.com/office/drawing/2014/main" id="{A83E5ED5-C913-4304-8A7D-19BBBCF33A61}"/>
+              </a:ext>
+            </a:extLst>
+          </p:cNvPr>
+          <p:cNvSpPr txBox="1"/>
+          <p:nvPr/>
+        </p:nvSpPr>
+        <p:spPr>
+          <a:xfrm>
+            <a:off x="6458331" y="2691002"/>
+            <a:ext cx="1194816" cy="375428"/>
+          </a:xfrm>
+          <a:prstGeom prst="rect">
+            <a:avLst/>
+          </a:prstGeom>
+          <a:noFill/>
+        </p:spPr>
+        <p:txBody>
+          <a:bodyPr rot="0" spcFirstLastPara="0" vertOverflow="overflow" horzOverflow="overflow" vert="horz" wrap="square" lIns="91440" tIns="45720" rIns="91440" bIns="45720" numCol="1" spcCol="0" rtlCol="0" fromWordArt="0" anchor="t" anchorCtr="0" forceAA="0" compatLnSpc="1">
+            <a:prstTxWarp prst="textNoShape">
+              <a:avLst/>
+            </a:prstTxWarp>
+            <a:spAutoFit/>
+          </a:bodyPr>
+          <a:lstStyle/>
+          <a:p>
+            <a:pPr algn="l"/>
+            <a:r>
+              <a:rPr lang="de-DE" err="1"/>
+              <a:t>Medikit</a:t>
+            </a:r>
+            <a:endParaRPr lang="de-DE" err="1">
+              <a:cs typeface="Calibri"/>
+            </a:endParaRPr>
+          </a:p>
+        </p:txBody>
+      </p:sp>
+      <p:cxnSp>
+        <p:nvCxnSpPr>
+          <p:cNvPr id="8" name="Gerade Verbindung mit Pfeil 7">
+            <a:extLst>
+              <a:ext uri="{FF2B5EF4-FFF2-40B4-BE49-F238E27FC236}">
+                <a16:creationId xmlns:a16="http://schemas.microsoft.com/office/drawing/2014/main" id="{E885363D-FFA1-4B15-9F0D-CFA1452D00E2}"/>
+              </a:ext>
+            </a:extLst>
+          </p:cNvPr>
+          <p:cNvCxnSpPr/>
+          <p:nvPr/>
+        </p:nvCxnSpPr>
+        <p:spPr>
+          <a:xfrm flipH="1" flipV="1">
+            <a:off x="3778758" y="5129022"/>
+            <a:ext cx="1889760" cy="566928"/>
+          </a:xfrm>
+          <a:prstGeom prst="straightConnector1">
+            <a:avLst/>
+          </a:prstGeom>
+          <a:ln>
+            <a:tailEnd type="triangle"/>
+          </a:ln>
+        </p:spPr>
+        <p:style>
+          <a:lnRef idx="2">
+            <a:schemeClr val="accent1"/>
+          </a:lnRef>
+          <a:fillRef idx="0">
+            <a:schemeClr val="accent1"/>
+          </a:fillRef>
+          <a:effectRef idx="1">
+            <a:schemeClr val="accent1"/>
+          </a:effectRef>
+          <a:fontRef idx="minor">
+            <a:schemeClr val="tx1"/>
+          </a:fontRef>
+        </p:style>
+      </p:cxnSp>
+      <p:sp>
+        <p:nvSpPr>
+          <p:cNvPr id="9" name="Textfeld 8">
+            <a:extLst>
+              <a:ext uri="{FF2B5EF4-FFF2-40B4-BE49-F238E27FC236}">
+                <a16:creationId xmlns:a16="http://schemas.microsoft.com/office/drawing/2014/main" id="{8D537554-4DCB-4B9A-929C-7CA265D9A3F3}"/>
+              </a:ext>
+            </a:extLst>
+          </p:cNvPr>
+          <p:cNvSpPr txBox="1"/>
+          <p:nvPr/>
+        </p:nvSpPr>
+        <p:spPr>
+          <a:xfrm>
+            <a:off x="5623178" y="5354954"/>
+            <a:ext cx="1194816" cy="646331"/>
+          </a:xfrm>
+          <a:prstGeom prst="rect">
+            <a:avLst/>
+          </a:prstGeom>
+          <a:noFill/>
+        </p:spPr>
+        <p:txBody>
+          <a:bodyPr rot="0" spcFirstLastPara="0" vertOverflow="overflow" horzOverflow="overflow" vert="horz" wrap="square" lIns="91440" tIns="45720" rIns="91440" bIns="45720" numCol="1" spcCol="0" rtlCol="0" fromWordArt="0" anchor="t" anchorCtr="0" forceAA="0" compatLnSpc="1">
+            <a:prstTxWarp prst="textNoShape">
+              <a:avLst/>
+            </a:prstTxWarp>
+            <a:spAutoFit/>
+          </a:bodyPr>
+          <a:lstStyle/>
+          <a:p>
+            <a:pPr algn="l"/>
+            <a:r>
+              <a:rPr lang="de-DE"/>
+              <a:t>Ultraschallsensoren</a:t>
+            </a:r>
+            <a:endParaRPr lang="de-DE">
+              <a:cs typeface="Calibri"/>
+            </a:endParaRPr>
+          </a:p>
+        </p:txBody>
+      </p:sp>
+      <p:cxnSp>
+        <p:nvCxnSpPr>
+          <p:cNvPr id="10" name="Gerade Verbindung mit Pfeil 9">
+            <a:extLst>
+              <a:ext uri="{FF2B5EF4-FFF2-40B4-BE49-F238E27FC236}">
+                <a16:creationId xmlns:a16="http://schemas.microsoft.com/office/drawing/2014/main" id="{7D0A9339-CA56-40D2-B86E-58D5D691F161}"/>
+              </a:ext>
+            </a:extLst>
+          </p:cNvPr>
+          <p:cNvCxnSpPr/>
+          <p:nvPr/>
+        </p:nvCxnSpPr>
+        <p:spPr>
+          <a:xfrm flipH="1" flipV="1">
+            <a:off x="4384929" y="4662296"/>
+            <a:ext cx="1274064" cy="859536"/>
+          </a:xfrm>
+          <a:prstGeom prst="straightConnector1">
+            <a:avLst/>
+          </a:prstGeom>
+          <a:ln>
+            <a:tailEnd type="triangle"/>
+          </a:ln>
+        </p:spPr>
+        <p:style>
+          <a:lnRef idx="2">
+            <a:schemeClr val="accent1"/>
+          </a:lnRef>
+          <a:fillRef idx="0">
+            <a:schemeClr val="accent1"/>
+          </a:fillRef>
+          <a:effectRef idx="1">
+            <a:schemeClr val="accent1"/>
+          </a:effectRef>
+          <a:fontRef idx="minor">
+            <a:schemeClr val="tx1"/>
+          </a:fontRef>
+        </p:style>
+      </p:cxnSp>
+      <p:cxnSp>
+        <p:nvCxnSpPr>
+          <p:cNvPr id="11" name="Gerade Verbindung mit Pfeil 10">
+            <a:extLst>
+              <a:ext uri="{FF2B5EF4-FFF2-40B4-BE49-F238E27FC236}">
+                <a16:creationId xmlns:a16="http://schemas.microsoft.com/office/drawing/2014/main" id="{8C3FC238-D77E-4CD4-9EA0-76266723AC05}"/>
+              </a:ext>
+            </a:extLst>
+          </p:cNvPr>
+          <p:cNvCxnSpPr/>
+          <p:nvPr/>
+        </p:nvCxnSpPr>
+        <p:spPr>
+          <a:xfrm flipV="1">
+            <a:off x="6716268" y="4360164"/>
+            <a:ext cx="2974848" cy="1182624"/>
+          </a:xfrm>
+          <a:prstGeom prst="straightConnector1">
+            <a:avLst/>
+          </a:prstGeom>
+          <a:ln>
+            <a:tailEnd type="triangle"/>
+          </a:ln>
+        </p:spPr>
+        <p:style>
+          <a:lnRef idx="2">
+            <a:schemeClr val="accent1"/>
+          </a:lnRef>
+          <a:fillRef idx="0">
+            <a:schemeClr val="accent1"/>
+          </a:fillRef>
+          <a:effectRef idx="1">
+            <a:schemeClr val="accent1"/>
+          </a:effectRef>
+          <a:fontRef idx="minor">
+            <a:schemeClr val="tx1"/>
+          </a:fontRef>
+        </p:style>
+      </p:cxnSp>
+      <p:cxnSp>
+        <p:nvCxnSpPr>
+          <p:cNvPr id="12" name="Gerade Verbindung mit Pfeil 11">
+            <a:extLst>
+              <a:ext uri="{FF2B5EF4-FFF2-40B4-BE49-F238E27FC236}">
+                <a16:creationId xmlns:a16="http://schemas.microsoft.com/office/drawing/2014/main" id="{89AFB134-3816-4DE3-803C-BE6029A4E012}"/>
+              </a:ext>
+            </a:extLst>
+          </p:cNvPr>
+          <p:cNvCxnSpPr/>
+          <p:nvPr/>
+        </p:nvCxnSpPr>
+        <p:spPr>
+          <a:xfrm flipV="1">
+            <a:off x="6633591" y="4210431"/>
+            <a:ext cx="3761232" cy="1633728"/>
+          </a:xfrm>
+          <a:prstGeom prst="straightConnector1">
+            <a:avLst/>
+          </a:prstGeom>
+          <a:ln>
+            <a:tailEnd type="triangle"/>
+          </a:ln>
+        </p:spPr>
+        <p:style>
+          <a:lnRef idx="2">
+            <a:schemeClr val="accent1"/>
+          </a:lnRef>
+          <a:fillRef idx="0">
+            <a:schemeClr val="accent1"/>
+          </a:fillRef>
+          <a:effectRef idx="1">
+            <a:schemeClr val="accent1"/>
+          </a:effectRef>
+          <a:fontRef idx="minor">
+            <a:schemeClr val="tx1"/>
+          </a:fontRef>
+        </p:style>
+      </p:cxnSp>
+      <p:cxnSp>
+        <p:nvCxnSpPr>
+          <p:cNvPr id="13" name="Gerade Verbindung mit Pfeil 12">
+            <a:extLst>
+              <a:ext uri="{FF2B5EF4-FFF2-40B4-BE49-F238E27FC236}">
+                <a16:creationId xmlns:a16="http://schemas.microsoft.com/office/drawing/2014/main" id="{CF13E65F-9866-40B0-A205-9F94C4DA68AC}"/>
+              </a:ext>
+            </a:extLst>
+          </p:cNvPr>
+          <p:cNvCxnSpPr/>
+          <p:nvPr/>
+        </p:nvCxnSpPr>
+        <p:spPr>
+          <a:xfrm flipH="1">
+            <a:off x="9812274" y="2829306"/>
+            <a:ext cx="560832" cy="859536"/>
+          </a:xfrm>
+          <a:prstGeom prst="straightConnector1">
+            <a:avLst/>
+          </a:prstGeom>
+          <a:ln>
+            <a:tailEnd type="triangle"/>
+          </a:ln>
+        </p:spPr>
+        <p:style>
+          <a:lnRef idx="2">
+            <a:schemeClr val="accent1"/>
+          </a:lnRef>
+          <a:fillRef idx="0">
+            <a:schemeClr val="accent1"/>
+          </a:fillRef>
+          <a:effectRef idx="1">
+            <a:schemeClr val="accent1"/>
+          </a:effectRef>
+          <a:fontRef idx="minor">
+            <a:schemeClr val="tx1"/>
+          </a:fontRef>
+        </p:style>
+      </p:cxnSp>
+      <p:sp>
+        <p:nvSpPr>
+          <p:cNvPr id="14" name="Textfeld 13">
+            <a:extLst>
+              <a:ext uri="{FF2B5EF4-FFF2-40B4-BE49-F238E27FC236}">
+                <a16:creationId xmlns:a16="http://schemas.microsoft.com/office/drawing/2014/main" id="{26CCBE4B-4DAC-44B1-BEC9-FF9BD547902E}"/>
+              </a:ext>
+            </a:extLst>
+          </p:cNvPr>
+          <p:cNvSpPr txBox="1"/>
+          <p:nvPr/>
+        </p:nvSpPr>
+        <p:spPr>
+          <a:xfrm>
+            <a:off x="10091546" y="2502026"/>
+            <a:ext cx="1194816" cy="375428"/>
+          </a:xfrm>
+          <a:prstGeom prst="rect">
+            <a:avLst/>
+          </a:prstGeom>
+          <a:noFill/>
+        </p:spPr>
+        <p:txBody>
+          <a:bodyPr rot="0" spcFirstLastPara="0" vertOverflow="overflow" horzOverflow="overflow" vert="horz" wrap="square" lIns="91440" tIns="45720" rIns="91440" bIns="45720" numCol="1" spcCol="0" rtlCol="0" fromWordArt="0" anchor="t" anchorCtr="0" forceAA="0" compatLnSpc="1">
+            <a:prstTxWarp prst="textNoShape">
+              <a:avLst/>
+            </a:prstTxWarp>
+            <a:spAutoFit/>
+          </a:bodyPr>
+          <a:lstStyle/>
+          <a:p>
+            <a:pPr algn="l"/>
+            <a:r>
+              <a:rPr lang="de-DE">
+                <a:cs typeface="Calibri"/>
+              </a:rPr>
+              <a:t>Drehteller</a:t>
+            </a:r>
+          </a:p>
+        </p:txBody>
+      </p:sp>
+      <p:sp>
+        <p:nvSpPr>
+          <p:cNvPr id="15" name="Textfeld 14">
+            <a:extLst>
+              <a:ext uri="{FF2B5EF4-FFF2-40B4-BE49-F238E27FC236}">
+                <a16:creationId xmlns:a16="http://schemas.microsoft.com/office/drawing/2014/main" id="{D7FAD874-5BCB-4944-B3C4-7E034F6BAF9D}"/>
+              </a:ext>
+            </a:extLst>
+          </p:cNvPr>
+          <p:cNvSpPr txBox="1"/>
+          <p:nvPr/>
+        </p:nvSpPr>
+        <p:spPr>
+          <a:xfrm>
+            <a:off x="9865994" y="1014602"/>
+            <a:ext cx="1194816" cy="923330"/>
+          </a:xfrm>
+          <a:prstGeom prst="rect">
+            <a:avLst/>
+          </a:prstGeom>
+          <a:noFill/>
+        </p:spPr>
+        <p:txBody>
+          <a:bodyPr rot="0" spcFirstLastPara="0" vertOverflow="overflow" horzOverflow="overflow" vert="horz" wrap="square" lIns="91440" tIns="45720" rIns="91440" bIns="45720" numCol="1" spcCol="0" rtlCol="0" fromWordArt="0" anchor="t" anchorCtr="0" forceAA="0" compatLnSpc="1">
+            <a:prstTxWarp prst="textNoShape">
+              <a:avLst/>
+            </a:prstTxWarp>
+            <a:spAutoFit/>
+          </a:bodyPr>
+          <a:lstStyle/>
+          <a:p>
+            <a:r>
+              <a:rPr lang="de-DE">
+                <a:cs typeface="Calibri"/>
+              </a:rPr>
+              <a:t>Gelenke mit Motoren</a:t>
+            </a:r>
+          </a:p>
+        </p:txBody>
+      </p:sp>
+      <p:cxnSp>
+        <p:nvCxnSpPr>
+          <p:cNvPr id="16" name="Gerade Verbindung mit Pfeil 15">
+            <a:extLst>
+              <a:ext uri="{FF2B5EF4-FFF2-40B4-BE49-F238E27FC236}">
+                <a16:creationId xmlns:a16="http://schemas.microsoft.com/office/drawing/2014/main" id="{7BCA82C4-29BA-46BC-ABC9-765799A741F3}"/>
+              </a:ext>
+            </a:extLst>
+          </p:cNvPr>
+          <p:cNvCxnSpPr/>
+          <p:nvPr/>
+        </p:nvCxnSpPr>
+        <p:spPr>
+          <a:xfrm flipH="1">
+            <a:off x="8680704" y="1344168"/>
+            <a:ext cx="1182624" cy="310896"/>
+          </a:xfrm>
+          <a:prstGeom prst="straightConnector1">
+            <a:avLst/>
+          </a:prstGeom>
+          <a:ln>
+            <a:tailEnd type="triangle"/>
+          </a:ln>
+        </p:spPr>
+        <p:style>
+          <a:lnRef idx="2">
+            <a:schemeClr val="accent1"/>
+          </a:lnRef>
+          <a:fillRef idx="0">
+            <a:schemeClr val="accent1"/>
+          </a:fillRef>
+          <a:effectRef idx="1">
+            <a:schemeClr val="accent1"/>
+          </a:effectRef>
+          <a:fontRef idx="minor">
+            <a:schemeClr val="tx1"/>
+          </a:fontRef>
+        </p:style>
+      </p:cxnSp>
+      <p:cxnSp>
+        <p:nvCxnSpPr>
+          <p:cNvPr id="17" name="Gerade Verbindung mit Pfeil 16">
+            <a:extLst>
+              <a:ext uri="{FF2B5EF4-FFF2-40B4-BE49-F238E27FC236}">
+                <a16:creationId xmlns:a16="http://schemas.microsoft.com/office/drawing/2014/main" id="{593909F3-9BA0-4D2D-B5A5-BBCC8EFE35DD}"/>
+              </a:ext>
+            </a:extLst>
+          </p:cNvPr>
+          <p:cNvCxnSpPr/>
+          <p:nvPr/>
+        </p:nvCxnSpPr>
+        <p:spPr>
+          <a:xfrm flipH="1">
+            <a:off x="9512427" y="1602866"/>
+            <a:ext cx="347472" cy="548640"/>
+          </a:xfrm>
+          <a:prstGeom prst="straightConnector1">
+            <a:avLst/>
+          </a:prstGeom>
+          <a:ln>
+            <a:tailEnd type="triangle"/>
+          </a:ln>
+        </p:spPr>
+        <p:style>
+          <a:lnRef idx="2">
+            <a:schemeClr val="accent1"/>
+          </a:lnRef>
+          <a:fillRef idx="0">
+            <a:schemeClr val="accent1"/>
+          </a:fillRef>
+          <a:effectRef idx="1">
+            <a:schemeClr val="accent1"/>
+          </a:effectRef>
+          <a:fontRef idx="minor">
+            <a:schemeClr val="tx1"/>
+          </a:fontRef>
+        </p:style>
+      </p:cxnSp>
+      <p:cxnSp>
+        <p:nvCxnSpPr>
+          <p:cNvPr id="18" name="Gerade Verbindung mit Pfeil 17">
+            <a:extLst>
+              <a:ext uri="{FF2B5EF4-FFF2-40B4-BE49-F238E27FC236}">
+                <a16:creationId xmlns:a16="http://schemas.microsoft.com/office/drawing/2014/main" id="{55E8658B-79EB-4494-B904-46DB542F397A}"/>
+              </a:ext>
+            </a:extLst>
+          </p:cNvPr>
+          <p:cNvCxnSpPr/>
+          <p:nvPr/>
+        </p:nvCxnSpPr>
+        <p:spPr>
+          <a:xfrm flipH="1">
+            <a:off x="9728454" y="1898142"/>
+            <a:ext cx="195072" cy="1603248"/>
+          </a:xfrm>
+          <a:prstGeom prst="straightConnector1">
+            <a:avLst/>
+          </a:prstGeom>
+          <a:ln>
+            <a:tailEnd type="triangle"/>
+          </a:ln>
+        </p:spPr>
+        <p:style>
+          <a:lnRef idx="2">
+            <a:schemeClr val="accent1"/>
+          </a:lnRef>
+          <a:fillRef idx="0">
+            <a:schemeClr val="accent1"/>
+          </a:fillRef>
+          <a:effectRef idx="1">
+            <a:schemeClr val="accent1"/>
+          </a:effectRef>
+          <a:fontRef idx="minor">
+            <a:schemeClr val="tx1"/>
+          </a:fontRef>
+        </p:style>
+      </p:cxnSp>
+      <p:cxnSp>
+        <p:nvCxnSpPr>
+          <p:cNvPr id="19" name="Gerade Verbindung mit Pfeil 18">
+            <a:extLst>
+              <a:ext uri="{FF2B5EF4-FFF2-40B4-BE49-F238E27FC236}">
+                <a16:creationId xmlns:a16="http://schemas.microsoft.com/office/drawing/2014/main" id="{408D493D-1E7E-497F-B8F9-79D6A1694269}"/>
+              </a:ext>
+            </a:extLst>
+          </p:cNvPr>
+          <p:cNvCxnSpPr/>
+          <p:nvPr/>
+        </p:nvCxnSpPr>
+        <p:spPr>
+          <a:xfrm flipH="1" flipV="1">
+            <a:off x="3062097" y="3534536"/>
+            <a:ext cx="2115312" cy="79248"/>
+          </a:xfrm>
+          <a:prstGeom prst="straightConnector1">
+            <a:avLst/>
+          </a:prstGeom>
+          <a:ln>
+            <a:tailEnd type="triangle"/>
+          </a:ln>
+        </p:spPr>
+        <p:style>
+          <a:lnRef idx="2">
+            <a:schemeClr val="accent1"/>
+          </a:lnRef>
+          <a:fillRef idx="0">
+            <a:schemeClr val="accent1"/>
+          </a:fillRef>
+          <a:effectRef idx="1">
+            <a:schemeClr val="accent1"/>
+          </a:effectRef>
+          <a:fontRef idx="minor">
+            <a:schemeClr val="tx1"/>
+          </a:fontRef>
+        </p:style>
+      </p:cxnSp>
+      <p:sp>
+        <p:nvSpPr>
+          <p:cNvPr id="20" name="Textfeld 19">
+            <a:extLst>
+              <a:ext uri="{FF2B5EF4-FFF2-40B4-BE49-F238E27FC236}">
+                <a16:creationId xmlns:a16="http://schemas.microsoft.com/office/drawing/2014/main" id="{D23073A9-E7CC-4B7F-ADA8-258347AB7DF3}"/>
+              </a:ext>
+            </a:extLst>
+          </p:cNvPr>
+          <p:cNvSpPr txBox="1"/>
+          <p:nvPr/>
+        </p:nvSpPr>
+        <p:spPr>
+          <a:xfrm>
+            <a:off x="5226938" y="3404234"/>
+            <a:ext cx="1962912" cy="646331"/>
+          </a:xfrm>
+          <a:prstGeom prst="rect">
+            <a:avLst/>
+          </a:prstGeom>
+          <a:noFill/>
+        </p:spPr>
+        <p:txBody>
+          <a:bodyPr rot="0" spcFirstLastPara="0" vertOverflow="overflow" horzOverflow="overflow" vert="horz" wrap="square" lIns="91440" tIns="45720" rIns="91440" bIns="45720" numCol="1" spcCol="0" rtlCol="0" fromWordArt="0" anchor="t" anchorCtr="0" forceAA="0" compatLnSpc="1">
+            <a:prstTxWarp prst="textNoShape">
+              <a:avLst/>
+            </a:prstTxWarp>
+            <a:spAutoFit/>
+          </a:bodyPr>
+          <a:lstStyle/>
+          <a:p>
+            <a:r>
+              <a:rPr lang="de-DE"/>
+              <a:t>Omnidirektionales Mikrofon</a:t>
+            </a:r>
+            <a:endParaRPr lang="de-DE" err="1">
+              <a:cs typeface="Calibri"/>
+            </a:endParaRPr>
+          </a:p>
+        </p:txBody>
+      </p:sp>
+      <p:cxnSp>
+        <p:nvCxnSpPr>
+          <p:cNvPr id="21" name="Gerade Verbindung mit Pfeil 20">
+            <a:extLst>
+              <a:ext uri="{FF2B5EF4-FFF2-40B4-BE49-F238E27FC236}">
+                <a16:creationId xmlns:a16="http://schemas.microsoft.com/office/drawing/2014/main" id="{B5BF3CE5-76DD-4208-A93D-04B7EEB1D670}"/>
+              </a:ext>
+            </a:extLst>
+          </p:cNvPr>
+          <p:cNvCxnSpPr/>
+          <p:nvPr/>
+        </p:nvCxnSpPr>
+        <p:spPr>
+          <a:xfrm>
+            <a:off x="1595628" y="2830068"/>
+            <a:ext cx="384048" cy="701040"/>
+          </a:xfrm>
+          <a:prstGeom prst="straightConnector1">
+            <a:avLst/>
+          </a:prstGeom>
+          <a:ln>
+            <a:tailEnd type="triangle"/>
+          </a:ln>
+        </p:spPr>
+        <p:style>
+          <a:lnRef idx="2">
+            <a:schemeClr val="accent1"/>
+          </a:lnRef>
+          <a:fillRef idx="0">
+            <a:schemeClr val="accent1"/>
+          </a:fillRef>
+          <a:effectRef idx="1">
+            <a:schemeClr val="accent1"/>
+          </a:effectRef>
+          <a:fontRef idx="minor">
+            <a:schemeClr val="tx1"/>
+          </a:fontRef>
+        </p:style>
+      </p:cxnSp>
+      <p:sp>
+        <p:nvSpPr>
+          <p:cNvPr id="22" name="Textfeld 21">
+            <a:extLst>
+              <a:ext uri="{FF2B5EF4-FFF2-40B4-BE49-F238E27FC236}">
+                <a16:creationId xmlns:a16="http://schemas.microsoft.com/office/drawing/2014/main" id="{13D7DF89-57F4-4B9A-BF9A-40B21BE2AFC7}"/>
+              </a:ext>
+            </a:extLst>
+          </p:cNvPr>
+          <p:cNvSpPr txBox="1"/>
+          <p:nvPr/>
+        </p:nvSpPr>
+        <p:spPr>
+          <a:xfrm>
+            <a:off x="1008506" y="2459354"/>
+            <a:ext cx="1194816" cy="375428"/>
+          </a:xfrm>
+          <a:prstGeom prst="rect">
+            <a:avLst/>
+          </a:prstGeom>
+          <a:noFill/>
+        </p:spPr>
+        <p:txBody>
+          <a:bodyPr rot="0" spcFirstLastPara="0" vertOverflow="overflow" horzOverflow="overflow" vert="horz" wrap="square" lIns="91440" tIns="45720" rIns="91440" bIns="45720" numCol="1" spcCol="0" rtlCol="0" fromWordArt="0" anchor="t" anchorCtr="0" forceAA="0" compatLnSpc="1">
+            <a:prstTxWarp prst="textNoShape">
+              <a:avLst/>
+            </a:prstTxWarp>
+            <a:spAutoFit/>
+          </a:bodyPr>
+          <a:lstStyle/>
+          <a:p>
+            <a:pPr algn="l"/>
+            <a:r>
+              <a:rPr lang="de-DE"/>
+              <a:t>Akku</a:t>
+            </a:r>
+            <a:endParaRPr lang="de-DE" err="1">
+              <a:cs typeface="Calibri"/>
+            </a:endParaRPr>
+          </a:p>
+        </p:txBody>
+      </p:sp>
+      <p:cxnSp>
+        <p:nvCxnSpPr>
+          <p:cNvPr id="23" name="Gerade Verbindung mit Pfeil 22">
+            <a:extLst>
+              <a:ext uri="{FF2B5EF4-FFF2-40B4-BE49-F238E27FC236}">
+                <a16:creationId xmlns:a16="http://schemas.microsoft.com/office/drawing/2014/main" id="{4B7BE4FE-90E2-4262-B676-2A13E5FFDE5E}"/>
+              </a:ext>
+            </a:extLst>
+          </p:cNvPr>
+          <p:cNvCxnSpPr/>
+          <p:nvPr/>
+        </p:nvCxnSpPr>
+        <p:spPr>
+          <a:xfrm flipH="1">
+            <a:off x="4256151" y="2515743"/>
+            <a:ext cx="1005840" cy="268224"/>
+          </a:xfrm>
+          <a:prstGeom prst="straightConnector1">
+            <a:avLst/>
+          </a:prstGeom>
+          <a:ln>
+            <a:tailEnd type="triangle"/>
+          </a:ln>
+        </p:spPr>
+        <p:style>
+          <a:lnRef idx="2">
+            <a:schemeClr val="accent1"/>
+          </a:lnRef>
+          <a:fillRef idx="0">
+            <a:schemeClr val="accent1"/>
+          </a:fillRef>
+          <a:effectRef idx="1">
+            <a:schemeClr val="accent1"/>
+          </a:effectRef>
+          <a:fontRef idx="minor">
+            <a:schemeClr val="tx1"/>
+          </a:fontRef>
+        </p:style>
+      </p:cxnSp>
+      <p:sp>
+        <p:nvSpPr>
+          <p:cNvPr id="24" name="Textfeld 23">
+            <a:extLst>
+              <a:ext uri="{FF2B5EF4-FFF2-40B4-BE49-F238E27FC236}">
+                <a16:creationId xmlns:a16="http://schemas.microsoft.com/office/drawing/2014/main" id="{E8DBA7D8-65FB-4DDA-8ABC-8D262ECBF95E}"/>
+              </a:ext>
+            </a:extLst>
+          </p:cNvPr>
+          <p:cNvSpPr txBox="1"/>
+          <p:nvPr/>
+        </p:nvSpPr>
+        <p:spPr>
+          <a:xfrm>
+            <a:off x="5129402" y="2166746"/>
+            <a:ext cx="2042160" cy="369332"/>
+          </a:xfrm>
+          <a:prstGeom prst="rect">
+            <a:avLst/>
+          </a:prstGeom>
+          <a:noFill/>
+        </p:spPr>
+        <p:txBody>
+          <a:bodyPr rot="0" spcFirstLastPara="0" vertOverflow="overflow" horzOverflow="overflow" vert="horz" wrap="square" lIns="91440" tIns="45720" rIns="91440" bIns="45720" numCol="1" spcCol="0" rtlCol="0" fromWordArt="0" anchor="t" anchorCtr="0" forceAA="0" compatLnSpc="1">
+            <a:prstTxWarp prst="textNoShape">
+              <a:avLst/>
+            </a:prstTxWarp>
+            <a:spAutoFit/>
+          </a:bodyPr>
+          <a:lstStyle/>
+          <a:p>
+            <a:pPr algn="l"/>
+            <a:r>
+              <a:rPr lang="de-DE">
+                <a:cs typeface="Calibri"/>
+              </a:rPr>
+              <a:t>Elektrokettensäge</a:t>
+            </a:r>
+          </a:p>
+        </p:txBody>
+      </p:sp>
+      <p:cxnSp>
+        <p:nvCxnSpPr>
+          <p:cNvPr id="25" name="Gerade Verbindung mit Pfeil 24">
+            <a:extLst>
+              <a:ext uri="{FF2B5EF4-FFF2-40B4-BE49-F238E27FC236}">
+                <a16:creationId xmlns:a16="http://schemas.microsoft.com/office/drawing/2014/main" id="{5D47FFA8-3ACD-4F2F-9BB1-B8201C5546B2}"/>
+              </a:ext>
+            </a:extLst>
+          </p:cNvPr>
+          <p:cNvCxnSpPr/>
+          <p:nvPr/>
+        </p:nvCxnSpPr>
+        <p:spPr>
+          <a:xfrm flipH="1">
+            <a:off x="4069842" y="2158746"/>
+            <a:ext cx="219456" cy="262128"/>
+          </a:xfrm>
+          <a:prstGeom prst="straightConnector1">
+            <a:avLst/>
+          </a:prstGeom>
+          <a:ln>
+            <a:tailEnd type="triangle"/>
+          </a:ln>
+        </p:spPr>
+        <p:style>
+          <a:lnRef idx="2">
+            <a:schemeClr val="accent1"/>
+          </a:lnRef>
+          <a:fillRef idx="0">
+            <a:schemeClr val="accent1"/>
+          </a:fillRef>
+          <a:effectRef idx="1">
+            <a:schemeClr val="accent1"/>
+          </a:effectRef>
+          <a:fontRef idx="minor">
+            <a:schemeClr val="tx1"/>
+          </a:fontRef>
+        </p:style>
+      </p:cxnSp>
+      <p:sp>
+        <p:nvSpPr>
+          <p:cNvPr id="26" name="Textfeld 25">
+            <a:extLst>
+              <a:ext uri="{FF2B5EF4-FFF2-40B4-BE49-F238E27FC236}">
+                <a16:creationId xmlns:a16="http://schemas.microsoft.com/office/drawing/2014/main" id="{A631E490-72EA-40C7-A834-E2300B0F1EC9}"/>
+              </a:ext>
+            </a:extLst>
+          </p:cNvPr>
+          <p:cNvSpPr txBox="1"/>
+          <p:nvPr/>
+        </p:nvSpPr>
+        <p:spPr>
+          <a:xfrm>
+            <a:off x="4178426" y="1825370"/>
+            <a:ext cx="1194816" cy="375428"/>
+          </a:xfrm>
+          <a:prstGeom prst="rect">
+            <a:avLst/>
+          </a:prstGeom>
+          <a:noFill/>
+        </p:spPr>
+        <p:txBody>
+          <a:bodyPr rot="0" spcFirstLastPara="0" vertOverflow="overflow" horzOverflow="overflow" vert="horz" wrap="square" lIns="91440" tIns="45720" rIns="91440" bIns="45720" numCol="1" spcCol="0" rtlCol="0" fromWordArt="0" anchor="t" anchorCtr="0" forceAA="0" compatLnSpc="1">
+            <a:prstTxWarp prst="textNoShape">
+              <a:avLst/>
+            </a:prstTxWarp>
+            <a:spAutoFit/>
+          </a:bodyPr>
+          <a:lstStyle/>
+          <a:p>
+            <a:pPr algn="l"/>
+            <a:r>
+              <a:rPr lang="de-DE"/>
+              <a:t>Kamera</a:t>
+            </a:r>
+            <a:endParaRPr lang="de-DE" err="1">
+              <a:cs typeface="Calibri"/>
+            </a:endParaRPr>
+          </a:p>
+        </p:txBody>
+      </p:sp>
+    </p:spTree>
+    <p:extLst>
+      <p:ext uri="{BB962C8B-B14F-4D97-AF65-F5344CB8AC3E}">
+        <p14:creationId xmlns:p14="http://schemas.microsoft.com/office/powerpoint/2010/main" val="2010481731"/>
+      </p:ext>
+    </p:extLst>
+  </p:cSld>
+  <p:clrMapOvr>
+    <a:masterClrMapping/>
+  </p:clrMapOvr>
+</p:sld>
+</file>
+
+<file path=ppt/slides/slide19.xml><?xml version="1.0" encoding="utf-8"?>
+<p:sld xmlns:a="http://schemas.openxmlformats.org/drawingml/2006/main" xmlns:r="http://schemas.openxmlformats.org/officeDocument/2006/relationships" xmlns:p="http://schemas.openxmlformats.org/presentationml/2006/main">
+  <p:cSld>
+    <p:spTree>
+      <p:nvGrpSpPr>
+        <p:cNvPr id="1" name=""/>
+        <p:cNvGrpSpPr/>
+        <p:nvPr/>
+      </p:nvGrpSpPr>
+      <p:grpSpPr>
+        <a:xfrm>
+          <a:off x="0" y="0"/>
+          <a:ext cx="0" cy="0"/>
+          <a:chOff x="0" y="0"/>
+          <a:chExt cx="0" cy="0"/>
+        </a:xfrm>
+      </p:grpSpPr>
+      <p:sp>
+        <p:nvSpPr>
+          <p:cNvPr id="2" name="Titel 1">
+            <a:extLst>
+              <a:ext uri="{FF2B5EF4-FFF2-40B4-BE49-F238E27FC236}">
+                <a16:creationId xmlns:a16="http://schemas.microsoft.com/office/drawing/2014/main" id="{8E172805-D775-47BE-8747-2C710B88751B}"/>
+              </a:ext>
+            </a:extLst>
+          </p:cNvPr>
+          <p:cNvSpPr>
+            <a:spLocks noGrp="1"/>
+          </p:cNvSpPr>
+          <p:nvPr>
+            <p:ph type="title"/>
+          </p:nvPr>
+        </p:nvSpPr>
+        <p:spPr/>
+        <p:txBody>
+          <a:bodyPr/>
+          <a:lstStyle/>
+          <a:p>
+            <a:r>
+              <a:rPr lang="de-DE">
+                <a:ea typeface="Source Sans Pro"/>
+              </a:rPr>
+              <a:t>3D-Modell</a:t>
+            </a:r>
+          </a:p>
+        </p:txBody>
+      </p:sp>
+      <p:sp>
+        <p:nvSpPr>
+          <p:cNvPr id="3" name="Inhaltsplatzhalter 2">
+            <a:extLst>
+              <a:ext uri="{FF2B5EF4-FFF2-40B4-BE49-F238E27FC236}">
+                <a16:creationId xmlns:a16="http://schemas.microsoft.com/office/drawing/2014/main" id="{DD06D3BE-AD23-4C9C-B064-B76CB9B87000}"/>
+              </a:ext>
+            </a:extLst>
+          </p:cNvPr>
+          <p:cNvSpPr>
+            <a:spLocks noGrp="1"/>
+          </p:cNvSpPr>
+          <p:nvPr>
+            <p:ph idx="1"/>
+          </p:nvPr>
+        </p:nvSpPr>
+        <p:spPr>
+          <a:xfrm>
+            <a:off x="864000" y="2021181"/>
+            <a:ext cx="3875781" cy="4104983"/>
+          </a:xfrm>
+        </p:spPr>
+        <p:txBody>
+          <a:bodyPr vert="horz" lIns="91440" tIns="45720" rIns="91440" bIns="45720" rtlCol="0" anchor="t">
+            <a:normAutofit/>
+          </a:bodyPr>
+          <a:lstStyle/>
+          <a:p>
+            <a:r>
+              <a:rPr lang="de-DE">
+                <a:ea typeface="Source Sans Pro"/>
+              </a:rPr>
+              <a:t>Abmessungen:</a:t>
+            </a:r>
+            <a:endParaRPr lang="de-DE" err="1">
+              <a:ea typeface="Source Sans Pro"/>
+            </a:endParaRPr>
+          </a:p>
+          <a:p>
+            <a:pPr lvl="1"/>
+            <a:r>
+              <a:rPr lang="de-DE">
+                <a:ea typeface="Source Sans Pro"/>
+              </a:rPr>
+              <a:t>L: ca.750mm</a:t>
+            </a:r>
+          </a:p>
+          <a:p>
+            <a:pPr lvl="1"/>
+            <a:r>
+              <a:rPr lang="de-DE">
+                <a:ea typeface="Source Sans Pro"/>
+              </a:rPr>
+              <a:t>B: 570mm </a:t>
+            </a:r>
+          </a:p>
+          <a:p>
+            <a:pPr lvl="1"/>
+            <a:r>
+              <a:rPr lang="de-DE">
+                <a:ea typeface="Source Sans Pro"/>
+              </a:rPr>
+              <a:t>H: ca. 800mm</a:t>
+            </a:r>
+          </a:p>
+          <a:p>
+            <a:endParaRPr lang="de-DE">
+              <a:ea typeface="Source Sans Pro"/>
+            </a:endParaRPr>
+          </a:p>
+        </p:txBody>
+      </p:sp>
+      <p:pic>
+        <p:nvPicPr>
+          <p:cNvPr id="5" name="Grafik 5" descr="Ein Bild, das Text enthält.&#10;&#10;Beschreibung automatisch generiert.">
+            <a:extLst>
+              <a:ext uri="{FF2B5EF4-FFF2-40B4-BE49-F238E27FC236}">
+                <a16:creationId xmlns:a16="http://schemas.microsoft.com/office/drawing/2014/main" id="{0D4F0591-2869-4922-A5DE-1AE0078AA456}"/>
+              </a:ext>
+            </a:extLst>
+          </p:cNvPr>
+          <p:cNvPicPr>
+            <a:picLocks noChangeAspect="1"/>
+          </p:cNvPicPr>
+          <p:nvPr/>
+        </p:nvPicPr>
+        <p:blipFill>
+          <a:blip r:embed="rId3"/>
           <a:stretch>
             <a:fillRect/>
           </a:stretch>
         </p:blipFill>
         <p:spPr>
           <a:xfrm>
-            <a:off x="3758598" y="1558043"/>
-            <a:ext cx="4674804" cy="4680000"/>
+            <a:off x="4815840" y="849614"/>
+            <a:ext cx="5931408" cy="5152676"/>
           </a:xfrm>
+          <a:prstGeom prst="rect">
+            <a:avLst/>
+          </a:prstGeom>
         </p:spPr>
       </p:pic>
     </p:spTree>
     <p:extLst>
       <p:ext uri="{BB962C8B-B14F-4D97-AF65-F5344CB8AC3E}">
-        <p14:creationId xmlns:p14="http://schemas.microsoft.com/office/powerpoint/2010/main" val="3548825610"/>
+        <p14:creationId xmlns:p14="http://schemas.microsoft.com/office/powerpoint/2010/main" val="1223118009"/>
       </p:ext>
     </p:extLst>
   </p:cSld>
@@ -10932,6 +14625,1135 @@
           <p:cNvPr id="2" name="Titel 1">
             <a:extLst>
               <a:ext uri="{FF2B5EF4-FFF2-40B4-BE49-F238E27FC236}">
+                <a16:creationId xmlns:a16="http://schemas.microsoft.com/office/drawing/2014/main" id="{D0CC520B-C51A-4464-90B6-B9CBCC24B51F}"/>
+              </a:ext>
+            </a:extLst>
+          </p:cNvPr>
+          <p:cNvSpPr>
+            <a:spLocks noGrp="1"/>
+          </p:cNvSpPr>
+          <p:nvPr>
+            <p:ph type="title"/>
+          </p:nvPr>
+        </p:nvSpPr>
+        <p:spPr/>
+        <p:txBody>
+          <a:bodyPr>
+            <a:normAutofit/>
+          </a:bodyPr>
+          <a:lstStyle/>
+          <a:p>
+            <a:r>
+              <a:rPr lang="de-DE">
+                <a:ea typeface="Source Sans Pro"/>
+              </a:rPr>
+              <a:t>Motivation</a:t>
+            </a:r>
+          </a:p>
+        </p:txBody>
+      </p:sp>
+      <p:pic>
+        <p:nvPicPr>
+          <p:cNvPr id="4" name="Grafik 4" descr="Ein Bild, das Rauch, Zug, draußen, Dampf enthält.&#10;&#10;Beschreibung automatisch generiert.">
+            <a:extLst>
+              <a:ext uri="{FF2B5EF4-FFF2-40B4-BE49-F238E27FC236}">
+                <a16:creationId xmlns:a16="http://schemas.microsoft.com/office/drawing/2014/main" id="{D400EBFD-B2C7-43B8-B39F-B4A982BC18C3}"/>
+              </a:ext>
+            </a:extLst>
+          </p:cNvPr>
+          <p:cNvPicPr>
+            <a:picLocks noChangeAspect="1"/>
+          </p:cNvPicPr>
+          <p:nvPr/>
+        </p:nvPicPr>
+        <p:blipFill>
+          <a:blip r:embed="rId3"/>
+          <a:stretch>
+            <a:fillRect/>
+          </a:stretch>
+        </p:blipFill>
+        <p:spPr>
+          <a:xfrm>
+            <a:off x="6016752" y="1444635"/>
+            <a:ext cx="4639056" cy="2609322"/>
+          </a:xfrm>
+          <a:prstGeom prst="rect">
+            <a:avLst/>
+          </a:prstGeom>
+        </p:spPr>
+      </p:pic>
+      <p:pic>
+        <p:nvPicPr>
+          <p:cNvPr id="5" name="Grafik 5" descr="Ein Bild, das draußen, Gras, Kraftrad, Feuer enthält.&#10;&#10;Beschreibung automatisch generiert.">
+            <a:extLst>
+              <a:ext uri="{FF2B5EF4-FFF2-40B4-BE49-F238E27FC236}">
+                <a16:creationId xmlns:a16="http://schemas.microsoft.com/office/drawing/2014/main" id="{E2E88925-96A1-4599-B71B-776BE929E115}"/>
+              </a:ext>
+            </a:extLst>
+          </p:cNvPr>
+          <p:cNvPicPr>
+            <a:picLocks noChangeAspect="1"/>
+          </p:cNvPicPr>
+          <p:nvPr/>
+        </p:nvPicPr>
+        <p:blipFill>
+          <a:blip r:embed="rId4"/>
+          <a:stretch>
+            <a:fillRect/>
+          </a:stretch>
+        </p:blipFill>
+        <p:spPr>
+          <a:xfrm>
+            <a:off x="707136" y="3885438"/>
+            <a:ext cx="4303776" cy="2257044"/>
+          </a:xfrm>
+          <a:prstGeom prst="rect">
+            <a:avLst/>
+          </a:prstGeom>
+        </p:spPr>
+      </p:pic>
+      <p:sp>
+        <p:nvSpPr>
+          <p:cNvPr id="7" name="Inhaltsplatzhalter 2">
+            <a:extLst>
+              <a:ext uri="{FF2B5EF4-FFF2-40B4-BE49-F238E27FC236}">
+                <a16:creationId xmlns:a16="http://schemas.microsoft.com/office/drawing/2014/main" id="{ABFC0E40-953A-4981-975E-FC9F35FAEC74}"/>
+              </a:ext>
+            </a:extLst>
+          </p:cNvPr>
+          <p:cNvSpPr>
+            <a:spLocks noGrp="1"/>
+          </p:cNvSpPr>
+          <p:nvPr>
+            <p:ph idx="1"/>
+          </p:nvPr>
+        </p:nvSpPr>
+        <p:spPr>
+          <a:xfrm>
+            <a:off x="498240" y="2344269"/>
+            <a:ext cx="3875781" cy="1343495"/>
+          </a:xfrm>
+        </p:spPr>
+        <p:txBody>
+          <a:bodyPr vert="horz" lIns="91440" tIns="45720" rIns="91440" bIns="45720" rtlCol="0" anchor="t">
+            <a:normAutofit/>
+          </a:bodyPr>
+          <a:lstStyle/>
+          <a:p>
+            <a:pPr marL="0" indent="0">
+              <a:buNone/>
+            </a:pPr>
+            <a:r>
+              <a:rPr lang="de-DE" b="1">
+                <a:ea typeface="Source Sans Pro"/>
+              </a:rPr>
+              <a:t>Szenario:</a:t>
+            </a:r>
+            <a:r>
+              <a:rPr lang="de-DE">
+                <a:ea typeface="Source Sans Pro"/>
+              </a:rPr>
+              <a:t> Waldbrand</a:t>
+            </a:r>
+          </a:p>
+          <a:p>
+            <a:pPr marL="0" indent="0">
+              <a:buNone/>
+            </a:pPr>
+            <a:endParaRPr lang="de-DE">
+              <a:ea typeface="Source Sans Pro"/>
+            </a:endParaRPr>
+          </a:p>
+        </p:txBody>
+      </p:sp>
+      <p:sp>
+        <p:nvSpPr>
+          <p:cNvPr id="9" name="Inhaltsplatzhalter 2">
+            <a:extLst>
+              <a:ext uri="{FF2B5EF4-FFF2-40B4-BE49-F238E27FC236}">
+                <a16:creationId xmlns:a16="http://schemas.microsoft.com/office/drawing/2014/main" id="{07B58F01-54DE-412E-99F8-C80B77DEDD31}"/>
+              </a:ext>
+            </a:extLst>
+          </p:cNvPr>
+          <p:cNvSpPr txBox="1">
+            <a:spLocks/>
+          </p:cNvSpPr>
+          <p:nvPr/>
+        </p:nvSpPr>
+        <p:spPr>
+          <a:xfrm>
+            <a:off x="5429904" y="4325469"/>
+            <a:ext cx="5332725" cy="1910423"/>
+          </a:xfrm>
+          <a:prstGeom prst="rect">
+            <a:avLst/>
+          </a:prstGeom>
+        </p:spPr>
+        <p:txBody>
+          <a:bodyPr vert="horz" lIns="91440" tIns="45720" rIns="91440" bIns="45720" rtlCol="0" anchor="t">
+            <a:normAutofit fontScale="85000" lnSpcReduction="20000"/>
+          </a:bodyPr>
+          <a:lstStyle>
+            <a:lvl1pPr marL="342900" indent="-342900" algn="l" defTabSz="457200" rtl="0" eaLnBrk="1" latinLnBrk="0" hangingPunct="1">
+              <a:spcBef>
+                <a:spcPct val="20000"/>
+              </a:spcBef>
+              <a:buFont typeface="Arial"/>
+              <a:buChar char="•"/>
+              <a:defRPr sz="3200" b="0" i="0" kern="1200">
+                <a:solidFill>
+                  <a:schemeClr val="tx1"/>
+                </a:solidFill>
+                <a:latin typeface="Source Sans Pro"/>
+                <a:ea typeface="+mn-ea"/>
+                <a:cs typeface="Source Sans Pro"/>
+              </a:defRPr>
+            </a:lvl1pPr>
+            <a:lvl2pPr marL="742950" indent="-285750" algn="l" defTabSz="457200" rtl="0" eaLnBrk="1" latinLnBrk="0" hangingPunct="1">
+              <a:spcBef>
+                <a:spcPct val="20000"/>
+              </a:spcBef>
+              <a:buFont typeface="Arial"/>
+              <a:buChar char="–"/>
+              <a:defRPr sz="2800" b="0" i="0" kern="1200">
+                <a:solidFill>
+                  <a:schemeClr val="tx1"/>
+                </a:solidFill>
+                <a:latin typeface="Source Sans Pro"/>
+                <a:ea typeface="+mn-ea"/>
+                <a:cs typeface="Source Sans Pro"/>
+              </a:defRPr>
+            </a:lvl2pPr>
+            <a:lvl3pPr marL="1143000" indent="-228600" algn="l" defTabSz="457200" rtl="0" eaLnBrk="1" latinLnBrk="0" hangingPunct="1">
+              <a:spcBef>
+                <a:spcPct val="20000"/>
+              </a:spcBef>
+              <a:buFont typeface="Arial"/>
+              <a:buChar char="•"/>
+              <a:defRPr sz="2400" b="0" i="0" kern="1200">
+                <a:solidFill>
+                  <a:schemeClr val="tx1"/>
+                </a:solidFill>
+                <a:latin typeface="Source Sans Pro"/>
+                <a:ea typeface="+mn-ea"/>
+                <a:cs typeface="Source Sans Pro"/>
+              </a:defRPr>
+            </a:lvl3pPr>
+            <a:lvl4pPr marL="1600200" indent="-228600" algn="l" defTabSz="457200" rtl="0" eaLnBrk="1" latinLnBrk="0" hangingPunct="1">
+              <a:spcBef>
+                <a:spcPct val="20000"/>
+              </a:spcBef>
+              <a:buFont typeface="Arial"/>
+              <a:buChar char="–"/>
+              <a:defRPr sz="2000" b="0" i="0" kern="1200">
+                <a:solidFill>
+                  <a:schemeClr val="tx1"/>
+                </a:solidFill>
+                <a:latin typeface="Source Sans Pro"/>
+                <a:ea typeface="+mn-ea"/>
+                <a:cs typeface="Source Sans Pro"/>
+              </a:defRPr>
+            </a:lvl4pPr>
+            <a:lvl5pPr marL="2057400" indent="-228600" algn="l" defTabSz="457200" rtl="0" eaLnBrk="1" latinLnBrk="0" hangingPunct="1">
+              <a:spcBef>
+                <a:spcPct val="20000"/>
+              </a:spcBef>
+              <a:buFont typeface="Arial"/>
+              <a:buChar char="»"/>
+              <a:defRPr sz="2000" b="0" i="0" kern="1200">
+                <a:solidFill>
+                  <a:schemeClr val="tx1"/>
+                </a:solidFill>
+                <a:latin typeface="Source Sans Pro"/>
+                <a:ea typeface="+mn-ea"/>
+                <a:cs typeface="Source Sans Pro"/>
+              </a:defRPr>
+            </a:lvl5pPr>
+            <a:lvl6pPr marL="2514600" indent="-228600" algn="l" defTabSz="457200" rtl="0" eaLnBrk="1" latinLnBrk="0" hangingPunct="1">
+              <a:spcBef>
+                <a:spcPct val="20000"/>
+              </a:spcBef>
+              <a:buFont typeface="Arial"/>
+              <a:buChar char="•"/>
+              <a:defRPr sz="2000" kern="1200">
+                <a:solidFill>
+                  <a:schemeClr val="tx1"/>
+                </a:solidFill>
+                <a:latin typeface="+mn-lt"/>
+                <a:ea typeface="+mn-ea"/>
+                <a:cs typeface="+mn-cs"/>
+              </a:defRPr>
+            </a:lvl6pPr>
+            <a:lvl7pPr marL="2971800" indent="-228600" algn="l" defTabSz="457200" rtl="0" eaLnBrk="1" latinLnBrk="0" hangingPunct="1">
+              <a:spcBef>
+                <a:spcPct val="20000"/>
+              </a:spcBef>
+              <a:buFont typeface="Arial"/>
+              <a:buChar char="•"/>
+              <a:defRPr sz="2000" kern="1200">
+                <a:solidFill>
+                  <a:schemeClr val="tx1"/>
+                </a:solidFill>
+                <a:latin typeface="+mn-lt"/>
+                <a:ea typeface="+mn-ea"/>
+                <a:cs typeface="+mn-cs"/>
+              </a:defRPr>
+            </a:lvl7pPr>
+            <a:lvl8pPr marL="3429000" indent="-228600" algn="l" defTabSz="457200" rtl="0" eaLnBrk="1" latinLnBrk="0" hangingPunct="1">
+              <a:spcBef>
+                <a:spcPct val="20000"/>
+              </a:spcBef>
+              <a:buFont typeface="Arial"/>
+              <a:buChar char="•"/>
+              <a:defRPr sz="2000" kern="1200">
+                <a:solidFill>
+                  <a:schemeClr val="tx1"/>
+                </a:solidFill>
+                <a:latin typeface="+mn-lt"/>
+                <a:ea typeface="+mn-ea"/>
+                <a:cs typeface="+mn-cs"/>
+              </a:defRPr>
+            </a:lvl8pPr>
+            <a:lvl9pPr marL="3886200" indent="-228600" algn="l" defTabSz="457200" rtl="0" eaLnBrk="1" latinLnBrk="0" hangingPunct="1">
+              <a:spcBef>
+                <a:spcPct val="20000"/>
+              </a:spcBef>
+              <a:buFont typeface="Arial"/>
+              <a:buChar char="•"/>
+              <a:defRPr sz="2000" kern="1200">
+                <a:solidFill>
+                  <a:schemeClr val="tx1"/>
+                </a:solidFill>
+                <a:latin typeface="+mn-lt"/>
+                <a:ea typeface="+mn-ea"/>
+                <a:cs typeface="+mn-cs"/>
+              </a:defRPr>
+            </a:lvl9pPr>
+          </a:lstStyle>
+          <a:p>
+            <a:pPr marL="0" indent="0">
+              <a:buNone/>
+            </a:pPr>
+            <a:r>
+              <a:rPr lang="de-DE" b="1">
+                <a:ea typeface="Source Sans Pro"/>
+              </a:rPr>
+              <a:t>Einsatz des Bots:</a:t>
+            </a:r>
+            <a:endParaRPr lang="de-DE"/>
+          </a:p>
+          <a:p>
+            <a:pPr marL="457200" indent="-457200"/>
+            <a:r>
+              <a:rPr lang="de-DE">
+                <a:ea typeface="Source Sans Pro"/>
+              </a:rPr>
+              <a:t>Personen finden und Standort bestimmen</a:t>
+            </a:r>
+            <a:endParaRPr lang="de-DE" b="1">
+              <a:ea typeface="Source Sans Pro"/>
+            </a:endParaRPr>
+          </a:p>
+          <a:p>
+            <a:pPr marL="457200" indent="-457200"/>
+            <a:r>
+              <a:rPr lang="de-DE">
+                <a:ea typeface="Source Sans Pro"/>
+              </a:rPr>
+              <a:t>Kommunikation mit den Personen</a:t>
+            </a:r>
+          </a:p>
+          <a:p>
+            <a:pPr marL="0" indent="0">
+              <a:buNone/>
+            </a:pPr>
+            <a:endParaRPr lang="de-DE">
+              <a:ea typeface="Source Sans Pro"/>
+            </a:endParaRPr>
+          </a:p>
+        </p:txBody>
+      </p:sp>
+    </p:spTree>
+    <p:extLst>
+      <p:ext uri="{BB962C8B-B14F-4D97-AF65-F5344CB8AC3E}">
+        <p14:creationId xmlns:p14="http://schemas.microsoft.com/office/powerpoint/2010/main" val="1603636932"/>
+      </p:ext>
+    </p:extLst>
+  </p:cSld>
+  <p:clrMapOvr>
+    <a:masterClrMapping/>
+  </p:clrMapOvr>
+</p:sld>
+</file>
+
+<file path=ppt/slides/slide20.xml><?xml version="1.0" encoding="utf-8"?>
+<p:sld xmlns:a="http://schemas.openxmlformats.org/drawingml/2006/main" xmlns:r="http://schemas.openxmlformats.org/officeDocument/2006/relationships" xmlns:p="http://schemas.openxmlformats.org/presentationml/2006/main">
+  <p:cSld>
+    <p:spTree>
+      <p:nvGrpSpPr>
+        <p:cNvPr id="1" name=""/>
+        <p:cNvGrpSpPr/>
+        <p:nvPr/>
+      </p:nvGrpSpPr>
+      <p:grpSpPr>
+        <a:xfrm>
+          <a:off x="0" y="0"/>
+          <a:ext cx="0" cy="0"/>
+          <a:chOff x="0" y="0"/>
+          <a:chExt cx="0" cy="0"/>
+        </a:xfrm>
+      </p:grpSpPr>
+      <p:sp>
+        <p:nvSpPr>
+          <p:cNvPr id="2" name="Titel 1">
+            <a:extLst>
+              <a:ext uri="{FF2B5EF4-FFF2-40B4-BE49-F238E27FC236}">
+                <a16:creationId xmlns:a16="http://schemas.microsoft.com/office/drawing/2014/main" id="{E1121411-1689-46AD-812F-BBC44E4C1E3E}"/>
+              </a:ext>
+            </a:extLst>
+          </p:cNvPr>
+          <p:cNvSpPr>
+            <a:spLocks noGrp="1"/>
+          </p:cNvSpPr>
+          <p:nvPr>
+            <p:ph type="title"/>
+          </p:nvPr>
+        </p:nvSpPr>
+        <p:spPr/>
+        <p:txBody>
+          <a:bodyPr/>
+          <a:lstStyle/>
+          <a:p>
+            <a:r>
+              <a:rPr lang="de-DE">
+                <a:ea typeface="Source Sans Pro"/>
+              </a:rPr>
+              <a:t>3D-Modell</a:t>
+            </a:r>
+            <a:endParaRPr lang="de-DE"/>
+          </a:p>
+        </p:txBody>
+      </p:sp>
+      <p:sp>
+        <p:nvSpPr>
+          <p:cNvPr id="3" name="Inhaltsplatzhalter 2">
+            <a:extLst>
+              <a:ext uri="{FF2B5EF4-FFF2-40B4-BE49-F238E27FC236}">
+                <a16:creationId xmlns:a16="http://schemas.microsoft.com/office/drawing/2014/main" id="{80A91FD3-7E3B-4FCE-AA0A-5E2FBE0B9B7A}"/>
+              </a:ext>
+            </a:extLst>
+          </p:cNvPr>
+          <p:cNvSpPr>
+            <a:spLocks noGrp="1"/>
+          </p:cNvSpPr>
+          <p:nvPr>
+            <p:ph idx="1"/>
+          </p:nvPr>
+        </p:nvSpPr>
+        <p:spPr>
+          <a:xfrm>
+            <a:off x="864000" y="2021181"/>
+            <a:ext cx="10233909" cy="4220807"/>
+          </a:xfrm>
+        </p:spPr>
+        <p:txBody>
+          <a:bodyPr vert="horz" lIns="91440" tIns="45720" rIns="91440" bIns="45720" rtlCol="0" anchor="t">
+            <a:normAutofit fontScale="92500" lnSpcReduction="10000"/>
+          </a:bodyPr>
+          <a:lstStyle/>
+          <a:p>
+            <a:pPr marL="0" indent="0">
+              <a:buNone/>
+            </a:pPr>
+            <a:r>
+              <a:rPr lang="de-DE">
+                <a:ea typeface="Source Sans Pro"/>
+              </a:rPr>
+              <a:t>Folgende Elemente werden noch hinzugefügt:</a:t>
+            </a:r>
+          </a:p>
+          <a:p>
+            <a:r>
+              <a:rPr lang="de-DE">
+                <a:ea typeface="Source Sans Pro"/>
+              </a:rPr>
+              <a:t>Motoren</a:t>
+            </a:r>
+          </a:p>
+          <a:p>
+            <a:r>
+              <a:rPr lang="de-DE">
+                <a:ea typeface="Source Sans Pro"/>
+              </a:rPr>
+              <a:t>Mikrocontroller</a:t>
+            </a:r>
+          </a:p>
+          <a:p>
+            <a:r>
+              <a:rPr lang="de-DE">
+                <a:ea typeface="Source Sans Pro"/>
+              </a:rPr>
+              <a:t>Gegensprechanlage</a:t>
+            </a:r>
+          </a:p>
+          <a:p>
+            <a:r>
+              <a:rPr lang="de-DE">
+                <a:ea typeface="Source Sans Pro"/>
+              </a:rPr>
+              <a:t>Rundumleuchte</a:t>
+            </a:r>
+          </a:p>
+          <a:p>
+            <a:r>
+              <a:rPr lang="de-DE">
+                <a:ea typeface="Source Sans Pro"/>
+              </a:rPr>
+              <a:t>Elektr. zündbares Rauchsignal</a:t>
+            </a:r>
+          </a:p>
+          <a:p>
+            <a:r>
+              <a:rPr lang="de-DE">
+                <a:ea typeface="Source Sans Pro"/>
+              </a:rPr>
+              <a:t>Antenne für Fernbedienung</a:t>
+            </a:r>
+          </a:p>
+          <a:p>
+            <a:r>
+              <a:rPr lang="de-DE">
+                <a:ea typeface="Source Sans Pro"/>
+              </a:rPr>
+              <a:t>TIVITA System </a:t>
+            </a:r>
+            <a:r>
+              <a:rPr lang="de-DE" sz="2000">
+                <a:ea typeface="Source Sans Pro"/>
+              </a:rPr>
+              <a:t>(</a:t>
+            </a:r>
+            <a:r>
+              <a:rPr lang="de-DE" sz="2000">
+                <a:ea typeface="Source Sans Pro"/>
+                <a:hlinkClick r:id="rId3"/>
+              </a:rPr>
+              <a:t>http://diaspective-vision.com/produkte/ti-cam-system/</a:t>
+            </a:r>
+            <a:r>
+              <a:rPr lang="de-DE" sz="2000">
+                <a:ea typeface="Source Sans Pro"/>
+              </a:rPr>
+              <a:t>)</a:t>
+            </a:r>
+          </a:p>
+        </p:txBody>
+      </p:sp>
+    </p:spTree>
+    <p:extLst>
+      <p:ext uri="{BB962C8B-B14F-4D97-AF65-F5344CB8AC3E}">
+        <p14:creationId xmlns:p14="http://schemas.microsoft.com/office/powerpoint/2010/main" val="2575085337"/>
+      </p:ext>
+    </p:extLst>
+  </p:cSld>
+  <p:clrMapOvr>
+    <a:masterClrMapping/>
+  </p:clrMapOvr>
+</p:sld>
+</file>
+
+<file path=ppt/slides/slide21.xml><?xml version="1.0" encoding="utf-8"?>
+<p:sld xmlns:a="http://schemas.openxmlformats.org/drawingml/2006/main" xmlns:r="http://schemas.openxmlformats.org/officeDocument/2006/relationships" xmlns:p="http://schemas.openxmlformats.org/presentationml/2006/main">
+  <p:cSld>
+    <p:spTree>
+      <p:nvGrpSpPr>
+        <p:cNvPr id="1" name=""/>
+        <p:cNvGrpSpPr/>
+        <p:nvPr/>
+      </p:nvGrpSpPr>
+      <p:grpSpPr>
+        <a:xfrm>
+          <a:off x="0" y="0"/>
+          <a:ext cx="0" cy="0"/>
+          <a:chOff x="0" y="0"/>
+          <a:chExt cx="0" cy="0"/>
+        </a:xfrm>
+      </p:grpSpPr>
+      <p:sp>
+        <p:nvSpPr>
+          <p:cNvPr id="2" name="Titel 1">
+            <a:extLst>
+              <a:ext uri="{FF2B5EF4-FFF2-40B4-BE49-F238E27FC236}">
+                <a16:creationId xmlns:a16="http://schemas.microsoft.com/office/drawing/2014/main" id="{05348005-959E-40FC-AD58-02391540E98A}"/>
+              </a:ext>
+            </a:extLst>
+          </p:cNvPr>
+          <p:cNvSpPr>
+            <a:spLocks noGrp="1"/>
+          </p:cNvSpPr>
+          <p:nvPr>
+            <p:ph type="title"/>
+          </p:nvPr>
+        </p:nvSpPr>
+        <p:spPr/>
+        <p:txBody>
+          <a:bodyPr/>
+          <a:lstStyle/>
+          <a:p>
+            <a:r>
+              <a:rPr lang="de-DE"/>
+              <a:t>Umgebungsdiagramm</a:t>
+            </a:r>
+          </a:p>
+        </p:txBody>
+      </p:sp>
+      <p:pic>
+        <p:nvPicPr>
+          <p:cNvPr id="6" name="Inhaltsplatzhalter 5" descr="Ein Bild, das Bildschirm, Raum enthält.&#10;&#10;Automatisch generierte Beschreibung">
+            <a:extLst>
+              <a:ext uri="{FF2B5EF4-FFF2-40B4-BE49-F238E27FC236}">
+                <a16:creationId xmlns:a16="http://schemas.microsoft.com/office/drawing/2014/main" id="{E57271B8-BD63-4D59-9314-85DE10742E93}"/>
+              </a:ext>
+            </a:extLst>
+          </p:cNvPr>
+          <p:cNvPicPr>
+            <a:picLocks noGrp="1" noChangeAspect="1"/>
+          </p:cNvPicPr>
+          <p:nvPr>
+            <p:ph idx="1"/>
+          </p:nvPr>
+        </p:nvPicPr>
+        <p:blipFill>
+          <a:blip r:embed="rId3">
+            <a:extLst>
+              <a:ext uri="{28A0092B-C50C-407E-A947-70E740481C1C}">
+                <a14:useLocalDpi xmlns:a14="http://schemas.microsoft.com/office/drawing/2010/main" val="0"/>
+              </a:ext>
+            </a:extLst>
+          </a:blip>
+          <a:stretch>
+            <a:fillRect/>
+          </a:stretch>
+        </p:blipFill>
+        <p:spPr>
+          <a:xfrm>
+            <a:off x="464292" y="2023844"/>
+            <a:ext cx="10428491" cy="3734312"/>
+          </a:xfrm>
+        </p:spPr>
+      </p:pic>
+    </p:spTree>
+    <p:extLst>
+      <p:ext uri="{BB962C8B-B14F-4D97-AF65-F5344CB8AC3E}">
+        <p14:creationId xmlns:p14="http://schemas.microsoft.com/office/powerpoint/2010/main" val="4045734271"/>
+      </p:ext>
+    </p:extLst>
+  </p:cSld>
+  <p:clrMapOvr>
+    <a:masterClrMapping/>
+  </p:clrMapOvr>
+</p:sld>
+</file>
+
+<file path=ppt/slides/slide22.xml><?xml version="1.0" encoding="utf-8"?>
+<p:sld xmlns:a="http://schemas.openxmlformats.org/drawingml/2006/main" xmlns:r="http://schemas.openxmlformats.org/officeDocument/2006/relationships" xmlns:p="http://schemas.openxmlformats.org/presentationml/2006/main">
+  <p:cSld>
+    <p:spTree>
+      <p:nvGrpSpPr>
+        <p:cNvPr id="1" name=""/>
+        <p:cNvGrpSpPr/>
+        <p:nvPr/>
+      </p:nvGrpSpPr>
+      <p:grpSpPr>
+        <a:xfrm>
+          <a:off x="0" y="0"/>
+          <a:ext cx="0" cy="0"/>
+          <a:chOff x="0" y="0"/>
+          <a:chExt cx="0" cy="0"/>
+        </a:xfrm>
+      </p:grpSpPr>
+      <p:sp>
+        <p:nvSpPr>
+          <p:cNvPr id="2" name="Titel 1">
+            <a:extLst>
+              <a:ext uri="{FF2B5EF4-FFF2-40B4-BE49-F238E27FC236}">
+                <a16:creationId xmlns:a16="http://schemas.microsoft.com/office/drawing/2014/main" id="{FCF49A9A-DEF3-48A5-A399-A505A46EE0BB}"/>
+              </a:ext>
+            </a:extLst>
+          </p:cNvPr>
+          <p:cNvSpPr>
+            <a:spLocks noGrp="1"/>
+          </p:cNvSpPr>
+          <p:nvPr>
+            <p:ph type="title"/>
+          </p:nvPr>
+        </p:nvSpPr>
+        <p:spPr/>
+        <p:txBody>
+          <a:bodyPr/>
+          <a:lstStyle/>
+          <a:p>
+            <a:r>
+              <a:rPr lang="de-DE" err="1">
+                <a:ea typeface="Source Sans Pro"/>
+              </a:rPr>
+              <a:t>Map</a:t>
+            </a:r>
+            <a:r>
+              <a:rPr lang="de-DE">
+                <a:ea typeface="Source Sans Pro"/>
+              </a:rPr>
+              <a:t>- Übersicht</a:t>
+            </a:r>
+          </a:p>
+        </p:txBody>
+      </p:sp>
+      <p:pic>
+        <p:nvPicPr>
+          <p:cNvPr id="4" name="Grafik 4" descr="Ein Bild, das Text, Karte enthält.&#10;&#10;Beschreibung automatisch generiert.">
+            <a:extLst>
+              <a:ext uri="{FF2B5EF4-FFF2-40B4-BE49-F238E27FC236}">
+                <a16:creationId xmlns:a16="http://schemas.microsoft.com/office/drawing/2014/main" id="{F2AFDEA0-F4A2-41D9-B400-E11E81D748E3}"/>
+              </a:ext>
+            </a:extLst>
+          </p:cNvPr>
+          <p:cNvPicPr>
+            <a:picLocks noGrp="1" noChangeAspect="1"/>
+          </p:cNvPicPr>
+          <p:nvPr>
+            <p:ph idx="1"/>
+          </p:nvPr>
+        </p:nvPicPr>
+        <p:blipFill>
+          <a:blip r:embed="rId3"/>
+          <a:stretch>
+            <a:fillRect/>
+          </a:stretch>
+        </p:blipFill>
+        <p:spPr>
+          <a:xfrm>
+            <a:off x="2950895" y="1946230"/>
+            <a:ext cx="6060118" cy="4242393"/>
+          </a:xfrm>
+        </p:spPr>
+      </p:pic>
+    </p:spTree>
+    <p:extLst>
+      <p:ext uri="{BB962C8B-B14F-4D97-AF65-F5344CB8AC3E}">
+        <p14:creationId xmlns:p14="http://schemas.microsoft.com/office/powerpoint/2010/main" val="1577989471"/>
+      </p:ext>
+    </p:extLst>
+  </p:cSld>
+  <p:clrMapOvr>
+    <a:masterClrMapping/>
+  </p:clrMapOvr>
+</p:sld>
+</file>
+
+<file path=ppt/slides/slide23.xml><?xml version="1.0" encoding="utf-8"?>
+<p:sld xmlns:a="http://schemas.openxmlformats.org/drawingml/2006/main" xmlns:r="http://schemas.openxmlformats.org/officeDocument/2006/relationships" xmlns:p="http://schemas.openxmlformats.org/presentationml/2006/main">
+  <p:cSld>
+    <p:spTree>
+      <p:nvGrpSpPr>
+        <p:cNvPr id="1" name=""/>
+        <p:cNvGrpSpPr/>
+        <p:nvPr/>
+      </p:nvGrpSpPr>
+      <p:grpSpPr>
+        <a:xfrm>
+          <a:off x="0" y="0"/>
+          <a:ext cx="0" cy="0"/>
+          <a:chOff x="0" y="0"/>
+          <a:chExt cx="0" cy="0"/>
+        </a:xfrm>
+      </p:grpSpPr>
+      <p:sp>
+        <p:nvSpPr>
+          <p:cNvPr id="2" name="Titel 1">
+            <a:extLst>
+              <a:ext uri="{FF2B5EF4-FFF2-40B4-BE49-F238E27FC236}">
+                <a16:creationId xmlns:a16="http://schemas.microsoft.com/office/drawing/2014/main" id="{6BE37ED9-3146-4BBD-BFFF-5C6E19E24E6B}"/>
+              </a:ext>
+            </a:extLst>
+          </p:cNvPr>
+          <p:cNvSpPr>
+            <a:spLocks noGrp="1"/>
+          </p:cNvSpPr>
+          <p:nvPr>
+            <p:ph type="title"/>
+          </p:nvPr>
+        </p:nvSpPr>
+        <p:spPr/>
+        <p:txBody>
+          <a:bodyPr>
+            <a:normAutofit/>
+          </a:bodyPr>
+          <a:lstStyle/>
+          <a:p>
+            <a:r>
+              <a:rPr lang="de-DE" err="1">
+                <a:ea typeface="Source Sans Pro"/>
+              </a:rPr>
+              <a:t>Map</a:t>
+            </a:r>
+            <a:r>
+              <a:rPr lang="de-DE">
+                <a:ea typeface="Source Sans Pro"/>
+              </a:rPr>
+              <a:t> Umsetzung</a:t>
+            </a:r>
+          </a:p>
+        </p:txBody>
+      </p:sp>
+      <p:pic>
+        <p:nvPicPr>
+          <p:cNvPr id="7" name="Grafik 7">
+            <a:extLst>
+              <a:ext uri="{FF2B5EF4-FFF2-40B4-BE49-F238E27FC236}">
+                <a16:creationId xmlns:a16="http://schemas.microsoft.com/office/drawing/2014/main" id="{71AD7809-72B5-4418-B585-662AA5102224}"/>
+              </a:ext>
+            </a:extLst>
+          </p:cNvPr>
+          <p:cNvPicPr>
+            <a:picLocks noChangeAspect="1"/>
+          </p:cNvPicPr>
+          <p:nvPr/>
+        </p:nvPicPr>
+        <p:blipFill>
+          <a:blip r:embed="rId3"/>
+          <a:stretch>
+            <a:fillRect/>
+          </a:stretch>
+        </p:blipFill>
+        <p:spPr>
+          <a:xfrm>
+            <a:off x="5655733" y="729812"/>
+            <a:ext cx="5057422" cy="5440707"/>
+          </a:xfrm>
+          <a:prstGeom prst="rect">
+            <a:avLst/>
+          </a:prstGeom>
+          <a:ln>
+            <a:noFill/>
+          </a:ln>
+          <a:effectLst>
+            <a:outerShdw blurRad="292100" dist="139700" dir="2700000" algn="tl" rotWithShape="0">
+              <a:srgbClr val="333333">
+                <a:alpha val="65000"/>
+              </a:srgbClr>
+            </a:outerShdw>
+          </a:effectLst>
+        </p:spPr>
+      </p:pic>
+      <p:sp>
+        <p:nvSpPr>
+          <p:cNvPr id="8" name="Textfeld 7">
+            <a:extLst>
+              <a:ext uri="{FF2B5EF4-FFF2-40B4-BE49-F238E27FC236}">
+                <a16:creationId xmlns:a16="http://schemas.microsoft.com/office/drawing/2014/main" id="{4D69605F-60E3-481A-855F-4B482C633416}"/>
+              </a:ext>
+            </a:extLst>
+          </p:cNvPr>
+          <p:cNvSpPr txBox="1"/>
+          <p:nvPr/>
+        </p:nvSpPr>
+        <p:spPr>
+          <a:xfrm>
+            <a:off x="1000432" y="1885335"/>
+            <a:ext cx="4205748" cy="2308324"/>
+          </a:xfrm>
+          <a:prstGeom prst="rect">
+            <a:avLst/>
+          </a:prstGeom>
+          <a:noFill/>
+        </p:spPr>
+        <p:txBody>
+          <a:bodyPr rot="0" spcFirstLastPara="0" vertOverflow="overflow" horzOverflow="overflow" vert="horz" wrap="square" lIns="91440" tIns="45720" rIns="91440" bIns="45720" numCol="1" spcCol="0" rtlCol="0" fromWordArt="0" anchor="t" anchorCtr="0" forceAA="0" compatLnSpc="1">
+            <a:prstTxWarp prst="textNoShape">
+              <a:avLst/>
+            </a:prstTxWarp>
+            <a:spAutoFit/>
+          </a:bodyPr>
+          <a:lstStyle/>
+          <a:p>
+            <a:pPr marL="285750" indent="-285750">
+              <a:buFont typeface="Arial"/>
+              <a:buChar char="•"/>
+            </a:pPr>
+            <a:r>
+              <a:rPr lang="de-DE">
+                <a:cs typeface="Calibri"/>
+              </a:rPr>
+              <a:t>Größe 30 X 30 Felder</a:t>
+            </a:r>
+            <a:endParaRPr lang="de-DE"/>
+          </a:p>
+          <a:p>
+            <a:pPr marL="285750" indent="-285750">
+              <a:buFont typeface="Arial"/>
+              <a:buChar char="•"/>
+            </a:pPr>
+            <a:r>
+              <a:rPr lang="de-DE">
+                <a:cs typeface="Calibri"/>
+              </a:rPr>
+              <a:t>4 Schallquellen in: </a:t>
+            </a:r>
+          </a:p>
+          <a:p>
+            <a:pPr marL="742950" lvl="1" indent="-285750">
+              <a:buFont typeface="Arial"/>
+              <a:buChar char="•"/>
+            </a:pPr>
+            <a:r>
+              <a:rPr lang="de-DE">
+                <a:cs typeface="Calibri"/>
+              </a:rPr>
+              <a:t>3,3; 28,3 ; 27,26</a:t>
+            </a:r>
+          </a:p>
+          <a:p>
+            <a:endParaRPr lang="de-DE">
+              <a:cs typeface="Calibri"/>
+            </a:endParaRPr>
+          </a:p>
+          <a:p>
+            <a:r>
+              <a:rPr lang="de-DE">
+                <a:cs typeface="Calibri"/>
+              </a:rPr>
+              <a:t>R = Border</a:t>
+            </a:r>
+          </a:p>
+          <a:p>
+            <a:r>
+              <a:rPr lang="de-DE">
+                <a:cs typeface="Calibri"/>
+              </a:rPr>
+              <a:t>G = Ground</a:t>
+            </a:r>
+          </a:p>
+          <a:p>
+            <a:r>
+              <a:rPr lang="de-DE">
+                <a:cs typeface="Calibri"/>
+              </a:rPr>
+              <a:t>O = </a:t>
+            </a:r>
+            <a:r>
+              <a:rPr lang="de-DE" err="1">
+                <a:cs typeface="Calibri"/>
+              </a:rPr>
+              <a:t>Obstacle</a:t>
+            </a:r>
+            <a:endParaRPr lang="de-DE">
+              <a:cs typeface="Calibri"/>
+            </a:endParaRPr>
+          </a:p>
+          <a:p>
+            <a:r>
+              <a:rPr lang="de-DE">
+                <a:cs typeface="Calibri"/>
+              </a:rPr>
+              <a:t>W =</a:t>
+            </a:r>
+            <a:r>
+              <a:rPr lang="de-DE" err="1">
+                <a:cs typeface="Calibri"/>
+              </a:rPr>
+              <a:t>Water</a:t>
+            </a:r>
+            <a:endParaRPr lang="de-DE">
+              <a:cs typeface="Calibri"/>
+            </a:endParaRPr>
+          </a:p>
+        </p:txBody>
+      </p:sp>
+    </p:spTree>
+    <p:extLst>
+      <p:ext uri="{BB962C8B-B14F-4D97-AF65-F5344CB8AC3E}">
+        <p14:creationId xmlns:p14="http://schemas.microsoft.com/office/powerpoint/2010/main" val="861279220"/>
+      </p:ext>
+    </p:extLst>
+  </p:cSld>
+  <p:clrMapOvr>
+    <a:masterClrMapping/>
+  </p:clrMapOvr>
+</p:sld>
+</file>
+
+<file path=ppt/slides/slide24.xml><?xml version="1.0" encoding="utf-8"?>
+<p:sld xmlns:a="http://schemas.openxmlformats.org/drawingml/2006/main" xmlns:r="http://schemas.openxmlformats.org/officeDocument/2006/relationships" xmlns:p="http://schemas.openxmlformats.org/presentationml/2006/main">
+  <p:cSld>
+    <p:spTree>
+      <p:nvGrpSpPr>
+        <p:cNvPr id="1" name=""/>
+        <p:cNvGrpSpPr/>
+        <p:nvPr/>
+      </p:nvGrpSpPr>
+      <p:grpSpPr>
+        <a:xfrm>
+          <a:off x="0" y="0"/>
+          <a:ext cx="0" cy="0"/>
+          <a:chOff x="0" y="0"/>
+          <a:chExt cx="0" cy="0"/>
+        </a:xfrm>
+      </p:grpSpPr>
+      <p:sp>
+        <p:nvSpPr>
+          <p:cNvPr id="2" name="Titel 1">
+            <a:extLst>
+              <a:ext uri="{FF2B5EF4-FFF2-40B4-BE49-F238E27FC236}">
+                <a16:creationId xmlns:a16="http://schemas.microsoft.com/office/drawing/2014/main" id="{1B02C91B-8087-445B-BE5D-7D26C937F933}"/>
+              </a:ext>
+            </a:extLst>
+          </p:cNvPr>
+          <p:cNvSpPr>
+            <a:spLocks noGrp="1"/>
+          </p:cNvSpPr>
+          <p:nvPr>
+            <p:ph type="title"/>
+          </p:nvPr>
+        </p:nvSpPr>
+        <p:spPr/>
+        <p:txBody>
+          <a:bodyPr/>
+          <a:lstStyle/>
+          <a:p>
+            <a:r>
+              <a:rPr lang="de-DE">
+                <a:ea typeface="Source Sans Pro"/>
+              </a:rPr>
+              <a:t>Die nächsten Schritte</a:t>
+            </a:r>
+          </a:p>
+        </p:txBody>
+      </p:sp>
+      <p:sp>
+        <p:nvSpPr>
+          <p:cNvPr id="3" name="Inhaltsplatzhalter 2">
+            <a:extLst>
+              <a:ext uri="{FF2B5EF4-FFF2-40B4-BE49-F238E27FC236}">
+                <a16:creationId xmlns:a16="http://schemas.microsoft.com/office/drawing/2014/main" id="{681D986D-6ED4-43EC-9C56-84E845A9FE6E}"/>
+              </a:ext>
+            </a:extLst>
+          </p:cNvPr>
+          <p:cNvSpPr>
+            <a:spLocks noGrp="1"/>
+          </p:cNvSpPr>
+          <p:nvPr>
+            <p:ph idx="1"/>
+          </p:nvPr>
+        </p:nvSpPr>
+        <p:spPr/>
+        <p:txBody>
+          <a:bodyPr vert="horz" lIns="91440" tIns="45720" rIns="91440" bIns="45720" rtlCol="0" anchor="t">
+            <a:normAutofit/>
+          </a:bodyPr>
+          <a:lstStyle/>
+          <a:p>
+            <a:r>
+              <a:rPr lang="de-DE">
+                <a:ea typeface="Source Sans Pro"/>
+              </a:rPr>
+              <a:t>Projektkern</a:t>
+            </a:r>
+          </a:p>
+          <a:p>
+            <a:pPr lvl="1"/>
+            <a:r>
+              <a:rPr lang="de-DE">
+                <a:ea typeface="Source Sans Pro"/>
+              </a:rPr>
+              <a:t>Bauteile für 3D-Drucker und Lasercutter auslegen</a:t>
+            </a:r>
+          </a:p>
+          <a:p>
+            <a:pPr lvl="1"/>
+            <a:r>
+              <a:rPr lang="de-DE">
+                <a:ea typeface="Source Sans Pro"/>
+              </a:rPr>
+              <a:t>Algorithmen implementieren</a:t>
+            </a:r>
+          </a:p>
+          <a:p>
+            <a:pPr lvl="1"/>
+            <a:r>
+              <a:rPr lang="de-DE">
+                <a:ea typeface="Source Sans Pro"/>
+              </a:rPr>
+              <a:t>Testumgebung simulieren</a:t>
+            </a:r>
+          </a:p>
+          <a:p>
+            <a:r>
+              <a:rPr lang="de-DE">
+                <a:ea typeface="Source Sans Pro"/>
+              </a:rPr>
+              <a:t>Projektrahmen</a:t>
+            </a:r>
+          </a:p>
+          <a:p>
+            <a:pPr lvl="1"/>
+            <a:r>
+              <a:rPr lang="de-DE">
+                <a:ea typeface="Source Sans Pro"/>
+              </a:rPr>
+              <a:t>Beginn Dokumentation</a:t>
+            </a:r>
+          </a:p>
+          <a:p>
+            <a:pPr lvl="1"/>
+            <a:r>
+              <a:rPr lang="de-DE">
+                <a:ea typeface="Source Sans Pro"/>
+              </a:rPr>
+              <a:t>Diagramme überarbeiten</a:t>
+            </a:r>
+          </a:p>
+          <a:p>
+            <a:endParaRPr lang="de-DE">
+              <a:ea typeface="Source Sans Pro"/>
+            </a:endParaRPr>
+          </a:p>
+        </p:txBody>
+      </p:sp>
+    </p:spTree>
+    <p:extLst>
+      <p:ext uri="{BB962C8B-B14F-4D97-AF65-F5344CB8AC3E}">
+        <p14:creationId xmlns:p14="http://schemas.microsoft.com/office/powerpoint/2010/main" val="1950593229"/>
+      </p:ext>
+    </p:extLst>
+  </p:cSld>
+  <p:clrMapOvr>
+    <a:masterClrMapping/>
+  </p:clrMapOvr>
+</p:sld>
+</file>
+
+<file path=ppt/slides/slide3.xml><?xml version="1.0" encoding="utf-8"?>
+<p:sld xmlns:a="http://schemas.openxmlformats.org/drawingml/2006/main" xmlns:r="http://schemas.openxmlformats.org/officeDocument/2006/relationships" xmlns:p="http://schemas.openxmlformats.org/presentationml/2006/main">
+  <p:cSld>
+    <p:spTree>
+      <p:nvGrpSpPr>
+        <p:cNvPr id="1" name=""/>
+        <p:cNvGrpSpPr/>
+        <p:nvPr/>
+      </p:nvGrpSpPr>
+      <p:grpSpPr>
+        <a:xfrm>
+          <a:off x="0" y="0"/>
+          <a:ext cx="0" cy="0"/>
+          <a:chOff x="0" y="0"/>
+          <a:chExt cx="0" cy="0"/>
+        </a:xfrm>
+      </p:grpSpPr>
+      <p:sp>
+        <p:nvSpPr>
+          <p:cNvPr id="2" name="Titel 1">
+            <a:extLst>
+              <a:ext uri="{FF2B5EF4-FFF2-40B4-BE49-F238E27FC236}">
                 <a16:creationId xmlns:a16="http://schemas.microsoft.com/office/drawing/2014/main" id="{407C0E18-D4B2-4FE0-91FE-32EC157EB48E}"/>
               </a:ext>
             </a:extLst>
@@ -10953,31 +15775,6 @@
               <a:t>Requirements</a:t>
             </a:r>
             <a:endParaRPr lang="de-DE"/>
-          </a:p>
-        </p:txBody>
-      </p:sp>
-      <p:sp>
-        <p:nvSpPr>
-          <p:cNvPr id="5" name="Inhaltsplatzhalter 4">
-            <a:extLst>
-              <a:ext uri="{FF2B5EF4-FFF2-40B4-BE49-F238E27FC236}">
-                <a16:creationId xmlns:a16="http://schemas.microsoft.com/office/drawing/2014/main" id="{A1087E48-F5BB-4844-881E-451B3E919D40}"/>
-              </a:ext>
-            </a:extLst>
-          </p:cNvPr>
-          <p:cNvSpPr>
-            <a:spLocks noGrp="1"/>
-          </p:cNvSpPr>
-          <p:nvPr>
-            <p:ph idx="1"/>
-          </p:nvPr>
-        </p:nvSpPr>
-        <p:spPr/>
-        <p:txBody>
-          <a:bodyPr/>
-          <a:lstStyle/>
-          <a:p>
-            <a:endParaRPr lang="de-DE" dirty="0"/>
           </a:p>
         </p:txBody>
       </p:sp>
@@ -10995,16 +15792,15 @@
           </p:cNvPicPr>
           <p:nvPr/>
         </p:nvPicPr>
-        <p:blipFill>
-          <a:blip r:embed="rId2"/>
-          <a:stretch>
-            <a:fillRect/>
-          </a:stretch>
+        <p:blipFill rotWithShape="1">
+          <a:blip r:embed="rId3"/>
+          <a:srcRect t="-76" r="144" b="-120"/>
+          <a:stretch/>
         </p:blipFill>
         <p:spPr>
           <a:xfrm>
-            <a:off x="864000" y="1637541"/>
-            <a:ext cx="8773749" cy="4706007"/>
+            <a:off x="1625999" y="1884167"/>
+            <a:ext cx="7875476" cy="4239595"/>
           </a:xfrm>
           <a:prstGeom prst="rect">
             <a:avLst/>
@@ -11024,7 +15820,104 @@
 </p:sld>
 </file>
 
-<file path=ppt/slides/slide3.xml><?xml version="1.0" encoding="utf-8"?>
+<file path=ppt/slides/slide4.xml><?xml version="1.0" encoding="utf-8"?>
+<p:sld xmlns:a="http://schemas.openxmlformats.org/drawingml/2006/main" xmlns:r="http://schemas.openxmlformats.org/officeDocument/2006/relationships" xmlns:p="http://schemas.openxmlformats.org/presentationml/2006/main">
+  <p:cSld>
+    <p:spTree>
+      <p:nvGrpSpPr>
+        <p:cNvPr id="1" name=""/>
+        <p:cNvGrpSpPr/>
+        <p:nvPr/>
+      </p:nvGrpSpPr>
+      <p:grpSpPr>
+        <a:xfrm>
+          <a:off x="0" y="0"/>
+          <a:ext cx="0" cy="0"/>
+          <a:chOff x="0" y="0"/>
+          <a:chExt cx="0" cy="0"/>
+        </a:xfrm>
+      </p:grpSpPr>
+      <p:sp>
+        <p:nvSpPr>
+          <p:cNvPr id="2" name="Titel 1">
+            <a:extLst>
+              <a:ext uri="{FF2B5EF4-FFF2-40B4-BE49-F238E27FC236}">
+                <a16:creationId xmlns:a16="http://schemas.microsoft.com/office/drawing/2014/main" id="{B22B0CF3-B615-4DA2-A8E0-C936B9A27A50}"/>
+              </a:ext>
+            </a:extLst>
+          </p:cNvPr>
+          <p:cNvSpPr>
+            <a:spLocks noGrp="1"/>
+          </p:cNvSpPr>
+          <p:nvPr>
+            <p:ph type="title"/>
+          </p:nvPr>
+        </p:nvSpPr>
+        <p:spPr/>
+        <p:txBody>
+          <a:bodyPr/>
+          <a:lstStyle/>
+          <a:p>
+            <a:r>
+              <a:rPr lang="de-DE" err="1"/>
+              <a:t>Context</a:t>
+            </a:r>
+            <a:r>
+              <a:rPr lang="de-DE"/>
+              <a:t> </a:t>
+            </a:r>
+            <a:r>
+              <a:rPr lang="de-DE" err="1"/>
+              <a:t>modell</a:t>
+            </a:r>
+            <a:endParaRPr lang="de-DE"/>
+          </a:p>
+        </p:txBody>
+      </p:sp>
+      <p:pic>
+        <p:nvPicPr>
+          <p:cNvPr id="9" name="Grafik 9" descr="Ein Bild, das Screenshot enthält.&#10;&#10;Beschreibung automatisch generiert.">
+            <a:extLst>
+              <a:ext uri="{FF2B5EF4-FFF2-40B4-BE49-F238E27FC236}">
+                <a16:creationId xmlns:a16="http://schemas.microsoft.com/office/drawing/2014/main" id="{63B0F58E-CFE7-4CCE-BA71-E0772254C26A}"/>
+              </a:ext>
+            </a:extLst>
+          </p:cNvPr>
+          <p:cNvPicPr>
+            <a:picLocks noChangeAspect="1"/>
+          </p:cNvPicPr>
+          <p:nvPr/>
+        </p:nvPicPr>
+        <p:blipFill>
+          <a:blip r:embed="rId3"/>
+          <a:stretch>
+            <a:fillRect/>
+          </a:stretch>
+        </p:blipFill>
+        <p:spPr>
+          <a:xfrm>
+            <a:off x="2594707" y="1115492"/>
+            <a:ext cx="6787660" cy="5056864"/>
+          </a:xfrm>
+          <a:prstGeom prst="rect">
+            <a:avLst/>
+          </a:prstGeom>
+        </p:spPr>
+      </p:pic>
+    </p:spTree>
+    <p:extLst>
+      <p:ext uri="{BB962C8B-B14F-4D97-AF65-F5344CB8AC3E}">
+        <p14:creationId xmlns:p14="http://schemas.microsoft.com/office/powerpoint/2010/main" val="2607626568"/>
+      </p:ext>
+    </p:extLst>
+  </p:cSld>
+  <p:clrMapOvr>
+    <a:masterClrMapping/>
+  </p:clrMapOvr>
+</p:sld>
+</file>
+
+<file path=ppt/slides/slide5.xml><?xml version="1.0" encoding="utf-8"?>
 <p:sld xmlns:a="http://schemas.openxmlformats.org/drawingml/2006/main" xmlns:r="http://schemas.openxmlformats.org/officeDocument/2006/relationships" xmlns:p="http://schemas.openxmlformats.org/presentationml/2006/main">
   <p:cSld>
     <p:spTree>
@@ -11117,7 +16010,7 @@
 </p:sld>
 </file>
 
-<file path=ppt/slides/slide4.xml><?xml version="1.0" encoding="utf-8"?>
+<file path=ppt/slides/slide6.xml><?xml version="1.0" encoding="utf-8"?>
 <p:sld xmlns:a="http://schemas.openxmlformats.org/drawingml/2006/main" xmlns:r="http://schemas.openxmlformats.org/officeDocument/2006/relationships" xmlns:p="http://schemas.openxmlformats.org/presentationml/2006/main">
   <p:cSld>
     <p:spTree>
@@ -11177,7 +16070,7 @@
           <p:nvPr/>
         </p:nvPicPr>
         <p:blipFill>
-          <a:blip r:embed="rId2">
+          <a:blip r:embed="rId3">
             <a:extLst>
               <a:ext uri="{28A0092B-C50C-407E-A947-70E740481C1C}">
                 <a14:useLocalDpi xmlns:a14="http://schemas.microsoft.com/office/drawing/2010/main" val="0"/>
@@ -11250,7 +16143,7 @@
 </p:sld>
 </file>
 
-<file path=ppt/slides/slide5.xml><?xml version="1.0" encoding="utf-8"?>
+<file path=ppt/slides/slide7.xml><?xml version="1.0" encoding="utf-8"?>
 <p:sld xmlns:a="http://schemas.openxmlformats.org/drawingml/2006/main" xmlns:r="http://schemas.openxmlformats.org/officeDocument/2006/relationships" xmlns:p="http://schemas.openxmlformats.org/presentationml/2006/main">
   <p:cSld>
     <p:spTree>
@@ -11289,12 +16182,12 @@
           <a:lstStyle/>
           <a:p>
             <a:r>
-              <a:rPr lang="de-DE" dirty="0">
+              <a:rPr lang="de-DE">
                 <a:ea typeface="Source Sans Pro"/>
               </a:rPr>
               <a:t>Stakeholder-Matrix</a:t>
             </a:r>
-            <a:endParaRPr lang="de-DE" dirty="0"/>
+            <a:endParaRPr lang="de-DE"/>
           </a:p>
         </p:txBody>
       </p:sp>
@@ -11315,7 +16208,7 @@
           </p:nvPr>
         </p:nvPicPr>
         <p:blipFill>
-          <a:blip r:embed="rId2">
+          <a:blip r:embed="rId3">
             <a:extLst>
               <a:ext uri="{28A0092B-C50C-407E-A947-70E740481C1C}">
                 <a14:useLocalDpi xmlns:a14="http://schemas.microsoft.com/office/drawing/2010/main" val="0"/>
@@ -11346,7 +16239,7 @@
 </p:sld>
 </file>
 
-<file path=ppt/slides/slide6.xml><?xml version="1.0" encoding="utf-8"?>
+<file path=ppt/slides/slide8.xml><?xml version="1.0" encoding="utf-8"?>
 <p:sld xmlns:a="http://schemas.openxmlformats.org/drawingml/2006/main" xmlns:r="http://schemas.openxmlformats.org/officeDocument/2006/relationships" xmlns:p="http://schemas.openxmlformats.org/presentationml/2006/main">
   <p:cSld>
     <p:spTree>
@@ -11389,9 +16282,18 @@
           <a:lstStyle/>
           <a:p>
             <a:r>
-              <a:rPr lang="de-DE" dirty="0"/>
-              <a:t>Aktivitätsdiagramm</a:t>
-            </a:r>
+              <a:rPr lang="de-DE" b="0" err="1"/>
+              <a:t>Activity</a:t>
+            </a:r>
+            <a:r>
+              <a:rPr lang="de-DE" b="0"/>
+              <a:t> </a:t>
+            </a:r>
+            <a:r>
+              <a:rPr lang="de-DE" b="0" err="1"/>
+              <a:t>diagram</a:t>
+            </a:r>
+            <a:endParaRPr lang="de-DE" err="1"/>
           </a:p>
         </p:txBody>
       </p:sp>
@@ -11477,194 +16379,6 @@
 </p:sld>
 </file>
 
-<file path=ppt/slides/slide7.xml><?xml version="1.0" encoding="utf-8"?>
-<p:sld xmlns:a="http://schemas.openxmlformats.org/drawingml/2006/main" xmlns:r="http://schemas.openxmlformats.org/officeDocument/2006/relationships" xmlns:p="http://schemas.openxmlformats.org/presentationml/2006/main">
-  <p:cSld>
-    <p:spTree>
-      <p:nvGrpSpPr>
-        <p:cNvPr id="1" name=""/>
-        <p:cNvGrpSpPr/>
-        <p:nvPr/>
-      </p:nvGrpSpPr>
-      <p:grpSpPr>
-        <a:xfrm>
-          <a:off x="0" y="0"/>
-          <a:ext cx="0" cy="0"/>
-          <a:chOff x="0" y="0"/>
-          <a:chExt cx="0" cy="0"/>
-        </a:xfrm>
-      </p:grpSpPr>
-      <p:sp>
-        <p:nvSpPr>
-          <p:cNvPr id="2" name="Titel 1">
-            <a:extLst>
-              <a:ext uri="{FF2B5EF4-FFF2-40B4-BE49-F238E27FC236}">
-                <a16:creationId xmlns:a16="http://schemas.microsoft.com/office/drawing/2014/main" id="{E64B9D2B-7446-4A76-A66E-16BB0147AAD3}"/>
-              </a:ext>
-            </a:extLst>
-          </p:cNvPr>
-          <p:cNvSpPr>
-            <a:spLocks noGrp="1"/>
-          </p:cNvSpPr>
-          <p:nvPr>
-            <p:ph type="title"/>
-          </p:nvPr>
-        </p:nvSpPr>
-        <p:spPr/>
-        <p:txBody>
-          <a:bodyPr/>
-          <a:lstStyle/>
-          <a:p>
-            <a:r>
-              <a:rPr lang="de-DE" dirty="0" err="1"/>
-              <a:t>Sequencdiagramm</a:t>
-            </a:r>
-            <a:endParaRPr lang="de-DE" dirty="0"/>
-          </a:p>
-        </p:txBody>
-      </p:sp>
-      <p:pic>
-        <p:nvPicPr>
-          <p:cNvPr id="6" name="Inhaltsplatzhalter 5" descr="Ein Bild, das Computer, groß, Bildschirm, Raum enthält.&#10;&#10;Automatisch generierte Beschreibung">
-            <a:extLst>
-              <a:ext uri="{FF2B5EF4-FFF2-40B4-BE49-F238E27FC236}">
-                <a16:creationId xmlns:a16="http://schemas.microsoft.com/office/drawing/2014/main" id="{153C6FCE-B3F3-4549-B78A-B84AA82A0855}"/>
-              </a:ext>
-            </a:extLst>
-          </p:cNvPr>
-          <p:cNvPicPr>
-            <a:picLocks noGrp="1" noChangeAspect="1"/>
-          </p:cNvPicPr>
-          <p:nvPr>
-            <p:ph idx="1"/>
-          </p:nvPr>
-        </p:nvPicPr>
-        <p:blipFill>
-          <a:blip r:embed="rId3">
-            <a:extLst>
-              <a:ext uri="{28A0092B-C50C-407E-A947-70E740481C1C}">
-                <a14:useLocalDpi xmlns:a14="http://schemas.microsoft.com/office/drawing/2010/main" val="0"/>
-              </a:ext>
-            </a:extLst>
-          </a:blip>
-          <a:stretch>
-            <a:fillRect/>
-          </a:stretch>
-        </p:blipFill>
-        <p:spPr>
-          <a:xfrm>
-            <a:off x="2616648" y="1483986"/>
-            <a:ext cx="6625007" cy="4628364"/>
-          </a:xfrm>
-        </p:spPr>
-      </p:pic>
-    </p:spTree>
-    <p:extLst>
-      <p:ext uri="{BB962C8B-B14F-4D97-AF65-F5344CB8AC3E}">
-        <p14:creationId xmlns:p14="http://schemas.microsoft.com/office/powerpoint/2010/main" val="85131798"/>
-      </p:ext>
-    </p:extLst>
-  </p:cSld>
-  <p:clrMapOvr>
-    <a:masterClrMapping/>
-  </p:clrMapOvr>
-</p:sld>
-</file>
-
-<file path=ppt/slides/slide8.xml><?xml version="1.0" encoding="utf-8"?>
-<p:sld xmlns:a="http://schemas.openxmlformats.org/drawingml/2006/main" xmlns:r="http://schemas.openxmlformats.org/officeDocument/2006/relationships" xmlns:p="http://schemas.openxmlformats.org/presentationml/2006/main">
-  <p:cSld>
-    <p:spTree>
-      <p:nvGrpSpPr>
-        <p:cNvPr id="1" name=""/>
-        <p:cNvGrpSpPr/>
-        <p:nvPr/>
-      </p:nvGrpSpPr>
-      <p:grpSpPr>
-        <a:xfrm>
-          <a:off x="0" y="0"/>
-          <a:ext cx="0" cy="0"/>
-          <a:chOff x="0" y="0"/>
-          <a:chExt cx="0" cy="0"/>
-        </a:xfrm>
-      </p:grpSpPr>
-      <p:sp>
-        <p:nvSpPr>
-          <p:cNvPr id="2" name="Title 1">
-            <a:extLst>
-              <a:ext uri="{FF2B5EF4-FFF2-40B4-BE49-F238E27FC236}">
-                <a16:creationId xmlns:a16="http://schemas.microsoft.com/office/drawing/2014/main" id="{AF70A0EB-4B34-43FE-8D68-B67EAB7B9BA3}"/>
-              </a:ext>
-            </a:extLst>
-          </p:cNvPr>
-          <p:cNvSpPr>
-            <a:spLocks noGrp="1"/>
-          </p:cNvSpPr>
-          <p:nvPr>
-            <p:ph type="title"/>
-          </p:nvPr>
-        </p:nvSpPr>
-        <p:spPr/>
-        <p:txBody>
-          <a:bodyPr/>
-          <a:lstStyle/>
-          <a:p>
-            <a:r>
-              <a:rPr lang="de-DE" dirty="0" err="1"/>
-              <a:t>Sequencdiagramm</a:t>
-            </a:r>
-            <a:endParaRPr lang="en-US" dirty="0"/>
-          </a:p>
-        </p:txBody>
-      </p:sp>
-      <p:pic>
-        <p:nvPicPr>
-          <p:cNvPr id="6" name="Inhaltsplatzhalter 5" descr="Ein Bild, das dunkel, Raum, Stern enthält.&#10;&#10;Automatisch generierte Beschreibung">
-            <a:extLst>
-              <a:ext uri="{FF2B5EF4-FFF2-40B4-BE49-F238E27FC236}">
-                <a16:creationId xmlns:a16="http://schemas.microsoft.com/office/drawing/2014/main" id="{31952ED1-E367-43E4-8E0E-B18A8493C90A}"/>
-              </a:ext>
-            </a:extLst>
-          </p:cNvPr>
-          <p:cNvPicPr>
-            <a:picLocks noGrp="1" noChangeAspect="1"/>
-          </p:cNvPicPr>
-          <p:nvPr>
-            <p:ph idx="1"/>
-          </p:nvPr>
-        </p:nvPicPr>
-        <p:blipFill>
-          <a:blip r:embed="rId3">
-            <a:extLst>
-              <a:ext uri="{28A0092B-C50C-407E-A947-70E740481C1C}">
-                <a14:useLocalDpi xmlns:a14="http://schemas.microsoft.com/office/drawing/2010/main" val="0"/>
-              </a:ext>
-            </a:extLst>
-          </a:blip>
-          <a:stretch>
-            <a:fillRect/>
-          </a:stretch>
-        </p:blipFill>
-        <p:spPr>
-          <a:xfrm>
-            <a:off x="2488510" y="1631999"/>
-            <a:ext cx="6504570" cy="4379682"/>
-          </a:xfrm>
-        </p:spPr>
-      </p:pic>
-    </p:spTree>
-    <p:extLst>
-      <p:ext uri="{BB962C8B-B14F-4D97-AF65-F5344CB8AC3E}">
-        <p14:creationId xmlns:p14="http://schemas.microsoft.com/office/powerpoint/2010/main" val="2810966278"/>
-      </p:ext>
-    </p:extLst>
-  </p:cSld>
-  <p:clrMapOvr>
-    <a:masterClrMapping/>
-  </p:clrMapOvr>
-</p:sld>
-</file>
-
 <file path=ppt/slides/slide9.xml><?xml version="1.0" encoding="utf-8"?>
 <p:sld xmlns:a="http://schemas.openxmlformats.org/drawingml/2006/main" xmlns:r="http://schemas.openxmlformats.org/officeDocument/2006/relationships" xmlns:p="http://schemas.openxmlformats.org/presentationml/2006/main">
   <p:cSld>
@@ -11704,18 +16418,19 @@
           <a:lstStyle/>
           <a:p>
             <a:r>
-              <a:rPr lang="de-DE"/>
-              <a:t>Architekturmodell</a:t>
-            </a:r>
+              <a:rPr lang="en" b="0"/>
+              <a:t>architecture diagram</a:t>
+            </a:r>
+            <a:endParaRPr lang="de-DE"/>
           </a:p>
         </p:txBody>
       </p:sp>
       <p:pic>
         <p:nvPicPr>
-          <p:cNvPr id="6" name="Inhaltsplatzhalter 5" descr="Ein Bild, das Schild, sitzend, Kasten, Monitor enthält.&#10;&#10;Automatisch generierte Beschreibung">
+          <p:cNvPr id="5" name="Grafik 6" descr="Ein Bild, das Parkplatz, Anzeige, Schild, viele enthält.&#10;&#10;Beschreibung automatisch generiert.">
             <a:extLst>
               <a:ext uri="{FF2B5EF4-FFF2-40B4-BE49-F238E27FC236}">
-                <a16:creationId xmlns:a16="http://schemas.microsoft.com/office/drawing/2014/main" id="{088FE220-57FF-4D6D-A0AF-E870BC4BCEA9}"/>
+                <a16:creationId xmlns:a16="http://schemas.microsoft.com/office/drawing/2014/main" id="{0FFAED69-C637-4475-AB6B-7AFEBB719EBF}"/>
               </a:ext>
             </a:extLst>
           </p:cNvPr>
@@ -11727,22 +16442,46 @@
           </p:nvPr>
         </p:nvPicPr>
         <p:blipFill>
-          <a:blip r:embed="rId2">
-            <a:extLst>
-              <a:ext uri="{28A0092B-C50C-407E-A947-70E740481C1C}">
-                <a14:useLocalDpi xmlns:a14="http://schemas.microsoft.com/office/drawing/2010/main" val="0"/>
-              </a:ext>
-            </a:extLst>
-          </a:blip>
+          <a:blip r:embed="rId3"/>
           <a:stretch>
             <a:fillRect/>
           </a:stretch>
         </p:blipFill>
         <p:spPr>
           <a:xfrm>
-            <a:off x="3359956" y="1416186"/>
-            <a:ext cx="5002808" cy="4860000"/>
+            <a:off x="280760" y="1764329"/>
+            <a:ext cx="6348927" cy="6194059"/>
           </a:xfrm>
+        </p:spPr>
+      </p:pic>
+      <p:pic>
+        <p:nvPicPr>
+          <p:cNvPr id="7" name="Grafik 7" descr="Ein Bild, das Schild enthält.&#10;&#10;Beschreibung automatisch generiert.">
+            <a:extLst>
+              <a:ext uri="{FF2B5EF4-FFF2-40B4-BE49-F238E27FC236}">
+                <a16:creationId xmlns:a16="http://schemas.microsoft.com/office/drawing/2014/main" id="{EF27A133-3696-4B59-AA48-EE52A3E3CB95}"/>
+              </a:ext>
+            </a:extLst>
+          </p:cNvPr>
+          <p:cNvPicPr>
+            <a:picLocks noChangeAspect="1"/>
+          </p:cNvPicPr>
+          <p:nvPr/>
+        </p:nvPicPr>
+        <p:blipFill>
+          <a:blip r:embed="rId4"/>
+          <a:stretch>
+            <a:fillRect/>
+          </a:stretch>
+        </p:blipFill>
+        <p:spPr>
+          <a:xfrm>
+            <a:off x="5572018" y="2702449"/>
+            <a:ext cx="6373402" cy="2001057"/>
+          </a:xfrm>
+          <a:prstGeom prst="rect">
+            <a:avLst/>
+          </a:prstGeom>
         </p:spPr>
       </p:pic>
     </p:spTree>
